--- a/Project 4 Presentation.pptx
+++ b/Project 4 Presentation.pptx
@@ -5,15 +5,17 @@
     <p:sldMasterId id="2147483673" r:id="rId1"/>
   </p:sldMasterIdLst>
   <p:notesMasterIdLst>
-    <p:notesMasterId r:id="rId8"/>
+    <p:notesMasterId r:id="rId10"/>
   </p:notesMasterIdLst>
   <p:sldIdLst>
     <p:sldId id="256" r:id="rId2"/>
     <p:sldId id="268" r:id="rId3"/>
-    <p:sldId id="257" r:id="rId4"/>
-    <p:sldId id="269" r:id="rId5"/>
-    <p:sldId id="263" r:id="rId6"/>
-    <p:sldId id="264" r:id="rId7"/>
+    <p:sldId id="269" r:id="rId4"/>
+    <p:sldId id="270" r:id="rId5"/>
+    <p:sldId id="271" r:id="rId6"/>
+    <p:sldId id="272" r:id="rId7"/>
+    <p:sldId id="263" r:id="rId8"/>
+    <p:sldId id="264" r:id="rId9"/>
   </p:sldIdLst>
   <p:sldSz cx="12192000" cy="6858000"/>
   <p:notesSz cx="6858000" cy="9144000"/>
@@ -120,3032 +122,6 @@
 </p:presentation>
 </file>
 
-<file path=ppt/diagrams/colors1.xml><?xml version="1.0" encoding="utf-8"?>
-<dgm:colorsDef xmlns:dgm="http://schemas.openxmlformats.org/drawingml/2006/diagram" xmlns:a="http://schemas.openxmlformats.org/drawingml/2006/main" uniqueId="urn:microsoft.com/office/officeart/2018/5/colors/Iconchunking_neutralbg_accent0_3">
-  <dgm:title val=""/>
-  <dgm:desc val=""/>
-  <dgm:catLst>
-    <dgm:cat type="mainScheme" pri="10300"/>
-  </dgm:catLst>
-  <dgm:styleLbl name="node0">
-    <dgm:fillClrLst meth="repeat">
-      <a:schemeClr val="dk2"/>
-    </dgm:fillClrLst>
-    <dgm:linClrLst meth="repeat">
-      <a:schemeClr val="lt2"/>
-    </dgm:linClrLst>
-    <dgm:effectClrLst/>
-    <dgm:txLinClrLst/>
-    <dgm:txFillClrLst/>
-    <dgm:txEffectClrLst/>
-  </dgm:styleLbl>
-  <dgm:styleLbl name="alignNode1">
-    <dgm:fillClrLst meth="repeat">
-      <a:schemeClr val="dk2"/>
-    </dgm:fillClrLst>
-    <dgm:linClrLst meth="repeat">
-      <a:schemeClr val="dk2"/>
-    </dgm:linClrLst>
-    <dgm:effectClrLst/>
-    <dgm:txLinClrLst/>
-    <dgm:txFillClrLst/>
-    <dgm:txEffectClrLst/>
-  </dgm:styleLbl>
-  <dgm:styleLbl name="node1">
-    <dgm:fillClrLst meth="repeat">
-      <a:schemeClr val="dk2"/>
-    </dgm:fillClrLst>
-    <dgm:linClrLst meth="repeat">
-      <a:schemeClr val="lt2">
-        <a:alpha val="0"/>
-      </a:schemeClr>
-    </dgm:linClrLst>
-    <dgm:effectClrLst/>
-    <dgm:txLinClrLst/>
-    <dgm:txFillClrLst/>
-    <dgm:txEffectClrLst/>
-  </dgm:styleLbl>
-  <dgm:styleLbl name="lnNode1">
-    <dgm:fillClrLst meth="repeat">
-      <a:schemeClr val="dk2"/>
-    </dgm:fillClrLst>
-    <dgm:linClrLst meth="repeat">
-      <a:schemeClr val="lt2"/>
-    </dgm:linClrLst>
-    <dgm:effectClrLst/>
-    <dgm:txLinClrLst/>
-    <dgm:txFillClrLst/>
-    <dgm:txEffectClrLst/>
-  </dgm:styleLbl>
-  <dgm:styleLbl name="vennNode1">
-    <dgm:fillClrLst meth="repeat">
-      <a:schemeClr val="dk2">
-        <a:alpha val="50000"/>
-      </a:schemeClr>
-    </dgm:fillClrLst>
-    <dgm:linClrLst meth="repeat">
-      <a:schemeClr val="lt2"/>
-    </dgm:linClrLst>
-    <dgm:effectClrLst/>
-    <dgm:txLinClrLst/>
-    <dgm:txFillClrLst/>
-    <dgm:txEffectClrLst/>
-  </dgm:styleLbl>
-  <dgm:styleLbl name="node2">
-    <dgm:fillClrLst meth="repeat">
-      <a:schemeClr val="dk2"/>
-    </dgm:fillClrLst>
-    <dgm:linClrLst meth="repeat">
-      <a:schemeClr val="lt2"/>
-    </dgm:linClrLst>
-    <dgm:effectClrLst/>
-    <dgm:txLinClrLst/>
-    <dgm:txFillClrLst/>
-    <dgm:txEffectClrLst/>
-  </dgm:styleLbl>
-  <dgm:styleLbl name="node3">
-    <dgm:fillClrLst meth="repeat">
-      <a:schemeClr val="dk2"/>
-    </dgm:fillClrLst>
-    <dgm:linClrLst meth="repeat">
-      <a:schemeClr val="lt2"/>
-    </dgm:linClrLst>
-    <dgm:effectClrLst/>
-    <dgm:txLinClrLst/>
-    <dgm:txFillClrLst/>
-    <dgm:txEffectClrLst/>
-  </dgm:styleLbl>
-  <dgm:styleLbl name="node4">
-    <dgm:fillClrLst meth="repeat">
-      <a:schemeClr val="dk2"/>
-    </dgm:fillClrLst>
-    <dgm:linClrLst meth="repeat">
-      <a:schemeClr val="lt2"/>
-    </dgm:linClrLst>
-    <dgm:effectClrLst/>
-    <dgm:txLinClrLst/>
-    <dgm:txFillClrLst/>
-    <dgm:txEffectClrLst/>
-  </dgm:styleLbl>
-  <dgm:styleLbl name="fgImgPlace1">
-    <dgm:fillClrLst meth="repeat">
-      <a:schemeClr val="dk2">
-        <a:tint val="50000"/>
-      </a:schemeClr>
-    </dgm:fillClrLst>
-    <dgm:linClrLst meth="repeat">
-      <a:schemeClr val="lt2"/>
-    </dgm:linClrLst>
-    <dgm:effectClrLst/>
-    <dgm:txLinClrLst/>
-    <dgm:txFillClrLst meth="repeat">
-      <a:schemeClr val="lt2"/>
-    </dgm:txFillClrLst>
-    <dgm:txEffectClrLst/>
-  </dgm:styleLbl>
-  <dgm:styleLbl name="alignImgPlace1">
-    <dgm:fillClrLst meth="repeat">
-      <a:schemeClr val="dk2">
-        <a:tint val="50000"/>
-      </a:schemeClr>
-    </dgm:fillClrLst>
-    <dgm:linClrLst meth="repeat">
-      <a:schemeClr val="dk2">
-        <a:shade val="80000"/>
-      </a:schemeClr>
-    </dgm:linClrLst>
-    <dgm:effectClrLst/>
-    <dgm:txLinClrLst/>
-    <dgm:txFillClrLst meth="repeat">
-      <a:schemeClr val="lt2"/>
-    </dgm:txFillClrLst>
-    <dgm:txEffectClrLst/>
-  </dgm:styleLbl>
-  <dgm:styleLbl name="bgImgPlace1">
-    <dgm:fillClrLst meth="repeat">
-      <a:schemeClr val="dk2">
-        <a:tint val="50000"/>
-      </a:schemeClr>
-    </dgm:fillClrLst>
-    <dgm:linClrLst meth="repeat">
-      <a:schemeClr val="dk2">
-        <a:shade val="80000"/>
-      </a:schemeClr>
-    </dgm:linClrLst>
-    <dgm:effectClrLst/>
-    <dgm:txLinClrLst/>
-    <dgm:txFillClrLst meth="repeat">
-      <a:schemeClr val="lt2"/>
-    </dgm:txFillClrLst>
-    <dgm:txEffectClrLst/>
-  </dgm:styleLbl>
-  <dgm:styleLbl name="sibTrans2D1">
-    <dgm:fillClrLst meth="repeat">
-      <a:schemeClr val="dk2">
-        <a:tint val="60000"/>
-      </a:schemeClr>
-    </dgm:fillClrLst>
-    <dgm:linClrLst meth="repeat">
-      <a:schemeClr val="dk2">
-        <a:tint val="60000"/>
-      </a:schemeClr>
-    </dgm:linClrLst>
-    <dgm:effectClrLst/>
-    <dgm:txLinClrLst/>
-    <dgm:txFillClrLst/>
-    <dgm:txEffectClrLst/>
-  </dgm:styleLbl>
-  <dgm:styleLbl name="fgSibTrans2D1">
-    <dgm:fillClrLst meth="repeat">
-      <a:schemeClr val="dk2">
-        <a:tint val="60000"/>
-      </a:schemeClr>
-    </dgm:fillClrLst>
-    <dgm:linClrLst meth="repeat">
-      <a:schemeClr val="dk2">
-        <a:tint val="60000"/>
-      </a:schemeClr>
-    </dgm:linClrLst>
-    <dgm:effectClrLst/>
-    <dgm:txLinClrLst/>
-    <dgm:txFillClrLst/>
-    <dgm:txEffectClrLst/>
-  </dgm:styleLbl>
-  <dgm:styleLbl name="bgSibTrans2D1">
-    <dgm:fillClrLst meth="repeat">
-      <a:schemeClr val="dk2">
-        <a:tint val="60000"/>
-      </a:schemeClr>
-    </dgm:fillClrLst>
-    <dgm:linClrLst meth="repeat">
-      <a:schemeClr val="dk2">
-        <a:tint val="60000"/>
-      </a:schemeClr>
-    </dgm:linClrLst>
-    <dgm:effectClrLst/>
-    <dgm:txLinClrLst/>
-    <dgm:txFillClrLst/>
-    <dgm:txEffectClrLst/>
-  </dgm:styleLbl>
-  <dgm:styleLbl name="sibTrans1D1">
-    <dgm:fillClrLst meth="repeat">
-      <a:schemeClr val="dk2"/>
-    </dgm:fillClrLst>
-    <dgm:linClrLst meth="repeat">
-      <a:schemeClr val="dk2"/>
-    </dgm:linClrLst>
-    <dgm:effectClrLst/>
-    <dgm:txLinClrLst/>
-    <dgm:txFillClrLst meth="repeat">
-      <a:schemeClr val="lt2"/>
-    </dgm:txFillClrLst>
-    <dgm:txEffectClrLst/>
-  </dgm:styleLbl>
-  <dgm:styleLbl name="callout">
-    <dgm:fillClrLst meth="repeat">
-      <a:schemeClr val="dk2"/>
-    </dgm:fillClrLst>
-    <dgm:linClrLst meth="repeat">
-      <a:schemeClr val="dk2">
-        <a:tint val="50000"/>
-      </a:schemeClr>
-    </dgm:linClrLst>
-    <dgm:effectClrLst/>
-    <dgm:txLinClrLst/>
-    <dgm:txFillClrLst meth="repeat">
-      <a:schemeClr val="lt2"/>
-    </dgm:txFillClrLst>
-    <dgm:txEffectClrLst/>
-  </dgm:styleLbl>
-  <dgm:styleLbl name="asst0">
-    <dgm:fillClrLst meth="repeat">
-      <a:schemeClr val="dk2"/>
-    </dgm:fillClrLst>
-    <dgm:linClrLst meth="repeat">
-      <a:schemeClr val="lt2"/>
-    </dgm:linClrLst>
-    <dgm:effectClrLst/>
-    <dgm:txLinClrLst/>
-    <dgm:txFillClrLst/>
-    <dgm:txEffectClrLst/>
-  </dgm:styleLbl>
-  <dgm:styleLbl name="asst1">
-    <dgm:fillClrLst meth="repeat">
-      <a:schemeClr val="dk2"/>
-    </dgm:fillClrLst>
-    <dgm:linClrLst meth="repeat">
-      <a:schemeClr val="lt2"/>
-    </dgm:linClrLst>
-    <dgm:effectClrLst/>
-    <dgm:txLinClrLst/>
-    <dgm:txFillClrLst/>
-    <dgm:txEffectClrLst/>
-  </dgm:styleLbl>
-  <dgm:styleLbl name="asst2">
-    <dgm:fillClrLst meth="repeat">
-      <a:schemeClr val="dk2"/>
-    </dgm:fillClrLst>
-    <dgm:linClrLst meth="repeat">
-      <a:schemeClr val="lt2"/>
-    </dgm:linClrLst>
-    <dgm:effectClrLst/>
-    <dgm:txLinClrLst/>
-    <dgm:txFillClrLst/>
-    <dgm:txEffectClrLst/>
-  </dgm:styleLbl>
-  <dgm:styleLbl name="asst3">
-    <dgm:fillClrLst meth="repeat">
-      <a:schemeClr val="dk2"/>
-    </dgm:fillClrLst>
-    <dgm:linClrLst meth="repeat">
-      <a:schemeClr val="lt2"/>
-    </dgm:linClrLst>
-    <dgm:effectClrLst/>
-    <dgm:txLinClrLst/>
-    <dgm:txFillClrLst/>
-    <dgm:txEffectClrLst/>
-  </dgm:styleLbl>
-  <dgm:styleLbl name="asst4">
-    <dgm:fillClrLst meth="repeat">
-      <a:schemeClr val="dk2"/>
-    </dgm:fillClrLst>
-    <dgm:linClrLst meth="repeat">
-      <a:schemeClr val="lt2"/>
-    </dgm:linClrLst>
-    <dgm:effectClrLst/>
-    <dgm:txLinClrLst/>
-    <dgm:txFillClrLst/>
-    <dgm:txEffectClrLst/>
-  </dgm:styleLbl>
-  <dgm:styleLbl name="parChTrans2D1">
-    <dgm:fillClrLst meth="repeat">
-      <a:schemeClr val="dk2">
-        <a:tint val="60000"/>
-      </a:schemeClr>
-    </dgm:fillClrLst>
-    <dgm:linClrLst meth="repeat">
-      <a:schemeClr val="dk2">
-        <a:tint val="60000"/>
-      </a:schemeClr>
-    </dgm:linClrLst>
-    <dgm:effectClrLst/>
-    <dgm:txLinClrLst/>
-    <dgm:txFillClrLst meth="repeat">
-      <a:schemeClr val="lt2"/>
-    </dgm:txFillClrLst>
-    <dgm:txEffectClrLst/>
-  </dgm:styleLbl>
-  <dgm:styleLbl name="parChTrans2D2">
-    <dgm:fillClrLst meth="repeat">
-      <a:schemeClr val="dk2"/>
-    </dgm:fillClrLst>
-    <dgm:linClrLst meth="repeat">
-      <a:schemeClr val="dk2"/>
-    </dgm:linClrLst>
-    <dgm:effectClrLst/>
-    <dgm:txLinClrLst/>
-    <dgm:txFillClrLst meth="repeat">
-      <a:schemeClr val="lt2"/>
-    </dgm:txFillClrLst>
-    <dgm:txEffectClrLst/>
-  </dgm:styleLbl>
-  <dgm:styleLbl name="parChTrans2D3">
-    <dgm:fillClrLst meth="repeat">
-      <a:schemeClr val="dk2"/>
-    </dgm:fillClrLst>
-    <dgm:linClrLst meth="repeat">
-      <a:schemeClr val="dk2"/>
-    </dgm:linClrLst>
-    <dgm:effectClrLst/>
-    <dgm:txLinClrLst/>
-    <dgm:txFillClrLst meth="repeat">
-      <a:schemeClr val="lt2"/>
-    </dgm:txFillClrLst>
-    <dgm:txEffectClrLst/>
-  </dgm:styleLbl>
-  <dgm:styleLbl name="parChTrans2D4">
-    <dgm:fillClrLst meth="repeat">
-      <a:schemeClr val="dk2"/>
-    </dgm:fillClrLst>
-    <dgm:linClrLst meth="repeat">
-      <a:schemeClr val="dk2"/>
-    </dgm:linClrLst>
-    <dgm:effectClrLst/>
-    <dgm:txLinClrLst/>
-    <dgm:txFillClrLst meth="repeat">
-      <a:schemeClr val="lt2"/>
-    </dgm:txFillClrLst>
-    <dgm:txEffectClrLst/>
-  </dgm:styleLbl>
-  <dgm:styleLbl name="parChTrans1D1">
-    <dgm:fillClrLst meth="repeat">
-      <a:schemeClr val="dk2"/>
-    </dgm:fillClrLst>
-    <dgm:linClrLst meth="repeat">
-      <a:schemeClr val="dk2">
-        <a:shade val="60000"/>
-      </a:schemeClr>
-    </dgm:linClrLst>
-    <dgm:effectClrLst/>
-    <dgm:txLinClrLst/>
-    <dgm:txFillClrLst meth="repeat">
-      <a:schemeClr val="tx1"/>
-    </dgm:txFillClrLst>
-    <dgm:txEffectClrLst/>
-  </dgm:styleLbl>
-  <dgm:styleLbl name="parChTrans1D2">
-    <dgm:fillClrLst meth="repeat">
-      <a:schemeClr val="dk2"/>
-    </dgm:fillClrLst>
-    <dgm:linClrLst meth="repeat">
-      <a:schemeClr val="dk2">
-        <a:shade val="60000"/>
-      </a:schemeClr>
-    </dgm:linClrLst>
-    <dgm:effectClrLst/>
-    <dgm:txLinClrLst/>
-    <dgm:txFillClrLst meth="repeat">
-      <a:schemeClr val="tx1"/>
-    </dgm:txFillClrLst>
-    <dgm:txEffectClrLst/>
-  </dgm:styleLbl>
-  <dgm:styleLbl name="parChTrans1D3">
-    <dgm:fillClrLst meth="repeat">
-      <a:schemeClr val="dk2"/>
-    </dgm:fillClrLst>
-    <dgm:linClrLst meth="repeat">
-      <a:schemeClr val="dk2">
-        <a:shade val="80000"/>
-      </a:schemeClr>
-    </dgm:linClrLst>
-    <dgm:effectClrLst/>
-    <dgm:txLinClrLst/>
-    <dgm:txFillClrLst meth="repeat">
-      <a:schemeClr val="tx1"/>
-    </dgm:txFillClrLst>
-    <dgm:txEffectClrLst/>
-  </dgm:styleLbl>
-  <dgm:styleLbl name="parChTrans1D4">
-    <dgm:fillClrLst meth="repeat">
-      <a:schemeClr val="dk2"/>
-    </dgm:fillClrLst>
-    <dgm:linClrLst meth="repeat">
-      <a:schemeClr val="dk2">
-        <a:shade val="80000"/>
-      </a:schemeClr>
-    </dgm:linClrLst>
-    <dgm:effectClrLst/>
-    <dgm:txLinClrLst/>
-    <dgm:txFillClrLst meth="repeat">
-      <a:schemeClr val="tx1"/>
-    </dgm:txFillClrLst>
-    <dgm:txEffectClrLst/>
-  </dgm:styleLbl>
-  <dgm:styleLbl name="fgAcc1">
-    <dgm:fillClrLst meth="repeat">
-      <a:schemeClr val="lt2">
-        <a:alpha val="90000"/>
-      </a:schemeClr>
-    </dgm:fillClrLst>
-    <dgm:linClrLst meth="repeat">
-      <a:schemeClr val="dk2"/>
-    </dgm:linClrLst>
-    <dgm:effectClrLst/>
-    <dgm:txLinClrLst/>
-    <dgm:txFillClrLst meth="repeat">
-      <a:schemeClr val="dk1"/>
-    </dgm:txFillClrLst>
-    <dgm:txEffectClrLst/>
-  </dgm:styleLbl>
-  <dgm:styleLbl name="conFgAcc1">
-    <dgm:fillClrLst meth="repeat">
-      <a:schemeClr val="lt2">
-        <a:alpha val="90000"/>
-      </a:schemeClr>
-    </dgm:fillClrLst>
-    <dgm:linClrLst meth="repeat">
-      <a:schemeClr val="dk2"/>
-    </dgm:linClrLst>
-    <dgm:effectClrLst/>
-    <dgm:txLinClrLst/>
-    <dgm:txFillClrLst meth="repeat">
-      <a:schemeClr val="dk1"/>
-    </dgm:txFillClrLst>
-    <dgm:txEffectClrLst/>
-  </dgm:styleLbl>
-  <dgm:styleLbl name="alignAcc1">
-    <dgm:fillClrLst meth="repeat">
-      <a:schemeClr val="lt2">
-        <a:alpha val="90000"/>
-      </a:schemeClr>
-    </dgm:fillClrLst>
-    <dgm:linClrLst meth="repeat">
-      <a:schemeClr val="dk2"/>
-    </dgm:linClrLst>
-    <dgm:effectClrLst/>
-    <dgm:txLinClrLst/>
-    <dgm:txFillClrLst meth="repeat">
-      <a:schemeClr val="dk1"/>
-    </dgm:txFillClrLst>
-    <dgm:txEffectClrLst/>
-  </dgm:styleLbl>
-  <dgm:styleLbl name="trAlignAcc1">
-    <dgm:fillClrLst meth="repeat">
-      <a:schemeClr val="lt2">
-        <a:alpha val="40000"/>
-      </a:schemeClr>
-    </dgm:fillClrLst>
-    <dgm:linClrLst meth="repeat">
-      <a:schemeClr val="dk2"/>
-    </dgm:linClrLst>
-    <dgm:effectClrLst/>
-    <dgm:txLinClrLst/>
-    <dgm:txFillClrLst meth="repeat">
-      <a:schemeClr val="dk1"/>
-    </dgm:txFillClrLst>
-    <dgm:txEffectClrLst/>
-  </dgm:styleLbl>
-  <dgm:styleLbl name="bgAcc1">
-    <dgm:fillClrLst meth="repeat">
-      <a:schemeClr val="lt2">
-        <a:alpha val="90000"/>
-      </a:schemeClr>
-    </dgm:fillClrLst>
-    <dgm:linClrLst meth="repeat">
-      <a:schemeClr val="dk2"/>
-    </dgm:linClrLst>
-    <dgm:effectClrLst/>
-    <dgm:txLinClrLst/>
-    <dgm:txFillClrLst meth="repeat">
-      <a:schemeClr val="dk1"/>
-    </dgm:txFillClrLst>
-    <dgm:txEffectClrLst/>
-  </dgm:styleLbl>
-  <dgm:styleLbl name="solidFgAcc1">
-    <dgm:fillClrLst meth="repeat">
-      <a:schemeClr val="lt2"/>
-    </dgm:fillClrLst>
-    <dgm:linClrLst meth="repeat">
-      <a:schemeClr val="dk2"/>
-    </dgm:linClrLst>
-    <dgm:effectClrLst/>
-    <dgm:txLinClrLst/>
-    <dgm:txFillClrLst meth="repeat">
-      <a:schemeClr val="dk1"/>
-    </dgm:txFillClrLst>
-    <dgm:txEffectClrLst/>
-  </dgm:styleLbl>
-  <dgm:styleLbl name="solidAlignAcc1">
-    <dgm:fillClrLst meth="repeat">
-      <a:schemeClr val="lt2"/>
-    </dgm:fillClrLst>
-    <dgm:linClrLst meth="repeat">
-      <a:schemeClr val="dk2"/>
-    </dgm:linClrLst>
-    <dgm:effectClrLst/>
-    <dgm:txLinClrLst/>
-    <dgm:txFillClrLst meth="repeat">
-      <a:schemeClr val="dk1"/>
-    </dgm:txFillClrLst>
-    <dgm:txEffectClrLst/>
-  </dgm:styleLbl>
-  <dgm:styleLbl name="solidBgAcc1">
-    <dgm:fillClrLst meth="repeat">
-      <a:schemeClr val="lt2"/>
-    </dgm:fillClrLst>
-    <dgm:linClrLst meth="repeat">
-      <a:schemeClr val="dk2"/>
-    </dgm:linClrLst>
-    <dgm:effectClrLst/>
-    <dgm:txLinClrLst/>
-    <dgm:txFillClrLst meth="repeat">
-      <a:schemeClr val="dk1"/>
-    </dgm:txFillClrLst>
-    <dgm:txEffectClrLst/>
-  </dgm:styleLbl>
-  <dgm:styleLbl name="fgAccFollowNode1">
-    <dgm:fillClrLst meth="repeat">
-      <a:schemeClr val="dk2">
-        <a:alpha val="90000"/>
-        <a:tint val="40000"/>
-      </a:schemeClr>
-    </dgm:fillClrLst>
-    <dgm:linClrLst meth="repeat">
-      <a:schemeClr val="dk2">
-        <a:alpha val="90000"/>
-        <a:tint val="40000"/>
-      </a:schemeClr>
-    </dgm:linClrLst>
-    <dgm:effectClrLst/>
-    <dgm:txLinClrLst/>
-    <dgm:txFillClrLst meth="repeat">
-      <a:schemeClr val="dk1"/>
-    </dgm:txFillClrLst>
-    <dgm:txEffectClrLst/>
-  </dgm:styleLbl>
-  <dgm:styleLbl name="alignAccFollowNode1">
-    <dgm:fillClrLst meth="repeat">
-      <a:schemeClr val="dk2">
-        <a:alpha val="90000"/>
-        <a:tint val="40000"/>
-      </a:schemeClr>
-    </dgm:fillClrLst>
-    <dgm:linClrLst meth="repeat">
-      <a:schemeClr val="dk2">
-        <a:alpha val="90000"/>
-        <a:tint val="40000"/>
-      </a:schemeClr>
-    </dgm:linClrLst>
-    <dgm:effectClrLst/>
-    <dgm:txLinClrLst/>
-    <dgm:txFillClrLst meth="repeat">
-      <a:schemeClr val="dk1"/>
-    </dgm:txFillClrLst>
-    <dgm:txEffectClrLst/>
-  </dgm:styleLbl>
-  <dgm:styleLbl name="bgAccFollowNode1">
-    <dgm:fillClrLst meth="repeat">
-      <a:schemeClr val="dk2">
-        <a:alpha val="90000"/>
-        <a:tint val="40000"/>
-      </a:schemeClr>
-    </dgm:fillClrLst>
-    <dgm:linClrLst meth="repeat">
-      <a:schemeClr val="dk2">
-        <a:alpha val="90000"/>
-        <a:tint val="40000"/>
-      </a:schemeClr>
-    </dgm:linClrLst>
-    <dgm:effectClrLst/>
-    <dgm:txLinClrLst/>
-    <dgm:txFillClrLst meth="repeat">
-      <a:schemeClr val="dk1"/>
-    </dgm:txFillClrLst>
-    <dgm:txEffectClrLst/>
-  </dgm:styleLbl>
-  <dgm:styleLbl name="fgAcc0">
-    <dgm:fillClrLst meth="repeat">
-      <a:schemeClr val="lt2">
-        <a:alpha val="90000"/>
-      </a:schemeClr>
-    </dgm:fillClrLst>
-    <dgm:linClrLst meth="repeat">
-      <a:schemeClr val="dk2"/>
-    </dgm:linClrLst>
-    <dgm:effectClrLst/>
-    <dgm:txLinClrLst/>
-    <dgm:txFillClrLst meth="repeat">
-      <a:schemeClr val="dk1"/>
-    </dgm:txFillClrLst>
-    <dgm:txEffectClrLst/>
-  </dgm:styleLbl>
-  <dgm:styleLbl name="fgAcc2">
-    <dgm:fillClrLst meth="repeat">
-      <a:schemeClr val="lt2">
-        <a:alpha val="90000"/>
-      </a:schemeClr>
-    </dgm:fillClrLst>
-    <dgm:linClrLst meth="repeat">
-      <a:schemeClr val="dk2"/>
-    </dgm:linClrLst>
-    <dgm:effectClrLst/>
-    <dgm:txLinClrLst/>
-    <dgm:txFillClrLst meth="repeat">
-      <a:schemeClr val="dk1"/>
-    </dgm:txFillClrLst>
-    <dgm:txEffectClrLst/>
-  </dgm:styleLbl>
-  <dgm:styleLbl name="fgAcc3">
-    <dgm:fillClrLst meth="repeat">
-      <a:schemeClr val="lt2">
-        <a:alpha val="90000"/>
-      </a:schemeClr>
-    </dgm:fillClrLst>
-    <dgm:linClrLst meth="repeat">
-      <a:schemeClr val="dk2"/>
-    </dgm:linClrLst>
-    <dgm:effectClrLst/>
-    <dgm:txLinClrLst/>
-    <dgm:txFillClrLst meth="repeat">
-      <a:schemeClr val="dk1"/>
-    </dgm:txFillClrLst>
-    <dgm:txEffectClrLst/>
-  </dgm:styleLbl>
-  <dgm:styleLbl name="fgAcc4">
-    <dgm:fillClrLst meth="repeat">
-      <a:schemeClr val="lt2">
-        <a:alpha val="90000"/>
-      </a:schemeClr>
-    </dgm:fillClrLst>
-    <dgm:linClrLst meth="repeat">
-      <a:schemeClr val="dk2"/>
-    </dgm:linClrLst>
-    <dgm:effectClrLst/>
-    <dgm:txLinClrLst/>
-    <dgm:txFillClrLst meth="repeat">
-      <a:schemeClr val="dk1"/>
-    </dgm:txFillClrLst>
-    <dgm:txEffectClrLst/>
-  </dgm:styleLbl>
-  <dgm:styleLbl name="bgShp">
-    <dgm:fillClrLst meth="repeat">
-      <a:schemeClr val="bg1">
-        <a:lumMod val="95000"/>
-      </a:schemeClr>
-    </dgm:fillClrLst>
-    <dgm:linClrLst meth="repeat">
-      <a:schemeClr val="dk2"/>
-    </dgm:linClrLst>
-    <dgm:effectClrLst/>
-    <dgm:txLinClrLst/>
-    <dgm:txFillClrLst meth="repeat">
-      <a:schemeClr val="dk1"/>
-    </dgm:txFillClrLst>
-    <dgm:txEffectClrLst/>
-  </dgm:styleLbl>
-  <dgm:styleLbl name="dkBgShp">
-    <dgm:fillClrLst meth="repeat">
-      <a:schemeClr val="dk2">
-        <a:shade val="80000"/>
-      </a:schemeClr>
-    </dgm:fillClrLst>
-    <dgm:linClrLst meth="repeat">
-      <a:schemeClr val="dk2"/>
-    </dgm:linClrLst>
-    <dgm:effectClrLst/>
-    <dgm:txLinClrLst/>
-    <dgm:txFillClrLst meth="repeat">
-      <a:schemeClr val="lt1"/>
-    </dgm:txFillClrLst>
-    <dgm:txEffectClrLst/>
-  </dgm:styleLbl>
-  <dgm:styleLbl name="trBgShp">
-    <dgm:fillClrLst meth="repeat">
-      <a:schemeClr val="dk2">
-        <a:tint val="50000"/>
-        <a:alpha val="40000"/>
-      </a:schemeClr>
-    </dgm:fillClrLst>
-    <dgm:linClrLst meth="repeat">
-      <a:schemeClr val="dk2"/>
-    </dgm:linClrLst>
-    <dgm:effectClrLst/>
-    <dgm:txLinClrLst/>
-    <dgm:txFillClrLst meth="repeat">
-      <a:schemeClr val="lt1"/>
-    </dgm:txFillClrLst>
-    <dgm:txEffectClrLst/>
-  </dgm:styleLbl>
-  <dgm:styleLbl name="fgShp">
-    <dgm:fillClrLst meth="repeat">
-      <a:schemeClr val="dk2">
-        <a:tint val="60000"/>
-      </a:schemeClr>
-    </dgm:fillClrLst>
-    <dgm:linClrLst meth="repeat">
-      <a:schemeClr val="lt2"/>
-    </dgm:linClrLst>
-    <dgm:effectClrLst/>
-    <dgm:txLinClrLst/>
-    <dgm:txFillClrLst meth="repeat">
-      <a:schemeClr val="dk1"/>
-    </dgm:txFillClrLst>
-    <dgm:txEffectClrLst/>
-  </dgm:styleLbl>
-  <dgm:styleLbl name="revTx">
-    <dgm:fillClrLst meth="repeat">
-      <a:schemeClr val="lt2">
-        <a:alpha val="0"/>
-      </a:schemeClr>
-    </dgm:fillClrLst>
-    <dgm:linClrLst meth="repeat">
-      <a:schemeClr val="dk1">
-        <a:alpha val="0"/>
-      </a:schemeClr>
-    </dgm:linClrLst>
-    <dgm:effectClrLst/>
-    <dgm:txLinClrLst/>
-    <dgm:txFillClrLst meth="repeat">
-      <a:schemeClr val="tx1"/>
-    </dgm:txFillClrLst>
-    <dgm:txEffectClrLst/>
-  </dgm:styleLbl>
-</dgm:colorsDef>
-</file>
-
-<file path=ppt/diagrams/data1.xml><?xml version="1.0" encoding="utf-8"?>
-<dgm:dataModel xmlns:dgm="http://schemas.openxmlformats.org/drawingml/2006/diagram" xmlns:a="http://schemas.openxmlformats.org/drawingml/2006/main">
-  <dgm:ptLst>
-    <dgm:pt modelId="{F04514C1-B0BF-4B44-8C38-9E38449A2886}" type="doc">
-      <dgm:prSet loTypeId="urn:microsoft.com/office/officeart/2018/2/layout/IconLabelList" loCatId="icon" qsTypeId="urn:microsoft.com/office/officeart/2005/8/quickstyle/simple1" qsCatId="simple" csTypeId="urn:microsoft.com/office/officeart/2018/5/colors/Iconchunking_neutralbg_accent0_3" csCatId="mainScheme" phldr="1"/>
-      <dgm:spPr/>
-      <dgm:t>
-        <a:bodyPr/>
-        <a:lstStyle/>
-        <a:p>
-          <a:endParaRPr lang="en-US"/>
-        </a:p>
-      </dgm:t>
-    </dgm:pt>
-    <dgm:pt modelId="{AC4C81CE-561C-4BC9-A4C9-B3DC48F80262}">
-      <dgm:prSet/>
-      <dgm:spPr/>
-      <dgm:t>
-        <a:bodyPr/>
-        <a:lstStyle/>
-        <a:p>
-          <a:r>
-            <a:rPr lang="en-US" dirty="0"/>
-            <a:t>1. </a:t>
-          </a:r>
-        </a:p>
-      </dgm:t>
-    </dgm:pt>
-    <dgm:pt modelId="{75C0F5ED-BD24-430A-B77E-0680476E7A92}" type="parTrans" cxnId="{0C518672-0CBF-4B8D-9A51-6C96667D4A5C}">
-      <dgm:prSet/>
-      <dgm:spPr/>
-      <dgm:t>
-        <a:bodyPr/>
-        <a:lstStyle/>
-        <a:p>
-          <a:endParaRPr lang="en-US"/>
-        </a:p>
-      </dgm:t>
-    </dgm:pt>
-    <dgm:pt modelId="{355A8A21-2676-44A4-86E3-97E2B1D81D42}" type="sibTrans" cxnId="{0C518672-0CBF-4B8D-9A51-6C96667D4A5C}">
-      <dgm:prSet/>
-      <dgm:spPr/>
-      <dgm:t>
-        <a:bodyPr/>
-        <a:lstStyle/>
-        <a:p>
-          <a:endParaRPr lang="en-US"/>
-        </a:p>
-      </dgm:t>
-    </dgm:pt>
-    <dgm:pt modelId="{D5D20E49-4787-4AF0-AC02-750EA6C2FD60}">
-      <dgm:prSet/>
-      <dgm:spPr/>
-      <dgm:t>
-        <a:bodyPr/>
-        <a:lstStyle/>
-        <a:p>
-          <a:r>
-            <a:rPr lang="en-US" dirty="0"/>
-            <a:t>2. </a:t>
-          </a:r>
-        </a:p>
-      </dgm:t>
-    </dgm:pt>
-    <dgm:pt modelId="{A15F0697-6A4D-4672-AAE8-BAAE92AA063B}" type="parTrans" cxnId="{210C16C2-F6A2-433D-9F6D-2B6A547B7AA1}">
-      <dgm:prSet/>
-      <dgm:spPr/>
-      <dgm:t>
-        <a:bodyPr/>
-        <a:lstStyle/>
-        <a:p>
-          <a:endParaRPr lang="en-US"/>
-        </a:p>
-      </dgm:t>
-    </dgm:pt>
-    <dgm:pt modelId="{A03500DB-286C-475B-AE21-69E9FDC9F77D}" type="sibTrans" cxnId="{210C16C2-F6A2-433D-9F6D-2B6A547B7AA1}">
-      <dgm:prSet/>
-      <dgm:spPr/>
-      <dgm:t>
-        <a:bodyPr/>
-        <a:lstStyle/>
-        <a:p>
-          <a:endParaRPr lang="en-US"/>
-        </a:p>
-      </dgm:t>
-    </dgm:pt>
-    <dgm:pt modelId="{0EDF6799-7F8F-4001-A1D6-362FC942D68E}">
-      <dgm:prSet/>
-      <dgm:spPr/>
-      <dgm:t>
-        <a:bodyPr/>
-        <a:lstStyle/>
-        <a:p>
-          <a:r>
-            <a:rPr lang="en-US" dirty="0"/>
-            <a:t>3. </a:t>
-          </a:r>
-        </a:p>
-      </dgm:t>
-    </dgm:pt>
-    <dgm:pt modelId="{B597C241-86AF-40C8-B633-DCC55F4CF4AA}" type="parTrans" cxnId="{07A5A622-6043-407E-8531-2F51B082D740}">
-      <dgm:prSet/>
-      <dgm:spPr/>
-      <dgm:t>
-        <a:bodyPr/>
-        <a:lstStyle/>
-        <a:p>
-          <a:endParaRPr lang="en-US"/>
-        </a:p>
-      </dgm:t>
-    </dgm:pt>
-    <dgm:pt modelId="{3645DA17-6891-4563-9ABE-417AC88A6C08}" type="sibTrans" cxnId="{07A5A622-6043-407E-8531-2F51B082D740}">
-      <dgm:prSet/>
-      <dgm:spPr/>
-      <dgm:t>
-        <a:bodyPr/>
-        <a:lstStyle/>
-        <a:p>
-          <a:endParaRPr lang="en-US"/>
-        </a:p>
-      </dgm:t>
-    </dgm:pt>
-    <dgm:pt modelId="{E8F215FE-E0F6-4DD6-A40E-CFFE5C758F37}">
-      <dgm:prSet/>
-      <dgm:spPr/>
-      <dgm:t>
-        <a:bodyPr/>
-        <a:lstStyle/>
-        <a:p>
-          <a:r>
-            <a:rPr lang="en-US" dirty="0"/>
-            <a:t>4. </a:t>
-          </a:r>
-        </a:p>
-      </dgm:t>
-    </dgm:pt>
-    <dgm:pt modelId="{6181BDD5-3062-4F0A-BA9D-AC8BDB87D090}" type="parTrans" cxnId="{615793BD-C76D-45C8-AACC-07EC3CAA99A6}">
-      <dgm:prSet/>
-      <dgm:spPr/>
-      <dgm:t>
-        <a:bodyPr/>
-        <a:lstStyle/>
-        <a:p>
-          <a:endParaRPr lang="en-US"/>
-        </a:p>
-      </dgm:t>
-    </dgm:pt>
-    <dgm:pt modelId="{D378B4CE-412C-48E5-90A9-F930C0F4F2CB}" type="sibTrans" cxnId="{615793BD-C76D-45C8-AACC-07EC3CAA99A6}">
-      <dgm:prSet/>
-      <dgm:spPr/>
-      <dgm:t>
-        <a:bodyPr/>
-        <a:lstStyle/>
-        <a:p>
-          <a:endParaRPr lang="en-US"/>
-        </a:p>
-      </dgm:t>
-    </dgm:pt>
-    <dgm:pt modelId="{3FBEDE2F-6936-432B-9C14-0C6079B6D867}">
-      <dgm:prSet/>
-      <dgm:spPr/>
-      <dgm:t>
-        <a:bodyPr/>
-        <a:lstStyle/>
-        <a:p>
-          <a:r>
-            <a:rPr lang="en-US" dirty="0"/>
-            <a:t>5. </a:t>
-          </a:r>
-        </a:p>
-      </dgm:t>
-    </dgm:pt>
-    <dgm:pt modelId="{C044B71F-419B-4751-B59F-0381798638D7}" type="parTrans" cxnId="{067DA78F-6CAE-480D-8130-2E1CEFC17677}">
-      <dgm:prSet/>
-      <dgm:spPr/>
-      <dgm:t>
-        <a:bodyPr/>
-        <a:lstStyle/>
-        <a:p>
-          <a:endParaRPr lang="en-US"/>
-        </a:p>
-      </dgm:t>
-    </dgm:pt>
-    <dgm:pt modelId="{898012C8-B807-4B21-BAD9-DBF368976B1B}" type="sibTrans" cxnId="{067DA78F-6CAE-480D-8130-2E1CEFC17677}">
-      <dgm:prSet/>
-      <dgm:spPr/>
-      <dgm:t>
-        <a:bodyPr/>
-        <a:lstStyle/>
-        <a:p>
-          <a:endParaRPr lang="en-US"/>
-        </a:p>
-      </dgm:t>
-    </dgm:pt>
-    <dgm:pt modelId="{FE69EA03-84BD-4079-84F0-9D7CF9E9424F}" type="pres">
-      <dgm:prSet presAssocID="{F04514C1-B0BF-4B44-8C38-9E38449A2886}" presName="root" presStyleCnt="0">
-        <dgm:presLayoutVars>
-          <dgm:dir/>
-          <dgm:resizeHandles val="exact"/>
-        </dgm:presLayoutVars>
-      </dgm:prSet>
-      <dgm:spPr/>
-    </dgm:pt>
-    <dgm:pt modelId="{F92E9C8B-38F5-423B-B004-9B2AE0DAA6AB}" type="pres">
-      <dgm:prSet presAssocID="{AC4C81CE-561C-4BC9-A4C9-B3DC48F80262}" presName="compNode" presStyleCnt="0"/>
-      <dgm:spPr/>
-    </dgm:pt>
-    <dgm:pt modelId="{DBD1E35F-51D8-4CD1-B3D7-38734068E83D}" type="pres">
-      <dgm:prSet presAssocID="{AC4C81CE-561C-4BC9-A4C9-B3DC48F80262}" presName="iconRect" presStyleLbl="node1" presStyleIdx="0" presStyleCnt="5"/>
-      <dgm:spPr>
-        <a:blipFill>
-          <a:blip xmlns:r="http://schemas.openxmlformats.org/officeDocument/2006/relationships" r:embed="rId1">
-            <a:extLst>
-              <a:ext uri="{28A0092B-C50C-407E-A947-70E740481C1C}">
-                <a14:useLocalDpi xmlns:a14="http://schemas.microsoft.com/office/drawing/2010/main" val="0"/>
-              </a:ext>
-              <a:ext uri="{96DAC541-7B7A-43D3-8B79-37D633B846F1}">
-                <asvg:svgBlip xmlns:asvg="http://schemas.microsoft.com/office/drawing/2016/SVG/main" r:embed="rId2"/>
-              </a:ext>
-            </a:extLst>
-          </a:blip>
-          <a:stretch>
-            <a:fillRect/>
-          </a:stretch>
-        </a:blipFill>
-        <a:ln>
-          <a:noFill/>
-        </a:ln>
-      </dgm:spPr>
-      <dgm:extLst>
-        <a:ext uri="{E40237B7-FDA0-4F09-8148-C483321AD2D9}">
-          <dgm14:cNvPr xmlns:dgm14="http://schemas.microsoft.com/office/drawing/2010/diagram" id="0" name="" descr="Head with Gears"/>
-        </a:ext>
-      </dgm:extLst>
-    </dgm:pt>
-    <dgm:pt modelId="{A40B972C-35FA-425E-8E71-C091A0548046}" type="pres">
-      <dgm:prSet presAssocID="{AC4C81CE-561C-4BC9-A4C9-B3DC48F80262}" presName="spaceRect" presStyleCnt="0"/>
-      <dgm:spPr/>
-    </dgm:pt>
-    <dgm:pt modelId="{D249E747-7997-490B-88D4-099F0FD58F06}" type="pres">
-      <dgm:prSet presAssocID="{AC4C81CE-561C-4BC9-A4C9-B3DC48F80262}" presName="textRect" presStyleLbl="revTx" presStyleIdx="0" presStyleCnt="5">
-        <dgm:presLayoutVars>
-          <dgm:chMax val="1"/>
-          <dgm:chPref val="1"/>
-        </dgm:presLayoutVars>
-      </dgm:prSet>
-      <dgm:spPr/>
-    </dgm:pt>
-    <dgm:pt modelId="{48F28BDF-F118-462C-B234-2D62DF1321B5}" type="pres">
-      <dgm:prSet presAssocID="{355A8A21-2676-44A4-86E3-97E2B1D81D42}" presName="sibTrans" presStyleCnt="0"/>
-      <dgm:spPr/>
-    </dgm:pt>
-    <dgm:pt modelId="{6B15F0A1-1B6D-4242-8B10-23F8B42D89FA}" type="pres">
-      <dgm:prSet presAssocID="{D5D20E49-4787-4AF0-AC02-750EA6C2FD60}" presName="compNode" presStyleCnt="0"/>
-      <dgm:spPr/>
-    </dgm:pt>
-    <dgm:pt modelId="{92EA5CF5-A49D-49FF-88A6-70C39B72884A}" type="pres">
-      <dgm:prSet presAssocID="{D5D20E49-4787-4AF0-AC02-750EA6C2FD60}" presName="iconRect" presStyleLbl="node1" presStyleIdx="1" presStyleCnt="5"/>
-      <dgm:spPr>
-        <a:blipFill>
-          <a:blip xmlns:r="http://schemas.openxmlformats.org/officeDocument/2006/relationships" r:embed="rId3">
-            <a:extLst>
-              <a:ext uri="{28A0092B-C50C-407E-A947-70E740481C1C}">
-                <a14:useLocalDpi xmlns:a14="http://schemas.microsoft.com/office/drawing/2010/main" val="0"/>
-              </a:ext>
-              <a:ext uri="{96DAC541-7B7A-43D3-8B79-37D633B846F1}">
-                <asvg:svgBlip xmlns:asvg="http://schemas.microsoft.com/office/drawing/2016/SVG/main" r:embed="rId4"/>
-              </a:ext>
-            </a:extLst>
-          </a:blip>
-          <a:stretch>
-            <a:fillRect/>
-          </a:stretch>
-        </a:blipFill>
-        <a:ln>
-          <a:noFill/>
-        </a:ln>
-      </dgm:spPr>
-      <dgm:extLst>
-        <a:ext uri="{E40237B7-FDA0-4F09-8148-C483321AD2D9}">
-          <dgm14:cNvPr xmlns:dgm14="http://schemas.microsoft.com/office/drawing/2010/diagram" id="0" name="" descr="Factory"/>
-        </a:ext>
-      </dgm:extLst>
-    </dgm:pt>
-    <dgm:pt modelId="{6528BC8E-092E-4412-B293-8E7D96EAEA59}" type="pres">
-      <dgm:prSet presAssocID="{D5D20E49-4787-4AF0-AC02-750EA6C2FD60}" presName="spaceRect" presStyleCnt="0"/>
-      <dgm:spPr/>
-    </dgm:pt>
-    <dgm:pt modelId="{39F9BBAA-A0EF-4FC7-A5F8-9DA67F1C3BD1}" type="pres">
-      <dgm:prSet presAssocID="{D5D20E49-4787-4AF0-AC02-750EA6C2FD60}" presName="textRect" presStyleLbl="revTx" presStyleIdx="1" presStyleCnt="5">
-        <dgm:presLayoutVars>
-          <dgm:chMax val="1"/>
-          <dgm:chPref val="1"/>
-        </dgm:presLayoutVars>
-      </dgm:prSet>
-      <dgm:spPr/>
-    </dgm:pt>
-    <dgm:pt modelId="{B5D5004C-7FB3-49B0-A912-9B6C26962BF1}" type="pres">
-      <dgm:prSet presAssocID="{A03500DB-286C-475B-AE21-69E9FDC9F77D}" presName="sibTrans" presStyleCnt="0"/>
-      <dgm:spPr/>
-    </dgm:pt>
-    <dgm:pt modelId="{47DF7639-7B4F-4535-9CF7-286B90AFD373}" type="pres">
-      <dgm:prSet presAssocID="{0EDF6799-7F8F-4001-A1D6-362FC942D68E}" presName="compNode" presStyleCnt="0"/>
-      <dgm:spPr/>
-    </dgm:pt>
-    <dgm:pt modelId="{BEEBF7CB-D4B5-46EE-84FF-350CECE19FBF}" type="pres">
-      <dgm:prSet presAssocID="{0EDF6799-7F8F-4001-A1D6-362FC942D68E}" presName="iconRect" presStyleLbl="node1" presStyleIdx="2" presStyleCnt="5"/>
-      <dgm:spPr>
-        <a:blipFill>
-          <a:blip xmlns:r="http://schemas.openxmlformats.org/officeDocument/2006/relationships" r:embed="rId5">
-            <a:extLst>
-              <a:ext uri="{28A0092B-C50C-407E-A947-70E740481C1C}">
-                <a14:useLocalDpi xmlns:a14="http://schemas.microsoft.com/office/drawing/2010/main" val="0"/>
-              </a:ext>
-              <a:ext uri="{96DAC541-7B7A-43D3-8B79-37D633B846F1}">
-                <asvg:svgBlip xmlns:asvg="http://schemas.microsoft.com/office/drawing/2016/SVG/main" r:embed="rId6"/>
-              </a:ext>
-            </a:extLst>
-          </a:blip>
-          <a:stretch>
-            <a:fillRect/>
-          </a:stretch>
-        </a:blipFill>
-        <a:ln>
-          <a:noFill/>
-        </a:ln>
-      </dgm:spPr>
-      <dgm:extLst>
-        <a:ext uri="{E40237B7-FDA0-4F09-8148-C483321AD2D9}">
-          <dgm14:cNvPr xmlns:dgm14="http://schemas.microsoft.com/office/drawing/2010/diagram" id="0" name="" descr="Office Worker"/>
-        </a:ext>
-      </dgm:extLst>
-    </dgm:pt>
-    <dgm:pt modelId="{9DB74AE6-D3E5-455B-84B3-A0FF1DB8DA96}" type="pres">
-      <dgm:prSet presAssocID="{0EDF6799-7F8F-4001-A1D6-362FC942D68E}" presName="spaceRect" presStyleCnt="0"/>
-      <dgm:spPr/>
-    </dgm:pt>
-    <dgm:pt modelId="{B03C5613-0D00-41D6-BA54-42C228462B61}" type="pres">
-      <dgm:prSet presAssocID="{0EDF6799-7F8F-4001-A1D6-362FC942D68E}" presName="textRect" presStyleLbl="revTx" presStyleIdx="2" presStyleCnt="5">
-        <dgm:presLayoutVars>
-          <dgm:chMax val="1"/>
-          <dgm:chPref val="1"/>
-        </dgm:presLayoutVars>
-      </dgm:prSet>
-      <dgm:spPr/>
-    </dgm:pt>
-    <dgm:pt modelId="{F73F8C26-0D4C-45CA-8EEC-BFB7F6A8B23D}" type="pres">
-      <dgm:prSet presAssocID="{3645DA17-6891-4563-9ABE-417AC88A6C08}" presName="sibTrans" presStyleCnt="0"/>
-      <dgm:spPr/>
-    </dgm:pt>
-    <dgm:pt modelId="{C339978A-DAE2-4071-A96D-B03356644C97}" type="pres">
-      <dgm:prSet presAssocID="{E8F215FE-E0F6-4DD6-A40E-CFFE5C758F37}" presName="compNode" presStyleCnt="0"/>
-      <dgm:spPr/>
-    </dgm:pt>
-    <dgm:pt modelId="{7484DF37-6195-485A-8CE4-5B29BF9AA97F}" type="pres">
-      <dgm:prSet presAssocID="{E8F215FE-E0F6-4DD6-A40E-CFFE5C758F37}" presName="iconRect" presStyleLbl="node1" presStyleIdx="3" presStyleCnt="5"/>
-      <dgm:spPr>
-        <a:blipFill>
-          <a:blip xmlns:r="http://schemas.openxmlformats.org/officeDocument/2006/relationships" r:embed="rId7">
-            <a:extLst>
-              <a:ext uri="{28A0092B-C50C-407E-A947-70E740481C1C}">
-                <a14:useLocalDpi xmlns:a14="http://schemas.microsoft.com/office/drawing/2010/main" val="0"/>
-              </a:ext>
-              <a:ext uri="{96DAC541-7B7A-43D3-8B79-37D633B846F1}">
-                <asvg:svgBlip xmlns:asvg="http://schemas.microsoft.com/office/drawing/2016/SVG/main" r:embed="rId8"/>
-              </a:ext>
-            </a:extLst>
-          </a:blip>
-          <a:stretch>
-            <a:fillRect/>
-          </a:stretch>
-        </a:blipFill>
-        <a:ln>
-          <a:noFill/>
-        </a:ln>
-      </dgm:spPr>
-      <dgm:extLst>
-        <a:ext uri="{E40237B7-FDA0-4F09-8148-C483321AD2D9}">
-          <dgm14:cNvPr xmlns:dgm14="http://schemas.microsoft.com/office/drawing/2010/diagram" id="0" name="" descr="Stopwatch"/>
-        </a:ext>
-      </dgm:extLst>
-    </dgm:pt>
-    <dgm:pt modelId="{3F9424A7-1E09-4805-A605-B7D81373B809}" type="pres">
-      <dgm:prSet presAssocID="{E8F215FE-E0F6-4DD6-A40E-CFFE5C758F37}" presName="spaceRect" presStyleCnt="0"/>
-      <dgm:spPr/>
-    </dgm:pt>
-    <dgm:pt modelId="{986C1203-5BF8-4C40-909F-A722848D626F}" type="pres">
-      <dgm:prSet presAssocID="{E8F215FE-E0F6-4DD6-A40E-CFFE5C758F37}" presName="textRect" presStyleLbl="revTx" presStyleIdx="3" presStyleCnt="5">
-        <dgm:presLayoutVars>
-          <dgm:chMax val="1"/>
-          <dgm:chPref val="1"/>
-        </dgm:presLayoutVars>
-      </dgm:prSet>
-      <dgm:spPr/>
-    </dgm:pt>
-    <dgm:pt modelId="{582ABBE8-08BF-4893-87E7-1B618D0C60A4}" type="pres">
-      <dgm:prSet presAssocID="{D378B4CE-412C-48E5-90A9-F930C0F4F2CB}" presName="sibTrans" presStyleCnt="0"/>
-      <dgm:spPr/>
-    </dgm:pt>
-    <dgm:pt modelId="{FC531EA3-FF49-4958-BF95-409821E5AF3F}" type="pres">
-      <dgm:prSet presAssocID="{3FBEDE2F-6936-432B-9C14-0C6079B6D867}" presName="compNode" presStyleCnt="0"/>
-      <dgm:spPr/>
-    </dgm:pt>
-    <dgm:pt modelId="{4E1BC169-E07B-4144-9FD2-B601B63A185D}" type="pres">
-      <dgm:prSet presAssocID="{3FBEDE2F-6936-432B-9C14-0C6079B6D867}" presName="iconRect" presStyleLbl="node1" presStyleIdx="4" presStyleCnt="5"/>
-      <dgm:spPr>
-        <a:blipFill>
-          <a:blip xmlns:r="http://schemas.openxmlformats.org/officeDocument/2006/relationships" r:embed="rId9">
-            <a:extLst>
-              <a:ext uri="{28A0092B-C50C-407E-A947-70E740481C1C}">
-                <a14:useLocalDpi xmlns:a14="http://schemas.microsoft.com/office/drawing/2010/main" val="0"/>
-              </a:ext>
-              <a:ext uri="{96DAC541-7B7A-43D3-8B79-37D633B846F1}">
-                <asvg:svgBlip xmlns:asvg="http://schemas.microsoft.com/office/drawing/2016/SVG/main" r:embed="rId10"/>
-              </a:ext>
-            </a:extLst>
-          </a:blip>
-          <a:stretch>
-            <a:fillRect/>
-          </a:stretch>
-        </a:blipFill>
-        <a:ln>
-          <a:noFill/>
-        </a:ln>
-      </dgm:spPr>
-      <dgm:extLst>
-        <a:ext uri="{E40237B7-FDA0-4F09-8148-C483321AD2D9}">
-          <dgm14:cNvPr xmlns:dgm14="http://schemas.microsoft.com/office/drawing/2010/diagram" id="0" name="" descr="User"/>
-        </a:ext>
-      </dgm:extLst>
-    </dgm:pt>
-    <dgm:pt modelId="{9259C099-1F4C-4D3A-BEB6-EBE0FC8D5807}" type="pres">
-      <dgm:prSet presAssocID="{3FBEDE2F-6936-432B-9C14-0C6079B6D867}" presName="spaceRect" presStyleCnt="0"/>
-      <dgm:spPr/>
-    </dgm:pt>
-    <dgm:pt modelId="{BFEE2D6A-5AAB-4A6E-BF3C-64E96AB5A849}" type="pres">
-      <dgm:prSet presAssocID="{3FBEDE2F-6936-432B-9C14-0C6079B6D867}" presName="textRect" presStyleLbl="revTx" presStyleIdx="4" presStyleCnt="5">
-        <dgm:presLayoutVars>
-          <dgm:chMax val="1"/>
-          <dgm:chPref val="1"/>
-        </dgm:presLayoutVars>
-      </dgm:prSet>
-      <dgm:spPr/>
-    </dgm:pt>
-  </dgm:ptLst>
-  <dgm:cxnLst>
-    <dgm:cxn modelId="{07A5A622-6043-407E-8531-2F51B082D740}" srcId="{F04514C1-B0BF-4B44-8C38-9E38449A2886}" destId="{0EDF6799-7F8F-4001-A1D6-362FC942D68E}" srcOrd="2" destOrd="0" parTransId="{B597C241-86AF-40C8-B633-DCC55F4CF4AA}" sibTransId="{3645DA17-6891-4563-9ABE-417AC88A6C08}"/>
-    <dgm:cxn modelId="{79EBFB3B-FB29-46C0-A27B-EF72DCD27317}" type="presOf" srcId="{3FBEDE2F-6936-432B-9C14-0C6079B6D867}" destId="{BFEE2D6A-5AAB-4A6E-BF3C-64E96AB5A849}" srcOrd="0" destOrd="0" presId="urn:microsoft.com/office/officeart/2018/2/layout/IconLabelList"/>
-    <dgm:cxn modelId="{3C2C2C63-69B3-45F3-ADAF-B902E77BD4AF}" type="presOf" srcId="{F04514C1-B0BF-4B44-8C38-9E38449A2886}" destId="{FE69EA03-84BD-4079-84F0-9D7CF9E9424F}" srcOrd="0" destOrd="0" presId="urn:microsoft.com/office/officeart/2018/2/layout/IconLabelList"/>
-    <dgm:cxn modelId="{6F3B5468-E55C-41C8-8C59-3D827992D3C1}" type="presOf" srcId="{0EDF6799-7F8F-4001-A1D6-362FC942D68E}" destId="{B03C5613-0D00-41D6-BA54-42C228462B61}" srcOrd="0" destOrd="0" presId="urn:microsoft.com/office/officeart/2018/2/layout/IconLabelList"/>
-    <dgm:cxn modelId="{91D56B6C-986B-46C6-9079-A21B10662AE6}" type="presOf" srcId="{E8F215FE-E0F6-4DD6-A40E-CFFE5C758F37}" destId="{986C1203-5BF8-4C40-909F-A722848D626F}" srcOrd="0" destOrd="0" presId="urn:microsoft.com/office/officeart/2018/2/layout/IconLabelList"/>
-    <dgm:cxn modelId="{8FE6A671-BCD9-4512-B2DC-095998DB34D8}" type="presOf" srcId="{D5D20E49-4787-4AF0-AC02-750EA6C2FD60}" destId="{39F9BBAA-A0EF-4FC7-A5F8-9DA67F1C3BD1}" srcOrd="0" destOrd="0" presId="urn:microsoft.com/office/officeart/2018/2/layout/IconLabelList"/>
-    <dgm:cxn modelId="{0C518672-0CBF-4B8D-9A51-6C96667D4A5C}" srcId="{F04514C1-B0BF-4B44-8C38-9E38449A2886}" destId="{AC4C81CE-561C-4BC9-A4C9-B3DC48F80262}" srcOrd="0" destOrd="0" parTransId="{75C0F5ED-BD24-430A-B77E-0680476E7A92}" sibTransId="{355A8A21-2676-44A4-86E3-97E2B1D81D42}"/>
-    <dgm:cxn modelId="{067DA78F-6CAE-480D-8130-2E1CEFC17677}" srcId="{F04514C1-B0BF-4B44-8C38-9E38449A2886}" destId="{3FBEDE2F-6936-432B-9C14-0C6079B6D867}" srcOrd="4" destOrd="0" parTransId="{C044B71F-419B-4751-B59F-0381798638D7}" sibTransId="{898012C8-B807-4B21-BAD9-DBF368976B1B}"/>
-    <dgm:cxn modelId="{615793BD-C76D-45C8-AACC-07EC3CAA99A6}" srcId="{F04514C1-B0BF-4B44-8C38-9E38449A2886}" destId="{E8F215FE-E0F6-4DD6-A40E-CFFE5C758F37}" srcOrd="3" destOrd="0" parTransId="{6181BDD5-3062-4F0A-BA9D-AC8BDB87D090}" sibTransId="{D378B4CE-412C-48E5-90A9-F930C0F4F2CB}"/>
-    <dgm:cxn modelId="{210C16C2-F6A2-433D-9F6D-2B6A547B7AA1}" srcId="{F04514C1-B0BF-4B44-8C38-9E38449A2886}" destId="{D5D20E49-4787-4AF0-AC02-750EA6C2FD60}" srcOrd="1" destOrd="0" parTransId="{A15F0697-6A4D-4672-AAE8-BAAE92AA063B}" sibTransId="{A03500DB-286C-475B-AE21-69E9FDC9F77D}"/>
-    <dgm:cxn modelId="{72422ED1-C99D-4187-AC41-72F12B8A5A9C}" type="presOf" srcId="{AC4C81CE-561C-4BC9-A4C9-B3DC48F80262}" destId="{D249E747-7997-490B-88D4-099F0FD58F06}" srcOrd="0" destOrd="0" presId="urn:microsoft.com/office/officeart/2018/2/layout/IconLabelList"/>
-    <dgm:cxn modelId="{C89D3177-D587-440D-822D-266B0EC1BADD}" type="presParOf" srcId="{FE69EA03-84BD-4079-84F0-9D7CF9E9424F}" destId="{F92E9C8B-38F5-423B-B004-9B2AE0DAA6AB}" srcOrd="0" destOrd="0" presId="urn:microsoft.com/office/officeart/2018/2/layout/IconLabelList"/>
-    <dgm:cxn modelId="{226C4AA3-2932-4725-BFCF-351344D1C83B}" type="presParOf" srcId="{F92E9C8B-38F5-423B-B004-9B2AE0DAA6AB}" destId="{DBD1E35F-51D8-4CD1-B3D7-38734068E83D}" srcOrd="0" destOrd="0" presId="urn:microsoft.com/office/officeart/2018/2/layout/IconLabelList"/>
-    <dgm:cxn modelId="{808C9EB2-D462-45D8-AC42-3B0CF3A80AEE}" type="presParOf" srcId="{F92E9C8B-38F5-423B-B004-9B2AE0DAA6AB}" destId="{A40B972C-35FA-425E-8E71-C091A0548046}" srcOrd="1" destOrd="0" presId="urn:microsoft.com/office/officeart/2018/2/layout/IconLabelList"/>
-    <dgm:cxn modelId="{42E00CE1-1789-4A60-B1DE-C7AC0C1600D0}" type="presParOf" srcId="{F92E9C8B-38F5-423B-B004-9B2AE0DAA6AB}" destId="{D249E747-7997-490B-88D4-099F0FD58F06}" srcOrd="2" destOrd="0" presId="urn:microsoft.com/office/officeart/2018/2/layout/IconLabelList"/>
-    <dgm:cxn modelId="{FA841B94-B163-431C-AF47-90F418B8A49D}" type="presParOf" srcId="{FE69EA03-84BD-4079-84F0-9D7CF9E9424F}" destId="{48F28BDF-F118-462C-B234-2D62DF1321B5}" srcOrd="1" destOrd="0" presId="urn:microsoft.com/office/officeart/2018/2/layout/IconLabelList"/>
-    <dgm:cxn modelId="{5763555B-FB4B-47BF-A693-FCEB3602B652}" type="presParOf" srcId="{FE69EA03-84BD-4079-84F0-9D7CF9E9424F}" destId="{6B15F0A1-1B6D-4242-8B10-23F8B42D89FA}" srcOrd="2" destOrd="0" presId="urn:microsoft.com/office/officeart/2018/2/layout/IconLabelList"/>
-    <dgm:cxn modelId="{ABA70536-9B46-49EA-9E0C-94AAF3186952}" type="presParOf" srcId="{6B15F0A1-1B6D-4242-8B10-23F8B42D89FA}" destId="{92EA5CF5-A49D-49FF-88A6-70C39B72884A}" srcOrd="0" destOrd="0" presId="urn:microsoft.com/office/officeart/2018/2/layout/IconLabelList"/>
-    <dgm:cxn modelId="{D9714ED1-0CC5-4A5B-98BC-35213EA8CC0B}" type="presParOf" srcId="{6B15F0A1-1B6D-4242-8B10-23F8B42D89FA}" destId="{6528BC8E-092E-4412-B293-8E7D96EAEA59}" srcOrd="1" destOrd="0" presId="urn:microsoft.com/office/officeart/2018/2/layout/IconLabelList"/>
-    <dgm:cxn modelId="{13DEA6AB-886F-4EAA-B1AE-5D3293D42C71}" type="presParOf" srcId="{6B15F0A1-1B6D-4242-8B10-23F8B42D89FA}" destId="{39F9BBAA-A0EF-4FC7-A5F8-9DA67F1C3BD1}" srcOrd="2" destOrd="0" presId="urn:microsoft.com/office/officeart/2018/2/layout/IconLabelList"/>
-    <dgm:cxn modelId="{25798BB0-DCE0-4CED-AFFD-62D88EB21E19}" type="presParOf" srcId="{FE69EA03-84BD-4079-84F0-9D7CF9E9424F}" destId="{B5D5004C-7FB3-49B0-A912-9B6C26962BF1}" srcOrd="3" destOrd="0" presId="urn:microsoft.com/office/officeart/2018/2/layout/IconLabelList"/>
-    <dgm:cxn modelId="{458F27EC-C2A3-4723-96FA-900DA0DF154D}" type="presParOf" srcId="{FE69EA03-84BD-4079-84F0-9D7CF9E9424F}" destId="{47DF7639-7B4F-4535-9CF7-286B90AFD373}" srcOrd="4" destOrd="0" presId="urn:microsoft.com/office/officeart/2018/2/layout/IconLabelList"/>
-    <dgm:cxn modelId="{4CC9F614-7C26-4553-9015-2E4A7011B6F3}" type="presParOf" srcId="{47DF7639-7B4F-4535-9CF7-286B90AFD373}" destId="{BEEBF7CB-D4B5-46EE-84FF-350CECE19FBF}" srcOrd="0" destOrd="0" presId="urn:microsoft.com/office/officeart/2018/2/layout/IconLabelList"/>
-    <dgm:cxn modelId="{A029DBCB-BE63-4727-9583-1AC7C178AA8B}" type="presParOf" srcId="{47DF7639-7B4F-4535-9CF7-286B90AFD373}" destId="{9DB74AE6-D3E5-455B-84B3-A0FF1DB8DA96}" srcOrd="1" destOrd="0" presId="urn:microsoft.com/office/officeart/2018/2/layout/IconLabelList"/>
-    <dgm:cxn modelId="{ECDCAFA4-B65B-46FF-8FD8-123C6350E412}" type="presParOf" srcId="{47DF7639-7B4F-4535-9CF7-286B90AFD373}" destId="{B03C5613-0D00-41D6-BA54-42C228462B61}" srcOrd="2" destOrd="0" presId="urn:microsoft.com/office/officeart/2018/2/layout/IconLabelList"/>
-    <dgm:cxn modelId="{0149E60D-3D6D-49E8-81F6-5E4B757A850A}" type="presParOf" srcId="{FE69EA03-84BD-4079-84F0-9D7CF9E9424F}" destId="{F73F8C26-0D4C-45CA-8EEC-BFB7F6A8B23D}" srcOrd="5" destOrd="0" presId="urn:microsoft.com/office/officeart/2018/2/layout/IconLabelList"/>
-    <dgm:cxn modelId="{A42E3A96-E4BD-4681-B02A-B3CCC202A5F8}" type="presParOf" srcId="{FE69EA03-84BD-4079-84F0-9D7CF9E9424F}" destId="{C339978A-DAE2-4071-A96D-B03356644C97}" srcOrd="6" destOrd="0" presId="urn:microsoft.com/office/officeart/2018/2/layout/IconLabelList"/>
-    <dgm:cxn modelId="{A141A970-EB9A-4710-9CBD-5BBCD75B8D27}" type="presParOf" srcId="{C339978A-DAE2-4071-A96D-B03356644C97}" destId="{7484DF37-6195-485A-8CE4-5B29BF9AA97F}" srcOrd="0" destOrd="0" presId="urn:microsoft.com/office/officeart/2018/2/layout/IconLabelList"/>
-    <dgm:cxn modelId="{FF78B738-384D-432D-91BC-23A9B92A4422}" type="presParOf" srcId="{C339978A-DAE2-4071-A96D-B03356644C97}" destId="{3F9424A7-1E09-4805-A605-B7D81373B809}" srcOrd="1" destOrd="0" presId="urn:microsoft.com/office/officeart/2018/2/layout/IconLabelList"/>
-    <dgm:cxn modelId="{83FD71C4-8CFD-46B1-824E-16EBEA9EED3C}" type="presParOf" srcId="{C339978A-DAE2-4071-A96D-B03356644C97}" destId="{986C1203-5BF8-4C40-909F-A722848D626F}" srcOrd="2" destOrd="0" presId="urn:microsoft.com/office/officeart/2018/2/layout/IconLabelList"/>
-    <dgm:cxn modelId="{0C087B59-8925-4B64-8994-92EF07A598F0}" type="presParOf" srcId="{FE69EA03-84BD-4079-84F0-9D7CF9E9424F}" destId="{582ABBE8-08BF-4893-87E7-1B618D0C60A4}" srcOrd="7" destOrd="0" presId="urn:microsoft.com/office/officeart/2018/2/layout/IconLabelList"/>
-    <dgm:cxn modelId="{6C5F15BF-B2DA-4824-B188-AC4012B81D21}" type="presParOf" srcId="{FE69EA03-84BD-4079-84F0-9D7CF9E9424F}" destId="{FC531EA3-FF49-4958-BF95-409821E5AF3F}" srcOrd="8" destOrd="0" presId="urn:microsoft.com/office/officeart/2018/2/layout/IconLabelList"/>
-    <dgm:cxn modelId="{9B8164E5-B379-4469-AAE3-567980D2A0F8}" type="presParOf" srcId="{FC531EA3-FF49-4958-BF95-409821E5AF3F}" destId="{4E1BC169-E07B-4144-9FD2-B601B63A185D}" srcOrd="0" destOrd="0" presId="urn:microsoft.com/office/officeart/2018/2/layout/IconLabelList"/>
-    <dgm:cxn modelId="{C4E57844-4701-459D-B8BB-7D5AE1E10332}" type="presParOf" srcId="{FC531EA3-FF49-4958-BF95-409821E5AF3F}" destId="{9259C099-1F4C-4D3A-BEB6-EBE0FC8D5807}" srcOrd="1" destOrd="0" presId="urn:microsoft.com/office/officeart/2018/2/layout/IconLabelList"/>
-    <dgm:cxn modelId="{88C0CCB5-67F3-44CE-9CDB-B17CF0D945D2}" type="presParOf" srcId="{FC531EA3-FF49-4958-BF95-409821E5AF3F}" destId="{BFEE2D6A-5AAB-4A6E-BF3C-64E96AB5A849}" srcOrd="2" destOrd="0" presId="urn:microsoft.com/office/officeart/2018/2/layout/IconLabelList"/>
-  </dgm:cxnLst>
-  <dgm:bg/>
-  <dgm:whole/>
-  <dgm:extLst>
-    <a:ext uri="http://schemas.microsoft.com/office/drawing/2008/diagram">
-      <dsp:dataModelExt xmlns:dsp="http://schemas.microsoft.com/office/drawing/2008/diagram" relId="rId7" minVer="http://schemas.openxmlformats.org/drawingml/2006/diagram"/>
-    </a:ext>
-  </dgm:extLst>
-</dgm:dataModel>
-</file>
-
-<file path=ppt/diagrams/drawing1.xml><?xml version="1.0" encoding="utf-8"?>
-<dsp:drawing xmlns:dgm="http://schemas.openxmlformats.org/drawingml/2006/diagram" xmlns:dsp="http://schemas.microsoft.com/office/drawing/2008/diagram" xmlns:a="http://schemas.openxmlformats.org/drawingml/2006/main">
-  <dsp:spTree>
-    <dsp:nvGrpSpPr>
-      <dsp:cNvPr id="0" name=""/>
-      <dsp:cNvGrpSpPr/>
-    </dsp:nvGrpSpPr>
-    <dsp:grpSpPr/>
-    <dsp:sp modelId="{DBD1E35F-51D8-4CD1-B3D7-38734068E83D}">
-      <dsp:nvSpPr>
-        <dsp:cNvPr id="0" name=""/>
-        <dsp:cNvSpPr/>
-      </dsp:nvSpPr>
-      <dsp:spPr>
-        <a:xfrm>
-          <a:off x="489253" y="1011400"/>
-          <a:ext cx="793388" cy="793388"/>
-        </a:xfrm>
-        <a:prstGeom prst="rect">
-          <a:avLst/>
-        </a:prstGeom>
-        <a:blipFill>
-          <a:blip xmlns:r="http://schemas.openxmlformats.org/officeDocument/2006/relationships" r:embed="rId1">
-            <a:extLst>
-              <a:ext uri="{28A0092B-C50C-407E-A947-70E740481C1C}">
-                <a14:useLocalDpi xmlns:a14="http://schemas.microsoft.com/office/drawing/2010/main" val="0"/>
-              </a:ext>
-              <a:ext uri="{96DAC541-7B7A-43D3-8B79-37D633B846F1}">
-                <asvg:svgBlip xmlns:asvg="http://schemas.microsoft.com/office/drawing/2016/SVG/main" r:embed="rId2"/>
-              </a:ext>
-            </a:extLst>
-          </a:blip>
-          <a:stretch>
-            <a:fillRect/>
-          </a:stretch>
-        </a:blipFill>
-        <a:ln w="15875" cap="flat" cmpd="sng" algn="ctr">
-          <a:noFill/>
-          <a:prstDash val="solid"/>
-        </a:ln>
-        <a:effectLst/>
-      </dsp:spPr>
-      <dsp:style>
-        <a:lnRef idx="2">
-          <a:scrgbClr r="0" g="0" b="0"/>
-        </a:lnRef>
-        <a:fillRef idx="1">
-          <a:scrgbClr r="0" g="0" b="0"/>
-        </a:fillRef>
-        <a:effectRef idx="0">
-          <a:scrgbClr r="0" g="0" b="0"/>
-        </a:effectRef>
-        <a:fontRef idx="minor">
-          <a:schemeClr val="lt1"/>
-        </a:fontRef>
-      </dsp:style>
-    </dsp:sp>
-    <dsp:sp modelId="{D249E747-7997-490B-88D4-099F0FD58F06}">
-      <dsp:nvSpPr>
-        <dsp:cNvPr id="0" name=""/>
-        <dsp:cNvSpPr/>
-      </dsp:nvSpPr>
-      <dsp:spPr>
-        <a:xfrm>
-          <a:off x="4405" y="2069445"/>
-          <a:ext cx="1763085" cy="705234"/>
-        </a:xfrm>
-        <a:prstGeom prst="rect">
-          <a:avLst/>
-        </a:prstGeom>
-        <a:noFill/>
-        <a:ln>
-          <a:noFill/>
-        </a:ln>
-        <a:effectLst/>
-      </dsp:spPr>
-      <dsp:style>
-        <a:lnRef idx="0">
-          <a:scrgbClr r="0" g="0" b="0"/>
-        </a:lnRef>
-        <a:fillRef idx="0">
-          <a:scrgbClr r="0" g="0" b="0"/>
-        </a:fillRef>
-        <a:effectRef idx="0">
-          <a:scrgbClr r="0" g="0" b="0"/>
-        </a:effectRef>
-        <a:fontRef idx="minor"/>
-      </dsp:style>
-      <dsp:txBody>
-        <a:bodyPr spcFirstLastPara="0" vert="horz" wrap="square" lIns="0" tIns="0" rIns="0" bIns="0" numCol="1" spcCol="1270" anchor="t" anchorCtr="0">
-          <a:noAutofit/>
-        </a:bodyPr>
-        <a:lstStyle/>
-        <a:p>
-          <a:pPr marL="0" lvl="0" indent="0" algn="ctr" defTabSz="1066800">
-            <a:lnSpc>
-              <a:spcPct val="90000"/>
-            </a:lnSpc>
-            <a:spcBef>
-              <a:spcPct val="0"/>
-            </a:spcBef>
-            <a:spcAft>
-              <a:spcPct val="35000"/>
-            </a:spcAft>
-            <a:buNone/>
-          </a:pPr>
-          <a:r>
-            <a:rPr lang="en-US" sz="2400" kern="1200" dirty="0"/>
-            <a:t>1. </a:t>
-          </a:r>
-        </a:p>
-      </dsp:txBody>
-      <dsp:txXfrm>
-        <a:off x="4405" y="2069445"/>
-        <a:ext cx="1763085" cy="705234"/>
-      </dsp:txXfrm>
-    </dsp:sp>
-    <dsp:sp modelId="{92EA5CF5-A49D-49FF-88A6-70C39B72884A}">
-      <dsp:nvSpPr>
-        <dsp:cNvPr id="0" name=""/>
-        <dsp:cNvSpPr/>
-      </dsp:nvSpPr>
-      <dsp:spPr>
-        <a:xfrm>
-          <a:off x="2560879" y="1011400"/>
-          <a:ext cx="793388" cy="793388"/>
-        </a:xfrm>
-        <a:prstGeom prst="rect">
-          <a:avLst/>
-        </a:prstGeom>
-        <a:blipFill>
-          <a:blip xmlns:r="http://schemas.openxmlformats.org/officeDocument/2006/relationships" r:embed="rId3">
-            <a:extLst>
-              <a:ext uri="{28A0092B-C50C-407E-A947-70E740481C1C}">
-                <a14:useLocalDpi xmlns:a14="http://schemas.microsoft.com/office/drawing/2010/main" val="0"/>
-              </a:ext>
-              <a:ext uri="{96DAC541-7B7A-43D3-8B79-37D633B846F1}">
-                <asvg:svgBlip xmlns:asvg="http://schemas.microsoft.com/office/drawing/2016/SVG/main" r:embed="rId4"/>
-              </a:ext>
-            </a:extLst>
-          </a:blip>
-          <a:stretch>
-            <a:fillRect/>
-          </a:stretch>
-        </a:blipFill>
-        <a:ln w="15875" cap="flat" cmpd="sng" algn="ctr">
-          <a:noFill/>
-          <a:prstDash val="solid"/>
-        </a:ln>
-        <a:effectLst/>
-      </dsp:spPr>
-      <dsp:style>
-        <a:lnRef idx="2">
-          <a:scrgbClr r="0" g="0" b="0"/>
-        </a:lnRef>
-        <a:fillRef idx="1">
-          <a:scrgbClr r="0" g="0" b="0"/>
-        </a:fillRef>
-        <a:effectRef idx="0">
-          <a:scrgbClr r="0" g="0" b="0"/>
-        </a:effectRef>
-        <a:fontRef idx="minor">
-          <a:schemeClr val="lt1"/>
-        </a:fontRef>
-      </dsp:style>
-    </dsp:sp>
-    <dsp:sp modelId="{39F9BBAA-A0EF-4FC7-A5F8-9DA67F1C3BD1}">
-      <dsp:nvSpPr>
-        <dsp:cNvPr id="0" name=""/>
-        <dsp:cNvSpPr/>
-      </dsp:nvSpPr>
-      <dsp:spPr>
-        <a:xfrm>
-          <a:off x="2076031" y="2069445"/>
-          <a:ext cx="1763085" cy="705234"/>
-        </a:xfrm>
-        <a:prstGeom prst="rect">
-          <a:avLst/>
-        </a:prstGeom>
-        <a:noFill/>
-        <a:ln>
-          <a:noFill/>
-        </a:ln>
-        <a:effectLst/>
-      </dsp:spPr>
-      <dsp:style>
-        <a:lnRef idx="0">
-          <a:scrgbClr r="0" g="0" b="0"/>
-        </a:lnRef>
-        <a:fillRef idx="0">
-          <a:scrgbClr r="0" g="0" b="0"/>
-        </a:fillRef>
-        <a:effectRef idx="0">
-          <a:scrgbClr r="0" g="0" b="0"/>
-        </a:effectRef>
-        <a:fontRef idx="minor"/>
-      </dsp:style>
-      <dsp:txBody>
-        <a:bodyPr spcFirstLastPara="0" vert="horz" wrap="square" lIns="0" tIns="0" rIns="0" bIns="0" numCol="1" spcCol="1270" anchor="t" anchorCtr="0">
-          <a:noAutofit/>
-        </a:bodyPr>
-        <a:lstStyle/>
-        <a:p>
-          <a:pPr marL="0" lvl="0" indent="0" algn="ctr" defTabSz="1066800">
-            <a:lnSpc>
-              <a:spcPct val="90000"/>
-            </a:lnSpc>
-            <a:spcBef>
-              <a:spcPct val="0"/>
-            </a:spcBef>
-            <a:spcAft>
-              <a:spcPct val="35000"/>
-            </a:spcAft>
-            <a:buNone/>
-          </a:pPr>
-          <a:r>
-            <a:rPr lang="en-US" sz="2400" kern="1200" dirty="0"/>
-            <a:t>2. </a:t>
-          </a:r>
-        </a:p>
-      </dsp:txBody>
-      <dsp:txXfrm>
-        <a:off x="2076031" y="2069445"/>
-        <a:ext cx="1763085" cy="705234"/>
-      </dsp:txXfrm>
-    </dsp:sp>
-    <dsp:sp modelId="{BEEBF7CB-D4B5-46EE-84FF-350CECE19FBF}">
-      <dsp:nvSpPr>
-        <dsp:cNvPr id="0" name=""/>
-        <dsp:cNvSpPr/>
-      </dsp:nvSpPr>
-      <dsp:spPr>
-        <a:xfrm>
-          <a:off x="4632505" y="1011400"/>
-          <a:ext cx="793388" cy="793388"/>
-        </a:xfrm>
-        <a:prstGeom prst="rect">
-          <a:avLst/>
-        </a:prstGeom>
-        <a:blipFill>
-          <a:blip xmlns:r="http://schemas.openxmlformats.org/officeDocument/2006/relationships" r:embed="rId5">
-            <a:extLst>
-              <a:ext uri="{28A0092B-C50C-407E-A947-70E740481C1C}">
-                <a14:useLocalDpi xmlns:a14="http://schemas.microsoft.com/office/drawing/2010/main" val="0"/>
-              </a:ext>
-              <a:ext uri="{96DAC541-7B7A-43D3-8B79-37D633B846F1}">
-                <asvg:svgBlip xmlns:asvg="http://schemas.microsoft.com/office/drawing/2016/SVG/main" r:embed="rId6"/>
-              </a:ext>
-            </a:extLst>
-          </a:blip>
-          <a:stretch>
-            <a:fillRect/>
-          </a:stretch>
-        </a:blipFill>
-        <a:ln w="15875" cap="flat" cmpd="sng" algn="ctr">
-          <a:noFill/>
-          <a:prstDash val="solid"/>
-        </a:ln>
-        <a:effectLst/>
-      </dsp:spPr>
-      <dsp:style>
-        <a:lnRef idx="2">
-          <a:scrgbClr r="0" g="0" b="0"/>
-        </a:lnRef>
-        <a:fillRef idx="1">
-          <a:scrgbClr r="0" g="0" b="0"/>
-        </a:fillRef>
-        <a:effectRef idx="0">
-          <a:scrgbClr r="0" g="0" b="0"/>
-        </a:effectRef>
-        <a:fontRef idx="minor">
-          <a:schemeClr val="lt1"/>
-        </a:fontRef>
-      </dsp:style>
-    </dsp:sp>
-    <dsp:sp modelId="{B03C5613-0D00-41D6-BA54-42C228462B61}">
-      <dsp:nvSpPr>
-        <dsp:cNvPr id="0" name=""/>
-        <dsp:cNvSpPr/>
-      </dsp:nvSpPr>
-      <dsp:spPr>
-        <a:xfrm>
-          <a:off x="4147657" y="2069445"/>
-          <a:ext cx="1763085" cy="705234"/>
-        </a:xfrm>
-        <a:prstGeom prst="rect">
-          <a:avLst/>
-        </a:prstGeom>
-        <a:noFill/>
-        <a:ln>
-          <a:noFill/>
-        </a:ln>
-        <a:effectLst/>
-      </dsp:spPr>
-      <dsp:style>
-        <a:lnRef idx="0">
-          <a:scrgbClr r="0" g="0" b="0"/>
-        </a:lnRef>
-        <a:fillRef idx="0">
-          <a:scrgbClr r="0" g="0" b="0"/>
-        </a:fillRef>
-        <a:effectRef idx="0">
-          <a:scrgbClr r="0" g="0" b="0"/>
-        </a:effectRef>
-        <a:fontRef idx="minor"/>
-      </dsp:style>
-      <dsp:txBody>
-        <a:bodyPr spcFirstLastPara="0" vert="horz" wrap="square" lIns="0" tIns="0" rIns="0" bIns="0" numCol="1" spcCol="1270" anchor="t" anchorCtr="0">
-          <a:noAutofit/>
-        </a:bodyPr>
-        <a:lstStyle/>
-        <a:p>
-          <a:pPr marL="0" lvl="0" indent="0" algn="ctr" defTabSz="1066800">
-            <a:lnSpc>
-              <a:spcPct val="90000"/>
-            </a:lnSpc>
-            <a:spcBef>
-              <a:spcPct val="0"/>
-            </a:spcBef>
-            <a:spcAft>
-              <a:spcPct val="35000"/>
-            </a:spcAft>
-            <a:buNone/>
-          </a:pPr>
-          <a:r>
-            <a:rPr lang="en-US" sz="2400" kern="1200" dirty="0"/>
-            <a:t>3. </a:t>
-          </a:r>
-        </a:p>
-      </dsp:txBody>
-      <dsp:txXfrm>
-        <a:off x="4147657" y="2069445"/>
-        <a:ext cx="1763085" cy="705234"/>
-      </dsp:txXfrm>
-    </dsp:sp>
-    <dsp:sp modelId="{7484DF37-6195-485A-8CE4-5B29BF9AA97F}">
-      <dsp:nvSpPr>
-        <dsp:cNvPr id="0" name=""/>
-        <dsp:cNvSpPr/>
-      </dsp:nvSpPr>
-      <dsp:spPr>
-        <a:xfrm>
-          <a:off x="6704131" y="1011400"/>
-          <a:ext cx="793388" cy="793388"/>
-        </a:xfrm>
-        <a:prstGeom prst="rect">
-          <a:avLst/>
-        </a:prstGeom>
-        <a:blipFill>
-          <a:blip xmlns:r="http://schemas.openxmlformats.org/officeDocument/2006/relationships" r:embed="rId7">
-            <a:extLst>
-              <a:ext uri="{28A0092B-C50C-407E-A947-70E740481C1C}">
-                <a14:useLocalDpi xmlns:a14="http://schemas.microsoft.com/office/drawing/2010/main" val="0"/>
-              </a:ext>
-              <a:ext uri="{96DAC541-7B7A-43D3-8B79-37D633B846F1}">
-                <asvg:svgBlip xmlns:asvg="http://schemas.microsoft.com/office/drawing/2016/SVG/main" r:embed="rId8"/>
-              </a:ext>
-            </a:extLst>
-          </a:blip>
-          <a:stretch>
-            <a:fillRect/>
-          </a:stretch>
-        </a:blipFill>
-        <a:ln w="15875" cap="flat" cmpd="sng" algn="ctr">
-          <a:noFill/>
-          <a:prstDash val="solid"/>
-        </a:ln>
-        <a:effectLst/>
-      </dsp:spPr>
-      <dsp:style>
-        <a:lnRef idx="2">
-          <a:scrgbClr r="0" g="0" b="0"/>
-        </a:lnRef>
-        <a:fillRef idx="1">
-          <a:scrgbClr r="0" g="0" b="0"/>
-        </a:fillRef>
-        <a:effectRef idx="0">
-          <a:scrgbClr r="0" g="0" b="0"/>
-        </a:effectRef>
-        <a:fontRef idx="minor">
-          <a:schemeClr val="lt1"/>
-        </a:fontRef>
-      </dsp:style>
-    </dsp:sp>
-    <dsp:sp modelId="{986C1203-5BF8-4C40-909F-A722848D626F}">
-      <dsp:nvSpPr>
-        <dsp:cNvPr id="0" name=""/>
-        <dsp:cNvSpPr/>
-      </dsp:nvSpPr>
-      <dsp:spPr>
-        <a:xfrm>
-          <a:off x="6219283" y="2069445"/>
-          <a:ext cx="1763085" cy="705234"/>
-        </a:xfrm>
-        <a:prstGeom prst="rect">
-          <a:avLst/>
-        </a:prstGeom>
-        <a:noFill/>
-        <a:ln>
-          <a:noFill/>
-        </a:ln>
-        <a:effectLst/>
-      </dsp:spPr>
-      <dsp:style>
-        <a:lnRef idx="0">
-          <a:scrgbClr r="0" g="0" b="0"/>
-        </a:lnRef>
-        <a:fillRef idx="0">
-          <a:scrgbClr r="0" g="0" b="0"/>
-        </a:fillRef>
-        <a:effectRef idx="0">
-          <a:scrgbClr r="0" g="0" b="0"/>
-        </a:effectRef>
-        <a:fontRef idx="minor"/>
-      </dsp:style>
-      <dsp:txBody>
-        <a:bodyPr spcFirstLastPara="0" vert="horz" wrap="square" lIns="0" tIns="0" rIns="0" bIns="0" numCol="1" spcCol="1270" anchor="t" anchorCtr="0">
-          <a:noAutofit/>
-        </a:bodyPr>
-        <a:lstStyle/>
-        <a:p>
-          <a:pPr marL="0" lvl="0" indent="0" algn="ctr" defTabSz="1066800">
-            <a:lnSpc>
-              <a:spcPct val="90000"/>
-            </a:lnSpc>
-            <a:spcBef>
-              <a:spcPct val="0"/>
-            </a:spcBef>
-            <a:spcAft>
-              <a:spcPct val="35000"/>
-            </a:spcAft>
-            <a:buNone/>
-          </a:pPr>
-          <a:r>
-            <a:rPr lang="en-US" sz="2400" kern="1200" dirty="0"/>
-            <a:t>4. </a:t>
-          </a:r>
-        </a:p>
-      </dsp:txBody>
-      <dsp:txXfrm>
-        <a:off x="6219283" y="2069445"/>
-        <a:ext cx="1763085" cy="705234"/>
-      </dsp:txXfrm>
-    </dsp:sp>
-    <dsp:sp modelId="{4E1BC169-E07B-4144-9FD2-B601B63A185D}">
-      <dsp:nvSpPr>
-        <dsp:cNvPr id="0" name=""/>
-        <dsp:cNvSpPr/>
-      </dsp:nvSpPr>
-      <dsp:spPr>
-        <a:xfrm>
-          <a:off x="8775757" y="1011400"/>
-          <a:ext cx="793388" cy="793388"/>
-        </a:xfrm>
-        <a:prstGeom prst="rect">
-          <a:avLst/>
-        </a:prstGeom>
-        <a:blipFill>
-          <a:blip xmlns:r="http://schemas.openxmlformats.org/officeDocument/2006/relationships" r:embed="rId9">
-            <a:extLst>
-              <a:ext uri="{28A0092B-C50C-407E-A947-70E740481C1C}">
-                <a14:useLocalDpi xmlns:a14="http://schemas.microsoft.com/office/drawing/2010/main" val="0"/>
-              </a:ext>
-              <a:ext uri="{96DAC541-7B7A-43D3-8B79-37D633B846F1}">
-                <asvg:svgBlip xmlns:asvg="http://schemas.microsoft.com/office/drawing/2016/SVG/main" r:embed="rId10"/>
-              </a:ext>
-            </a:extLst>
-          </a:blip>
-          <a:stretch>
-            <a:fillRect/>
-          </a:stretch>
-        </a:blipFill>
-        <a:ln w="15875" cap="flat" cmpd="sng" algn="ctr">
-          <a:noFill/>
-          <a:prstDash val="solid"/>
-        </a:ln>
-        <a:effectLst/>
-      </dsp:spPr>
-      <dsp:style>
-        <a:lnRef idx="2">
-          <a:scrgbClr r="0" g="0" b="0"/>
-        </a:lnRef>
-        <a:fillRef idx="1">
-          <a:scrgbClr r="0" g="0" b="0"/>
-        </a:fillRef>
-        <a:effectRef idx="0">
-          <a:scrgbClr r="0" g="0" b="0"/>
-        </a:effectRef>
-        <a:fontRef idx="minor">
-          <a:schemeClr val="lt1"/>
-        </a:fontRef>
-      </dsp:style>
-    </dsp:sp>
-    <dsp:sp modelId="{BFEE2D6A-5AAB-4A6E-BF3C-64E96AB5A849}">
-      <dsp:nvSpPr>
-        <dsp:cNvPr id="0" name=""/>
-        <dsp:cNvSpPr/>
-      </dsp:nvSpPr>
-      <dsp:spPr>
-        <a:xfrm>
-          <a:off x="8290908" y="2069445"/>
-          <a:ext cx="1763085" cy="705234"/>
-        </a:xfrm>
-        <a:prstGeom prst="rect">
-          <a:avLst/>
-        </a:prstGeom>
-        <a:noFill/>
-        <a:ln>
-          <a:noFill/>
-        </a:ln>
-        <a:effectLst/>
-      </dsp:spPr>
-      <dsp:style>
-        <a:lnRef idx="0">
-          <a:scrgbClr r="0" g="0" b="0"/>
-        </a:lnRef>
-        <a:fillRef idx="0">
-          <a:scrgbClr r="0" g="0" b="0"/>
-        </a:fillRef>
-        <a:effectRef idx="0">
-          <a:scrgbClr r="0" g="0" b="0"/>
-        </a:effectRef>
-        <a:fontRef idx="minor"/>
-      </dsp:style>
-      <dsp:txBody>
-        <a:bodyPr spcFirstLastPara="0" vert="horz" wrap="square" lIns="0" tIns="0" rIns="0" bIns="0" numCol="1" spcCol="1270" anchor="t" anchorCtr="0">
-          <a:noAutofit/>
-        </a:bodyPr>
-        <a:lstStyle/>
-        <a:p>
-          <a:pPr marL="0" lvl="0" indent="0" algn="ctr" defTabSz="1066800">
-            <a:lnSpc>
-              <a:spcPct val="90000"/>
-            </a:lnSpc>
-            <a:spcBef>
-              <a:spcPct val="0"/>
-            </a:spcBef>
-            <a:spcAft>
-              <a:spcPct val="35000"/>
-            </a:spcAft>
-            <a:buNone/>
-          </a:pPr>
-          <a:r>
-            <a:rPr lang="en-US" sz="2400" kern="1200" dirty="0"/>
-            <a:t>5. </a:t>
-          </a:r>
-        </a:p>
-      </dsp:txBody>
-      <dsp:txXfrm>
-        <a:off x="8290908" y="2069445"/>
-        <a:ext cx="1763085" cy="705234"/>
-      </dsp:txXfrm>
-    </dsp:sp>
-  </dsp:spTree>
-</dsp:drawing>
-</file>
-
-<file path=ppt/diagrams/layout1.xml><?xml version="1.0" encoding="utf-8"?>
-<dgm:layoutDef xmlns:dgm="http://schemas.openxmlformats.org/drawingml/2006/diagram" xmlns:a="http://schemas.openxmlformats.org/drawingml/2006/main" uniqueId="urn:microsoft.com/office/officeart/2018/2/layout/IconLabelList">
-  <dgm:title val="Icon Label List"/>
-  <dgm:desc val="Use to show non-sequential or grouped chunks of information accompanied by a related visuals. Works best with icons or small pictures with short text captions."/>
-  <dgm:catLst>
-    <dgm:cat type="icon" pri="500"/>
-  </dgm:catLst>
-  <dgm:sampData useDef="1">
-    <dgm:dataModel>
-      <dgm:ptLst/>
-      <dgm:bg/>
-      <dgm:whole/>
-    </dgm:dataModel>
-  </dgm:sampData>
-  <dgm:styleData useDef="1">
-    <dgm:dataModel>
-      <dgm:ptLst/>
-      <dgm:bg/>
-      <dgm:whole/>
-    </dgm:dataModel>
-  </dgm:styleData>
-  <dgm:clrData useDef="1">
-    <dgm:dataModel>
-      <dgm:ptLst/>
-      <dgm:bg/>
-      <dgm:whole/>
-    </dgm:dataModel>
-  </dgm:clrData>
-  <dgm:layoutNode name="root">
-    <dgm:varLst>
-      <dgm:dir/>
-      <dgm:resizeHandles val="exact"/>
-    </dgm:varLst>
-    <dgm:choose name="Name0">
-      <dgm:if name="Name1" axis="self" func="var" arg="dir" op="equ" val="norm">
-        <dgm:alg type="snake">
-          <dgm:param type="grDir" val="tL"/>
-          <dgm:param type="flowDir" val="row"/>
-          <dgm:param type="contDir" val="sameDir"/>
-          <dgm:param type="off" val="ctr"/>
-          <dgm:param type="vertAlign" val="mid"/>
-          <dgm:param type="horzAlign" val="ctr"/>
-        </dgm:alg>
-      </dgm:if>
-      <dgm:else name="Name2">
-        <dgm:alg type="snake">
-          <dgm:param type="grDir" val="tR"/>
-          <dgm:param type="flowDir" val="row"/>
-          <dgm:param type="contDir" val="sameDir"/>
-          <dgm:param type="off" val="ctr"/>
-          <dgm:param type="vertAlign" val="mid"/>
-          <dgm:param type="horzAlign" val="ctr"/>
-        </dgm:alg>
-      </dgm:else>
-    </dgm:choose>
-    <dgm:shape xmlns:r="http://schemas.openxmlformats.org/officeDocument/2006/relationships" r:blip="">
-      <dgm:adjLst/>
-    </dgm:shape>
-    <dgm:presOf/>
-    <dgm:choose name="Name3">
-      <dgm:if name="Name4" axis="ch" ptType="node" func="cnt" op="lte" val="2">
-        <dgm:constrLst>
-          <dgm:constr type="h" for="ch" forName="compNode" refType="h" fact="0.4"/>
-          <dgm:constr type="w" for="ch" forName="compNode" val="120"/>
-          <dgm:constr type="w" for="ch" forName="sibTrans" refType="w" refFor="ch" refForName="compNode" fact="0.175"/>
-          <dgm:constr type="sp" refType="w" refFor="ch" refForName="compNode" op="equ" fact="0.25"/>
-          <dgm:constr type="primFontSz" for="des" ptType="node" op="equ" val="50"/>
-          <dgm:constr type="h" for="des" forName="compNode" op="equ"/>
-          <dgm:constr type="h" for="des" forName="textRect" op="equ"/>
-        </dgm:constrLst>
-      </dgm:if>
-      <dgm:if name="Name5" axis="ch" ptType="node" func="cnt" op="lte" val="4">
-        <dgm:constrLst>
-          <dgm:constr type="h" for="ch" forName="compNode" refType="h" fact="0.4"/>
-          <dgm:constr type="w" for="ch" forName="compNode" refType="w"/>
-          <dgm:constr type="w" for="ch" forName="sibTrans" refType="w" refFor="ch" refForName="compNode" fact="0.175"/>
-          <dgm:constr type="sp" refType="w" refFor="ch" refForName="compNode" op="equ" fact="0.25"/>
-          <dgm:constr type="primFontSz" for="des" ptType="node" op="equ" val="36"/>
-          <dgm:constr type="h" for="des" forName="compNode" op="equ"/>
-          <dgm:constr type="h" for="des" forName="textRect" op="equ"/>
-        </dgm:constrLst>
-      </dgm:if>
-      <dgm:else name="Name6">
-        <dgm:constrLst>
-          <dgm:constr type="h" for="ch" forName="compNode" refType="h" fact="0.4"/>
-          <dgm:constr type="w" for="ch" forName="compNode" refType="w"/>
-          <dgm:constr type="w" for="ch" forName="sibTrans" refType="w" refFor="ch" refForName="compNode" fact="0.175"/>
-          <dgm:constr type="sp" refType="w" refFor="ch" refForName="compNode" op="equ" fact="0.25"/>
-          <dgm:constr type="primFontSz" for="des" ptType="node" op="equ" val="24"/>
-          <dgm:constr type="h" for="des" forName="compNode" op="equ"/>
-          <dgm:constr type="h" for="des" forName="textRect" op="equ"/>
-        </dgm:constrLst>
-      </dgm:else>
-    </dgm:choose>
-    <dgm:ruleLst>
-      <dgm:rule type="w" for="ch" forName="compNode" val="50" fact="NaN" max="NaN"/>
-    </dgm:ruleLst>
-    <dgm:forEach name="Name7" axis="ch" ptType="node">
-      <dgm:layoutNode name="compNode">
-        <dgm:alg type="composite"/>
-        <dgm:shape xmlns:r="http://schemas.openxmlformats.org/officeDocument/2006/relationships" r:blip="">
-          <dgm:adjLst/>
-        </dgm:shape>
-        <dgm:presOf axis="self"/>
-        <dgm:constrLst>
-          <dgm:constr type="w" for="ch" forName="iconRect" refType="w" fact="0.45"/>
-          <dgm:constr type="h" for="ch" forName="iconRect" refType="w" refFor="ch" refForName="iconRect"/>
-          <dgm:constr type="ctrX" for="ch" forName="iconRect" refType="w" fact="0.5"/>
-          <dgm:constr type="t" for="ch" forName="iconRect"/>
-          <dgm:constr type="h" for="ch" forName="spaceRect" refType="h" fact="0.15"/>
-          <dgm:constr type="w" for="ch" forName="spaceRect" refType="w"/>
-          <dgm:constr type="l" for="ch" forName="spaceRect"/>
-          <dgm:constr type="t" for="ch" forName="spaceRect" refType="b" refFor="ch" refForName="iconRect"/>
-          <dgm:constr type="h" for="ch" forName="textRect" val="20"/>
-          <dgm:constr type="w" for="ch" forName="textRect" refType="w"/>
-          <dgm:constr type="l" for="ch" forName="textRect"/>
-          <dgm:constr type="t" for="ch" forName="textRect" refType="b" refFor="ch" refForName="spaceRect"/>
-        </dgm:constrLst>
-        <dgm:ruleLst>
-          <dgm:rule type="h" val="INF" fact="NaN" max="NaN"/>
-        </dgm:ruleLst>
-        <dgm:layoutNode name="iconRect" styleLbl="node1">
-          <dgm:alg type="sp"/>
-          <dgm:shape xmlns:r="http://schemas.openxmlformats.org/officeDocument/2006/relationships" type="rect" r:blip="" blipPhldr="1">
-            <dgm:adjLst/>
-          </dgm:shape>
-          <dgm:presOf/>
-          <dgm:constrLst/>
-          <dgm:ruleLst/>
-        </dgm:layoutNode>
-        <dgm:layoutNode name="spaceRect">
-          <dgm:alg type="sp"/>
-          <dgm:shape xmlns:r="http://schemas.openxmlformats.org/officeDocument/2006/relationships" r:blip="">
-            <dgm:adjLst/>
-          </dgm:shape>
-          <dgm:presOf/>
-          <dgm:constrLst/>
-          <dgm:ruleLst/>
-        </dgm:layoutNode>
-        <dgm:layoutNode name="textRect" styleLbl="revTx">
-          <dgm:varLst>
-            <dgm:chMax val="1"/>
-            <dgm:chPref val="1"/>
-          </dgm:varLst>
-          <dgm:alg type="tx">
-            <dgm:param type="txAnchorVert" val="t"/>
-          </dgm:alg>
-          <dgm:shape xmlns:r="http://schemas.openxmlformats.org/officeDocument/2006/relationships" type="rect" r:blip="">
-            <dgm:adjLst/>
-          </dgm:shape>
-          <dgm:presOf axis="self" ptType="node"/>
-          <dgm:constrLst>
-            <dgm:constr type="lMarg"/>
-            <dgm:constr type="rMarg"/>
-            <dgm:constr type="tMarg"/>
-            <dgm:constr type="bMarg"/>
-          </dgm:constrLst>
-          <dgm:ruleLst>
-            <dgm:rule type="primFontSz" val="11" fact="NaN" max="NaN"/>
-            <dgm:rule type="h" val="INF" fact="NaN" max="NaN"/>
-          </dgm:ruleLst>
-        </dgm:layoutNode>
-      </dgm:layoutNode>
-      <dgm:forEach name="Name8" axis="followSib" ptType="sibTrans" cnt="1">
-        <dgm:layoutNode name="sibTrans">
-          <dgm:alg type="sp"/>
-          <dgm:shape xmlns:r="http://schemas.openxmlformats.org/officeDocument/2006/relationships" r:blip="">
-            <dgm:adjLst/>
-          </dgm:shape>
-          <dgm:presOf axis="self"/>
-          <dgm:constrLst/>
-          <dgm:ruleLst/>
-        </dgm:layoutNode>
-      </dgm:forEach>
-    </dgm:forEach>
-  </dgm:layoutNode>
-  <dgm:extLst>
-    <a:ext uri="{68A01E43-0DF5-4B5B-8FA6-DAF915123BFB}">
-      <dgm1612:lstStyle xmlns:dgm1612="http://schemas.microsoft.com/office/drawing/2016/12/diagram">
-        <a:lvl1pPr>
-          <a:lnSpc>
-            <a:spcPct val="100000"/>
-          </a:lnSpc>
-        </a:lvl1pPr>
-      </dgm1612:lstStyle>
-    </a:ext>
-  </dgm:extLst>
-</dgm:layoutDef>
-</file>
-
-<file path=ppt/diagrams/quickStyle1.xml><?xml version="1.0" encoding="utf-8"?>
-<dgm:styleDef xmlns:dgm="http://schemas.openxmlformats.org/drawingml/2006/diagram" xmlns:a="http://schemas.openxmlformats.org/drawingml/2006/main" uniqueId="urn:microsoft.com/office/officeart/2005/8/quickstyle/simple1">
-  <dgm:title val=""/>
-  <dgm:desc val=""/>
-  <dgm:catLst>
-    <dgm:cat type="simple" pri="10100"/>
-  </dgm:catLst>
-  <dgm:scene3d>
-    <a:camera prst="orthographicFront"/>
-    <a:lightRig rig="threePt" dir="t"/>
-  </dgm:scene3d>
-  <dgm:styleLbl name="node0">
-    <dgm:scene3d>
-      <a:camera prst="orthographicFront"/>
-      <a:lightRig rig="threePt" dir="t"/>
-    </dgm:scene3d>
-    <dgm:sp3d/>
-    <dgm:txPr/>
-    <dgm:style>
-      <a:lnRef idx="2">
-        <a:scrgbClr r="0" g="0" b="0"/>
-      </a:lnRef>
-      <a:fillRef idx="1">
-        <a:scrgbClr r="0" g="0" b="0"/>
-      </a:fillRef>
-      <a:effectRef idx="0">
-        <a:scrgbClr r="0" g="0" b="0"/>
-      </a:effectRef>
-      <a:fontRef idx="minor">
-        <a:schemeClr val="lt1"/>
-      </a:fontRef>
-    </dgm:style>
-  </dgm:styleLbl>
-  <dgm:styleLbl name="lnNode1">
-    <dgm:scene3d>
-      <a:camera prst="orthographicFront"/>
-      <a:lightRig rig="threePt" dir="t"/>
-    </dgm:scene3d>
-    <dgm:sp3d/>
-    <dgm:txPr/>
-    <dgm:style>
-      <a:lnRef idx="2">
-        <a:scrgbClr r="0" g="0" b="0"/>
-      </a:lnRef>
-      <a:fillRef idx="1">
-        <a:scrgbClr r="0" g="0" b="0"/>
-      </a:fillRef>
-      <a:effectRef idx="0">
-        <a:scrgbClr r="0" g="0" b="0"/>
-      </a:effectRef>
-      <a:fontRef idx="minor">
-        <a:schemeClr val="lt1"/>
-      </a:fontRef>
-    </dgm:style>
-  </dgm:styleLbl>
-  <dgm:styleLbl name="vennNode1">
-    <dgm:scene3d>
-      <a:camera prst="orthographicFront"/>
-      <a:lightRig rig="threePt" dir="t"/>
-    </dgm:scene3d>
-    <dgm:sp3d/>
-    <dgm:txPr/>
-    <dgm:style>
-      <a:lnRef idx="2">
-        <a:scrgbClr r="0" g="0" b="0"/>
-      </a:lnRef>
-      <a:fillRef idx="1">
-        <a:scrgbClr r="0" g="0" b="0"/>
-      </a:fillRef>
-      <a:effectRef idx="0">
-        <a:scrgbClr r="0" g="0" b="0"/>
-      </a:effectRef>
-      <a:fontRef idx="minor">
-        <a:schemeClr val="tx1"/>
-      </a:fontRef>
-    </dgm:style>
-  </dgm:styleLbl>
-  <dgm:styleLbl name="alignNode1">
-    <dgm:scene3d>
-      <a:camera prst="orthographicFront"/>
-      <a:lightRig rig="threePt" dir="t"/>
-    </dgm:scene3d>
-    <dgm:sp3d/>
-    <dgm:txPr/>
-    <dgm:style>
-      <a:lnRef idx="2">
-        <a:scrgbClr r="0" g="0" b="0"/>
-      </a:lnRef>
-      <a:fillRef idx="1">
-        <a:scrgbClr r="0" g="0" b="0"/>
-      </a:fillRef>
-      <a:effectRef idx="0">
-        <a:scrgbClr r="0" g="0" b="0"/>
-      </a:effectRef>
-      <a:fontRef idx="minor">
-        <a:schemeClr val="lt1"/>
-      </a:fontRef>
-    </dgm:style>
-  </dgm:styleLbl>
-  <dgm:styleLbl name="node1">
-    <dgm:scene3d>
-      <a:camera prst="orthographicFront"/>
-      <a:lightRig rig="threePt" dir="t"/>
-    </dgm:scene3d>
-    <dgm:sp3d/>
-    <dgm:txPr/>
-    <dgm:style>
-      <a:lnRef idx="2">
-        <a:scrgbClr r="0" g="0" b="0"/>
-      </a:lnRef>
-      <a:fillRef idx="1">
-        <a:scrgbClr r="0" g="0" b="0"/>
-      </a:fillRef>
-      <a:effectRef idx="0">
-        <a:scrgbClr r="0" g="0" b="0"/>
-      </a:effectRef>
-      <a:fontRef idx="minor">
-        <a:schemeClr val="lt1"/>
-      </a:fontRef>
-    </dgm:style>
-  </dgm:styleLbl>
-  <dgm:styleLbl name="node2">
-    <dgm:scene3d>
-      <a:camera prst="orthographicFront"/>
-      <a:lightRig rig="threePt" dir="t"/>
-    </dgm:scene3d>
-    <dgm:sp3d/>
-    <dgm:txPr/>
-    <dgm:style>
-      <a:lnRef idx="2">
-        <a:scrgbClr r="0" g="0" b="0"/>
-      </a:lnRef>
-      <a:fillRef idx="1">
-        <a:scrgbClr r="0" g="0" b="0"/>
-      </a:fillRef>
-      <a:effectRef idx="0">
-        <a:scrgbClr r="0" g="0" b="0"/>
-      </a:effectRef>
-      <a:fontRef idx="minor">
-        <a:schemeClr val="lt1"/>
-      </a:fontRef>
-    </dgm:style>
-  </dgm:styleLbl>
-  <dgm:styleLbl name="node3">
-    <dgm:scene3d>
-      <a:camera prst="orthographicFront"/>
-      <a:lightRig rig="threePt" dir="t"/>
-    </dgm:scene3d>
-    <dgm:sp3d/>
-    <dgm:txPr/>
-    <dgm:style>
-      <a:lnRef idx="2">
-        <a:scrgbClr r="0" g="0" b="0"/>
-      </a:lnRef>
-      <a:fillRef idx="1">
-        <a:scrgbClr r="0" g="0" b="0"/>
-      </a:fillRef>
-      <a:effectRef idx="0">
-        <a:scrgbClr r="0" g="0" b="0"/>
-      </a:effectRef>
-      <a:fontRef idx="minor">
-        <a:schemeClr val="lt1"/>
-      </a:fontRef>
-    </dgm:style>
-  </dgm:styleLbl>
-  <dgm:styleLbl name="node4">
-    <dgm:scene3d>
-      <a:camera prst="orthographicFront"/>
-      <a:lightRig rig="threePt" dir="t"/>
-    </dgm:scene3d>
-    <dgm:sp3d/>
-    <dgm:txPr/>
-    <dgm:style>
-      <a:lnRef idx="2">
-        <a:scrgbClr r="0" g="0" b="0"/>
-      </a:lnRef>
-      <a:fillRef idx="1">
-        <a:scrgbClr r="0" g="0" b="0"/>
-      </a:fillRef>
-      <a:effectRef idx="0">
-        <a:scrgbClr r="0" g="0" b="0"/>
-      </a:effectRef>
-      <a:fontRef idx="minor">
-        <a:schemeClr val="lt1"/>
-      </a:fontRef>
-    </dgm:style>
-  </dgm:styleLbl>
-  <dgm:styleLbl name="fgImgPlace1">
-    <dgm:scene3d>
-      <a:camera prst="orthographicFront"/>
-      <a:lightRig rig="threePt" dir="t"/>
-    </dgm:scene3d>
-    <dgm:sp3d/>
-    <dgm:txPr/>
-    <dgm:style>
-      <a:lnRef idx="2">
-        <a:scrgbClr r="0" g="0" b="0"/>
-      </a:lnRef>
-      <a:fillRef idx="1">
-        <a:scrgbClr r="0" g="0" b="0"/>
-      </a:fillRef>
-      <a:effectRef idx="0">
-        <a:scrgbClr r="0" g="0" b="0"/>
-      </a:effectRef>
-      <a:fontRef idx="minor"/>
-    </dgm:style>
-  </dgm:styleLbl>
-  <dgm:styleLbl name="alignImgPlace1">
-    <dgm:scene3d>
-      <a:camera prst="orthographicFront"/>
-      <a:lightRig rig="threePt" dir="t"/>
-    </dgm:scene3d>
-    <dgm:sp3d/>
-    <dgm:txPr/>
-    <dgm:style>
-      <a:lnRef idx="2">
-        <a:scrgbClr r="0" g="0" b="0"/>
-      </a:lnRef>
-      <a:fillRef idx="1">
-        <a:scrgbClr r="0" g="0" b="0"/>
-      </a:fillRef>
-      <a:effectRef idx="0">
-        <a:scrgbClr r="0" g="0" b="0"/>
-      </a:effectRef>
-      <a:fontRef idx="minor"/>
-    </dgm:style>
-  </dgm:styleLbl>
-  <dgm:styleLbl name="bgImgPlace1">
-    <dgm:scene3d>
-      <a:camera prst="orthographicFront"/>
-      <a:lightRig rig="threePt" dir="t"/>
-    </dgm:scene3d>
-    <dgm:sp3d/>
-    <dgm:txPr/>
-    <dgm:style>
-      <a:lnRef idx="2">
-        <a:scrgbClr r="0" g="0" b="0"/>
-      </a:lnRef>
-      <a:fillRef idx="1">
-        <a:scrgbClr r="0" g="0" b="0"/>
-      </a:fillRef>
-      <a:effectRef idx="0">
-        <a:scrgbClr r="0" g="0" b="0"/>
-      </a:effectRef>
-      <a:fontRef idx="minor"/>
-    </dgm:style>
-  </dgm:styleLbl>
-  <dgm:styleLbl name="sibTrans2D1">
-    <dgm:scene3d>
-      <a:camera prst="orthographicFront"/>
-      <a:lightRig rig="threePt" dir="t"/>
-    </dgm:scene3d>
-    <dgm:sp3d/>
-    <dgm:txPr/>
-    <dgm:style>
-      <a:lnRef idx="0">
-        <a:scrgbClr r="0" g="0" b="0"/>
-      </a:lnRef>
-      <a:fillRef idx="1">
-        <a:scrgbClr r="0" g="0" b="0"/>
-      </a:fillRef>
-      <a:effectRef idx="0">
-        <a:scrgbClr r="0" g="0" b="0"/>
-      </a:effectRef>
-      <a:fontRef idx="minor">
-        <a:schemeClr val="lt1"/>
-      </a:fontRef>
-    </dgm:style>
-  </dgm:styleLbl>
-  <dgm:styleLbl name="fgSibTrans2D1">
-    <dgm:scene3d>
-      <a:camera prst="orthographicFront"/>
-      <a:lightRig rig="threePt" dir="t"/>
-    </dgm:scene3d>
-    <dgm:sp3d/>
-    <dgm:txPr/>
-    <dgm:style>
-      <a:lnRef idx="0">
-        <a:scrgbClr r="0" g="0" b="0"/>
-      </a:lnRef>
-      <a:fillRef idx="1">
-        <a:scrgbClr r="0" g="0" b="0"/>
-      </a:fillRef>
-      <a:effectRef idx="0">
-        <a:scrgbClr r="0" g="0" b="0"/>
-      </a:effectRef>
-      <a:fontRef idx="minor">
-        <a:schemeClr val="lt1"/>
-      </a:fontRef>
-    </dgm:style>
-  </dgm:styleLbl>
-  <dgm:styleLbl name="bgSibTrans2D1">
-    <dgm:scene3d>
-      <a:camera prst="orthographicFront"/>
-      <a:lightRig rig="threePt" dir="t"/>
-    </dgm:scene3d>
-    <dgm:sp3d/>
-    <dgm:txPr/>
-    <dgm:style>
-      <a:lnRef idx="0">
-        <a:scrgbClr r="0" g="0" b="0"/>
-      </a:lnRef>
-      <a:fillRef idx="1">
-        <a:scrgbClr r="0" g="0" b="0"/>
-      </a:fillRef>
-      <a:effectRef idx="0">
-        <a:scrgbClr r="0" g="0" b="0"/>
-      </a:effectRef>
-      <a:fontRef idx="minor">
-        <a:schemeClr val="lt1"/>
-      </a:fontRef>
-    </dgm:style>
-  </dgm:styleLbl>
-  <dgm:styleLbl name="sibTrans1D1">
-    <dgm:scene3d>
-      <a:camera prst="orthographicFront"/>
-      <a:lightRig rig="threePt" dir="t"/>
-    </dgm:scene3d>
-    <dgm:sp3d/>
-    <dgm:txPr/>
-    <dgm:style>
-      <a:lnRef idx="1">
-        <a:scrgbClr r="0" g="0" b="0"/>
-      </a:lnRef>
-      <a:fillRef idx="0">
-        <a:scrgbClr r="0" g="0" b="0"/>
-      </a:fillRef>
-      <a:effectRef idx="0">
-        <a:scrgbClr r="0" g="0" b="0"/>
-      </a:effectRef>
-      <a:fontRef idx="minor"/>
-    </dgm:style>
-  </dgm:styleLbl>
-  <dgm:styleLbl name="callout">
-    <dgm:scene3d>
-      <a:camera prst="orthographicFront"/>
-      <a:lightRig rig="threePt" dir="t"/>
-    </dgm:scene3d>
-    <dgm:sp3d/>
-    <dgm:txPr/>
-    <dgm:style>
-      <a:lnRef idx="2">
-        <a:scrgbClr r="0" g="0" b="0"/>
-      </a:lnRef>
-      <a:fillRef idx="1">
-        <a:scrgbClr r="0" g="0" b="0"/>
-      </a:fillRef>
-      <a:effectRef idx="0">
-        <a:scrgbClr r="0" g="0" b="0"/>
-      </a:effectRef>
-      <a:fontRef idx="minor"/>
-    </dgm:style>
-  </dgm:styleLbl>
-  <dgm:styleLbl name="asst0">
-    <dgm:scene3d>
-      <a:camera prst="orthographicFront"/>
-      <a:lightRig rig="threePt" dir="t"/>
-    </dgm:scene3d>
-    <dgm:sp3d/>
-    <dgm:txPr/>
-    <dgm:style>
-      <a:lnRef idx="2">
-        <a:scrgbClr r="0" g="0" b="0"/>
-      </a:lnRef>
-      <a:fillRef idx="1">
-        <a:scrgbClr r="0" g="0" b="0"/>
-      </a:fillRef>
-      <a:effectRef idx="0">
-        <a:scrgbClr r="0" g="0" b="0"/>
-      </a:effectRef>
-      <a:fontRef idx="minor">
-        <a:schemeClr val="lt1"/>
-      </a:fontRef>
-    </dgm:style>
-  </dgm:styleLbl>
-  <dgm:styleLbl name="asst1">
-    <dgm:scene3d>
-      <a:camera prst="orthographicFront"/>
-      <a:lightRig rig="threePt" dir="t"/>
-    </dgm:scene3d>
-    <dgm:sp3d/>
-    <dgm:txPr/>
-    <dgm:style>
-      <a:lnRef idx="2">
-        <a:scrgbClr r="0" g="0" b="0"/>
-      </a:lnRef>
-      <a:fillRef idx="1">
-        <a:scrgbClr r="0" g="0" b="0"/>
-      </a:fillRef>
-      <a:effectRef idx="0">
-        <a:scrgbClr r="0" g="0" b="0"/>
-      </a:effectRef>
-      <a:fontRef idx="minor">
-        <a:schemeClr val="lt1"/>
-      </a:fontRef>
-    </dgm:style>
-  </dgm:styleLbl>
-  <dgm:styleLbl name="asst2">
-    <dgm:scene3d>
-      <a:camera prst="orthographicFront"/>
-      <a:lightRig rig="threePt" dir="t"/>
-    </dgm:scene3d>
-    <dgm:sp3d/>
-    <dgm:txPr/>
-    <dgm:style>
-      <a:lnRef idx="2">
-        <a:scrgbClr r="0" g="0" b="0"/>
-      </a:lnRef>
-      <a:fillRef idx="1">
-        <a:scrgbClr r="0" g="0" b="0"/>
-      </a:fillRef>
-      <a:effectRef idx="0">
-        <a:scrgbClr r="0" g="0" b="0"/>
-      </a:effectRef>
-      <a:fontRef idx="minor">
-        <a:schemeClr val="lt1"/>
-      </a:fontRef>
-    </dgm:style>
-  </dgm:styleLbl>
-  <dgm:styleLbl name="asst3">
-    <dgm:scene3d>
-      <a:camera prst="orthographicFront"/>
-      <a:lightRig rig="threePt" dir="t"/>
-    </dgm:scene3d>
-    <dgm:sp3d/>
-    <dgm:txPr/>
-    <dgm:style>
-      <a:lnRef idx="2">
-        <a:scrgbClr r="0" g="0" b="0"/>
-      </a:lnRef>
-      <a:fillRef idx="1">
-        <a:scrgbClr r="0" g="0" b="0"/>
-      </a:fillRef>
-      <a:effectRef idx="0">
-        <a:scrgbClr r="0" g="0" b="0"/>
-      </a:effectRef>
-      <a:fontRef idx="minor">
-        <a:schemeClr val="lt1"/>
-      </a:fontRef>
-    </dgm:style>
-  </dgm:styleLbl>
-  <dgm:styleLbl name="asst4">
-    <dgm:scene3d>
-      <a:camera prst="orthographicFront"/>
-      <a:lightRig rig="threePt" dir="t"/>
-    </dgm:scene3d>
-    <dgm:sp3d/>
-    <dgm:txPr/>
-    <dgm:style>
-      <a:lnRef idx="2">
-        <a:scrgbClr r="0" g="0" b="0"/>
-      </a:lnRef>
-      <a:fillRef idx="1">
-        <a:scrgbClr r="0" g="0" b="0"/>
-      </a:fillRef>
-      <a:effectRef idx="0">
-        <a:scrgbClr r="0" g="0" b="0"/>
-      </a:effectRef>
-      <a:fontRef idx="minor">
-        <a:schemeClr val="lt1"/>
-      </a:fontRef>
-    </dgm:style>
-  </dgm:styleLbl>
-  <dgm:styleLbl name="parChTrans2D1">
-    <dgm:scene3d>
-      <a:camera prst="orthographicFront"/>
-      <a:lightRig rig="threePt" dir="t"/>
-    </dgm:scene3d>
-    <dgm:sp3d/>
-    <dgm:txPr/>
-    <dgm:style>
-      <a:lnRef idx="2">
-        <a:scrgbClr r="0" g="0" b="0"/>
-      </a:lnRef>
-      <a:fillRef idx="1">
-        <a:scrgbClr r="0" g="0" b="0"/>
-      </a:fillRef>
-      <a:effectRef idx="0">
-        <a:scrgbClr r="0" g="0" b="0"/>
-      </a:effectRef>
-      <a:fontRef idx="minor">
-        <a:schemeClr val="lt1"/>
-      </a:fontRef>
-    </dgm:style>
-  </dgm:styleLbl>
-  <dgm:styleLbl name="parChTrans2D2">
-    <dgm:scene3d>
-      <a:camera prst="orthographicFront"/>
-      <a:lightRig rig="threePt" dir="t"/>
-    </dgm:scene3d>
-    <dgm:sp3d/>
-    <dgm:txPr/>
-    <dgm:style>
-      <a:lnRef idx="2">
-        <a:scrgbClr r="0" g="0" b="0"/>
-      </a:lnRef>
-      <a:fillRef idx="1">
-        <a:scrgbClr r="0" g="0" b="0"/>
-      </a:fillRef>
-      <a:effectRef idx="0">
-        <a:scrgbClr r="0" g="0" b="0"/>
-      </a:effectRef>
-      <a:fontRef idx="minor">
-        <a:schemeClr val="lt1"/>
-      </a:fontRef>
-    </dgm:style>
-  </dgm:styleLbl>
-  <dgm:styleLbl name="parChTrans2D3">
-    <dgm:scene3d>
-      <a:camera prst="orthographicFront"/>
-      <a:lightRig rig="threePt" dir="t"/>
-    </dgm:scene3d>
-    <dgm:sp3d/>
-    <dgm:txPr/>
-    <dgm:style>
-      <a:lnRef idx="2">
-        <a:scrgbClr r="0" g="0" b="0"/>
-      </a:lnRef>
-      <a:fillRef idx="1">
-        <a:scrgbClr r="0" g="0" b="0"/>
-      </a:fillRef>
-      <a:effectRef idx="0">
-        <a:scrgbClr r="0" g="0" b="0"/>
-      </a:effectRef>
-      <a:fontRef idx="minor">
-        <a:schemeClr val="lt1"/>
-      </a:fontRef>
-    </dgm:style>
-  </dgm:styleLbl>
-  <dgm:styleLbl name="parChTrans2D4">
-    <dgm:scene3d>
-      <a:camera prst="orthographicFront"/>
-      <a:lightRig rig="threePt" dir="t"/>
-    </dgm:scene3d>
-    <dgm:sp3d/>
-    <dgm:txPr/>
-    <dgm:style>
-      <a:lnRef idx="2">
-        <a:scrgbClr r="0" g="0" b="0"/>
-      </a:lnRef>
-      <a:fillRef idx="1">
-        <a:scrgbClr r="0" g="0" b="0"/>
-      </a:fillRef>
-      <a:effectRef idx="0">
-        <a:scrgbClr r="0" g="0" b="0"/>
-      </a:effectRef>
-      <a:fontRef idx="minor">
-        <a:schemeClr val="lt1"/>
-      </a:fontRef>
-    </dgm:style>
-  </dgm:styleLbl>
-  <dgm:styleLbl name="parChTrans1D1">
-    <dgm:scene3d>
-      <a:camera prst="orthographicFront"/>
-      <a:lightRig rig="threePt" dir="t"/>
-    </dgm:scene3d>
-    <dgm:sp3d/>
-    <dgm:txPr/>
-    <dgm:style>
-      <a:lnRef idx="2">
-        <a:scrgbClr r="0" g="0" b="0"/>
-      </a:lnRef>
-      <a:fillRef idx="0">
-        <a:scrgbClr r="0" g="0" b="0"/>
-      </a:fillRef>
-      <a:effectRef idx="0">
-        <a:scrgbClr r="0" g="0" b="0"/>
-      </a:effectRef>
-      <a:fontRef idx="minor"/>
-    </dgm:style>
-  </dgm:styleLbl>
-  <dgm:styleLbl name="parChTrans1D2">
-    <dgm:scene3d>
-      <a:camera prst="orthographicFront"/>
-      <a:lightRig rig="threePt" dir="t"/>
-    </dgm:scene3d>
-    <dgm:sp3d/>
-    <dgm:txPr/>
-    <dgm:style>
-      <a:lnRef idx="2">
-        <a:scrgbClr r="0" g="0" b="0"/>
-      </a:lnRef>
-      <a:fillRef idx="0">
-        <a:scrgbClr r="0" g="0" b="0"/>
-      </a:fillRef>
-      <a:effectRef idx="0">
-        <a:scrgbClr r="0" g="0" b="0"/>
-      </a:effectRef>
-      <a:fontRef idx="minor"/>
-    </dgm:style>
-  </dgm:styleLbl>
-  <dgm:styleLbl name="parChTrans1D3">
-    <dgm:scene3d>
-      <a:camera prst="orthographicFront"/>
-      <a:lightRig rig="threePt" dir="t"/>
-    </dgm:scene3d>
-    <dgm:sp3d/>
-    <dgm:txPr/>
-    <dgm:style>
-      <a:lnRef idx="2">
-        <a:scrgbClr r="0" g="0" b="0"/>
-      </a:lnRef>
-      <a:fillRef idx="0">
-        <a:scrgbClr r="0" g="0" b="0"/>
-      </a:fillRef>
-      <a:effectRef idx="0">
-        <a:scrgbClr r="0" g="0" b="0"/>
-      </a:effectRef>
-      <a:fontRef idx="minor"/>
-    </dgm:style>
-  </dgm:styleLbl>
-  <dgm:styleLbl name="parChTrans1D4">
-    <dgm:scene3d>
-      <a:camera prst="orthographicFront"/>
-      <a:lightRig rig="threePt" dir="t"/>
-    </dgm:scene3d>
-    <dgm:sp3d/>
-    <dgm:txPr/>
-    <dgm:style>
-      <a:lnRef idx="2">
-        <a:scrgbClr r="0" g="0" b="0"/>
-      </a:lnRef>
-      <a:fillRef idx="0">
-        <a:scrgbClr r="0" g="0" b="0"/>
-      </a:fillRef>
-      <a:effectRef idx="0">
-        <a:scrgbClr r="0" g="0" b="0"/>
-      </a:effectRef>
-      <a:fontRef idx="minor"/>
-    </dgm:style>
-  </dgm:styleLbl>
-  <dgm:styleLbl name="fgAcc1">
-    <dgm:scene3d>
-      <a:camera prst="orthographicFront"/>
-      <a:lightRig rig="threePt" dir="t"/>
-    </dgm:scene3d>
-    <dgm:sp3d/>
-    <dgm:txPr/>
-    <dgm:style>
-      <a:lnRef idx="2">
-        <a:scrgbClr r="0" g="0" b="0"/>
-      </a:lnRef>
-      <a:fillRef idx="1">
-        <a:scrgbClr r="0" g="0" b="0"/>
-      </a:fillRef>
-      <a:effectRef idx="0">
-        <a:scrgbClr r="0" g="0" b="0"/>
-      </a:effectRef>
-      <a:fontRef idx="minor"/>
-    </dgm:style>
-  </dgm:styleLbl>
-  <dgm:styleLbl name="conFgAcc1">
-    <dgm:scene3d>
-      <a:camera prst="orthographicFront"/>
-      <a:lightRig rig="threePt" dir="t"/>
-    </dgm:scene3d>
-    <dgm:sp3d/>
-    <dgm:txPr/>
-    <dgm:style>
-      <a:lnRef idx="2">
-        <a:scrgbClr r="0" g="0" b="0"/>
-      </a:lnRef>
-      <a:fillRef idx="1">
-        <a:scrgbClr r="0" g="0" b="0"/>
-      </a:fillRef>
-      <a:effectRef idx="0">
-        <a:scrgbClr r="0" g="0" b="0"/>
-      </a:effectRef>
-      <a:fontRef idx="minor"/>
-    </dgm:style>
-  </dgm:styleLbl>
-  <dgm:styleLbl name="alignAcc1">
-    <dgm:scene3d>
-      <a:camera prst="orthographicFront"/>
-      <a:lightRig rig="threePt" dir="t"/>
-    </dgm:scene3d>
-    <dgm:sp3d/>
-    <dgm:txPr/>
-    <dgm:style>
-      <a:lnRef idx="2">
-        <a:scrgbClr r="0" g="0" b="0"/>
-      </a:lnRef>
-      <a:fillRef idx="1">
-        <a:scrgbClr r="0" g="0" b="0"/>
-      </a:fillRef>
-      <a:effectRef idx="0">
-        <a:scrgbClr r="0" g="0" b="0"/>
-      </a:effectRef>
-      <a:fontRef idx="minor"/>
-    </dgm:style>
-  </dgm:styleLbl>
-  <dgm:styleLbl name="trAlignAcc1">
-    <dgm:scene3d>
-      <a:camera prst="orthographicFront"/>
-      <a:lightRig rig="threePt" dir="t"/>
-    </dgm:scene3d>
-    <dgm:sp3d/>
-    <dgm:txPr/>
-    <dgm:style>
-      <a:lnRef idx="1">
-        <a:scrgbClr r="0" g="0" b="0"/>
-      </a:lnRef>
-      <a:fillRef idx="1">
-        <a:scrgbClr r="0" g="0" b="0"/>
-      </a:fillRef>
-      <a:effectRef idx="0">
-        <a:scrgbClr r="0" g="0" b="0"/>
-      </a:effectRef>
-      <a:fontRef idx="minor"/>
-    </dgm:style>
-  </dgm:styleLbl>
-  <dgm:styleLbl name="bgAcc1">
-    <dgm:scene3d>
-      <a:camera prst="orthographicFront"/>
-      <a:lightRig rig="threePt" dir="t"/>
-    </dgm:scene3d>
-    <dgm:sp3d/>
-    <dgm:txPr/>
-    <dgm:style>
-      <a:lnRef idx="2">
-        <a:scrgbClr r="0" g="0" b="0"/>
-      </a:lnRef>
-      <a:fillRef idx="1">
-        <a:scrgbClr r="0" g="0" b="0"/>
-      </a:fillRef>
-      <a:effectRef idx="0">
-        <a:scrgbClr r="0" g="0" b="0"/>
-      </a:effectRef>
-      <a:fontRef idx="minor"/>
-    </dgm:style>
-  </dgm:styleLbl>
-  <dgm:styleLbl name="solidFgAcc1">
-    <dgm:scene3d>
-      <a:camera prst="orthographicFront"/>
-      <a:lightRig rig="threePt" dir="t"/>
-    </dgm:scene3d>
-    <dgm:sp3d/>
-    <dgm:txPr/>
-    <dgm:style>
-      <a:lnRef idx="2">
-        <a:scrgbClr r="0" g="0" b="0"/>
-      </a:lnRef>
-      <a:fillRef idx="1">
-        <a:scrgbClr r="0" g="0" b="0"/>
-      </a:fillRef>
-      <a:effectRef idx="0">
-        <a:scrgbClr r="0" g="0" b="0"/>
-      </a:effectRef>
-      <a:fontRef idx="minor"/>
-    </dgm:style>
-  </dgm:styleLbl>
-  <dgm:styleLbl name="solidAlignAcc1">
-    <dgm:scene3d>
-      <a:camera prst="orthographicFront"/>
-      <a:lightRig rig="threePt" dir="t"/>
-    </dgm:scene3d>
-    <dgm:sp3d/>
-    <dgm:txPr/>
-    <dgm:style>
-      <a:lnRef idx="2">
-        <a:scrgbClr r="0" g="0" b="0"/>
-      </a:lnRef>
-      <a:fillRef idx="1">
-        <a:scrgbClr r="0" g="0" b="0"/>
-      </a:fillRef>
-      <a:effectRef idx="0">
-        <a:scrgbClr r="0" g="0" b="0"/>
-      </a:effectRef>
-      <a:fontRef idx="minor"/>
-    </dgm:style>
-  </dgm:styleLbl>
-  <dgm:styleLbl name="solidBgAcc1">
-    <dgm:scene3d>
-      <a:camera prst="orthographicFront"/>
-      <a:lightRig rig="threePt" dir="t"/>
-    </dgm:scene3d>
-    <dgm:sp3d/>
-    <dgm:txPr/>
-    <dgm:style>
-      <a:lnRef idx="2">
-        <a:scrgbClr r="0" g="0" b="0"/>
-      </a:lnRef>
-      <a:fillRef idx="1">
-        <a:scrgbClr r="0" g="0" b="0"/>
-      </a:fillRef>
-      <a:effectRef idx="0">
-        <a:scrgbClr r="0" g="0" b="0"/>
-      </a:effectRef>
-      <a:fontRef idx="minor"/>
-    </dgm:style>
-  </dgm:styleLbl>
-  <dgm:styleLbl name="fgAccFollowNode1">
-    <dgm:scene3d>
-      <a:camera prst="orthographicFront"/>
-      <a:lightRig rig="threePt" dir="t"/>
-    </dgm:scene3d>
-    <dgm:sp3d/>
-    <dgm:txPr/>
-    <dgm:style>
-      <a:lnRef idx="2">
-        <a:scrgbClr r="0" g="0" b="0"/>
-      </a:lnRef>
-      <a:fillRef idx="1">
-        <a:scrgbClr r="0" g="0" b="0"/>
-      </a:fillRef>
-      <a:effectRef idx="0">
-        <a:scrgbClr r="0" g="0" b="0"/>
-      </a:effectRef>
-      <a:fontRef idx="minor"/>
-    </dgm:style>
-  </dgm:styleLbl>
-  <dgm:styleLbl name="alignAccFollowNode1">
-    <dgm:scene3d>
-      <a:camera prst="orthographicFront"/>
-      <a:lightRig rig="threePt" dir="t"/>
-    </dgm:scene3d>
-    <dgm:sp3d/>
-    <dgm:txPr/>
-    <dgm:style>
-      <a:lnRef idx="2">
-        <a:scrgbClr r="0" g="0" b="0"/>
-      </a:lnRef>
-      <a:fillRef idx="1">
-        <a:scrgbClr r="0" g="0" b="0"/>
-      </a:fillRef>
-      <a:effectRef idx="0">
-        <a:scrgbClr r="0" g="0" b="0"/>
-      </a:effectRef>
-      <a:fontRef idx="minor"/>
-    </dgm:style>
-  </dgm:styleLbl>
-  <dgm:styleLbl name="bgAccFollowNode1">
-    <dgm:scene3d>
-      <a:camera prst="orthographicFront"/>
-      <a:lightRig rig="threePt" dir="t"/>
-    </dgm:scene3d>
-    <dgm:sp3d/>
-    <dgm:txPr/>
-    <dgm:style>
-      <a:lnRef idx="2">
-        <a:scrgbClr r="0" g="0" b="0"/>
-      </a:lnRef>
-      <a:fillRef idx="1">
-        <a:scrgbClr r="0" g="0" b="0"/>
-      </a:fillRef>
-      <a:effectRef idx="0">
-        <a:scrgbClr r="0" g="0" b="0"/>
-      </a:effectRef>
-      <a:fontRef idx="minor"/>
-    </dgm:style>
-  </dgm:styleLbl>
-  <dgm:styleLbl name="fgAcc0">
-    <dgm:scene3d>
-      <a:camera prst="orthographicFront"/>
-      <a:lightRig rig="threePt" dir="t"/>
-    </dgm:scene3d>
-    <dgm:sp3d/>
-    <dgm:txPr/>
-    <dgm:style>
-      <a:lnRef idx="2">
-        <a:scrgbClr r="0" g="0" b="0"/>
-      </a:lnRef>
-      <a:fillRef idx="1">
-        <a:scrgbClr r="0" g="0" b="0"/>
-      </a:fillRef>
-      <a:effectRef idx="0">
-        <a:scrgbClr r="0" g="0" b="0"/>
-      </a:effectRef>
-      <a:fontRef idx="minor"/>
-    </dgm:style>
-  </dgm:styleLbl>
-  <dgm:styleLbl name="fgAcc2">
-    <dgm:scene3d>
-      <a:camera prst="orthographicFront"/>
-      <a:lightRig rig="threePt" dir="t"/>
-    </dgm:scene3d>
-    <dgm:sp3d/>
-    <dgm:txPr/>
-    <dgm:style>
-      <a:lnRef idx="2">
-        <a:scrgbClr r="0" g="0" b="0"/>
-      </a:lnRef>
-      <a:fillRef idx="1">
-        <a:scrgbClr r="0" g="0" b="0"/>
-      </a:fillRef>
-      <a:effectRef idx="0">
-        <a:scrgbClr r="0" g="0" b="0"/>
-      </a:effectRef>
-      <a:fontRef idx="minor"/>
-    </dgm:style>
-  </dgm:styleLbl>
-  <dgm:styleLbl name="fgAcc3">
-    <dgm:scene3d>
-      <a:camera prst="orthographicFront"/>
-      <a:lightRig rig="threePt" dir="t"/>
-    </dgm:scene3d>
-    <dgm:sp3d/>
-    <dgm:txPr/>
-    <dgm:style>
-      <a:lnRef idx="2">
-        <a:scrgbClr r="0" g="0" b="0"/>
-      </a:lnRef>
-      <a:fillRef idx="1">
-        <a:scrgbClr r="0" g="0" b="0"/>
-      </a:fillRef>
-      <a:effectRef idx="0">
-        <a:scrgbClr r="0" g="0" b="0"/>
-      </a:effectRef>
-      <a:fontRef idx="minor"/>
-    </dgm:style>
-  </dgm:styleLbl>
-  <dgm:styleLbl name="fgAcc4">
-    <dgm:scene3d>
-      <a:camera prst="orthographicFront"/>
-      <a:lightRig rig="threePt" dir="t"/>
-    </dgm:scene3d>
-    <dgm:sp3d/>
-    <dgm:txPr/>
-    <dgm:style>
-      <a:lnRef idx="2">
-        <a:scrgbClr r="0" g="0" b="0"/>
-      </a:lnRef>
-      <a:fillRef idx="1">
-        <a:scrgbClr r="0" g="0" b="0"/>
-      </a:fillRef>
-      <a:effectRef idx="0">
-        <a:scrgbClr r="0" g="0" b="0"/>
-      </a:effectRef>
-      <a:fontRef idx="minor"/>
-    </dgm:style>
-  </dgm:styleLbl>
-  <dgm:styleLbl name="bgShp">
-    <dgm:scene3d>
-      <a:camera prst="orthographicFront"/>
-      <a:lightRig rig="threePt" dir="t"/>
-    </dgm:scene3d>
-    <dgm:sp3d/>
-    <dgm:txPr/>
-    <dgm:style>
-      <a:lnRef idx="0">
-        <a:scrgbClr r="0" g="0" b="0"/>
-      </a:lnRef>
-      <a:fillRef idx="1">
-        <a:scrgbClr r="0" g="0" b="0"/>
-      </a:fillRef>
-      <a:effectRef idx="0">
-        <a:scrgbClr r="0" g="0" b="0"/>
-      </a:effectRef>
-      <a:fontRef idx="minor"/>
-    </dgm:style>
-  </dgm:styleLbl>
-  <dgm:styleLbl name="dkBgShp">
-    <dgm:scene3d>
-      <a:camera prst="orthographicFront"/>
-      <a:lightRig rig="threePt" dir="t"/>
-    </dgm:scene3d>
-    <dgm:sp3d/>
-    <dgm:txPr/>
-    <dgm:style>
-      <a:lnRef idx="0">
-        <a:scrgbClr r="0" g="0" b="0"/>
-      </a:lnRef>
-      <a:fillRef idx="1">
-        <a:scrgbClr r="0" g="0" b="0"/>
-      </a:fillRef>
-      <a:effectRef idx="0">
-        <a:scrgbClr r="0" g="0" b="0"/>
-      </a:effectRef>
-      <a:fontRef idx="minor"/>
-    </dgm:style>
-  </dgm:styleLbl>
-  <dgm:styleLbl name="trBgShp">
-    <dgm:scene3d>
-      <a:camera prst="orthographicFront"/>
-      <a:lightRig rig="threePt" dir="t"/>
-    </dgm:scene3d>
-    <dgm:sp3d/>
-    <dgm:txPr/>
-    <dgm:style>
-      <a:lnRef idx="0">
-        <a:scrgbClr r="0" g="0" b="0"/>
-      </a:lnRef>
-      <a:fillRef idx="1">
-        <a:scrgbClr r="0" g="0" b="0"/>
-      </a:fillRef>
-      <a:effectRef idx="0">
-        <a:scrgbClr r="0" g="0" b="0"/>
-      </a:effectRef>
-      <a:fontRef idx="minor"/>
-    </dgm:style>
-  </dgm:styleLbl>
-  <dgm:styleLbl name="fgShp">
-    <dgm:scene3d>
-      <a:camera prst="orthographicFront"/>
-      <a:lightRig rig="threePt" dir="t"/>
-    </dgm:scene3d>
-    <dgm:sp3d/>
-    <dgm:txPr/>
-    <dgm:style>
-      <a:lnRef idx="2">
-        <a:scrgbClr r="0" g="0" b="0"/>
-      </a:lnRef>
-      <a:fillRef idx="1">
-        <a:scrgbClr r="0" g="0" b="0"/>
-      </a:fillRef>
-      <a:effectRef idx="0">
-        <a:scrgbClr r="0" g="0" b="0"/>
-      </a:effectRef>
-      <a:fontRef idx="minor"/>
-    </dgm:style>
-  </dgm:styleLbl>
-  <dgm:styleLbl name="revTx">
-    <dgm:scene3d>
-      <a:camera prst="orthographicFront"/>
-      <a:lightRig rig="threePt" dir="t"/>
-    </dgm:scene3d>
-    <dgm:sp3d/>
-    <dgm:txPr/>
-    <dgm:style>
-      <a:lnRef idx="0">
-        <a:scrgbClr r="0" g="0" b="0"/>
-      </a:lnRef>
-      <a:fillRef idx="0">
-        <a:scrgbClr r="0" g="0" b="0"/>
-      </a:fillRef>
-      <a:effectRef idx="0">
-        <a:scrgbClr r="0" g="0" b="0"/>
-      </a:effectRef>
-      <a:fontRef idx="minor"/>
-    </dgm:style>
-  </dgm:styleLbl>
-</dgm:styleDef>
-</file>
-
 <file path=ppt/notesMasters/notesMaster1.xml><?xml version="1.0" encoding="utf-8"?>
 <p:notesMaster xmlns:a="http://schemas.openxmlformats.org/drawingml/2006/main" xmlns:r="http://schemas.openxmlformats.org/officeDocument/2006/relationships" xmlns:p="http://schemas.openxmlformats.org/presentationml/2006/main">
   <p:cSld>
@@ -3228,7 +204,7 @@
           <a:p>
             <a:fld id="{BF5AA480-C879-5647-9213-4AB0980B2004}" type="datetimeFigureOut">
               <a:rPr lang="en-US" smtClean="0"/>
-              <a:t>1/4/25</a:t>
+              <a:t>1/7/25</a:t>
             </a:fld>
             <a:endParaRPr lang="en-US"/>
           </a:p>
@@ -3666,93 +642,6 @@
 </p:notes>
 </file>
 
-<file path=ppt/notesSlides/notesSlide3.xml><?xml version="1.0" encoding="utf-8"?>
-<p:notes xmlns:a="http://schemas.openxmlformats.org/drawingml/2006/main" xmlns:r="http://schemas.openxmlformats.org/officeDocument/2006/relationships" xmlns:p="http://schemas.openxmlformats.org/presentationml/2006/main">
-  <p:cSld>
-    <p:spTree>
-      <p:nvGrpSpPr>
-        <p:cNvPr id="1" name=""/>
-        <p:cNvGrpSpPr/>
-        <p:nvPr/>
-      </p:nvGrpSpPr>
-      <p:grpSpPr>
-        <a:xfrm>
-          <a:off x="0" y="0"/>
-          <a:ext cx="0" cy="0"/>
-          <a:chOff x="0" y="0"/>
-          <a:chExt cx="0" cy="0"/>
-        </a:xfrm>
-      </p:grpSpPr>
-      <p:sp>
-        <p:nvSpPr>
-          <p:cNvPr id="2" name="Slide Image Placeholder 1"/>
-          <p:cNvSpPr>
-            <a:spLocks noGrp="1" noRot="1" noChangeAspect="1"/>
-          </p:cNvSpPr>
-          <p:nvPr>
-            <p:ph type="sldImg"/>
-          </p:nvPr>
-        </p:nvSpPr>
-        <p:spPr/>
-      </p:sp>
-      <p:sp>
-        <p:nvSpPr>
-          <p:cNvPr id="3" name="Notes Placeholder 2"/>
-          <p:cNvSpPr>
-            <a:spLocks noGrp="1"/>
-          </p:cNvSpPr>
-          <p:nvPr>
-            <p:ph type="body" idx="1"/>
-          </p:nvPr>
-        </p:nvSpPr>
-        <p:spPr/>
-        <p:txBody>
-          <a:bodyPr/>
-          <a:lstStyle/>
-          <a:p>
-            <a:r>
-              <a:rPr lang="en-US" dirty="0"/>
-              <a:t>The questions we aim to take a deeper dive into are:</a:t>
-            </a:r>
-          </a:p>
-        </p:txBody>
-      </p:sp>
-      <p:sp>
-        <p:nvSpPr>
-          <p:cNvPr id="4" name="Slide Number Placeholder 3"/>
-          <p:cNvSpPr>
-            <a:spLocks noGrp="1"/>
-          </p:cNvSpPr>
-          <p:nvPr>
-            <p:ph type="sldNum" sz="quarter" idx="5"/>
-          </p:nvPr>
-        </p:nvSpPr>
-        <p:spPr/>
-        <p:txBody>
-          <a:bodyPr/>
-          <a:lstStyle/>
-          <a:p>
-            <a:fld id="{492B2B1A-E91C-F249-97E5-61AB060BBE8D}" type="slidenum">
-              <a:rPr lang="en-US" smtClean="0"/>
-              <a:t>3</a:t>
-            </a:fld>
-            <a:endParaRPr lang="en-US"/>
-          </a:p>
-        </p:txBody>
-      </p:sp>
-    </p:spTree>
-    <p:extLst>
-      <p:ext uri="{BB962C8B-B14F-4D97-AF65-F5344CB8AC3E}">
-        <p14:creationId xmlns:p14="http://schemas.microsoft.com/office/powerpoint/2010/main" val="532480243"/>
-      </p:ext>
-    </p:extLst>
-  </p:cSld>
-  <p:clrMapOvr>
-    <a:masterClrMapping/>
-  </p:clrMapOvr>
-</p:notes>
-</file>
-
 <file path=ppt/slideLayouts/slideLayout1.xml><?xml version="1.0" encoding="utf-8"?>
 <p:sldLayout xmlns:a="http://schemas.openxmlformats.org/drawingml/2006/main" xmlns:r="http://schemas.openxmlformats.org/officeDocument/2006/relationships" xmlns:p="http://schemas.openxmlformats.org/presentationml/2006/main" showMasterSp="0" type="title" preserve="1">
   <p:cSld name="Title Slide">
@@ -3997,7 +886,7 @@
           <a:p>
             <a:fld id="{9184DA70-C731-4C70-880D-CCD4705E623C}" type="datetime1">
               <a:rPr lang="en-US" smtClean="0"/>
-              <a:t>1/4/25</a:t>
+              <a:t>1/7/25</a:t>
             </a:fld>
             <a:endParaRPr lang="en-US" dirty="0"/>
           </a:p>
@@ -4185,7 +1074,7 @@
           <a:p>
             <a:fld id="{B612A279-0833-481D-8C56-F67FD0AC6C50}" type="datetime1">
               <a:rPr lang="en-US" smtClean="0"/>
-              <a:t>1/4/25</a:t>
+              <a:t>1/7/25</a:t>
             </a:fld>
             <a:endParaRPr lang="en-US" dirty="0"/>
           </a:p>
@@ -4427,7 +1316,7 @@
           <a:p>
             <a:fld id="{6587DA83-5663-4C9C-B9AA-0B40A3DAFF81}" type="datetime1">
               <a:rPr lang="en-US" smtClean="0"/>
-              <a:t>1/4/25</a:t>
+              <a:t>1/7/25</a:t>
             </a:fld>
             <a:endParaRPr lang="en-US" dirty="0"/>
           </a:p>
@@ -4615,7 +1504,7 @@
           <a:p>
             <a:fld id="{4BE1D723-8F53-4F53-90B0-1982A396982E}" type="datetime1">
               <a:rPr lang="en-US" smtClean="0"/>
-              <a:t>1/4/25</a:t>
+              <a:t>1/7/25</a:t>
             </a:fld>
             <a:endParaRPr lang="en-US" dirty="0"/>
           </a:p>
@@ -4988,7 +1877,7 @@
           <a:p>
             <a:fld id="{97669AF7-7BEB-44E4-9852-375E34362B5B}" type="datetime1">
               <a:rPr lang="en-US" smtClean="0"/>
-              <a:t>1/4/25</a:t>
+              <a:t>1/7/25</a:t>
             </a:fld>
             <a:endParaRPr lang="en-US" dirty="0"/>
           </a:p>
@@ -5243,7 +2132,7 @@
           <a:p>
             <a:fld id="{BAAAC38D-0552-4C82-B593-E6124DFADBE2}" type="datetime1">
               <a:rPr lang="en-US" smtClean="0"/>
-              <a:t>1/4/25</a:t>
+              <a:t>1/7/25</a:t>
             </a:fld>
             <a:endParaRPr lang="en-US" dirty="0"/>
           </a:p>
@@ -5640,7 +2529,7 @@
           <a:p>
             <a:fld id="{D9DF0F1C-5577-4ACB-BB62-DF8F3C494C7E}" type="datetime1">
               <a:rPr lang="en-US" smtClean="0"/>
-              <a:t>1/4/25</a:t>
+              <a:t>1/7/25</a:t>
             </a:fld>
             <a:endParaRPr lang="en-US" dirty="0"/>
           </a:p>
@@ -5776,7 +2665,7 @@
           <a:p>
             <a:fld id="{1775B394-D9F9-4F0C-B15D-605F45CB9E9F}" type="datetime1">
               <a:rPr lang="en-US" smtClean="0"/>
-              <a:t>1/4/25</a:t>
+              <a:t>1/7/25</a:t>
             </a:fld>
             <a:endParaRPr lang="en-US" dirty="0"/>
           </a:p>
@@ -5933,7 +2822,7 @@
           <a:p>
             <a:fld id="{39667345-2558-425A-8533-9BFDBCE15005}" type="datetime1">
               <a:rPr lang="en-US" smtClean="0"/>
-              <a:t>1/4/25</a:t>
+              <a:t>1/7/25</a:t>
             </a:fld>
             <a:endParaRPr lang="en-US" dirty="0"/>
           </a:p>
@@ -6262,7 +3151,7 @@
           <a:p>
             <a:fld id="{92BEA474-078D-4E9B-9B14-09A87B19DC46}" type="datetime1">
               <a:rPr lang="en-US" smtClean="0"/>
-              <a:t>1/4/25</a:t>
+              <a:t>1/7/25</a:t>
             </a:fld>
             <a:endParaRPr lang="en-US" dirty="0"/>
           </a:p>
@@ -6612,7 +3501,7 @@
           <a:p>
             <a:fld id="{4907D986-8816-4272-A432-0437A28A9828}" type="datetime1">
               <a:rPr lang="en-US" smtClean="0"/>
-              <a:t>1/4/25</a:t>
+              <a:t>1/7/25</a:t>
             </a:fld>
             <a:endParaRPr lang="en-US" dirty="0"/>
           </a:p>
@@ -6873,7 +3762,7 @@
           <a:p>
             <a:fld id="{62D6E202-B606-4609-B914-27C9371A1F6D}" type="datetime1">
               <a:rPr lang="en-US" smtClean="0"/>
-              <a:t>1/4/25</a:t>
+              <a:t>1/7/25</a:t>
             </a:fld>
             <a:endParaRPr lang="en-US" dirty="0"/>
           </a:p>
@@ -8178,14 +5067,6 @@
 <file path=ppt/slides/slide3.xml><?xml version="1.0" encoding="utf-8"?>
 <p:sld xmlns:a="http://schemas.openxmlformats.org/drawingml/2006/main" xmlns:r="http://schemas.openxmlformats.org/officeDocument/2006/relationships" xmlns:p="http://schemas.openxmlformats.org/presentationml/2006/main">
   <p:cSld>
-    <p:bg>
-      <p:bgPr>
-        <a:solidFill>
-          <a:schemeClr val="bg1"/>
-        </a:solidFill>
-        <a:effectLst/>
-      </p:bgPr>
-    </p:bg>
     <p:spTree>
       <p:nvGrpSpPr>
         <p:cNvPr id="1" name=""/>
@@ -8200,72 +5081,12 @@
           <a:chExt cx="0" cy="0"/>
         </a:xfrm>
       </p:grpSpPr>
-      <p:sp useBgFill="1">
-        <p:nvSpPr>
-          <p:cNvPr id="9" name="Rectangle 8">
-            <a:extLst>
-              <a:ext uri="{FF2B5EF4-FFF2-40B4-BE49-F238E27FC236}">
-                <a16:creationId xmlns:a16="http://schemas.microsoft.com/office/drawing/2014/main" id="{88F0A37D-2337-4AAF-98B0-7E4E9B98719A}"/>
-              </a:ext>
-              <a:ext uri="{C183D7F6-B498-43B3-948B-1728B52AA6E4}">
-                <adec:decorative xmlns:adec="http://schemas.microsoft.com/office/drawing/2017/decorative" val="1"/>
-              </a:ext>
-            </a:extLst>
-          </p:cNvPr>
-          <p:cNvSpPr>
-            <a:spLocks noGrp="1" noRot="1" noChangeAspect="1" noMove="1" noResize="1" noEditPoints="1" noAdjustHandles="1" noChangeArrowheads="1" noChangeShapeType="1" noTextEdit="1"/>
-          </p:cNvSpPr>
-          <p:nvPr>
-            <p:extLst>
-              <p:ext uri="{386F3935-93C4-4BCD-93E2-E3B085C9AB24}">
-                <p16:designElem xmlns:p16="http://schemas.microsoft.com/office/powerpoint/2015/main" val="1"/>
-              </p:ext>
-            </p:extLst>
-          </p:nvPr>
-        </p:nvSpPr>
-        <p:spPr>
-          <a:xfrm>
-            <a:off x="0" y="0"/>
-            <a:ext cx="12192000" cy="6858000"/>
-          </a:xfrm>
-          <a:prstGeom prst="rect">
-            <a:avLst/>
-          </a:prstGeom>
-          <a:ln>
-            <a:noFill/>
-          </a:ln>
-        </p:spPr>
-        <p:style>
-          <a:lnRef idx="2">
-            <a:schemeClr val="accent1">
-              <a:shade val="50000"/>
-            </a:schemeClr>
-          </a:lnRef>
-          <a:fillRef idx="1">
-            <a:schemeClr val="accent1"/>
-          </a:fillRef>
-          <a:effectRef idx="0">
-            <a:schemeClr val="accent1"/>
-          </a:effectRef>
-          <a:fontRef idx="minor">
-            <a:schemeClr val="lt1"/>
-          </a:fontRef>
-        </p:style>
-        <p:txBody>
-          <a:bodyPr rtlCol="0" anchor="ctr"/>
-          <a:lstStyle/>
-          <a:p>
-            <a:pPr algn="ctr"/>
-            <a:endParaRPr lang="en-US"/>
-          </a:p>
-        </p:txBody>
-      </p:sp>
       <p:sp>
         <p:nvSpPr>
           <p:cNvPr id="2" name="Title 1">
             <a:extLst>
               <a:ext uri="{FF2B5EF4-FFF2-40B4-BE49-F238E27FC236}">
-                <a16:creationId xmlns:a16="http://schemas.microsoft.com/office/drawing/2014/main" id="{2FC442EE-6C89-39A4-7407-E0905632DF3F}"/>
+                <a16:creationId xmlns:a16="http://schemas.microsoft.com/office/drawing/2014/main" id="{DED2F883-E24F-6485-7D50-518C6285500B}"/>
               </a:ext>
             </a:extLst>
           </p:cNvPr>
@@ -8276,177 +5097,51 @@
             <p:ph type="title"/>
           </p:nvPr>
         </p:nvSpPr>
-        <p:spPr>
-          <a:xfrm>
-            <a:off x="1097280" y="286603"/>
-            <a:ext cx="10058400" cy="1450757"/>
-          </a:xfrm>
-        </p:spPr>
-        <p:txBody>
-          <a:bodyPr>
-            <a:normAutofit/>
-          </a:bodyPr>
-          <a:lstStyle/>
-          <a:p>
-            <a:r>
-              <a:rPr lang="en-US" dirty="0"/>
-              <a:t>Questions</a:t>
-            </a:r>
-          </a:p>
-        </p:txBody>
-      </p:sp>
-      <p:cxnSp>
-        <p:nvCxnSpPr>
-          <p:cNvPr id="11" name="Straight Connector 10">
-            <a:extLst>
-              <a:ext uri="{FF2B5EF4-FFF2-40B4-BE49-F238E27FC236}">
-                <a16:creationId xmlns:a16="http://schemas.microsoft.com/office/drawing/2014/main" id="{F15CCCF0-E573-463A-9760-1FDC0B2CFBD7}"/>
-              </a:ext>
-              <a:ext uri="{C183D7F6-B498-43B3-948B-1728B52AA6E4}">
-                <adec:decorative xmlns:adec="http://schemas.microsoft.com/office/drawing/2017/decorative" val="1"/>
-              </a:ext>
-            </a:extLst>
-          </p:cNvPr>
-          <p:cNvCxnSpPr>
-            <a:cxnSpLocks noGrp="1" noRot="1" noChangeAspect="1" noMove="1" noResize="1" noEditPoints="1" noAdjustHandles="1" noChangeArrowheads="1" noChangeShapeType="1"/>
-          </p:cNvCxnSpPr>
-          <p:nvPr>
-            <p:extLst>
-              <p:ext uri="{386F3935-93C4-4BCD-93E2-E3B085C9AB24}">
-                <p16:designElem xmlns:p16="http://schemas.microsoft.com/office/powerpoint/2015/main" val="1"/>
-              </p:ext>
-            </p:extLst>
-          </p:nvPr>
-        </p:nvCxnSpPr>
-        <p:spPr>
-          <a:xfrm>
-            <a:off x="1193532" y="1897380"/>
-            <a:ext cx="9966960" cy="0"/>
-          </a:xfrm>
-          <a:prstGeom prst="line">
-            <a:avLst/>
-          </a:prstGeom>
-          <a:ln w="12700">
-            <a:solidFill>
-              <a:schemeClr val="tx1">
-                <a:lumMod val="75000"/>
-                <a:lumOff val="25000"/>
-              </a:schemeClr>
-            </a:solidFill>
-          </a:ln>
-        </p:spPr>
-        <p:style>
-          <a:lnRef idx="1">
-            <a:schemeClr val="accent1"/>
-          </a:lnRef>
-          <a:fillRef idx="0">
-            <a:schemeClr val="accent1"/>
-          </a:fillRef>
-          <a:effectRef idx="0">
-            <a:schemeClr val="accent1"/>
-          </a:effectRef>
-          <a:fontRef idx="minor">
-            <a:schemeClr val="tx1"/>
-          </a:fontRef>
-        </p:style>
-      </p:cxnSp>
-      <p:sp>
-        <p:nvSpPr>
-          <p:cNvPr id="13" name="Rectangle 12">
-            <a:extLst>
-              <a:ext uri="{FF2B5EF4-FFF2-40B4-BE49-F238E27FC236}">
-                <a16:creationId xmlns:a16="http://schemas.microsoft.com/office/drawing/2014/main" id="{F7234D70-FB65-4E99-985E-64D219674D45}"/>
-              </a:ext>
-              <a:ext uri="{C183D7F6-B498-43B3-948B-1728B52AA6E4}">
-                <adec:decorative xmlns:adec="http://schemas.microsoft.com/office/drawing/2017/decorative" val="1"/>
-              </a:ext>
-            </a:extLst>
-          </p:cNvPr>
-          <p:cNvSpPr>
-            <a:spLocks noGrp="1" noRot="1" noChangeAspect="1" noMove="1" noResize="1" noEditPoints="1" noAdjustHandles="1" noChangeArrowheads="1" noChangeShapeType="1" noTextEdit="1"/>
-          </p:cNvSpPr>
-          <p:nvPr>
-            <p:extLst>
-              <p:ext uri="{386F3935-93C4-4BCD-93E2-E3B085C9AB24}">
-                <p16:designElem xmlns:p16="http://schemas.microsoft.com/office/powerpoint/2015/main" val="1"/>
-              </p:ext>
-            </p:extLst>
-          </p:nvPr>
-        </p:nvSpPr>
-        <p:spPr>
-          <a:xfrm>
-            <a:off x="0" y="6400800"/>
-            <a:ext cx="12192000" cy="457200"/>
-          </a:xfrm>
-          <a:prstGeom prst="rect">
-            <a:avLst/>
-          </a:prstGeom>
-          <a:solidFill>
-            <a:srgbClr val="262626"/>
-          </a:solidFill>
-          <a:ln>
-            <a:noFill/>
-          </a:ln>
-        </p:spPr>
-        <p:style>
-          <a:lnRef idx="2">
-            <a:schemeClr val="accent1">
-              <a:shade val="50000"/>
-            </a:schemeClr>
-          </a:lnRef>
-          <a:fillRef idx="1">
-            <a:schemeClr val="accent1"/>
-          </a:fillRef>
-          <a:effectRef idx="0">
-            <a:schemeClr val="accent1"/>
-          </a:effectRef>
-          <a:fontRef idx="minor">
-            <a:schemeClr val="lt1"/>
-          </a:fontRef>
-        </p:style>
+        <p:spPr/>
         <p:txBody>
           <a:bodyPr/>
           <a:lstStyle/>
           <a:p>
-            <a:endParaRPr lang="en-US"/>
-          </a:p>
-        </p:txBody>
-      </p:sp>
-      <p:graphicFrame>
-        <p:nvGraphicFramePr>
-          <p:cNvPr id="5" name="Content Placeholder 2">
-            <a:extLst>
-              <a:ext uri="{FF2B5EF4-FFF2-40B4-BE49-F238E27FC236}">
-                <a16:creationId xmlns:a16="http://schemas.microsoft.com/office/drawing/2014/main" id="{18D98AA8-E96B-EB1A-E9EF-A7AAF6198D74}"/>
-              </a:ext>
-            </a:extLst>
-          </p:cNvPr>
-          <p:cNvGraphicFramePr>
-            <a:graphicFrameLocks noGrp="1"/>
-          </p:cNvGraphicFramePr>
+            <a:r>
+              <a:rPr lang="en-US" dirty="0"/>
+              <a:t>Model Architecture</a:t>
+            </a:r>
+          </a:p>
+        </p:txBody>
+      </p:sp>
+      <p:pic>
+        <p:nvPicPr>
+          <p:cNvPr id="5" name="Content Placeholder 4" descr="A screen shot of a computer program&#10;&#10;Description automatically generated">
+            <a:extLst>
+              <a:ext uri="{FF2B5EF4-FFF2-40B4-BE49-F238E27FC236}">
+                <a16:creationId xmlns:a16="http://schemas.microsoft.com/office/drawing/2014/main" id="{0F77C835-C6AB-4499-44E8-2EA219B5757A}"/>
+              </a:ext>
+            </a:extLst>
+          </p:cNvPr>
+          <p:cNvPicPr>
+            <a:picLocks noGrp="1" noChangeAspect="1"/>
+          </p:cNvPicPr>
           <p:nvPr>
             <p:ph idx="1"/>
-            <p:extLst>
-              <p:ext uri="{D42A27DB-BD31-4B8C-83A1-F6EECF244321}">
-                <p14:modId xmlns:p14="http://schemas.microsoft.com/office/powerpoint/2010/main" val="799178958"/>
-              </p:ext>
-            </p:extLst>
-          </p:nvPr>
-        </p:nvGraphicFramePr>
-        <p:xfrm>
-          <a:off x="1096963" y="2098515"/>
-          <a:ext cx="10058400" cy="3786080"/>
-        </p:xfrm>
-        <a:graphic>
-          <a:graphicData uri="http://schemas.openxmlformats.org/drawingml/2006/diagram">
-            <dgm:relIds xmlns:dgm="http://schemas.openxmlformats.org/drawingml/2006/diagram" xmlns:r="http://schemas.openxmlformats.org/officeDocument/2006/relationships" r:dm="rId3" r:lo="rId4" r:qs="rId5" r:cs="rId6"/>
-          </a:graphicData>
-        </a:graphic>
-      </p:graphicFrame>
+          </p:nvPr>
+        </p:nvPicPr>
+        <p:blipFill>
+          <a:blip r:embed="rId2"/>
+          <a:stretch>
+            <a:fillRect/>
+          </a:stretch>
+        </p:blipFill>
+        <p:spPr>
+          <a:xfrm>
+            <a:off x="3133026" y="2108200"/>
+            <a:ext cx="5986273" cy="3760788"/>
+          </a:xfrm>
+        </p:spPr>
+      </p:pic>
     </p:spTree>
     <p:extLst>
       <p:ext uri="{BB962C8B-B14F-4D97-AF65-F5344CB8AC3E}">
-        <p14:creationId xmlns:p14="http://schemas.microsoft.com/office/powerpoint/2010/main" val="1904494560"/>
+        <p14:creationId xmlns:p14="http://schemas.microsoft.com/office/powerpoint/2010/main" val="4110778545"/>
       </p:ext>
     </p:extLst>
   </p:cSld>
@@ -8478,7 +5173,7 @@
           <p:cNvPr id="2" name="Title 1">
             <a:extLst>
               <a:ext uri="{FF2B5EF4-FFF2-40B4-BE49-F238E27FC236}">
-                <a16:creationId xmlns:a16="http://schemas.microsoft.com/office/drawing/2014/main" id="{DED2F883-E24F-6485-7D50-518C6285500B}"/>
+                <a16:creationId xmlns:a16="http://schemas.microsoft.com/office/drawing/2014/main" id="{F29DDCD8-7B78-5B88-6983-48FEEDF41D49}"/>
               </a:ext>
             </a:extLst>
           </p:cNvPr>
@@ -8496,40 +5191,72 @@
           <a:p>
             <a:r>
               <a:rPr lang="en-US" dirty="0"/>
-              <a:t>Model Selection</a:t>
-            </a:r>
-          </a:p>
-        </p:txBody>
-      </p:sp>
-      <p:sp>
-        <p:nvSpPr>
-          <p:cNvPr id="3" name="Content Placeholder 2">
-            <a:extLst>
-              <a:ext uri="{FF2B5EF4-FFF2-40B4-BE49-F238E27FC236}">
-                <a16:creationId xmlns:a16="http://schemas.microsoft.com/office/drawing/2014/main" id="{F766FEE1-8AB1-A696-09FC-654D7AC51208}"/>
-              </a:ext>
-            </a:extLst>
-          </p:cNvPr>
-          <p:cNvSpPr>
-            <a:spLocks noGrp="1"/>
-          </p:cNvSpPr>
+              <a:t>Results Visualization</a:t>
+            </a:r>
+          </a:p>
+        </p:txBody>
+      </p:sp>
+      <p:pic>
+        <p:nvPicPr>
+          <p:cNvPr id="5" name="Content Placeholder 4" descr="A graph with a line&#10;&#10;Description automatically generated">
+            <a:extLst>
+              <a:ext uri="{FF2B5EF4-FFF2-40B4-BE49-F238E27FC236}">
+                <a16:creationId xmlns:a16="http://schemas.microsoft.com/office/drawing/2014/main" id="{BE3535E3-C90C-88A0-0D94-AB9B803BB5E6}"/>
+              </a:ext>
+            </a:extLst>
+          </p:cNvPr>
+          <p:cNvPicPr>
+            <a:picLocks noGrp="1" noChangeAspect="1"/>
+          </p:cNvPicPr>
           <p:nvPr>
             <p:ph idx="1"/>
           </p:nvPr>
-        </p:nvSpPr>
-        <p:spPr/>
-        <p:txBody>
-          <a:bodyPr/>
-          <a:lstStyle/>
-          <a:p>
-            <a:endParaRPr lang="en-US"/>
-          </a:p>
-        </p:txBody>
-      </p:sp>
+        </p:nvPicPr>
+        <p:blipFill>
+          <a:blip r:embed="rId2"/>
+          <a:srcRect l="917" t="1313"/>
+          <a:stretch/>
+        </p:blipFill>
+        <p:spPr>
+          <a:xfrm>
+            <a:off x="890156" y="2455333"/>
+            <a:ext cx="5236324" cy="3127059"/>
+          </a:xfrm>
+        </p:spPr>
+      </p:pic>
+      <p:pic>
+        <p:nvPicPr>
+          <p:cNvPr id="7" name="Picture 6" descr="A graph with a line&#10;&#10;Description automatically generated">
+            <a:extLst>
+              <a:ext uri="{FF2B5EF4-FFF2-40B4-BE49-F238E27FC236}">
+                <a16:creationId xmlns:a16="http://schemas.microsoft.com/office/drawing/2014/main" id="{360F2760-92FD-7499-49DE-ACE2DF4829C8}"/>
+              </a:ext>
+            </a:extLst>
+          </p:cNvPr>
+          <p:cNvPicPr>
+            <a:picLocks noChangeAspect="1"/>
+          </p:cNvPicPr>
+          <p:nvPr/>
+        </p:nvPicPr>
+        <p:blipFill>
+          <a:blip r:embed="rId3"/>
+          <a:srcRect l="-1" t="3183" r="848"/>
+          <a:stretch/>
+        </p:blipFill>
+        <p:spPr>
+          <a:xfrm>
+            <a:off x="6333066" y="2501900"/>
+            <a:ext cx="5236324" cy="3067792"/>
+          </a:xfrm>
+          <a:prstGeom prst="rect">
+            <a:avLst/>
+          </a:prstGeom>
+        </p:spPr>
+      </p:pic>
     </p:spTree>
     <p:extLst>
       <p:ext uri="{BB962C8B-B14F-4D97-AF65-F5344CB8AC3E}">
-        <p14:creationId xmlns:p14="http://schemas.microsoft.com/office/powerpoint/2010/main" val="4110778545"/>
+        <p14:creationId xmlns:p14="http://schemas.microsoft.com/office/powerpoint/2010/main" val="2343250941"/>
       </p:ext>
     </p:extLst>
   </p:cSld>
@@ -8566,10 +5293,10 @@
       </p:grpSpPr>
       <p:sp useBgFill="1">
         <p:nvSpPr>
-          <p:cNvPr id="15" name="Rectangle 14">
-            <a:extLst>
-              <a:ext uri="{FF2B5EF4-FFF2-40B4-BE49-F238E27FC236}">
-                <a16:creationId xmlns:a16="http://schemas.microsoft.com/office/drawing/2014/main" id="{C8DD82D3-D002-45B0-B16A-82B3DA4EFDDB}"/>
+          <p:cNvPr id="19" name="Rectangle 18">
+            <a:extLst>
+              <a:ext uri="{FF2B5EF4-FFF2-40B4-BE49-F238E27FC236}">
+                <a16:creationId xmlns:a16="http://schemas.microsoft.com/office/drawing/2014/main" id="{0AB6E427-3F73-4C06-A5D5-AE52C3883B50}"/>
               </a:ext>
               <a:ext uri="{C183D7F6-B498-43B3-948B-1728B52AA6E4}">
                 <adec:decorative xmlns:adec="http://schemas.microsoft.com/office/drawing/2017/decorative" val="1"/>
@@ -8589,12 +5316,75 @@
         </p:nvSpPr>
         <p:spPr>
           <a:xfrm>
-            <a:off x="3048" y="0"/>
-            <a:ext cx="12188952" cy="6858000"/>
+            <a:off x="5685" y="0"/>
+            <a:ext cx="12186315" cy="6858000"/>
           </a:xfrm>
           <a:prstGeom prst="rect">
             <a:avLst/>
           </a:prstGeom>
+          <a:ln>
+            <a:noFill/>
+          </a:ln>
+        </p:spPr>
+        <p:style>
+          <a:lnRef idx="2">
+            <a:schemeClr val="accent6">
+              <a:shade val="50000"/>
+            </a:schemeClr>
+          </a:lnRef>
+          <a:fillRef idx="1001">
+            <a:schemeClr val="lt1"/>
+          </a:fillRef>
+          <a:effectRef idx="0">
+            <a:schemeClr val="accent6"/>
+          </a:effectRef>
+          <a:fontRef idx="minor">
+            <a:schemeClr val="lt1"/>
+          </a:fontRef>
+        </p:style>
+        <p:txBody>
+          <a:bodyPr rtlCol="0" anchor="ctr"/>
+          <a:lstStyle/>
+          <a:p>
+            <a:pPr algn="ctr"/>
+            <a:endParaRPr lang="en-US"/>
+          </a:p>
+        </p:txBody>
+      </p:sp>
+      <p:sp>
+        <p:nvSpPr>
+          <p:cNvPr id="21" name="Rectangle 20">
+            <a:extLst>
+              <a:ext uri="{FF2B5EF4-FFF2-40B4-BE49-F238E27FC236}">
+                <a16:creationId xmlns:a16="http://schemas.microsoft.com/office/drawing/2014/main" id="{D8C9BDAA-0390-4B39-9B5C-BC95E5120DA4}"/>
+              </a:ext>
+              <a:ext uri="{C183D7F6-B498-43B3-948B-1728B52AA6E4}">
+                <adec:decorative xmlns:adec="http://schemas.microsoft.com/office/drawing/2017/decorative" val="1"/>
+              </a:ext>
+            </a:extLst>
+          </p:cNvPr>
+          <p:cNvSpPr>
+            <a:spLocks noGrp="1" noRot="1" noChangeAspect="1" noMove="1" noResize="1" noEditPoints="1" noAdjustHandles="1" noChangeArrowheads="1" noChangeShapeType="1" noTextEdit="1"/>
+          </p:cNvSpPr>
+          <p:nvPr>
+            <p:extLst>
+              <p:ext uri="{386F3935-93C4-4BCD-93E2-E3B085C9AB24}">
+                <p16:designElem xmlns:p16="http://schemas.microsoft.com/office/powerpoint/2015/main" val="1"/>
+              </p:ext>
+            </p:extLst>
+          </p:nvPr>
+        </p:nvSpPr>
+        <p:spPr>
+          <a:xfrm>
+            <a:off x="16" y="0"/>
+            <a:ext cx="4059919" cy="6858000"/>
+          </a:xfrm>
+          <a:prstGeom prst="rect">
+            <a:avLst/>
+          </a:prstGeom>
+          <a:solidFill>
+            <a:srgbClr val="32B67D"/>
+          </a:solidFill>
           <a:ln>
             <a:noFill/>
           </a:ln>
@@ -8616,10 +5406,9 @@
           </a:fontRef>
         </p:style>
         <p:txBody>
-          <a:bodyPr rtlCol="0" anchor="ctr"/>
+          <a:bodyPr/>
           <a:lstStyle/>
           <a:p>
-            <a:pPr algn="ctr"/>
             <a:endParaRPr lang="en-US"/>
           </a:p>
         </p:txBody>
@@ -8629,7 +5418,7 @@
           <p:cNvPr id="2" name="Title 1">
             <a:extLst>
               <a:ext uri="{FF2B5EF4-FFF2-40B4-BE49-F238E27FC236}">
-                <a16:creationId xmlns:a16="http://schemas.microsoft.com/office/drawing/2014/main" id="{AFC15495-DD17-3D20-3FBC-515085231E12}"/>
+                <a16:creationId xmlns:a16="http://schemas.microsoft.com/office/drawing/2014/main" id="{FD06C7F7-4842-D5C4-3D84-33752668A518}"/>
               </a:ext>
             </a:extLst>
           </p:cNvPr>
@@ -8642,30 +5431,33 @@
         </p:nvSpPr>
         <p:spPr>
           <a:xfrm>
-            <a:off x="473533" y="643467"/>
-            <a:ext cx="3243485" cy="5126203"/>
-          </a:xfrm>
-        </p:spPr>
-        <p:txBody>
-          <a:bodyPr anchor="ctr">
+            <a:off x="492370" y="516836"/>
+            <a:ext cx="3084844" cy="1961086"/>
+          </a:xfrm>
+        </p:spPr>
+        <p:txBody>
+          <a:bodyPr vert="horz" lIns="91440" tIns="45720" rIns="91440" bIns="45720" rtlCol="0" anchor="b">
             <a:normAutofit/>
           </a:bodyPr>
           <a:lstStyle/>
           <a:p>
-            <a:pPr algn="r"/>
-            <a:r>
-              <a:rPr lang="en-US" dirty="0"/>
-              <a:t>Analysis &amp; Conclusion</a:t>
+            <a:r>
+              <a:rPr lang="en-US" sz="2500" dirty="0">
+                <a:solidFill>
+                  <a:srgbClr val="FFFFFF"/>
+                </a:solidFill>
+              </a:rPr>
+              <a:t>Precision, Recall, and F1-Score Analysis for Class 0 (Non-Fraudulent Transactions)</a:t>
             </a:r>
           </a:p>
         </p:txBody>
       </p:sp>
       <p:cxnSp>
         <p:nvCxnSpPr>
-          <p:cNvPr id="17" name="Straight Connector 16">
-            <a:extLst>
-              <a:ext uri="{FF2B5EF4-FFF2-40B4-BE49-F238E27FC236}">
-                <a16:creationId xmlns:a16="http://schemas.microsoft.com/office/drawing/2014/main" id="{9F09C252-16FE-4557-AD6D-BB5CA773496C}"/>
+          <p:cNvPr id="23" name="Straight Connector 22">
+            <a:extLst>
+              <a:ext uri="{FF2B5EF4-FFF2-40B4-BE49-F238E27FC236}">
+                <a16:creationId xmlns:a16="http://schemas.microsoft.com/office/drawing/2014/main" id="{E04A321A-A039-4720-87B4-66A4210E0D57}"/>
               </a:ext>
               <a:ext uri="{C183D7F6-B498-43B3-948B-1728B52AA6E4}">
                 <adec:decorative xmlns:adec="http://schemas.microsoft.com/office/drawing/2017/decorative" val="1"/>
@@ -8685,17 +5477,16 @@
         </p:nvCxnSpPr>
         <p:spPr>
           <a:xfrm>
-            <a:off x="4042052" y="1778497"/>
-            <a:ext cx="0" cy="3200400"/>
+            <a:off x="571752" y="2638787"/>
+            <a:ext cx="2743200" cy="0"/>
           </a:xfrm>
           <a:prstGeom prst="line">
             <a:avLst/>
           </a:prstGeom>
           <a:ln w="19050">
             <a:solidFill>
-              <a:schemeClr val="tx1"/>
+              <a:schemeClr val="accent1"/>
             </a:solidFill>
-            <a:miter lim="800000"/>
           </a:ln>
         </p:spPr>
         <p:style>
@@ -8715,42 +5506,347 @@
       </p:cxnSp>
       <p:sp>
         <p:nvSpPr>
-          <p:cNvPr id="3" name="Content Placeholder 2">
-            <a:extLst>
-              <a:ext uri="{FF2B5EF4-FFF2-40B4-BE49-F238E27FC236}">
-                <a16:creationId xmlns:a16="http://schemas.microsoft.com/office/drawing/2014/main" id="{FE16B9C9-A7BF-BFA1-DCDC-E0883B18E20C}"/>
-              </a:ext>
-            </a:extLst>
-          </p:cNvPr>
-          <p:cNvSpPr>
-            <a:spLocks noGrp="1"/>
-          </p:cNvSpPr>
-          <p:nvPr>
-            <p:ph idx="1"/>
-          </p:nvPr>
-        </p:nvSpPr>
-        <p:spPr>
-          <a:xfrm>
-            <a:off x="4187503" y="135467"/>
-            <a:ext cx="7351376" cy="6129866"/>
-          </a:xfrm>
-        </p:spPr>
-        <p:txBody>
-          <a:bodyPr anchor="ctr">
-            <a:normAutofit/>
+          <p:cNvPr id="7" name="TextBox 6">
+            <a:extLst>
+              <a:ext uri="{FF2B5EF4-FFF2-40B4-BE49-F238E27FC236}">
+                <a16:creationId xmlns:a16="http://schemas.microsoft.com/office/drawing/2014/main" id="{72D0414C-6993-1081-DBCE-A81867A2804C}"/>
+              </a:ext>
+            </a:extLst>
+          </p:cNvPr>
+          <p:cNvSpPr txBox="1"/>
+          <p:nvPr/>
+        </p:nvSpPr>
+        <p:spPr>
+          <a:xfrm>
+            <a:off x="571752" y="2799654"/>
+            <a:ext cx="3005462" cy="3189665"/>
+          </a:xfrm>
+          <a:prstGeom prst="rect">
+            <a:avLst/>
+          </a:prstGeom>
+        </p:spPr>
+        <p:txBody>
+          <a:bodyPr vert="horz" lIns="0" tIns="45720" rIns="0" bIns="45720" rtlCol="0">
+            <a:noAutofit/>
           </a:bodyPr>
           <a:lstStyle/>
           <a:p>
-            <a:endParaRPr lang="en-US" dirty="0"/>
-          </a:p>
-        </p:txBody>
-      </p:sp>
-      <p:sp>
-        <p:nvSpPr>
-          <p:cNvPr id="19" name="Rectangle 18">
-            <a:extLst>
-              <a:ext uri="{FF2B5EF4-FFF2-40B4-BE49-F238E27FC236}">
-                <a16:creationId xmlns:a16="http://schemas.microsoft.com/office/drawing/2014/main" id="{14552793-7DFF-4EC7-AC69-D34A75D01880}"/>
+            <a:pPr>
+              <a:lnSpc>
+                <a:spcPct val="90000"/>
+              </a:lnSpc>
+              <a:buFont typeface="Calibri" panose="020F0502020204030204" pitchFamily="34" charset="0"/>
+            </a:pPr>
+            <a:r>
+              <a:rPr lang="en-US" sz="1200" b="1" dirty="0">
+                <a:solidFill>
+                  <a:srgbClr val="FFFFFF"/>
+                </a:solidFill>
+                <a:effectLst/>
+              </a:rPr>
+              <a:t>Class 0 (Non-Fraudulent Transactions)</a:t>
+            </a:r>
+            <a:endParaRPr lang="en-US" sz="1200" dirty="0">
+              <a:solidFill>
+                <a:srgbClr val="FFFFFF"/>
+              </a:solidFill>
+              <a:effectLst/>
+            </a:endParaRPr>
+          </a:p>
+          <a:p>
+            <a:pPr lvl="1">
+              <a:lnSpc>
+                <a:spcPct val="90000"/>
+              </a:lnSpc>
+              <a:spcBef>
+                <a:spcPts val="900"/>
+              </a:spcBef>
+              <a:buFont typeface="Calibri" panose="020F0502020204030204" pitchFamily="34" charset="0"/>
+            </a:pPr>
+            <a:r>
+              <a:rPr lang="en-US" sz="1200" dirty="0">
+                <a:solidFill>
+                  <a:srgbClr val="FFFFFF"/>
+                </a:solidFill>
+                <a:effectLst/>
+              </a:rPr>
+              <a:t>• </a:t>
+            </a:r>
+            <a:r>
+              <a:rPr lang="en-US" sz="1200" b="1" dirty="0">
+                <a:solidFill>
+                  <a:srgbClr val="FFFFFF"/>
+                </a:solidFill>
+                <a:effectLst/>
+              </a:rPr>
+              <a:t>Precision</a:t>
+            </a:r>
+            <a:r>
+              <a:rPr lang="en-US" sz="1200" dirty="0">
+                <a:solidFill>
+                  <a:srgbClr val="FFFFFF"/>
+                </a:solidFill>
+                <a:effectLst/>
+              </a:rPr>
+              <a:t>: </a:t>
+            </a:r>
+            <a:r>
+              <a:rPr lang="en-US" sz="1200" b="1" dirty="0">
+                <a:solidFill>
+                  <a:srgbClr val="FFFFFF"/>
+                </a:solidFill>
+                <a:effectLst/>
+              </a:rPr>
+              <a:t>1.00</a:t>
+            </a:r>
+            <a:endParaRPr lang="en-US" sz="1200" b="1" dirty="0">
+              <a:solidFill>
+                <a:srgbClr val="FFFFFF"/>
+              </a:solidFill>
+            </a:endParaRPr>
+          </a:p>
+          <a:p>
+            <a:pPr lvl="2">
+              <a:lnSpc>
+                <a:spcPct val="90000"/>
+              </a:lnSpc>
+              <a:spcBef>
+                <a:spcPts val="900"/>
+              </a:spcBef>
+              <a:buFont typeface="Calibri" panose="020F0502020204030204" pitchFamily="34" charset="0"/>
+            </a:pPr>
+            <a:r>
+              <a:rPr lang="en-US" sz="1200" dirty="0">
+                <a:solidFill>
+                  <a:srgbClr val="FFFFFF"/>
+                </a:solidFill>
+                <a:effectLst/>
+              </a:rPr>
+              <a:t>The model correctly identifies all non-fraudulent transactions with no false positives.</a:t>
+            </a:r>
+          </a:p>
+          <a:p>
+            <a:pPr lvl="1">
+              <a:lnSpc>
+                <a:spcPct val="90000"/>
+              </a:lnSpc>
+              <a:spcBef>
+                <a:spcPts val="900"/>
+              </a:spcBef>
+              <a:buFont typeface="Calibri" panose="020F0502020204030204" pitchFamily="34" charset="0"/>
+            </a:pPr>
+            <a:r>
+              <a:rPr lang="en-US" sz="1200" dirty="0">
+                <a:solidFill>
+                  <a:srgbClr val="FFFFFF"/>
+                </a:solidFill>
+                <a:effectLst/>
+              </a:rPr>
+              <a:t>• </a:t>
+            </a:r>
+            <a:r>
+              <a:rPr lang="en-US" sz="1200" b="1" dirty="0">
+                <a:solidFill>
+                  <a:srgbClr val="FFFFFF"/>
+                </a:solidFill>
+                <a:effectLst/>
+              </a:rPr>
+              <a:t>Recall</a:t>
+            </a:r>
+            <a:r>
+              <a:rPr lang="en-US" sz="1200" dirty="0">
+                <a:solidFill>
+                  <a:srgbClr val="FFFFFF"/>
+                </a:solidFill>
+                <a:effectLst/>
+              </a:rPr>
+              <a:t>: </a:t>
+            </a:r>
+            <a:r>
+              <a:rPr lang="en-US" sz="1200" b="1" dirty="0">
+                <a:solidFill>
+                  <a:srgbClr val="FFFFFF"/>
+                </a:solidFill>
+                <a:effectLst/>
+              </a:rPr>
+              <a:t>0.95</a:t>
+            </a:r>
+            <a:endParaRPr lang="en-US" sz="1200" b="1" dirty="0">
+              <a:solidFill>
+                <a:srgbClr val="FFFFFF"/>
+              </a:solidFill>
+            </a:endParaRPr>
+          </a:p>
+          <a:p>
+            <a:pPr lvl="2">
+              <a:lnSpc>
+                <a:spcPct val="90000"/>
+              </a:lnSpc>
+              <a:spcBef>
+                <a:spcPts val="900"/>
+              </a:spcBef>
+              <a:buFont typeface="Calibri" panose="020F0502020204030204" pitchFamily="34" charset="0"/>
+            </a:pPr>
+            <a:r>
+              <a:rPr lang="en-US" sz="1200" dirty="0">
+                <a:solidFill>
+                  <a:srgbClr val="FFFFFF"/>
+                </a:solidFill>
+                <a:effectLst/>
+              </a:rPr>
+              <a:t>95% of all actual non-fraudulent transactions are correctly identified.</a:t>
+            </a:r>
+          </a:p>
+          <a:p>
+            <a:pPr lvl="1">
+              <a:lnSpc>
+                <a:spcPct val="90000"/>
+              </a:lnSpc>
+              <a:spcBef>
+                <a:spcPts val="900"/>
+              </a:spcBef>
+              <a:buFont typeface="Calibri" panose="020F0502020204030204" pitchFamily="34" charset="0"/>
+            </a:pPr>
+            <a:r>
+              <a:rPr lang="en-US" sz="1200" dirty="0">
+                <a:solidFill>
+                  <a:srgbClr val="FFFFFF"/>
+                </a:solidFill>
+                <a:effectLst/>
+              </a:rPr>
+              <a:t>• </a:t>
+            </a:r>
+            <a:r>
+              <a:rPr lang="en-US" sz="1200" b="1" dirty="0">
+                <a:solidFill>
+                  <a:srgbClr val="FFFFFF"/>
+                </a:solidFill>
+                <a:effectLst/>
+              </a:rPr>
+              <a:t>F1-Score</a:t>
+            </a:r>
+            <a:r>
+              <a:rPr lang="en-US" sz="1200" dirty="0">
+                <a:solidFill>
+                  <a:srgbClr val="FFFFFF"/>
+                </a:solidFill>
+                <a:effectLst/>
+              </a:rPr>
+              <a:t>: </a:t>
+            </a:r>
+            <a:r>
+              <a:rPr lang="en-US" sz="1200" b="1" dirty="0">
+                <a:solidFill>
+                  <a:srgbClr val="FFFFFF"/>
+                </a:solidFill>
+                <a:effectLst/>
+              </a:rPr>
+              <a:t>0.98</a:t>
+            </a:r>
+            <a:endParaRPr lang="en-US" sz="1200" b="1" dirty="0">
+              <a:solidFill>
+                <a:srgbClr val="FFFFFF"/>
+              </a:solidFill>
+            </a:endParaRPr>
+          </a:p>
+          <a:p>
+            <a:pPr lvl="2">
+              <a:lnSpc>
+                <a:spcPct val="90000"/>
+              </a:lnSpc>
+              <a:spcBef>
+                <a:spcPts val="900"/>
+              </a:spcBef>
+              <a:buFont typeface="Calibri" panose="020F0502020204030204" pitchFamily="34" charset="0"/>
+            </a:pPr>
+            <a:r>
+              <a:rPr lang="en-US" sz="1200" dirty="0">
+                <a:solidFill>
+                  <a:srgbClr val="FFFFFF"/>
+                </a:solidFill>
+                <a:effectLst/>
+              </a:rPr>
+              <a:t>A balance between precision and recall, indicating exceptional performance for this class.</a:t>
+            </a:r>
+          </a:p>
+        </p:txBody>
+      </p:sp>
+      <p:pic>
+        <p:nvPicPr>
+          <p:cNvPr id="5" name="Content Placeholder 4" descr="A screenshot of a computer&#10;&#10;Description automatically generated">
+            <a:extLst>
+              <a:ext uri="{FF2B5EF4-FFF2-40B4-BE49-F238E27FC236}">
+                <a16:creationId xmlns:a16="http://schemas.microsoft.com/office/drawing/2014/main" id="{F9106BA3-0906-B2B8-9523-290A68034693}"/>
+              </a:ext>
+            </a:extLst>
+          </p:cNvPr>
+          <p:cNvPicPr>
+            <a:picLocks noGrp="1" noChangeAspect="1"/>
+          </p:cNvPicPr>
+          <p:nvPr>
+            <p:ph idx="1"/>
+          </p:nvPr>
+        </p:nvPicPr>
+        <p:blipFill>
+          <a:blip r:embed="rId2"/>
+          <a:stretch>
+            <a:fillRect/>
+          </a:stretch>
+        </p:blipFill>
+        <p:spPr>
+          <a:xfrm>
+            <a:off x="4742017" y="1593518"/>
+            <a:ext cx="6798082" cy="3670964"/>
+          </a:xfrm>
+          <a:prstGeom prst="rect">
+            <a:avLst/>
+          </a:prstGeom>
+        </p:spPr>
+      </p:pic>
+    </p:spTree>
+    <p:extLst>
+      <p:ext uri="{BB962C8B-B14F-4D97-AF65-F5344CB8AC3E}">
+        <p14:creationId xmlns:p14="http://schemas.microsoft.com/office/powerpoint/2010/main" val="1225487577"/>
+      </p:ext>
+    </p:extLst>
+  </p:cSld>
+  <p:clrMapOvr>
+    <a:masterClrMapping/>
+  </p:clrMapOvr>
+</p:sld>
+</file>
+
+<file path=ppt/slides/slide6.xml><?xml version="1.0" encoding="utf-8"?>
+<p:sld xmlns:a="http://schemas.openxmlformats.org/drawingml/2006/main" xmlns:r="http://schemas.openxmlformats.org/officeDocument/2006/relationships" xmlns:p="http://schemas.openxmlformats.org/presentationml/2006/main">
+  <p:cSld>
+    <p:bg>
+      <p:bgPr>
+        <a:solidFill>
+          <a:schemeClr val="bg1"/>
+        </a:solidFill>
+        <a:effectLst/>
+      </p:bgPr>
+    </p:bg>
+    <p:spTree>
+      <p:nvGrpSpPr>
+        <p:cNvPr id="1" name=""/>
+        <p:cNvGrpSpPr/>
+        <p:nvPr/>
+      </p:nvGrpSpPr>
+      <p:grpSpPr>
+        <a:xfrm>
+          <a:off x="0" y="0"/>
+          <a:ext cx="0" cy="0"/>
+          <a:chOff x="0" y="0"/>
+          <a:chExt cx="0" cy="0"/>
+        </a:xfrm>
+      </p:grpSpPr>
+      <p:sp useBgFill="1">
+        <p:nvSpPr>
+          <p:cNvPr id="15" name="Rectangle 14">
+            <a:extLst>
+              <a:ext uri="{FF2B5EF4-FFF2-40B4-BE49-F238E27FC236}">
+                <a16:creationId xmlns:a16="http://schemas.microsoft.com/office/drawing/2014/main" id="{0AB6E427-3F73-4C06-A5D5-AE52C3883B50}"/>
               </a:ext>
               <a:ext uri="{C183D7F6-B498-43B3-948B-1728B52AA6E4}">
                 <adec:decorative xmlns:adec="http://schemas.microsoft.com/office/drawing/2017/decorative" val="1"/>
@@ -8770,14 +5866,74 @@
         </p:nvSpPr>
         <p:spPr>
           <a:xfrm>
-            <a:off x="0" y="6400800"/>
-            <a:ext cx="12192000" cy="457200"/>
+            <a:off x="5685" y="0"/>
+            <a:ext cx="12186315" cy="6858000"/>
+          </a:xfrm>
+          <a:prstGeom prst="rect">
+            <a:avLst/>
+          </a:prstGeom>
+          <a:ln>
+            <a:noFill/>
+          </a:ln>
+        </p:spPr>
+        <p:style>
+          <a:lnRef idx="2">
+            <a:schemeClr val="accent6">
+              <a:shade val="50000"/>
+            </a:schemeClr>
+          </a:lnRef>
+          <a:fillRef idx="1001">
+            <a:schemeClr val="lt1"/>
+          </a:fillRef>
+          <a:effectRef idx="0">
+            <a:schemeClr val="accent6"/>
+          </a:effectRef>
+          <a:fontRef idx="minor">
+            <a:schemeClr val="lt1"/>
+          </a:fontRef>
+        </p:style>
+        <p:txBody>
+          <a:bodyPr rtlCol="0" anchor="ctr"/>
+          <a:lstStyle/>
+          <a:p>
+            <a:pPr algn="ctr"/>
+            <a:endParaRPr lang="en-US"/>
+          </a:p>
+        </p:txBody>
+      </p:sp>
+      <p:sp>
+        <p:nvSpPr>
+          <p:cNvPr id="16" name="Rectangle 15">
+            <a:extLst>
+              <a:ext uri="{FF2B5EF4-FFF2-40B4-BE49-F238E27FC236}">
+                <a16:creationId xmlns:a16="http://schemas.microsoft.com/office/drawing/2014/main" id="{D8C9BDAA-0390-4B39-9B5C-BC95E5120DA4}"/>
+              </a:ext>
+              <a:ext uri="{C183D7F6-B498-43B3-948B-1728B52AA6E4}">
+                <adec:decorative xmlns:adec="http://schemas.microsoft.com/office/drawing/2017/decorative" val="1"/>
+              </a:ext>
+            </a:extLst>
+          </p:cNvPr>
+          <p:cNvSpPr>
+            <a:spLocks noGrp="1" noRot="1" noChangeAspect="1" noMove="1" noResize="1" noEditPoints="1" noAdjustHandles="1" noChangeArrowheads="1" noChangeShapeType="1" noTextEdit="1"/>
+          </p:cNvSpPr>
+          <p:nvPr>
+            <p:extLst>
+              <p:ext uri="{386F3935-93C4-4BCD-93E2-E3B085C9AB24}">
+                <p16:designElem xmlns:p16="http://schemas.microsoft.com/office/powerpoint/2015/main" val="1"/>
+              </p:ext>
+            </p:extLst>
+          </p:nvPr>
+        </p:nvSpPr>
+        <p:spPr>
+          <a:xfrm>
+            <a:off x="16" y="0"/>
+            <a:ext cx="4059919" cy="6858000"/>
           </a:xfrm>
           <a:prstGeom prst="rect">
             <a:avLst/>
           </a:prstGeom>
           <a:solidFill>
-            <a:srgbClr val="262626"/>
+            <a:srgbClr val="32B67D"/>
           </a:solidFill>
           <a:ln>
             <a:noFill/>
@@ -8807,6 +5963,676 @@
           </a:p>
         </p:txBody>
       </p:sp>
+      <p:sp>
+        <p:nvSpPr>
+          <p:cNvPr id="2" name="Title 1">
+            <a:extLst>
+              <a:ext uri="{FF2B5EF4-FFF2-40B4-BE49-F238E27FC236}">
+                <a16:creationId xmlns:a16="http://schemas.microsoft.com/office/drawing/2014/main" id="{FBB07C2B-2A7B-078C-ED04-00CAC7CD1AB7}"/>
+              </a:ext>
+            </a:extLst>
+          </p:cNvPr>
+          <p:cNvSpPr>
+            <a:spLocks noGrp="1"/>
+          </p:cNvSpPr>
+          <p:nvPr>
+            <p:ph type="title"/>
+          </p:nvPr>
+        </p:nvSpPr>
+        <p:spPr>
+          <a:xfrm>
+            <a:off x="487553" y="338851"/>
+            <a:ext cx="3084844" cy="1961086"/>
+          </a:xfrm>
+        </p:spPr>
+        <p:txBody>
+          <a:bodyPr>
+            <a:normAutofit/>
+          </a:bodyPr>
+          <a:lstStyle/>
+          <a:p>
+            <a:r>
+              <a:rPr lang="en-US" sz="2500" dirty="0">
+                <a:solidFill>
+                  <a:srgbClr val="FFFFFF"/>
+                </a:solidFill>
+              </a:rPr>
+              <a:t>Precision, Recall, and F1-Score Analysis for Class 1 (Fraudulent Transactions)</a:t>
+            </a:r>
+          </a:p>
+        </p:txBody>
+      </p:sp>
+      <p:cxnSp>
+        <p:nvCxnSpPr>
+          <p:cNvPr id="14" name="Straight Connector 13">
+            <a:extLst>
+              <a:ext uri="{FF2B5EF4-FFF2-40B4-BE49-F238E27FC236}">
+                <a16:creationId xmlns:a16="http://schemas.microsoft.com/office/drawing/2014/main" id="{E04A321A-A039-4720-87B4-66A4210E0D57}"/>
+              </a:ext>
+              <a:ext uri="{C183D7F6-B498-43B3-948B-1728B52AA6E4}">
+                <adec:decorative xmlns:adec="http://schemas.microsoft.com/office/drawing/2017/decorative" val="1"/>
+              </a:ext>
+            </a:extLst>
+          </p:cNvPr>
+          <p:cNvCxnSpPr>
+            <a:cxnSpLocks noGrp="1" noRot="1" noChangeAspect="1" noMove="1" noResize="1" noEditPoints="1" noAdjustHandles="1" noChangeArrowheads="1" noChangeShapeType="1"/>
+          </p:cNvCxnSpPr>
+          <p:nvPr>
+            <p:extLst>
+              <p:ext uri="{386F3935-93C4-4BCD-93E2-E3B085C9AB24}">
+                <p16:designElem xmlns:p16="http://schemas.microsoft.com/office/powerpoint/2015/main" val="1"/>
+              </p:ext>
+            </p:extLst>
+          </p:nvPr>
+        </p:nvCxnSpPr>
+        <p:spPr>
+          <a:xfrm>
+            <a:off x="571752" y="2638787"/>
+            <a:ext cx="2743200" cy="0"/>
+          </a:xfrm>
+          <a:prstGeom prst="line">
+            <a:avLst/>
+          </a:prstGeom>
+          <a:ln w="19050">
+            <a:solidFill>
+              <a:schemeClr val="accent1"/>
+            </a:solidFill>
+          </a:ln>
+        </p:spPr>
+        <p:style>
+          <a:lnRef idx="1">
+            <a:schemeClr val="accent1"/>
+          </a:lnRef>
+          <a:fillRef idx="0">
+            <a:schemeClr val="accent1"/>
+          </a:fillRef>
+          <a:effectRef idx="0">
+            <a:schemeClr val="accent1"/>
+          </a:effectRef>
+          <a:fontRef idx="minor">
+            <a:schemeClr val="tx1"/>
+          </a:fontRef>
+        </p:style>
+      </p:cxnSp>
+      <p:sp>
+        <p:nvSpPr>
+          <p:cNvPr id="3" name="Content Placeholder 2">
+            <a:extLst>
+              <a:ext uri="{FF2B5EF4-FFF2-40B4-BE49-F238E27FC236}">
+                <a16:creationId xmlns:a16="http://schemas.microsoft.com/office/drawing/2014/main" id="{C894F89D-9FB8-9497-467C-030AC7464CC2}"/>
+              </a:ext>
+            </a:extLst>
+          </p:cNvPr>
+          <p:cNvSpPr>
+            <a:spLocks noGrp="1"/>
+          </p:cNvSpPr>
+          <p:nvPr>
+            <p:ph idx="1"/>
+          </p:nvPr>
+        </p:nvSpPr>
+        <p:spPr>
+          <a:xfrm>
+            <a:off x="522427" y="2456512"/>
+            <a:ext cx="3049970" cy="4062637"/>
+          </a:xfrm>
+        </p:spPr>
+        <p:txBody>
+          <a:bodyPr>
+            <a:noAutofit/>
+          </a:bodyPr>
+          <a:lstStyle/>
+          <a:p>
+            <a:pPr>
+              <a:lnSpc>
+                <a:spcPct val="100000"/>
+              </a:lnSpc>
+            </a:pPr>
+            <a:r>
+              <a:rPr lang="en-US" sz="1200" b="1" dirty="0">
+                <a:solidFill>
+                  <a:srgbClr val="FFFFFF"/>
+                </a:solidFill>
+                <a:effectLst/>
+              </a:rPr>
+              <a:t>Class 1 (Fraudulent Transactions)</a:t>
+            </a:r>
+            <a:endParaRPr lang="en-US" sz="1200" dirty="0">
+              <a:solidFill>
+                <a:srgbClr val="FFFFFF"/>
+              </a:solidFill>
+              <a:effectLst/>
+            </a:endParaRPr>
+          </a:p>
+          <a:p>
+            <a:pPr marL="201168" lvl="1" indent="0">
+              <a:lnSpc>
+                <a:spcPct val="100000"/>
+              </a:lnSpc>
+              <a:spcBef>
+                <a:spcPts val="900"/>
+              </a:spcBef>
+              <a:buNone/>
+            </a:pPr>
+            <a:r>
+              <a:rPr lang="en-US" sz="1200" dirty="0">
+                <a:solidFill>
+                  <a:srgbClr val="FFFFFF"/>
+                </a:solidFill>
+                <a:effectLst/>
+              </a:rPr>
+              <a:t>• </a:t>
+            </a:r>
+            <a:r>
+              <a:rPr lang="en-US" sz="1200" b="1" dirty="0">
+                <a:solidFill>
+                  <a:srgbClr val="FFFFFF"/>
+                </a:solidFill>
+                <a:effectLst/>
+              </a:rPr>
+              <a:t>Precision</a:t>
+            </a:r>
+            <a:r>
+              <a:rPr lang="en-US" sz="1200" dirty="0">
+                <a:solidFill>
+                  <a:srgbClr val="FFFFFF"/>
+                </a:solidFill>
+                <a:effectLst/>
+              </a:rPr>
+              <a:t>: </a:t>
+            </a:r>
+            <a:r>
+              <a:rPr lang="en-US" sz="1200" b="1" dirty="0">
+                <a:solidFill>
+                  <a:srgbClr val="FFFFFF"/>
+                </a:solidFill>
+                <a:effectLst/>
+              </a:rPr>
+              <a:t>0.11</a:t>
+            </a:r>
+            <a:endParaRPr lang="en-US" sz="1200" dirty="0">
+              <a:solidFill>
+                <a:srgbClr val="FFFFFF"/>
+              </a:solidFill>
+              <a:effectLst/>
+            </a:endParaRPr>
+          </a:p>
+          <a:p>
+            <a:pPr marL="384048" lvl="2" indent="0">
+              <a:lnSpc>
+                <a:spcPct val="100000"/>
+              </a:lnSpc>
+              <a:spcBef>
+                <a:spcPts val="900"/>
+              </a:spcBef>
+              <a:buNone/>
+            </a:pPr>
+            <a:r>
+              <a:rPr lang="en-US" sz="1200" dirty="0">
+                <a:solidFill>
+                  <a:srgbClr val="FFFFFF"/>
+                </a:solidFill>
+                <a:effectLst/>
+              </a:rPr>
+              <a:t>Only 11% of flagged fraudulent transactions are actual frauds. This low precision indicates a high number of false positives, leading to inefficiency in real-world use.</a:t>
+            </a:r>
+          </a:p>
+          <a:p>
+            <a:pPr marL="201168" lvl="1" indent="0">
+              <a:lnSpc>
+                <a:spcPct val="100000"/>
+              </a:lnSpc>
+              <a:spcBef>
+                <a:spcPts val="900"/>
+              </a:spcBef>
+              <a:buNone/>
+            </a:pPr>
+            <a:r>
+              <a:rPr lang="en-US" sz="1200" dirty="0">
+                <a:solidFill>
+                  <a:srgbClr val="FFFFFF"/>
+                </a:solidFill>
+                <a:effectLst/>
+              </a:rPr>
+              <a:t>• </a:t>
+            </a:r>
+            <a:r>
+              <a:rPr lang="en-US" sz="1200" b="1" dirty="0">
+                <a:solidFill>
+                  <a:srgbClr val="FFFFFF"/>
+                </a:solidFill>
+                <a:effectLst/>
+              </a:rPr>
+              <a:t>Recall</a:t>
+            </a:r>
+            <a:r>
+              <a:rPr lang="en-US" sz="1200" dirty="0">
+                <a:solidFill>
+                  <a:srgbClr val="FFFFFF"/>
+                </a:solidFill>
+                <a:effectLst/>
+              </a:rPr>
+              <a:t>: </a:t>
+            </a:r>
+            <a:r>
+              <a:rPr lang="en-US" sz="1200" b="1" dirty="0">
+                <a:solidFill>
+                  <a:srgbClr val="FFFFFF"/>
+                </a:solidFill>
+                <a:effectLst/>
+              </a:rPr>
+              <a:t>0.88</a:t>
+            </a:r>
+            <a:endParaRPr lang="en-US" sz="1200" b="1" dirty="0">
+              <a:solidFill>
+                <a:srgbClr val="FFFFFF"/>
+              </a:solidFill>
+            </a:endParaRPr>
+          </a:p>
+          <a:p>
+            <a:pPr marL="384048" lvl="2" indent="0">
+              <a:lnSpc>
+                <a:spcPct val="100000"/>
+              </a:lnSpc>
+              <a:spcBef>
+                <a:spcPts val="900"/>
+              </a:spcBef>
+              <a:buNone/>
+            </a:pPr>
+            <a:r>
+              <a:rPr lang="en-US" sz="1200" dirty="0">
+                <a:solidFill>
+                  <a:srgbClr val="FFFFFF"/>
+                </a:solidFill>
+                <a:effectLst/>
+              </a:rPr>
+              <a:t>The model detects 88% of actual fraudulent transactions, which is a strong point.</a:t>
+            </a:r>
+          </a:p>
+          <a:p>
+            <a:pPr marL="201168" lvl="1" indent="0">
+              <a:lnSpc>
+                <a:spcPct val="100000"/>
+              </a:lnSpc>
+              <a:spcBef>
+                <a:spcPts val="900"/>
+              </a:spcBef>
+              <a:buNone/>
+            </a:pPr>
+            <a:r>
+              <a:rPr lang="en-US" sz="1200" dirty="0">
+                <a:solidFill>
+                  <a:srgbClr val="FFFFFF"/>
+                </a:solidFill>
+                <a:effectLst/>
+              </a:rPr>
+              <a:t>• </a:t>
+            </a:r>
+            <a:r>
+              <a:rPr lang="en-US" sz="1200" b="1" dirty="0">
+                <a:solidFill>
+                  <a:srgbClr val="FFFFFF"/>
+                </a:solidFill>
+                <a:effectLst/>
+              </a:rPr>
+              <a:t>F1-Score</a:t>
+            </a:r>
+            <a:r>
+              <a:rPr lang="en-US" sz="1200" dirty="0">
+                <a:solidFill>
+                  <a:srgbClr val="FFFFFF"/>
+                </a:solidFill>
+                <a:effectLst/>
+              </a:rPr>
+              <a:t>: </a:t>
+            </a:r>
+            <a:r>
+              <a:rPr lang="en-US" sz="1200" b="1" dirty="0">
+                <a:solidFill>
+                  <a:srgbClr val="FFFFFF"/>
+                </a:solidFill>
+                <a:effectLst/>
+              </a:rPr>
+              <a:t>0.20</a:t>
+            </a:r>
+            <a:endParaRPr lang="en-US" sz="1200" b="1" dirty="0">
+              <a:solidFill>
+                <a:srgbClr val="FFFFFF"/>
+              </a:solidFill>
+            </a:endParaRPr>
+          </a:p>
+          <a:p>
+            <a:pPr marL="384048" lvl="2" indent="0">
+              <a:lnSpc>
+                <a:spcPct val="100000"/>
+              </a:lnSpc>
+              <a:spcBef>
+                <a:spcPts val="900"/>
+              </a:spcBef>
+              <a:buNone/>
+            </a:pPr>
+            <a:r>
+              <a:rPr lang="en-US" sz="1200" dirty="0">
+                <a:solidFill>
+                  <a:srgbClr val="FFFFFF"/>
+                </a:solidFill>
+                <a:effectLst/>
+              </a:rPr>
+              <a:t>The balance between precision and recall is poor, reflecting the low effectiveness of the model in identifying fraudulent transactions.</a:t>
+            </a:r>
+          </a:p>
+        </p:txBody>
+      </p:sp>
+      <p:pic>
+        <p:nvPicPr>
+          <p:cNvPr id="5" name="Content Placeholder 4" descr="A screenshot of a computer&#10;&#10;Description automatically generated">
+            <a:extLst>
+              <a:ext uri="{FF2B5EF4-FFF2-40B4-BE49-F238E27FC236}">
+                <a16:creationId xmlns:a16="http://schemas.microsoft.com/office/drawing/2014/main" id="{1AE41593-66CC-F8BE-0225-446431FE4AB3}"/>
+              </a:ext>
+            </a:extLst>
+          </p:cNvPr>
+          <p:cNvPicPr>
+            <a:picLocks noChangeAspect="1"/>
+          </p:cNvPicPr>
+          <p:nvPr/>
+        </p:nvPicPr>
+        <p:blipFill>
+          <a:blip r:embed="rId2"/>
+          <a:stretch>
+            <a:fillRect/>
+          </a:stretch>
+        </p:blipFill>
+        <p:spPr>
+          <a:xfrm>
+            <a:off x="4742017" y="1593518"/>
+            <a:ext cx="6798082" cy="3670964"/>
+          </a:xfrm>
+          <a:prstGeom prst="rect">
+            <a:avLst/>
+          </a:prstGeom>
+        </p:spPr>
+      </p:pic>
+    </p:spTree>
+    <p:extLst>
+      <p:ext uri="{BB962C8B-B14F-4D97-AF65-F5344CB8AC3E}">
+        <p14:creationId xmlns:p14="http://schemas.microsoft.com/office/powerpoint/2010/main" val="302357261"/>
+      </p:ext>
+    </p:extLst>
+  </p:cSld>
+  <p:clrMapOvr>
+    <a:masterClrMapping/>
+  </p:clrMapOvr>
+</p:sld>
+</file>
+
+<file path=ppt/slides/slide7.xml><?xml version="1.0" encoding="utf-8"?>
+<p:sld xmlns:a="http://schemas.openxmlformats.org/drawingml/2006/main" xmlns:r="http://schemas.openxmlformats.org/officeDocument/2006/relationships" xmlns:p="http://schemas.openxmlformats.org/presentationml/2006/main">
+  <p:cSld>
+    <p:bg>
+      <p:bgPr>
+        <a:solidFill>
+          <a:schemeClr val="bg1"/>
+        </a:solidFill>
+        <a:effectLst/>
+      </p:bgPr>
+    </p:bg>
+    <p:spTree>
+      <p:nvGrpSpPr>
+        <p:cNvPr id="1" name=""/>
+        <p:cNvGrpSpPr/>
+        <p:nvPr/>
+      </p:nvGrpSpPr>
+      <p:grpSpPr>
+        <a:xfrm>
+          <a:off x="0" y="0"/>
+          <a:ext cx="0" cy="0"/>
+          <a:chOff x="0" y="0"/>
+          <a:chExt cx="0" cy="0"/>
+        </a:xfrm>
+      </p:grpSpPr>
+      <p:sp useBgFill="1">
+        <p:nvSpPr>
+          <p:cNvPr id="15" name="Rectangle 14">
+            <a:extLst>
+              <a:ext uri="{FF2B5EF4-FFF2-40B4-BE49-F238E27FC236}">
+                <a16:creationId xmlns:a16="http://schemas.microsoft.com/office/drawing/2014/main" id="{C8DD82D3-D002-45B0-B16A-82B3DA4EFDDB}"/>
+              </a:ext>
+              <a:ext uri="{C183D7F6-B498-43B3-948B-1728B52AA6E4}">
+                <adec:decorative xmlns:adec="http://schemas.microsoft.com/office/drawing/2017/decorative" val="1"/>
+              </a:ext>
+            </a:extLst>
+          </p:cNvPr>
+          <p:cNvSpPr>
+            <a:spLocks noGrp="1" noRot="1" noChangeAspect="1" noMove="1" noResize="1" noEditPoints="1" noAdjustHandles="1" noChangeArrowheads="1" noChangeShapeType="1" noTextEdit="1"/>
+          </p:cNvSpPr>
+          <p:nvPr>
+            <p:extLst>
+              <p:ext uri="{386F3935-93C4-4BCD-93E2-E3B085C9AB24}">
+                <p16:designElem xmlns:p16="http://schemas.microsoft.com/office/powerpoint/2015/main" val="1"/>
+              </p:ext>
+            </p:extLst>
+          </p:nvPr>
+        </p:nvSpPr>
+        <p:spPr>
+          <a:xfrm>
+            <a:off x="3048" y="0"/>
+            <a:ext cx="12188952" cy="6858000"/>
+          </a:xfrm>
+          <a:prstGeom prst="rect">
+            <a:avLst/>
+          </a:prstGeom>
+          <a:ln>
+            <a:noFill/>
+          </a:ln>
+        </p:spPr>
+        <p:style>
+          <a:lnRef idx="2">
+            <a:schemeClr val="accent1">
+              <a:shade val="50000"/>
+            </a:schemeClr>
+          </a:lnRef>
+          <a:fillRef idx="1">
+            <a:schemeClr val="accent1"/>
+          </a:fillRef>
+          <a:effectRef idx="0">
+            <a:schemeClr val="accent1"/>
+          </a:effectRef>
+          <a:fontRef idx="minor">
+            <a:schemeClr val="lt1"/>
+          </a:fontRef>
+        </p:style>
+        <p:txBody>
+          <a:bodyPr rtlCol="0" anchor="ctr"/>
+          <a:lstStyle/>
+          <a:p>
+            <a:pPr algn="ctr"/>
+            <a:endParaRPr lang="en-US"/>
+          </a:p>
+        </p:txBody>
+      </p:sp>
+      <p:sp>
+        <p:nvSpPr>
+          <p:cNvPr id="2" name="Title 1">
+            <a:extLst>
+              <a:ext uri="{FF2B5EF4-FFF2-40B4-BE49-F238E27FC236}">
+                <a16:creationId xmlns:a16="http://schemas.microsoft.com/office/drawing/2014/main" id="{AFC15495-DD17-3D20-3FBC-515085231E12}"/>
+              </a:ext>
+            </a:extLst>
+          </p:cNvPr>
+          <p:cNvSpPr>
+            <a:spLocks noGrp="1"/>
+          </p:cNvSpPr>
+          <p:nvPr>
+            <p:ph type="title"/>
+          </p:nvPr>
+        </p:nvSpPr>
+        <p:spPr>
+          <a:xfrm>
+            <a:off x="473533" y="643467"/>
+            <a:ext cx="3243485" cy="5126203"/>
+          </a:xfrm>
+        </p:spPr>
+        <p:txBody>
+          <a:bodyPr anchor="ctr">
+            <a:normAutofit/>
+          </a:bodyPr>
+          <a:lstStyle/>
+          <a:p>
+            <a:pPr algn="r"/>
+            <a:r>
+              <a:rPr lang="en-US" dirty="0"/>
+              <a:t>Analysis &amp; Conclusion</a:t>
+            </a:r>
+          </a:p>
+        </p:txBody>
+      </p:sp>
+      <p:cxnSp>
+        <p:nvCxnSpPr>
+          <p:cNvPr id="17" name="Straight Connector 16">
+            <a:extLst>
+              <a:ext uri="{FF2B5EF4-FFF2-40B4-BE49-F238E27FC236}">
+                <a16:creationId xmlns:a16="http://schemas.microsoft.com/office/drawing/2014/main" id="{9F09C252-16FE-4557-AD6D-BB5CA773496C}"/>
+              </a:ext>
+              <a:ext uri="{C183D7F6-B498-43B3-948B-1728B52AA6E4}">
+                <adec:decorative xmlns:adec="http://schemas.microsoft.com/office/drawing/2017/decorative" val="1"/>
+              </a:ext>
+            </a:extLst>
+          </p:cNvPr>
+          <p:cNvCxnSpPr>
+            <a:cxnSpLocks noGrp="1" noRot="1" noChangeAspect="1" noMove="1" noResize="1" noEditPoints="1" noAdjustHandles="1" noChangeArrowheads="1" noChangeShapeType="1"/>
+          </p:cNvCxnSpPr>
+          <p:nvPr>
+            <p:extLst>
+              <p:ext uri="{386F3935-93C4-4BCD-93E2-E3B085C9AB24}">
+                <p16:designElem xmlns:p16="http://schemas.microsoft.com/office/powerpoint/2015/main" val="1"/>
+              </p:ext>
+            </p:extLst>
+          </p:nvPr>
+        </p:nvCxnSpPr>
+        <p:spPr>
+          <a:xfrm>
+            <a:off x="4042052" y="1778497"/>
+            <a:ext cx="0" cy="3200400"/>
+          </a:xfrm>
+          <a:prstGeom prst="line">
+            <a:avLst/>
+          </a:prstGeom>
+          <a:ln w="19050">
+            <a:solidFill>
+              <a:schemeClr val="tx1"/>
+            </a:solidFill>
+            <a:miter lim="800000"/>
+          </a:ln>
+        </p:spPr>
+        <p:style>
+          <a:lnRef idx="1">
+            <a:schemeClr val="accent1"/>
+          </a:lnRef>
+          <a:fillRef idx="0">
+            <a:schemeClr val="accent1"/>
+          </a:fillRef>
+          <a:effectRef idx="0">
+            <a:schemeClr val="accent1"/>
+          </a:effectRef>
+          <a:fontRef idx="minor">
+            <a:schemeClr val="tx1"/>
+          </a:fontRef>
+        </p:style>
+      </p:cxnSp>
+      <p:sp>
+        <p:nvSpPr>
+          <p:cNvPr id="3" name="Content Placeholder 2">
+            <a:extLst>
+              <a:ext uri="{FF2B5EF4-FFF2-40B4-BE49-F238E27FC236}">
+                <a16:creationId xmlns:a16="http://schemas.microsoft.com/office/drawing/2014/main" id="{FE16B9C9-A7BF-BFA1-DCDC-E0883B18E20C}"/>
+              </a:ext>
+            </a:extLst>
+          </p:cNvPr>
+          <p:cNvSpPr>
+            <a:spLocks noGrp="1"/>
+          </p:cNvSpPr>
+          <p:nvPr>
+            <p:ph idx="1"/>
+          </p:nvPr>
+        </p:nvSpPr>
+        <p:spPr>
+          <a:xfrm>
+            <a:off x="4187503" y="135467"/>
+            <a:ext cx="7351376" cy="6129866"/>
+          </a:xfrm>
+        </p:spPr>
+        <p:txBody>
+          <a:bodyPr anchor="ctr">
+            <a:normAutofit/>
+          </a:bodyPr>
+          <a:lstStyle/>
+          <a:p>
+            <a:endParaRPr lang="en-US" dirty="0"/>
+          </a:p>
+        </p:txBody>
+      </p:sp>
+      <p:sp>
+        <p:nvSpPr>
+          <p:cNvPr id="19" name="Rectangle 18">
+            <a:extLst>
+              <a:ext uri="{FF2B5EF4-FFF2-40B4-BE49-F238E27FC236}">
+                <a16:creationId xmlns:a16="http://schemas.microsoft.com/office/drawing/2014/main" id="{14552793-7DFF-4EC7-AC69-D34A75D01880}"/>
+              </a:ext>
+              <a:ext uri="{C183D7F6-B498-43B3-948B-1728B52AA6E4}">
+                <adec:decorative xmlns:adec="http://schemas.microsoft.com/office/drawing/2017/decorative" val="1"/>
+              </a:ext>
+            </a:extLst>
+          </p:cNvPr>
+          <p:cNvSpPr>
+            <a:spLocks noGrp="1" noRot="1" noChangeAspect="1" noMove="1" noResize="1" noEditPoints="1" noAdjustHandles="1" noChangeArrowheads="1" noChangeShapeType="1" noTextEdit="1"/>
+          </p:cNvSpPr>
+          <p:nvPr>
+            <p:extLst>
+              <p:ext uri="{386F3935-93C4-4BCD-93E2-E3B085C9AB24}">
+                <p16:designElem xmlns:p16="http://schemas.microsoft.com/office/powerpoint/2015/main" val="1"/>
+              </p:ext>
+            </p:extLst>
+          </p:nvPr>
+        </p:nvSpPr>
+        <p:spPr>
+          <a:xfrm>
+            <a:off x="0" y="6400800"/>
+            <a:ext cx="12192000" cy="457200"/>
+          </a:xfrm>
+          <a:prstGeom prst="rect">
+            <a:avLst/>
+          </a:prstGeom>
+          <a:solidFill>
+            <a:srgbClr val="262626"/>
+          </a:solidFill>
+          <a:ln>
+            <a:noFill/>
+          </a:ln>
+        </p:spPr>
+        <p:style>
+          <a:lnRef idx="2">
+            <a:schemeClr val="accent1">
+              <a:shade val="50000"/>
+            </a:schemeClr>
+          </a:lnRef>
+          <a:fillRef idx="1">
+            <a:schemeClr val="accent1"/>
+          </a:fillRef>
+          <a:effectRef idx="0">
+            <a:schemeClr val="accent1"/>
+          </a:effectRef>
+          <a:fontRef idx="minor">
+            <a:schemeClr val="lt1"/>
+          </a:fontRef>
+        </p:style>
+        <p:txBody>
+          <a:bodyPr/>
+          <a:lstStyle/>
+          <a:p>
+            <a:endParaRPr lang="en-US"/>
+          </a:p>
+        </p:txBody>
+      </p:sp>
     </p:spTree>
     <p:extLst>
       <p:ext uri="{BB962C8B-B14F-4D97-AF65-F5344CB8AC3E}">
@@ -8820,7 +6646,7 @@
 </p:sld>
 </file>
 
-<file path=ppt/slides/slide6.xml><?xml version="1.0" encoding="utf-8"?>
+<file path=ppt/slides/slide8.xml><?xml version="1.0" encoding="utf-8"?>
 <p:sld xmlns:a="http://schemas.openxmlformats.org/drawingml/2006/main" xmlns:r="http://schemas.openxmlformats.org/officeDocument/2006/relationships" xmlns:p="http://schemas.openxmlformats.org/presentationml/2006/main">
   <p:cSld>
     <p:bg>

--- a/Project 4 Presentation.pptx
+++ b/Project 4 Presentation.pptx
@@ -5,17 +5,16 @@
     <p:sldMasterId id="2147483673" r:id="rId1"/>
   </p:sldMasterIdLst>
   <p:notesMasterIdLst>
-    <p:notesMasterId r:id="rId10"/>
+    <p:notesMasterId r:id="rId9"/>
   </p:notesMasterIdLst>
   <p:sldIdLst>
     <p:sldId id="256" r:id="rId2"/>
     <p:sldId id="268" r:id="rId3"/>
-    <p:sldId id="269" r:id="rId4"/>
-    <p:sldId id="270" r:id="rId5"/>
-    <p:sldId id="271" r:id="rId6"/>
-    <p:sldId id="272" r:id="rId7"/>
-    <p:sldId id="263" r:id="rId8"/>
-    <p:sldId id="264" r:id="rId9"/>
+    <p:sldId id="273" r:id="rId4"/>
+    <p:sldId id="274" r:id="rId5"/>
+    <p:sldId id="270" r:id="rId6"/>
+    <p:sldId id="263" r:id="rId7"/>
+    <p:sldId id="264" r:id="rId8"/>
   </p:sldIdLst>
   <p:sldSz cx="12192000" cy="6858000"/>
   <p:notesSz cx="6858000" cy="9144000"/>
@@ -204,7 +203,7 @@
           <a:p>
             <a:fld id="{BF5AA480-C879-5647-9213-4AB0980B2004}" type="datetimeFigureOut">
               <a:rPr lang="en-US" smtClean="0"/>
-              <a:t>1/7/25</a:t>
+              <a:t>1/9/25</a:t>
             </a:fld>
             <a:endParaRPr lang="en-US"/>
           </a:p>
@@ -642,6 +641,848 @@
 </p:notes>
 </file>
 
+<file path=ppt/notesSlides/notesSlide3.xml><?xml version="1.0" encoding="utf-8"?>
+<p:notes xmlns:a="http://schemas.openxmlformats.org/drawingml/2006/main" xmlns:r="http://schemas.openxmlformats.org/officeDocument/2006/relationships" xmlns:p="http://schemas.openxmlformats.org/presentationml/2006/main">
+  <p:cSld>
+    <p:spTree>
+      <p:nvGrpSpPr>
+        <p:cNvPr id="1" name=""/>
+        <p:cNvGrpSpPr/>
+        <p:nvPr/>
+      </p:nvGrpSpPr>
+      <p:grpSpPr>
+        <a:xfrm>
+          <a:off x="0" y="0"/>
+          <a:ext cx="0" cy="0"/>
+          <a:chOff x="0" y="0"/>
+          <a:chExt cx="0" cy="0"/>
+        </a:xfrm>
+      </p:grpSpPr>
+      <p:sp>
+        <p:nvSpPr>
+          <p:cNvPr id="2" name="Slide Image Placeholder 1"/>
+          <p:cNvSpPr>
+            <a:spLocks noGrp="1" noRot="1" noChangeAspect="1"/>
+          </p:cNvSpPr>
+          <p:nvPr>
+            <p:ph type="sldImg"/>
+          </p:nvPr>
+        </p:nvSpPr>
+        <p:spPr/>
+      </p:sp>
+      <p:sp>
+        <p:nvSpPr>
+          <p:cNvPr id="3" name="Notes Placeholder 2"/>
+          <p:cNvSpPr>
+            <a:spLocks noGrp="1"/>
+          </p:cNvSpPr>
+          <p:nvPr>
+            <p:ph type="body" idx="1"/>
+          </p:nvPr>
+        </p:nvSpPr>
+        <p:spPr/>
+        <p:txBody>
+          <a:bodyPr/>
+          <a:lstStyle/>
+          <a:p>
+            <a:r>
+              <a:rPr lang="en-US" b="1" dirty="0"/>
+              <a:t>Logistic Regression Model: </a:t>
+            </a:r>
+            <a:r>
+              <a:rPr lang="en-US" dirty="0"/>
+              <a:t>While we were able to achieve higher recall values for Class 1 (fraudulent transactions), there was extremely low precision, meaning it often predicts more false positives, flagging legitimate transactions as fraudulent. This model did not perform well due to the imbalanced dataset.</a:t>
+            </a:r>
+          </a:p>
+          <a:p>
+            <a:endParaRPr lang="en-US" dirty="0"/>
+          </a:p>
+          <a:p>
+            <a:r>
+              <a:rPr lang="en-US" b="1" dirty="0"/>
+              <a:t>Random Forest Model with SMOTE: </a:t>
+            </a:r>
+            <a:r>
+              <a:rPr lang="en-US" b="0" dirty="0"/>
+              <a:t>When originally testing the Random Forest model, we were able to attain perfect precision for fraud detection. However, that came at a cost of very low recall and not detecting enough fraud cases. To account for the imbalanced datasets, where the minority class is underrepresented, we incorporated SMOTE with our random forest model.</a:t>
+            </a:r>
+          </a:p>
+          <a:p>
+            <a:endParaRPr lang="en-US" b="0" dirty="0"/>
+          </a:p>
+          <a:p>
+            <a:r>
+              <a:rPr lang="en-US" b="0" dirty="0"/>
+              <a:t>*SMOTE (Synthetic Minority Oversampling Technique):</a:t>
+            </a:r>
+          </a:p>
+          <a:p>
+            <a:pPr marL="0" marR="0" lvl="0" indent="0" algn="l" defTabSz="914400" rtl="0" eaLnBrk="1" fontAlgn="auto" latinLnBrk="0" hangingPunct="1">
+              <a:lnSpc>
+                <a:spcPct val="100000"/>
+              </a:lnSpc>
+              <a:spcBef>
+                <a:spcPts val="0"/>
+              </a:spcBef>
+              <a:spcAft>
+                <a:spcPts val="0"/>
+              </a:spcAft>
+              <a:buClrTx/>
+              <a:buSzTx/>
+              <a:buFontTx/>
+              <a:buNone/>
+              <a:tabLst/>
+              <a:defRPr/>
+            </a:pPr>
+            <a:r>
+              <a:rPr lang="en-US" dirty="0">
+                <a:solidFill>
+                  <a:srgbClr val="0E0E0E"/>
+                </a:solidFill>
+                <a:effectLst/>
+                <a:latin typeface=".AppleSystemUIFont"/>
+              </a:rPr>
+              <a:t>SMOTE is a data augmentation technique used to address class imbalance in datasets, especially in machine learning problems. It generates synthetic samples for the minority class by interpolating between existing minority class samples, rather than simply duplicating them. (looking at the 5 nearest neighbors by default)</a:t>
+            </a:r>
+          </a:p>
+          <a:p>
+            <a:endParaRPr lang="en-US" b="0" dirty="0"/>
+          </a:p>
+          <a:p>
+            <a:pPr marL="0" marR="0" lvl="0" indent="0" algn="l" defTabSz="914400" rtl="0" eaLnBrk="1" fontAlgn="auto" latinLnBrk="0" hangingPunct="1">
+              <a:lnSpc>
+                <a:spcPct val="100000"/>
+              </a:lnSpc>
+              <a:spcBef>
+                <a:spcPts val="0"/>
+              </a:spcBef>
+              <a:spcAft>
+                <a:spcPts val="0"/>
+              </a:spcAft>
+              <a:buClrTx/>
+              <a:buSzTx/>
+              <a:buFontTx/>
+              <a:buNone/>
+              <a:tabLst/>
+              <a:defRPr/>
+            </a:pPr>
+            <a:r>
+              <a:rPr lang="en-US" dirty="0"/>
+              <a:t>*If the priority is to detect as many frauds as possible, Logistic Regression is a good model due to the higher recall. However, if the priority is to reduce false positives while maintaining good accuracy, Random Forest with SMOTE appears to be the better option.</a:t>
+            </a:r>
+          </a:p>
+          <a:p>
+            <a:endParaRPr lang="en-US" b="1" dirty="0"/>
+          </a:p>
+          <a:p>
+            <a:r>
+              <a:rPr lang="en-US" b="0" dirty="0"/>
+              <a:t>*Model selection was based on training and testing on smaller dataset 23k records</a:t>
+            </a:r>
+          </a:p>
+        </p:txBody>
+      </p:sp>
+      <p:sp>
+        <p:nvSpPr>
+          <p:cNvPr id="4" name="Slide Number Placeholder 3"/>
+          <p:cNvSpPr>
+            <a:spLocks noGrp="1"/>
+          </p:cNvSpPr>
+          <p:nvPr>
+            <p:ph type="sldNum" sz="quarter" idx="5"/>
+          </p:nvPr>
+        </p:nvSpPr>
+        <p:spPr/>
+        <p:txBody>
+          <a:bodyPr/>
+          <a:lstStyle/>
+          <a:p>
+            <a:fld id="{492B2B1A-E91C-F249-97E5-61AB060BBE8D}" type="slidenum">
+              <a:rPr lang="en-US" smtClean="0"/>
+              <a:t>3</a:t>
+            </a:fld>
+            <a:endParaRPr lang="en-US"/>
+          </a:p>
+        </p:txBody>
+      </p:sp>
+    </p:spTree>
+    <p:extLst>
+      <p:ext uri="{BB962C8B-B14F-4D97-AF65-F5344CB8AC3E}">
+        <p14:creationId xmlns:p14="http://schemas.microsoft.com/office/powerpoint/2010/main" val="3246705064"/>
+      </p:ext>
+    </p:extLst>
+  </p:cSld>
+  <p:clrMapOvr>
+    <a:masterClrMapping/>
+  </p:clrMapOvr>
+</p:notes>
+</file>
+
+<file path=ppt/notesSlides/notesSlide4.xml><?xml version="1.0" encoding="utf-8"?>
+<p:notes xmlns:a="http://schemas.openxmlformats.org/drawingml/2006/main" xmlns:r="http://schemas.openxmlformats.org/officeDocument/2006/relationships" xmlns:p="http://schemas.openxmlformats.org/presentationml/2006/main">
+  <p:cSld>
+    <p:spTree>
+      <p:nvGrpSpPr>
+        <p:cNvPr id="1" name=""/>
+        <p:cNvGrpSpPr/>
+        <p:nvPr/>
+      </p:nvGrpSpPr>
+      <p:grpSpPr>
+        <a:xfrm>
+          <a:off x="0" y="0"/>
+          <a:ext cx="0" cy="0"/>
+          <a:chOff x="0" y="0"/>
+          <a:chExt cx="0" cy="0"/>
+        </a:xfrm>
+      </p:grpSpPr>
+      <p:sp>
+        <p:nvSpPr>
+          <p:cNvPr id="2" name="Slide Image Placeholder 1"/>
+          <p:cNvSpPr>
+            <a:spLocks noGrp="1" noRot="1" noChangeAspect="1"/>
+          </p:cNvSpPr>
+          <p:nvPr>
+            <p:ph type="sldImg"/>
+          </p:nvPr>
+        </p:nvSpPr>
+        <p:spPr/>
+      </p:sp>
+      <p:sp>
+        <p:nvSpPr>
+          <p:cNvPr id="3" name="Notes Placeholder 2"/>
+          <p:cNvSpPr>
+            <a:spLocks noGrp="1"/>
+          </p:cNvSpPr>
+          <p:nvPr>
+            <p:ph type="body" idx="1"/>
+          </p:nvPr>
+        </p:nvSpPr>
+        <p:spPr/>
+        <p:txBody>
+          <a:bodyPr/>
+          <a:lstStyle/>
+          <a:p>
+            <a:r>
+              <a:rPr lang="en-US" b="1" dirty="0"/>
+              <a:t>Random Forest Model with SMOTE: </a:t>
+            </a:r>
+            <a:r>
+              <a:rPr lang="en-US" b="0" dirty="0"/>
+              <a:t>While Random Forest with SMOTE did a better job with precision than the logistic regression, precision was still on the low end, leading to more false positives.</a:t>
+            </a:r>
+          </a:p>
+          <a:p>
+            <a:endParaRPr lang="en-US" b="0" dirty="0"/>
+          </a:p>
+          <a:p>
+            <a:r>
+              <a:rPr lang="en-US" b="1" dirty="0" err="1"/>
+              <a:t>XGBoost</a:t>
+            </a:r>
+            <a:r>
+              <a:rPr lang="en-US" b="1" dirty="0"/>
+              <a:t> Model: </a:t>
+            </a:r>
+            <a:r>
+              <a:rPr lang="en-US" b="0" dirty="0"/>
+              <a:t>The </a:t>
+            </a:r>
+            <a:r>
+              <a:rPr lang="en-US" b="0" dirty="0" err="1"/>
+              <a:t>XGBoost</a:t>
+            </a:r>
+            <a:r>
+              <a:rPr lang="en-US" b="0" dirty="0"/>
+              <a:t> model significantly outperformed the Random Forest model with SMOTE in precision (57% versus 33%), with fewer false positives. While recall remained the same (48%), </a:t>
+            </a:r>
+            <a:r>
+              <a:rPr lang="en-US" b="0" dirty="0" err="1"/>
+              <a:t>XGBoost</a:t>
+            </a:r>
+            <a:r>
+              <a:rPr lang="en-US" b="0" dirty="0"/>
+              <a:t> achieved a better balance between precision and recall, with better performance in overall accuracy and in handling the imbalanced dataset.</a:t>
+            </a:r>
+            <a:endParaRPr lang="en-US" b="1" dirty="0"/>
+          </a:p>
+          <a:p>
+            <a:endParaRPr lang="en-US" b="1" dirty="0"/>
+          </a:p>
+          <a:p>
+            <a:r>
+              <a:rPr lang="en-US" b="0" dirty="0"/>
+              <a:t>*</a:t>
+            </a:r>
+            <a:r>
+              <a:rPr lang="en-US" b="0" dirty="0" err="1"/>
+              <a:t>XGBoost</a:t>
+            </a:r>
+            <a:r>
+              <a:rPr lang="en-US" b="0" dirty="0"/>
+              <a:t> (Extreme Gradient Boosting):</a:t>
+            </a:r>
+          </a:p>
+          <a:p>
+            <a:r>
+              <a:rPr lang="en-US" b="0" i="0" dirty="0" err="1">
+                <a:solidFill>
+                  <a:srgbClr val="D1D2D3"/>
+                </a:solidFill>
+                <a:effectLst/>
+                <a:latin typeface="Slack-Lato"/>
+              </a:rPr>
+              <a:t>XGBoost</a:t>
+            </a:r>
+            <a:r>
+              <a:rPr lang="en-US" b="0" i="0" dirty="0">
+                <a:solidFill>
+                  <a:srgbClr val="D1D2D3"/>
+                </a:solidFill>
+                <a:effectLst/>
+                <a:latin typeface="Slack-Lato"/>
+              </a:rPr>
+              <a:t> is a gradient-boosting algorithm designed for optimized performance and speed. It sequentially builds decision trees, correcting errors made by previous trees. Instead of using SMOTE, </a:t>
+            </a:r>
+            <a:r>
+              <a:rPr lang="en-US" b="0" i="0" dirty="0" err="1">
+                <a:solidFill>
+                  <a:srgbClr val="D1D2D3"/>
+                </a:solidFill>
+                <a:effectLst/>
+                <a:latin typeface="Slack-Lato"/>
+              </a:rPr>
+              <a:t>XGBoost</a:t>
+            </a:r>
+            <a:r>
+              <a:rPr lang="en-US" b="0" i="0" dirty="0">
+                <a:solidFill>
+                  <a:srgbClr val="D1D2D3"/>
+                </a:solidFill>
+                <a:effectLst/>
+                <a:latin typeface="Slack-Lato"/>
+              </a:rPr>
+              <a:t> addresses class imbalance through its </a:t>
+            </a:r>
+            <a:r>
+              <a:rPr lang="en-US" b="0" i="0" dirty="0" err="1">
+                <a:solidFill>
+                  <a:srgbClr val="D1D2D3"/>
+                </a:solidFill>
+                <a:effectLst/>
+                <a:latin typeface="Slack-Lato"/>
+              </a:rPr>
+              <a:t>scale_pos_weight</a:t>
+            </a:r>
+            <a:r>
+              <a:rPr lang="en-US" b="0" i="0" dirty="0">
+                <a:solidFill>
+                  <a:srgbClr val="D1D2D3"/>
+                </a:solidFill>
+                <a:effectLst/>
+                <a:latin typeface="Slack-Lato"/>
+              </a:rPr>
+              <a:t> parameter, which adjusts the importance of the minority class.</a:t>
+            </a:r>
+          </a:p>
+          <a:p>
+            <a:endParaRPr lang="en-US" b="0" i="0" dirty="0">
+              <a:solidFill>
+                <a:srgbClr val="D1D2D3"/>
+              </a:solidFill>
+              <a:effectLst/>
+              <a:latin typeface="Slack-Lato"/>
+            </a:endParaRPr>
+          </a:p>
+          <a:p>
+            <a:pPr marL="0" marR="0" lvl="0" indent="0" algn="l" defTabSz="914400" rtl="0" eaLnBrk="1" fontAlgn="auto" latinLnBrk="0" hangingPunct="1">
+              <a:lnSpc>
+                <a:spcPct val="100000"/>
+              </a:lnSpc>
+              <a:spcBef>
+                <a:spcPts val="0"/>
+              </a:spcBef>
+              <a:spcAft>
+                <a:spcPts val="0"/>
+              </a:spcAft>
+              <a:buClrTx/>
+              <a:buSzTx/>
+              <a:buFontTx/>
+              <a:buNone/>
+              <a:tabLst/>
+              <a:defRPr/>
+            </a:pPr>
+            <a:r>
+              <a:rPr lang="en-US" b="0" dirty="0"/>
+              <a:t>*Model selection was based on training and testing on smaller dataset 23k records</a:t>
+            </a:r>
+          </a:p>
+          <a:p>
+            <a:endParaRPr lang="en-US" b="0" dirty="0"/>
+          </a:p>
+        </p:txBody>
+      </p:sp>
+      <p:sp>
+        <p:nvSpPr>
+          <p:cNvPr id="4" name="Slide Number Placeholder 3"/>
+          <p:cNvSpPr>
+            <a:spLocks noGrp="1"/>
+          </p:cNvSpPr>
+          <p:nvPr>
+            <p:ph type="sldNum" sz="quarter" idx="5"/>
+          </p:nvPr>
+        </p:nvSpPr>
+        <p:spPr/>
+        <p:txBody>
+          <a:bodyPr/>
+          <a:lstStyle/>
+          <a:p>
+            <a:fld id="{492B2B1A-E91C-F249-97E5-61AB060BBE8D}" type="slidenum">
+              <a:rPr lang="en-US" smtClean="0"/>
+              <a:t>4</a:t>
+            </a:fld>
+            <a:endParaRPr lang="en-US"/>
+          </a:p>
+        </p:txBody>
+      </p:sp>
+    </p:spTree>
+    <p:extLst>
+      <p:ext uri="{BB962C8B-B14F-4D97-AF65-F5344CB8AC3E}">
+        <p14:creationId xmlns:p14="http://schemas.microsoft.com/office/powerpoint/2010/main" val="1390183804"/>
+      </p:ext>
+    </p:extLst>
+  </p:cSld>
+  <p:clrMapOvr>
+    <a:masterClrMapping/>
+  </p:clrMapOvr>
+</p:notes>
+</file>
+
+<file path=ppt/notesSlides/notesSlide5.xml><?xml version="1.0" encoding="utf-8"?>
+<p:notes xmlns:a="http://schemas.openxmlformats.org/drawingml/2006/main" xmlns:r="http://schemas.openxmlformats.org/officeDocument/2006/relationships" xmlns:p="http://schemas.openxmlformats.org/presentationml/2006/main">
+  <p:cSld>
+    <p:spTree>
+      <p:nvGrpSpPr>
+        <p:cNvPr id="1" name=""/>
+        <p:cNvGrpSpPr/>
+        <p:nvPr/>
+      </p:nvGrpSpPr>
+      <p:grpSpPr>
+        <a:xfrm>
+          <a:off x="0" y="0"/>
+          <a:ext cx="0" cy="0"/>
+          <a:chOff x="0" y="0"/>
+          <a:chExt cx="0" cy="0"/>
+        </a:xfrm>
+      </p:grpSpPr>
+      <p:sp>
+        <p:nvSpPr>
+          <p:cNvPr id="2" name="Slide Image Placeholder 1"/>
+          <p:cNvSpPr>
+            <a:spLocks noGrp="1" noRot="1" noChangeAspect="1"/>
+          </p:cNvSpPr>
+          <p:nvPr>
+            <p:ph type="sldImg"/>
+          </p:nvPr>
+        </p:nvSpPr>
+        <p:spPr/>
+      </p:sp>
+      <p:sp>
+        <p:nvSpPr>
+          <p:cNvPr id="3" name="Notes Placeholder 2"/>
+          <p:cNvSpPr>
+            <a:spLocks noGrp="1"/>
+          </p:cNvSpPr>
+          <p:nvPr>
+            <p:ph type="body" idx="1"/>
+          </p:nvPr>
+        </p:nvSpPr>
+        <p:spPr/>
+        <p:txBody>
+          <a:bodyPr/>
+          <a:lstStyle/>
+          <a:p>
+            <a:pPr>
+              <a:spcBef>
+                <a:spcPts val="900"/>
+              </a:spcBef>
+            </a:pPr>
+            <a:r>
+              <a:rPr lang="en-US" dirty="0">
+                <a:solidFill>
+                  <a:srgbClr val="0E0E0E"/>
+                </a:solidFill>
+                <a:effectLst/>
+                <a:latin typeface=".AppleSystemUIFont"/>
+              </a:rPr>
+              <a:t>1. </a:t>
+            </a:r>
+            <a:r>
+              <a:rPr lang="en-US" b="1" dirty="0">
+                <a:solidFill>
+                  <a:srgbClr val="0E0E0E"/>
+                </a:solidFill>
+                <a:effectLst/>
+                <a:latin typeface=".AppleSystemUIFont"/>
+              </a:rPr>
+              <a:t>High Precision at Low Recall</a:t>
+            </a:r>
+            <a:r>
+              <a:rPr lang="en-US" dirty="0">
+                <a:solidFill>
+                  <a:srgbClr val="0E0E0E"/>
+                </a:solidFill>
+                <a:effectLst/>
+                <a:latin typeface=".AppleSystemUIFont"/>
+              </a:rPr>
+              <a:t>:</a:t>
+            </a:r>
+          </a:p>
+          <a:p>
+            <a:pPr lvl="1">
+              <a:spcBef>
+                <a:spcPts val="900"/>
+              </a:spcBef>
+            </a:pPr>
+            <a:r>
+              <a:rPr lang="en-US" dirty="0">
+                <a:solidFill>
+                  <a:srgbClr val="0E0E0E"/>
+                </a:solidFill>
+                <a:effectLst/>
+                <a:latin typeface=".AppleSystemUIFont"/>
+              </a:rPr>
+              <a:t>On the left side of the curve, the precision is close to 1.0 when recall is very low. This indicates that when the model predicts very few transactions as fraudulent, it is mostly correct (fewer false positives). However, it is missing a lot of actual fraudulent transactions.</a:t>
+            </a:r>
+          </a:p>
+          <a:p>
+            <a:pPr>
+              <a:spcBef>
+                <a:spcPts val="900"/>
+              </a:spcBef>
+            </a:pPr>
+            <a:endParaRPr lang="en-US" dirty="0">
+              <a:solidFill>
+                <a:srgbClr val="0E0E0E"/>
+              </a:solidFill>
+              <a:effectLst/>
+              <a:latin typeface=".AppleSystemUIFont"/>
+            </a:endParaRPr>
+          </a:p>
+          <a:p>
+            <a:pPr>
+              <a:spcBef>
+                <a:spcPts val="900"/>
+              </a:spcBef>
+            </a:pPr>
+            <a:r>
+              <a:rPr lang="en-US" dirty="0">
+                <a:solidFill>
+                  <a:srgbClr val="0E0E0E"/>
+                </a:solidFill>
+                <a:effectLst/>
+                <a:latin typeface=".AppleSystemUIFont"/>
+              </a:rPr>
+              <a:t>2. </a:t>
+            </a:r>
+            <a:r>
+              <a:rPr lang="en-US" b="1" dirty="0">
+                <a:solidFill>
+                  <a:srgbClr val="0E0E0E"/>
+                </a:solidFill>
+                <a:effectLst/>
+                <a:latin typeface=".AppleSystemUIFont"/>
+              </a:rPr>
+              <a:t>Trade-Off</a:t>
+            </a:r>
+            <a:r>
+              <a:rPr lang="en-US" dirty="0">
+                <a:solidFill>
+                  <a:srgbClr val="0E0E0E"/>
+                </a:solidFill>
+                <a:effectLst/>
+                <a:latin typeface=".AppleSystemUIFont"/>
+              </a:rPr>
+              <a:t>:</a:t>
+            </a:r>
+          </a:p>
+          <a:p>
+            <a:pPr lvl="1">
+              <a:spcBef>
+                <a:spcPts val="900"/>
+              </a:spcBef>
+            </a:pPr>
+            <a:r>
+              <a:rPr lang="en-US" dirty="0">
+                <a:solidFill>
+                  <a:srgbClr val="0E0E0E"/>
+                </a:solidFill>
+                <a:effectLst/>
+                <a:latin typeface=".AppleSystemUIFont"/>
+              </a:rPr>
+              <a:t>As recall increases (moving right along the x-axis), the precision decreases. This is because, to catch more fraudulent transactions, the model starts predicting more transactions as fraudulent, which increases false positives.</a:t>
+            </a:r>
+          </a:p>
+          <a:p>
+            <a:pPr>
+              <a:spcBef>
+                <a:spcPts val="900"/>
+              </a:spcBef>
+            </a:pPr>
+            <a:endParaRPr lang="en-US" dirty="0">
+              <a:solidFill>
+                <a:srgbClr val="0E0E0E"/>
+              </a:solidFill>
+              <a:effectLst/>
+              <a:latin typeface=".AppleSystemUIFont"/>
+            </a:endParaRPr>
+          </a:p>
+          <a:p>
+            <a:pPr>
+              <a:spcBef>
+                <a:spcPts val="900"/>
+              </a:spcBef>
+            </a:pPr>
+            <a:r>
+              <a:rPr lang="en-US" dirty="0">
+                <a:solidFill>
+                  <a:srgbClr val="0E0E0E"/>
+                </a:solidFill>
+                <a:effectLst/>
+                <a:latin typeface=".AppleSystemUIFont"/>
+              </a:rPr>
+              <a:t>3. </a:t>
+            </a:r>
+            <a:r>
+              <a:rPr lang="en-US" b="1" dirty="0">
+                <a:solidFill>
+                  <a:srgbClr val="0E0E0E"/>
+                </a:solidFill>
+                <a:effectLst/>
+                <a:latin typeface=".AppleSystemUIFont"/>
+              </a:rPr>
+              <a:t>Model Performance</a:t>
+            </a:r>
+            <a:r>
+              <a:rPr lang="en-US" dirty="0">
+                <a:solidFill>
+                  <a:srgbClr val="0E0E0E"/>
+                </a:solidFill>
+                <a:effectLst/>
+                <a:latin typeface=".AppleSystemUIFont"/>
+              </a:rPr>
+              <a:t>:</a:t>
+            </a:r>
+          </a:p>
+          <a:p>
+            <a:pPr lvl="1">
+              <a:spcBef>
+                <a:spcPts val="900"/>
+              </a:spcBef>
+            </a:pPr>
+            <a:r>
+              <a:rPr lang="en-US" dirty="0">
+                <a:solidFill>
+                  <a:srgbClr val="0E0E0E"/>
+                </a:solidFill>
+                <a:effectLst/>
+                <a:latin typeface=".AppleSystemUIFont"/>
+              </a:rPr>
+              <a:t>The area under the curve gives a sense of how well the model performs. If the curve stays high (closer to 1.0), it indicates that the model maintains a good balance between precision and recall. A steep drop-off in precision as recall increases may indicate a trade-off between identifying true positives and avoiding false positives.</a:t>
+            </a:r>
+          </a:p>
+          <a:p>
+            <a:pPr>
+              <a:spcBef>
+                <a:spcPts val="900"/>
+              </a:spcBef>
+            </a:pPr>
+            <a:endParaRPr lang="en-US" dirty="0">
+              <a:solidFill>
+                <a:srgbClr val="0E0E0E"/>
+              </a:solidFill>
+              <a:effectLst/>
+              <a:latin typeface=".AppleSystemUIFont"/>
+            </a:endParaRPr>
+          </a:p>
+          <a:p>
+            <a:pPr>
+              <a:spcBef>
+                <a:spcPts val="900"/>
+              </a:spcBef>
+            </a:pPr>
+            <a:r>
+              <a:rPr lang="en-US" dirty="0">
+                <a:solidFill>
+                  <a:srgbClr val="0E0E0E"/>
+                </a:solidFill>
+                <a:effectLst/>
+                <a:latin typeface=".AppleSystemUIFont"/>
+              </a:rPr>
+              <a:t>4. </a:t>
+            </a:r>
+            <a:r>
+              <a:rPr lang="en-US" b="1" dirty="0">
+                <a:solidFill>
+                  <a:srgbClr val="0E0E0E"/>
+                </a:solidFill>
+                <a:effectLst/>
+                <a:latin typeface=".AppleSystemUIFont"/>
+              </a:rPr>
+              <a:t>Application-Specific Decision</a:t>
+            </a:r>
+            <a:r>
+              <a:rPr lang="en-US" dirty="0">
+                <a:solidFill>
+                  <a:srgbClr val="0E0E0E"/>
+                </a:solidFill>
+                <a:effectLst/>
+                <a:latin typeface=".AppleSystemUIFont"/>
+              </a:rPr>
+              <a:t>:</a:t>
+            </a:r>
+          </a:p>
+          <a:p>
+            <a:pPr lvl="1">
+              <a:spcBef>
+                <a:spcPts val="900"/>
+              </a:spcBef>
+            </a:pPr>
+            <a:r>
+              <a:rPr lang="en-US" dirty="0">
+                <a:solidFill>
+                  <a:srgbClr val="0E0E0E"/>
+                </a:solidFill>
+                <a:effectLst/>
+                <a:latin typeface=".AppleSystemUIFont"/>
+              </a:rPr>
+              <a:t>Depending on the use case, you might prioritize precision (e.g., to minimize false alarms in fraud detection systems where false positives are costly) or recall (e.g., to ensure all fraudulent transactions are flagged).</a:t>
+            </a:r>
+          </a:p>
+          <a:p>
+            <a:endParaRPr lang="en-US" dirty="0"/>
+          </a:p>
+        </p:txBody>
+      </p:sp>
+      <p:sp>
+        <p:nvSpPr>
+          <p:cNvPr id="4" name="Slide Number Placeholder 3"/>
+          <p:cNvSpPr>
+            <a:spLocks noGrp="1"/>
+          </p:cNvSpPr>
+          <p:nvPr>
+            <p:ph type="sldNum" sz="quarter" idx="5"/>
+          </p:nvPr>
+        </p:nvSpPr>
+        <p:spPr/>
+        <p:txBody>
+          <a:bodyPr/>
+          <a:lstStyle/>
+          <a:p>
+            <a:fld id="{492B2B1A-E91C-F249-97E5-61AB060BBE8D}" type="slidenum">
+              <a:rPr lang="en-US" smtClean="0"/>
+              <a:t>5</a:t>
+            </a:fld>
+            <a:endParaRPr lang="en-US"/>
+          </a:p>
+        </p:txBody>
+      </p:sp>
+    </p:spTree>
+    <p:extLst>
+      <p:ext uri="{BB962C8B-B14F-4D97-AF65-F5344CB8AC3E}">
+        <p14:creationId xmlns:p14="http://schemas.microsoft.com/office/powerpoint/2010/main" val="367440768"/>
+      </p:ext>
+    </p:extLst>
+  </p:cSld>
+  <p:clrMapOvr>
+    <a:masterClrMapping/>
+  </p:clrMapOvr>
+</p:notes>
+</file>
+
+<file path=ppt/notesSlides/notesSlide6.xml><?xml version="1.0" encoding="utf-8"?>
+<p:notes xmlns:a="http://schemas.openxmlformats.org/drawingml/2006/main" xmlns:r="http://schemas.openxmlformats.org/officeDocument/2006/relationships" xmlns:p="http://schemas.openxmlformats.org/presentationml/2006/main">
+  <p:cSld>
+    <p:spTree>
+      <p:nvGrpSpPr>
+        <p:cNvPr id="1" name=""/>
+        <p:cNvGrpSpPr/>
+        <p:nvPr/>
+      </p:nvGrpSpPr>
+      <p:grpSpPr>
+        <a:xfrm>
+          <a:off x="0" y="0"/>
+          <a:ext cx="0" cy="0"/>
+          <a:chOff x="0" y="0"/>
+          <a:chExt cx="0" cy="0"/>
+        </a:xfrm>
+      </p:grpSpPr>
+      <p:sp>
+        <p:nvSpPr>
+          <p:cNvPr id="2" name="Slide Image Placeholder 1"/>
+          <p:cNvSpPr>
+            <a:spLocks noGrp="1" noRot="1" noChangeAspect="1"/>
+          </p:cNvSpPr>
+          <p:nvPr>
+            <p:ph type="sldImg"/>
+          </p:nvPr>
+        </p:nvSpPr>
+        <p:spPr/>
+      </p:sp>
+      <p:sp>
+        <p:nvSpPr>
+          <p:cNvPr id="3" name="Notes Placeholder 2"/>
+          <p:cNvSpPr>
+            <a:spLocks noGrp="1"/>
+          </p:cNvSpPr>
+          <p:nvPr>
+            <p:ph type="body" idx="1"/>
+          </p:nvPr>
+        </p:nvSpPr>
+        <p:spPr/>
+        <p:txBody>
+          <a:bodyPr/>
+          <a:lstStyle/>
+          <a:p>
+            <a:endParaRPr lang="en-US" dirty="0"/>
+          </a:p>
+        </p:txBody>
+      </p:sp>
+      <p:sp>
+        <p:nvSpPr>
+          <p:cNvPr id="4" name="Slide Number Placeholder 3"/>
+          <p:cNvSpPr>
+            <a:spLocks noGrp="1"/>
+          </p:cNvSpPr>
+          <p:nvPr>
+            <p:ph type="sldNum" sz="quarter" idx="5"/>
+          </p:nvPr>
+        </p:nvSpPr>
+        <p:spPr/>
+        <p:txBody>
+          <a:bodyPr/>
+          <a:lstStyle/>
+          <a:p>
+            <a:fld id="{492B2B1A-E91C-F249-97E5-61AB060BBE8D}" type="slidenum">
+              <a:rPr lang="en-US" smtClean="0"/>
+              <a:t>6</a:t>
+            </a:fld>
+            <a:endParaRPr lang="en-US"/>
+          </a:p>
+        </p:txBody>
+      </p:sp>
+    </p:spTree>
+    <p:extLst>
+      <p:ext uri="{BB962C8B-B14F-4D97-AF65-F5344CB8AC3E}">
+        <p14:creationId xmlns:p14="http://schemas.microsoft.com/office/powerpoint/2010/main" val="2014541794"/>
+      </p:ext>
+    </p:extLst>
+  </p:cSld>
+  <p:clrMapOvr>
+    <a:masterClrMapping/>
+  </p:clrMapOvr>
+</p:notes>
+</file>
+
 <file path=ppt/slideLayouts/slideLayout1.xml><?xml version="1.0" encoding="utf-8"?>
 <p:sldLayout xmlns:a="http://schemas.openxmlformats.org/drawingml/2006/main" xmlns:r="http://schemas.openxmlformats.org/officeDocument/2006/relationships" xmlns:p="http://schemas.openxmlformats.org/presentationml/2006/main" showMasterSp="0" type="title" preserve="1">
   <p:cSld name="Title Slide">
@@ -886,7 +1727,7 @@
           <a:p>
             <a:fld id="{9184DA70-C731-4C70-880D-CCD4705E623C}" type="datetime1">
               <a:rPr lang="en-US" smtClean="0"/>
-              <a:t>1/7/25</a:t>
+              <a:t>1/9/25</a:t>
             </a:fld>
             <a:endParaRPr lang="en-US" dirty="0"/>
           </a:p>
@@ -1074,7 +1915,7 @@
           <a:p>
             <a:fld id="{B612A279-0833-481D-8C56-F67FD0AC6C50}" type="datetime1">
               <a:rPr lang="en-US" smtClean="0"/>
-              <a:t>1/7/25</a:t>
+              <a:t>1/9/25</a:t>
             </a:fld>
             <a:endParaRPr lang="en-US" dirty="0"/>
           </a:p>
@@ -1316,7 +2157,7 @@
           <a:p>
             <a:fld id="{6587DA83-5663-4C9C-B9AA-0B40A3DAFF81}" type="datetime1">
               <a:rPr lang="en-US" smtClean="0"/>
-              <a:t>1/7/25</a:t>
+              <a:t>1/9/25</a:t>
             </a:fld>
             <a:endParaRPr lang="en-US" dirty="0"/>
           </a:p>
@@ -1504,7 +2345,7 @@
           <a:p>
             <a:fld id="{4BE1D723-8F53-4F53-90B0-1982A396982E}" type="datetime1">
               <a:rPr lang="en-US" smtClean="0"/>
-              <a:t>1/7/25</a:t>
+              <a:t>1/9/25</a:t>
             </a:fld>
             <a:endParaRPr lang="en-US" dirty="0"/>
           </a:p>
@@ -1877,7 +2718,7 @@
           <a:p>
             <a:fld id="{97669AF7-7BEB-44E4-9852-375E34362B5B}" type="datetime1">
               <a:rPr lang="en-US" smtClean="0"/>
-              <a:t>1/7/25</a:t>
+              <a:t>1/9/25</a:t>
             </a:fld>
             <a:endParaRPr lang="en-US" dirty="0"/>
           </a:p>
@@ -2132,7 +2973,7 @@
           <a:p>
             <a:fld id="{BAAAC38D-0552-4C82-B593-E6124DFADBE2}" type="datetime1">
               <a:rPr lang="en-US" smtClean="0"/>
-              <a:t>1/7/25</a:t>
+              <a:t>1/9/25</a:t>
             </a:fld>
             <a:endParaRPr lang="en-US" dirty="0"/>
           </a:p>
@@ -2529,7 +3370,7 @@
           <a:p>
             <a:fld id="{D9DF0F1C-5577-4ACB-BB62-DF8F3C494C7E}" type="datetime1">
               <a:rPr lang="en-US" smtClean="0"/>
-              <a:t>1/7/25</a:t>
+              <a:t>1/9/25</a:t>
             </a:fld>
             <a:endParaRPr lang="en-US" dirty="0"/>
           </a:p>
@@ -2665,7 +3506,7 @@
           <a:p>
             <a:fld id="{1775B394-D9F9-4F0C-B15D-605F45CB9E9F}" type="datetime1">
               <a:rPr lang="en-US" smtClean="0"/>
-              <a:t>1/7/25</a:t>
+              <a:t>1/9/25</a:t>
             </a:fld>
             <a:endParaRPr lang="en-US" dirty="0"/>
           </a:p>
@@ -2822,7 +3663,7 @@
           <a:p>
             <a:fld id="{39667345-2558-425A-8533-9BFDBCE15005}" type="datetime1">
               <a:rPr lang="en-US" smtClean="0"/>
-              <a:t>1/7/25</a:t>
+              <a:t>1/9/25</a:t>
             </a:fld>
             <a:endParaRPr lang="en-US" dirty="0"/>
           </a:p>
@@ -3151,7 +3992,7 @@
           <a:p>
             <a:fld id="{92BEA474-078D-4E9B-9B14-09A87B19DC46}" type="datetime1">
               <a:rPr lang="en-US" smtClean="0"/>
-              <a:t>1/7/25</a:t>
+              <a:t>1/9/25</a:t>
             </a:fld>
             <a:endParaRPr lang="en-US" dirty="0"/>
           </a:p>
@@ -3501,7 +4342,7 @@
           <a:p>
             <a:fld id="{4907D986-8816-4272-A432-0437A28A9828}" type="datetime1">
               <a:rPr lang="en-US" smtClean="0"/>
-              <a:t>1/7/25</a:t>
+              <a:t>1/9/25</a:t>
             </a:fld>
             <a:endParaRPr lang="en-US" dirty="0"/>
           </a:p>
@@ -3762,7 +4603,7 @@
           <a:p>
             <a:fld id="{62D6E202-B606-4609-B914-27C9371A1F6D}" type="datetime1">
               <a:rPr lang="en-US" smtClean="0"/>
-              <a:t>1/7/25</a:t>
+              <a:t>1/9/25</a:t>
             </a:fld>
             <a:endParaRPr lang="en-US" dirty="0"/>
           </a:p>
@@ -5086,7 +5927,7 @@
           <p:cNvPr id="2" name="Title 1">
             <a:extLst>
               <a:ext uri="{FF2B5EF4-FFF2-40B4-BE49-F238E27FC236}">
-                <a16:creationId xmlns:a16="http://schemas.microsoft.com/office/drawing/2014/main" id="{DED2F883-E24F-6485-7D50-518C6285500B}"/>
+                <a16:creationId xmlns:a16="http://schemas.microsoft.com/office/drawing/2014/main" id="{81340BC2-E845-0BA8-B46B-6ED98BE6DDF0}"/>
               </a:ext>
             </a:extLst>
           </p:cNvPr>
@@ -5104,44 +5945,144 @@
           <a:p>
             <a:r>
               <a:rPr lang="en-US" dirty="0"/>
-              <a:t>Model Architecture</a:t>
+              <a:t>Model Selection: Logistic Regression versus Random Forest with SMOTE</a:t>
             </a:r>
           </a:p>
         </p:txBody>
       </p:sp>
       <p:pic>
         <p:nvPicPr>
-          <p:cNvPr id="5" name="Content Placeholder 4" descr="A screen shot of a computer program&#10;&#10;Description automatically generated">
+          <p:cNvPr id="4" name="Content Placeholder 4" descr="A screenshot of a computer&#10;&#10;Description automatically generated">
             <a:extLst>
               <a:ext uri="{FF2B5EF4-FFF2-40B4-BE49-F238E27FC236}">
-                <a16:creationId xmlns:a16="http://schemas.microsoft.com/office/drawing/2014/main" id="{0F77C835-C6AB-4499-44E8-2EA219B5757A}"/>
+                <a16:creationId xmlns:a16="http://schemas.microsoft.com/office/drawing/2014/main" id="{05543EE0-ABE5-291F-D541-C59B6CD45DF4}"/>
               </a:ext>
             </a:extLst>
           </p:cNvPr>
           <p:cNvPicPr>
-            <a:picLocks noGrp="1" noChangeAspect="1"/>
+            <a:picLocks noChangeAspect="1"/>
           </p:cNvPicPr>
-          <p:nvPr>
-            <p:ph idx="1"/>
-          </p:nvPr>
+          <p:nvPr/>
         </p:nvPicPr>
         <p:blipFill>
-          <a:blip r:embed="rId2"/>
+          <a:blip r:embed="rId3"/>
           <a:stretch>
             <a:fillRect/>
           </a:stretch>
         </p:blipFill>
         <p:spPr>
           <a:xfrm>
-            <a:off x="3133026" y="2108200"/>
-            <a:ext cx="5986273" cy="3760788"/>
-          </a:xfrm>
+            <a:off x="610889" y="2848255"/>
+            <a:ext cx="5140758" cy="2776009"/>
+          </a:xfrm>
+          <a:prstGeom prst="rect">
+            <a:avLst/>
+          </a:prstGeom>
         </p:spPr>
       </p:pic>
+      <p:pic>
+        <p:nvPicPr>
+          <p:cNvPr id="6" name="Picture 5" descr="A number of numbers on a white background&#10;&#10;Description automatically generated">
+            <a:extLst>
+              <a:ext uri="{FF2B5EF4-FFF2-40B4-BE49-F238E27FC236}">
+                <a16:creationId xmlns:a16="http://schemas.microsoft.com/office/drawing/2014/main" id="{B7DC6A85-A591-5E43-8D2A-78A4E7107C68}"/>
+              </a:ext>
+            </a:extLst>
+          </p:cNvPr>
+          <p:cNvPicPr>
+            <a:picLocks noChangeAspect="1"/>
+          </p:cNvPicPr>
+          <p:nvPr/>
+        </p:nvPicPr>
+        <p:blipFill>
+          <a:blip r:embed="rId4"/>
+          <a:srcRect t="19526"/>
+          <a:stretch/>
+        </p:blipFill>
+        <p:spPr>
+          <a:xfrm>
+            <a:off x="5751647" y="2905432"/>
+            <a:ext cx="5698664" cy="1943015"/>
+          </a:xfrm>
+          <a:prstGeom prst="rect">
+            <a:avLst/>
+          </a:prstGeom>
+        </p:spPr>
+      </p:pic>
+      <p:sp>
+        <p:nvSpPr>
+          <p:cNvPr id="7" name="TextBox 6">
+            <a:extLst>
+              <a:ext uri="{FF2B5EF4-FFF2-40B4-BE49-F238E27FC236}">
+                <a16:creationId xmlns:a16="http://schemas.microsoft.com/office/drawing/2014/main" id="{29D58331-223F-D3DD-F2DB-50F011BB5DE4}"/>
+              </a:ext>
+            </a:extLst>
+          </p:cNvPr>
+          <p:cNvSpPr txBox="1"/>
+          <p:nvPr/>
+        </p:nvSpPr>
+        <p:spPr>
+          <a:xfrm>
+            <a:off x="610889" y="2276272"/>
+            <a:ext cx="4272388" cy="369332"/>
+          </a:xfrm>
+          <a:prstGeom prst="rect">
+            <a:avLst/>
+          </a:prstGeom>
+          <a:noFill/>
+        </p:spPr>
+        <p:txBody>
+          <a:bodyPr wrap="square" rtlCol="0">
+            <a:spAutoFit/>
+          </a:bodyPr>
+          <a:lstStyle/>
+          <a:p>
+            <a:r>
+              <a:rPr lang="en-US" dirty="0"/>
+              <a:t>Logistic Regression Model</a:t>
+            </a:r>
+          </a:p>
+        </p:txBody>
+      </p:sp>
+      <p:sp>
+        <p:nvSpPr>
+          <p:cNvPr id="8" name="TextBox 7">
+            <a:extLst>
+              <a:ext uri="{FF2B5EF4-FFF2-40B4-BE49-F238E27FC236}">
+                <a16:creationId xmlns:a16="http://schemas.microsoft.com/office/drawing/2014/main" id="{C50156EF-ECC2-4D34-1D8E-2FA1F9395814}"/>
+              </a:ext>
+            </a:extLst>
+          </p:cNvPr>
+          <p:cNvSpPr txBox="1"/>
+          <p:nvPr/>
+        </p:nvSpPr>
+        <p:spPr>
+          <a:xfrm>
+            <a:off x="5751647" y="2276272"/>
+            <a:ext cx="4272388" cy="369332"/>
+          </a:xfrm>
+          <a:prstGeom prst="rect">
+            <a:avLst/>
+          </a:prstGeom>
+          <a:noFill/>
+        </p:spPr>
+        <p:txBody>
+          <a:bodyPr wrap="square" rtlCol="0">
+            <a:spAutoFit/>
+          </a:bodyPr>
+          <a:lstStyle/>
+          <a:p>
+            <a:r>
+              <a:rPr lang="en-US" dirty="0"/>
+              <a:t>Random Forest with SMOTE Model</a:t>
+            </a:r>
+          </a:p>
+        </p:txBody>
+      </p:sp>
     </p:spTree>
     <p:extLst>
       <p:ext uri="{BB962C8B-B14F-4D97-AF65-F5344CB8AC3E}">
-        <p14:creationId xmlns:p14="http://schemas.microsoft.com/office/powerpoint/2010/main" val="4110778545"/>
+        <p14:creationId xmlns:p14="http://schemas.microsoft.com/office/powerpoint/2010/main" val="2059288058"/>
       </p:ext>
     </p:extLst>
   </p:cSld>
@@ -5173,7 +6114,7 @@
           <p:cNvPr id="2" name="Title 1">
             <a:extLst>
               <a:ext uri="{FF2B5EF4-FFF2-40B4-BE49-F238E27FC236}">
-                <a16:creationId xmlns:a16="http://schemas.microsoft.com/office/drawing/2014/main" id="{F29DDCD8-7B78-5B88-6983-48FEEDF41D49}"/>
+                <a16:creationId xmlns:a16="http://schemas.microsoft.com/office/drawing/2014/main" id="{05DA0662-B792-A8C9-A330-F5B983810CCD}"/>
               </a:ext>
             </a:extLst>
           </p:cNvPr>
@@ -5191,45 +6132,22 @@
           <a:p>
             <a:r>
               <a:rPr lang="en-US" dirty="0"/>
-              <a:t>Results Visualization</a:t>
-            </a:r>
+              <a:t>Model Selection: Random Forest with SMOTE versus </a:t>
+            </a:r>
+            <a:r>
+              <a:rPr lang="en-US" dirty="0" err="1"/>
+              <a:t>XGBoost</a:t>
+            </a:r>
+            <a:endParaRPr lang="en-US" dirty="0"/>
           </a:p>
         </p:txBody>
       </p:sp>
       <p:pic>
         <p:nvPicPr>
-          <p:cNvPr id="5" name="Content Placeholder 4" descr="A graph with a line&#10;&#10;Description automatically generated">
+          <p:cNvPr id="6" name="Picture 5" descr="A number of numbers on a white background&#10;&#10;Description automatically generated">
             <a:extLst>
               <a:ext uri="{FF2B5EF4-FFF2-40B4-BE49-F238E27FC236}">
-                <a16:creationId xmlns:a16="http://schemas.microsoft.com/office/drawing/2014/main" id="{BE3535E3-C90C-88A0-0D94-AB9B803BB5E6}"/>
-              </a:ext>
-            </a:extLst>
-          </p:cNvPr>
-          <p:cNvPicPr>
-            <a:picLocks noGrp="1" noChangeAspect="1"/>
-          </p:cNvPicPr>
-          <p:nvPr>
-            <p:ph idx="1"/>
-          </p:nvPr>
-        </p:nvPicPr>
-        <p:blipFill>
-          <a:blip r:embed="rId2"/>
-          <a:srcRect l="917" t="1313"/>
-          <a:stretch/>
-        </p:blipFill>
-        <p:spPr>
-          <a:xfrm>
-            <a:off x="890156" y="2455333"/>
-            <a:ext cx="5236324" cy="3127059"/>
-          </a:xfrm>
-        </p:spPr>
-      </p:pic>
-      <p:pic>
-        <p:nvPicPr>
-          <p:cNvPr id="7" name="Picture 6" descr="A graph with a line&#10;&#10;Description automatically generated">
-            <a:extLst>
-              <a:ext uri="{FF2B5EF4-FFF2-40B4-BE49-F238E27FC236}">
-                <a16:creationId xmlns:a16="http://schemas.microsoft.com/office/drawing/2014/main" id="{360F2760-92FD-7499-49DE-ACE2DF4829C8}"/>
+                <a16:creationId xmlns:a16="http://schemas.microsoft.com/office/drawing/2014/main" id="{979FEDD6-86CE-61DB-5F53-BB3850E13670}"/>
               </a:ext>
             </a:extLst>
           </p:cNvPr>
@@ -5240,23 +6158,127 @@
         </p:nvPicPr>
         <p:blipFill>
           <a:blip r:embed="rId3"/>
-          <a:srcRect l="-1" t="3183" r="848"/>
+          <a:srcRect t="19526"/>
           <a:stretch/>
         </p:blipFill>
         <p:spPr>
           <a:xfrm>
-            <a:off x="6333066" y="2501900"/>
-            <a:ext cx="5236324" cy="3067792"/>
+            <a:off x="769703" y="2928526"/>
+            <a:ext cx="5698664" cy="1943015"/>
           </a:xfrm>
           <a:prstGeom prst="rect">
             <a:avLst/>
           </a:prstGeom>
         </p:spPr>
       </p:pic>
+      <p:sp>
+        <p:nvSpPr>
+          <p:cNvPr id="7" name="TextBox 6">
+            <a:extLst>
+              <a:ext uri="{FF2B5EF4-FFF2-40B4-BE49-F238E27FC236}">
+                <a16:creationId xmlns:a16="http://schemas.microsoft.com/office/drawing/2014/main" id="{8975531A-1045-057C-7132-3F9A9DFCE2FA}"/>
+              </a:ext>
+            </a:extLst>
+          </p:cNvPr>
+          <p:cNvSpPr txBox="1"/>
+          <p:nvPr/>
+        </p:nvSpPr>
+        <p:spPr>
+          <a:xfrm>
+            <a:off x="769703" y="2325745"/>
+            <a:ext cx="4272388" cy="369332"/>
+          </a:xfrm>
+          <a:prstGeom prst="rect">
+            <a:avLst/>
+          </a:prstGeom>
+          <a:noFill/>
+        </p:spPr>
+        <p:txBody>
+          <a:bodyPr wrap="square" rtlCol="0">
+            <a:spAutoFit/>
+          </a:bodyPr>
+          <a:lstStyle/>
+          <a:p>
+            <a:r>
+              <a:rPr lang="en-US" dirty="0"/>
+              <a:t>Random Forest with SMOTE Model</a:t>
+            </a:r>
+          </a:p>
+        </p:txBody>
+      </p:sp>
+      <p:pic>
+        <p:nvPicPr>
+          <p:cNvPr id="11" name="Picture 10" descr="A screenshot of a computer&#10;&#10;Description automatically generated">
+            <a:extLst>
+              <a:ext uri="{FF2B5EF4-FFF2-40B4-BE49-F238E27FC236}">
+                <a16:creationId xmlns:a16="http://schemas.microsoft.com/office/drawing/2014/main" id="{5A9F481A-69AC-F03B-60E2-69F996CE4E9A}"/>
+              </a:ext>
+            </a:extLst>
+          </p:cNvPr>
+          <p:cNvPicPr>
+            <a:picLocks noChangeAspect="1"/>
+          </p:cNvPicPr>
+          <p:nvPr/>
+        </p:nvPicPr>
+        <p:blipFill>
+          <a:blip r:embed="rId4"/>
+          <a:stretch>
+            <a:fillRect/>
+          </a:stretch>
+        </p:blipFill>
+        <p:spPr>
+          <a:xfrm>
+            <a:off x="6623957" y="2854054"/>
+            <a:ext cx="5410200" cy="1968500"/>
+          </a:xfrm>
+          <a:prstGeom prst="rect">
+            <a:avLst/>
+          </a:prstGeom>
+        </p:spPr>
+      </p:pic>
+      <p:sp>
+        <p:nvSpPr>
+          <p:cNvPr id="12" name="TextBox 11">
+            <a:extLst>
+              <a:ext uri="{FF2B5EF4-FFF2-40B4-BE49-F238E27FC236}">
+                <a16:creationId xmlns:a16="http://schemas.microsoft.com/office/drawing/2014/main" id="{66612E7C-ECAD-1ED2-1015-B75ECD72C6FA}"/>
+              </a:ext>
+            </a:extLst>
+          </p:cNvPr>
+          <p:cNvSpPr txBox="1"/>
+          <p:nvPr/>
+        </p:nvSpPr>
+        <p:spPr>
+          <a:xfrm>
+            <a:off x="6623957" y="2325745"/>
+            <a:ext cx="4272388" cy="369332"/>
+          </a:xfrm>
+          <a:prstGeom prst="rect">
+            <a:avLst/>
+          </a:prstGeom>
+          <a:noFill/>
+        </p:spPr>
+        <p:txBody>
+          <a:bodyPr wrap="square" rtlCol="0">
+            <a:spAutoFit/>
+          </a:bodyPr>
+          <a:lstStyle/>
+          <a:p>
+            <a:r>
+              <a:rPr lang="en-US" dirty="0" err="1"/>
+              <a:t>XGBoost</a:t>
+            </a:r>
+            <a:r>
+              <a:rPr lang="en-US" dirty="0"/>
+              <a:t> Model</a:t>
+            </a:r>
+          </a:p>
+        </p:txBody>
+      </p:sp>
     </p:spTree>
     <p:extLst>
       <p:ext uri="{BB962C8B-B14F-4D97-AF65-F5344CB8AC3E}">
-        <p14:creationId xmlns:p14="http://schemas.microsoft.com/office/powerpoint/2010/main" val="2343250941"/>
+        <p14:creationId xmlns:p14="http://schemas.microsoft.com/office/powerpoint/2010/main" val="188649"/>
       </p:ext>
     </p:extLst>
   </p:cSld>
@@ -5291,12 +6313,12 @@
           <a:chExt cx="0" cy="0"/>
         </a:xfrm>
       </p:grpSpPr>
-      <p:sp useBgFill="1">
-        <p:nvSpPr>
-          <p:cNvPr id="19" name="Rectangle 18">
+      <p:sp>
+        <p:nvSpPr>
+          <p:cNvPr id="17" name="Rectangle 16">
             <a:extLst>
               <a:ext uri="{FF2B5EF4-FFF2-40B4-BE49-F238E27FC236}">
-                <a16:creationId xmlns:a16="http://schemas.microsoft.com/office/drawing/2014/main" id="{0AB6E427-3F73-4C06-A5D5-AE52C3883B50}"/>
+                <a16:creationId xmlns:a16="http://schemas.microsoft.com/office/drawing/2014/main" id="{39E3965E-AC41-4711-9D10-E25ABB132D86}"/>
               </a:ext>
               <a:ext uri="{C183D7F6-B498-43B3-948B-1728B52AA6E4}">
                 <adec:decorative xmlns:adec="http://schemas.microsoft.com/office/drawing/2017/decorative" val="1"/>
@@ -5316,74 +6338,14 @@
         </p:nvSpPr>
         <p:spPr>
           <a:xfrm>
-            <a:off x="5685" y="0"/>
-            <a:ext cx="12186315" cy="6858000"/>
-          </a:xfrm>
-          <a:prstGeom prst="rect">
-            <a:avLst/>
-          </a:prstGeom>
-          <a:ln>
-            <a:noFill/>
-          </a:ln>
-        </p:spPr>
-        <p:style>
-          <a:lnRef idx="2">
-            <a:schemeClr val="accent6">
-              <a:shade val="50000"/>
-            </a:schemeClr>
-          </a:lnRef>
-          <a:fillRef idx="1001">
-            <a:schemeClr val="lt1"/>
-          </a:fillRef>
-          <a:effectRef idx="0">
-            <a:schemeClr val="accent6"/>
-          </a:effectRef>
-          <a:fontRef idx="minor">
-            <a:schemeClr val="lt1"/>
-          </a:fontRef>
-        </p:style>
-        <p:txBody>
-          <a:bodyPr rtlCol="0" anchor="ctr"/>
-          <a:lstStyle/>
-          <a:p>
-            <a:pPr algn="ctr"/>
-            <a:endParaRPr lang="en-US"/>
-          </a:p>
-        </p:txBody>
-      </p:sp>
-      <p:sp>
-        <p:nvSpPr>
-          <p:cNvPr id="21" name="Rectangle 20">
-            <a:extLst>
-              <a:ext uri="{FF2B5EF4-FFF2-40B4-BE49-F238E27FC236}">
-                <a16:creationId xmlns:a16="http://schemas.microsoft.com/office/drawing/2014/main" id="{D8C9BDAA-0390-4B39-9B5C-BC95E5120DA4}"/>
-              </a:ext>
-              <a:ext uri="{C183D7F6-B498-43B3-948B-1728B52AA6E4}">
-                <adec:decorative xmlns:adec="http://schemas.microsoft.com/office/drawing/2017/decorative" val="1"/>
-              </a:ext>
-            </a:extLst>
-          </p:cNvPr>
-          <p:cNvSpPr>
-            <a:spLocks noGrp="1" noRot="1" noChangeAspect="1" noMove="1" noResize="1" noEditPoints="1" noAdjustHandles="1" noChangeArrowheads="1" noChangeShapeType="1" noTextEdit="1"/>
-          </p:cNvSpPr>
-          <p:nvPr>
-            <p:extLst>
-              <p:ext uri="{386F3935-93C4-4BCD-93E2-E3B085C9AB24}">
-                <p16:designElem xmlns:p16="http://schemas.microsoft.com/office/powerpoint/2015/main" val="1"/>
-              </p:ext>
-            </p:extLst>
-          </p:nvPr>
-        </p:nvSpPr>
-        <p:spPr>
-          <a:xfrm>
-            <a:off x="16" y="0"/>
-            <a:ext cx="4059919" cy="6858000"/>
+            <a:off x="3175" y="6400800"/>
+            <a:ext cx="12188825" cy="457200"/>
           </a:xfrm>
           <a:prstGeom prst="rect">
             <a:avLst/>
           </a:prstGeom>
           <a:solidFill>
-            <a:srgbClr val="32B67D"/>
+            <a:srgbClr val="262626"/>
           </a:solidFill>
           <a:ln>
             <a:noFill/>
@@ -5413,51 +6375,12 @@
           </a:p>
         </p:txBody>
       </p:sp>
-      <p:sp>
-        <p:nvSpPr>
-          <p:cNvPr id="2" name="Title 1">
+      <p:cxnSp>
+        <p:nvCxnSpPr>
+          <p:cNvPr id="19" name="Straight Connector 18">
             <a:extLst>
               <a:ext uri="{FF2B5EF4-FFF2-40B4-BE49-F238E27FC236}">
-                <a16:creationId xmlns:a16="http://schemas.microsoft.com/office/drawing/2014/main" id="{FD06C7F7-4842-D5C4-3D84-33752668A518}"/>
-              </a:ext>
-            </a:extLst>
-          </p:cNvPr>
-          <p:cNvSpPr>
-            <a:spLocks noGrp="1"/>
-          </p:cNvSpPr>
-          <p:nvPr>
-            <p:ph type="title"/>
-          </p:nvPr>
-        </p:nvSpPr>
-        <p:spPr>
-          <a:xfrm>
-            <a:off x="492370" y="516836"/>
-            <a:ext cx="3084844" cy="1961086"/>
-          </a:xfrm>
-        </p:spPr>
-        <p:txBody>
-          <a:bodyPr vert="horz" lIns="91440" tIns="45720" rIns="91440" bIns="45720" rtlCol="0" anchor="b">
-            <a:normAutofit/>
-          </a:bodyPr>
-          <a:lstStyle/>
-          <a:p>
-            <a:r>
-              <a:rPr lang="en-US" sz="2500" dirty="0">
-                <a:solidFill>
-                  <a:srgbClr val="FFFFFF"/>
-                </a:solidFill>
-              </a:rPr>
-              <a:t>Precision, Recall, and F1-Score Analysis for Class 0 (Non-Fraudulent Transactions)</a:t>
-            </a:r>
-          </a:p>
-        </p:txBody>
-      </p:sp>
-      <p:cxnSp>
-        <p:nvCxnSpPr>
-          <p:cNvPr id="23" name="Straight Connector 22">
-            <a:extLst>
-              <a:ext uri="{FF2B5EF4-FFF2-40B4-BE49-F238E27FC236}">
-                <a16:creationId xmlns:a16="http://schemas.microsoft.com/office/drawing/2014/main" id="{E04A321A-A039-4720-87B4-66A4210E0D57}"/>
+                <a16:creationId xmlns:a16="http://schemas.microsoft.com/office/drawing/2014/main" id="{1F5DC8C3-BA5F-4EED-BB9A-A14272BD82A1}"/>
               </a:ext>
               <a:ext uri="{C183D7F6-B498-43B3-948B-1728B52AA6E4}">
                 <adec:decorative xmlns:adec="http://schemas.microsoft.com/office/drawing/2017/decorative" val="1"/>
@@ -5477,15 +6400,18 @@
         </p:nvCxnSpPr>
         <p:spPr>
           <a:xfrm>
-            <a:off x="571752" y="2638787"/>
-            <a:ext cx="2743200" cy="0"/>
+            <a:off x="1207658" y="4474741"/>
+            <a:ext cx="9875520" cy="0"/>
           </a:xfrm>
           <a:prstGeom prst="line">
             <a:avLst/>
           </a:prstGeom>
-          <a:ln w="19050">
+          <a:ln w="12700">
             <a:solidFill>
-              <a:schemeClr val="accent1"/>
+              <a:schemeClr val="tx1">
+                <a:lumMod val="75000"/>
+                <a:lumOff val="25000"/>
+              </a:schemeClr>
             </a:solidFill>
           </a:ln>
         </p:spPr>
@@ -5504,279 +6430,114 @@
           </a:fontRef>
         </p:style>
       </p:cxnSp>
-      <p:sp>
-        <p:nvSpPr>
-          <p:cNvPr id="7" name="TextBox 6">
+      <p:sp useBgFill="1">
+        <p:nvSpPr>
+          <p:cNvPr id="21" name="Rectangle 20">
             <a:extLst>
               <a:ext uri="{FF2B5EF4-FFF2-40B4-BE49-F238E27FC236}">
-                <a16:creationId xmlns:a16="http://schemas.microsoft.com/office/drawing/2014/main" id="{72D0414C-6993-1081-DBCE-A81867A2804C}"/>
+                <a16:creationId xmlns:a16="http://schemas.microsoft.com/office/drawing/2014/main" id="{33428ACC-71EC-4171-9527-10983BA6B41D}"/>
+              </a:ext>
+              <a:ext uri="{C183D7F6-B498-43B3-948B-1728B52AA6E4}">
+                <adec:decorative xmlns:adec="http://schemas.microsoft.com/office/drawing/2017/decorative" val="1"/>
               </a:ext>
             </a:extLst>
           </p:cNvPr>
-          <p:cNvSpPr txBox="1"/>
-          <p:nvPr/>
-        </p:nvSpPr>
-        <p:spPr>
-          <a:xfrm>
-            <a:off x="571752" y="2799654"/>
-            <a:ext cx="3005462" cy="3189665"/>
+          <p:cNvSpPr>
+            <a:spLocks noGrp="1" noRot="1" noChangeAspect="1" noMove="1" noResize="1" noEditPoints="1" noAdjustHandles="1" noChangeArrowheads="1" noChangeShapeType="1" noTextEdit="1"/>
+          </p:cNvSpPr>
+          <p:nvPr>
+            <p:extLst>
+              <p:ext uri="{386F3935-93C4-4BCD-93E2-E3B085C9AB24}">
+                <p16:designElem xmlns:p16="http://schemas.microsoft.com/office/powerpoint/2015/main" val="1"/>
+              </p:ext>
+            </p:extLst>
+          </p:nvPr>
+        </p:nvSpPr>
+        <p:spPr>
+          <a:xfrm>
+            <a:off x="0" y="0"/>
+            <a:ext cx="12192001" cy="6858000"/>
           </a:xfrm>
           <a:prstGeom prst="rect">
             <a:avLst/>
           </a:prstGeom>
-        </p:spPr>
-        <p:txBody>
-          <a:bodyPr vert="horz" lIns="0" tIns="45720" rIns="0" bIns="45720" rtlCol="0">
-            <a:noAutofit/>
+          <a:ln>
+            <a:noFill/>
+          </a:ln>
+        </p:spPr>
+        <p:style>
+          <a:lnRef idx="2">
+            <a:schemeClr val="accent1">
+              <a:shade val="50000"/>
+            </a:schemeClr>
+          </a:lnRef>
+          <a:fillRef idx="1">
+            <a:schemeClr val="accent1"/>
+          </a:fillRef>
+          <a:effectRef idx="0">
+            <a:schemeClr val="accent1"/>
+          </a:effectRef>
+          <a:fontRef idx="minor">
+            <a:schemeClr val="lt1"/>
+          </a:fontRef>
+        </p:style>
+        <p:txBody>
+          <a:bodyPr rtlCol="0" anchor="ctr"/>
+          <a:lstStyle/>
+          <a:p>
+            <a:pPr algn="ctr"/>
+            <a:endParaRPr lang="en-US"/>
+          </a:p>
+        </p:txBody>
+      </p:sp>
+      <p:sp>
+        <p:nvSpPr>
+          <p:cNvPr id="2" name="Title 1">
+            <a:extLst>
+              <a:ext uri="{FF2B5EF4-FFF2-40B4-BE49-F238E27FC236}">
+                <a16:creationId xmlns:a16="http://schemas.microsoft.com/office/drawing/2014/main" id="{F29DDCD8-7B78-5B88-6983-48FEEDF41D49}"/>
+              </a:ext>
+            </a:extLst>
+          </p:cNvPr>
+          <p:cNvSpPr>
+            <a:spLocks noGrp="1"/>
+          </p:cNvSpPr>
+          <p:nvPr>
+            <p:ph type="title"/>
+          </p:nvPr>
+        </p:nvSpPr>
+        <p:spPr>
+          <a:xfrm>
+            <a:off x="8141110" y="639098"/>
+            <a:ext cx="3401961" cy="3494790"/>
+          </a:xfrm>
+        </p:spPr>
+        <p:txBody>
+          <a:bodyPr vert="horz" lIns="91440" tIns="45720" rIns="91440" bIns="45720" rtlCol="0" anchor="b">
+            <a:normAutofit/>
           </a:bodyPr>
           <a:lstStyle/>
           <a:p>
-            <a:pPr>
-              <a:lnSpc>
-                <a:spcPct val="90000"/>
-              </a:lnSpc>
-              <a:buFont typeface="Calibri" panose="020F0502020204030204" pitchFamily="34" charset="0"/>
-            </a:pPr>
-            <a:r>
-              <a:rPr lang="en-US" sz="1200" b="1" dirty="0">
+            <a:r>
+              <a:rPr lang="en-US" sz="5000">
                 <a:solidFill>
-                  <a:srgbClr val="FFFFFF"/>
+                  <a:schemeClr val="tx1">
+                    <a:lumMod val="85000"/>
+                    <a:lumOff val="15000"/>
+                  </a:schemeClr>
                 </a:solidFill>
-                <a:effectLst/>
               </a:rPr>
-              <a:t>Class 0 (Non-Fraudulent Transactions)</a:t>
-            </a:r>
-            <a:endParaRPr lang="en-US" sz="1200" dirty="0">
-              <a:solidFill>
-                <a:srgbClr val="FFFFFF"/>
-              </a:solidFill>
-              <a:effectLst/>
-            </a:endParaRPr>
-          </a:p>
-          <a:p>
-            <a:pPr lvl="1">
-              <a:lnSpc>
-                <a:spcPct val="90000"/>
-              </a:lnSpc>
-              <a:spcBef>
-                <a:spcPts val="900"/>
-              </a:spcBef>
-              <a:buFont typeface="Calibri" panose="020F0502020204030204" pitchFamily="34" charset="0"/>
-            </a:pPr>
-            <a:r>
-              <a:rPr lang="en-US" sz="1200" dirty="0">
-                <a:solidFill>
-                  <a:srgbClr val="FFFFFF"/>
-                </a:solidFill>
-                <a:effectLst/>
-              </a:rPr>
-              <a:t>• </a:t>
-            </a:r>
-            <a:r>
-              <a:rPr lang="en-US" sz="1200" b="1" dirty="0">
-                <a:solidFill>
-                  <a:srgbClr val="FFFFFF"/>
-                </a:solidFill>
-                <a:effectLst/>
-              </a:rPr>
-              <a:t>Precision</a:t>
-            </a:r>
-            <a:r>
-              <a:rPr lang="en-US" sz="1200" dirty="0">
-                <a:solidFill>
-                  <a:srgbClr val="FFFFFF"/>
-                </a:solidFill>
-                <a:effectLst/>
-              </a:rPr>
-              <a:t>: </a:t>
-            </a:r>
-            <a:r>
-              <a:rPr lang="en-US" sz="1200" b="1" dirty="0">
-                <a:solidFill>
-                  <a:srgbClr val="FFFFFF"/>
-                </a:solidFill>
-                <a:effectLst/>
-              </a:rPr>
-              <a:t>1.00</a:t>
-            </a:r>
-            <a:endParaRPr lang="en-US" sz="1200" b="1" dirty="0">
-              <a:solidFill>
-                <a:srgbClr val="FFFFFF"/>
-              </a:solidFill>
-            </a:endParaRPr>
-          </a:p>
-          <a:p>
-            <a:pPr lvl="2">
-              <a:lnSpc>
-                <a:spcPct val="90000"/>
-              </a:lnSpc>
-              <a:spcBef>
-                <a:spcPts val="900"/>
-              </a:spcBef>
-              <a:buFont typeface="Calibri" panose="020F0502020204030204" pitchFamily="34" charset="0"/>
-            </a:pPr>
-            <a:r>
-              <a:rPr lang="en-US" sz="1200" dirty="0">
-                <a:solidFill>
-                  <a:srgbClr val="FFFFFF"/>
-                </a:solidFill>
-                <a:effectLst/>
-              </a:rPr>
-              <a:t>The model correctly identifies all non-fraudulent transactions with no false positives.</a:t>
-            </a:r>
-          </a:p>
-          <a:p>
-            <a:pPr lvl="1">
-              <a:lnSpc>
-                <a:spcPct val="90000"/>
-              </a:lnSpc>
-              <a:spcBef>
-                <a:spcPts val="900"/>
-              </a:spcBef>
-              <a:buFont typeface="Calibri" panose="020F0502020204030204" pitchFamily="34" charset="0"/>
-            </a:pPr>
-            <a:r>
-              <a:rPr lang="en-US" sz="1200" dirty="0">
-                <a:solidFill>
-                  <a:srgbClr val="FFFFFF"/>
-                </a:solidFill>
-                <a:effectLst/>
-              </a:rPr>
-              <a:t>• </a:t>
-            </a:r>
-            <a:r>
-              <a:rPr lang="en-US" sz="1200" b="1" dirty="0">
-                <a:solidFill>
-                  <a:srgbClr val="FFFFFF"/>
-                </a:solidFill>
-                <a:effectLst/>
-              </a:rPr>
-              <a:t>Recall</a:t>
-            </a:r>
-            <a:r>
-              <a:rPr lang="en-US" sz="1200" dirty="0">
-                <a:solidFill>
-                  <a:srgbClr val="FFFFFF"/>
-                </a:solidFill>
-                <a:effectLst/>
-              </a:rPr>
-              <a:t>: </a:t>
-            </a:r>
-            <a:r>
-              <a:rPr lang="en-US" sz="1200" b="1" dirty="0">
-                <a:solidFill>
-                  <a:srgbClr val="FFFFFF"/>
-                </a:solidFill>
-                <a:effectLst/>
-              </a:rPr>
-              <a:t>0.95</a:t>
-            </a:r>
-            <a:endParaRPr lang="en-US" sz="1200" b="1" dirty="0">
-              <a:solidFill>
-                <a:srgbClr val="FFFFFF"/>
-              </a:solidFill>
-            </a:endParaRPr>
-          </a:p>
-          <a:p>
-            <a:pPr lvl="2">
-              <a:lnSpc>
-                <a:spcPct val="90000"/>
-              </a:lnSpc>
-              <a:spcBef>
-                <a:spcPts val="900"/>
-              </a:spcBef>
-              <a:buFont typeface="Calibri" panose="020F0502020204030204" pitchFamily="34" charset="0"/>
-            </a:pPr>
-            <a:r>
-              <a:rPr lang="en-US" sz="1200" dirty="0">
-                <a:solidFill>
-                  <a:srgbClr val="FFFFFF"/>
-                </a:solidFill>
-                <a:effectLst/>
-              </a:rPr>
-              <a:t>95% of all actual non-fraudulent transactions are correctly identified.</a:t>
-            </a:r>
-          </a:p>
-          <a:p>
-            <a:pPr lvl="1">
-              <a:lnSpc>
-                <a:spcPct val="90000"/>
-              </a:lnSpc>
-              <a:spcBef>
-                <a:spcPts val="900"/>
-              </a:spcBef>
-              <a:buFont typeface="Calibri" panose="020F0502020204030204" pitchFamily="34" charset="0"/>
-            </a:pPr>
-            <a:r>
-              <a:rPr lang="en-US" sz="1200" dirty="0">
-                <a:solidFill>
-                  <a:srgbClr val="FFFFFF"/>
-                </a:solidFill>
-                <a:effectLst/>
-              </a:rPr>
-              <a:t>• </a:t>
-            </a:r>
-            <a:r>
-              <a:rPr lang="en-US" sz="1200" b="1" dirty="0">
-                <a:solidFill>
-                  <a:srgbClr val="FFFFFF"/>
-                </a:solidFill>
-                <a:effectLst/>
-              </a:rPr>
-              <a:t>F1-Score</a:t>
-            </a:r>
-            <a:r>
-              <a:rPr lang="en-US" sz="1200" dirty="0">
-                <a:solidFill>
-                  <a:srgbClr val="FFFFFF"/>
-                </a:solidFill>
-                <a:effectLst/>
-              </a:rPr>
-              <a:t>: </a:t>
-            </a:r>
-            <a:r>
-              <a:rPr lang="en-US" sz="1200" b="1" dirty="0">
-                <a:solidFill>
-                  <a:srgbClr val="FFFFFF"/>
-                </a:solidFill>
-                <a:effectLst/>
-              </a:rPr>
-              <a:t>0.98</a:t>
-            </a:r>
-            <a:endParaRPr lang="en-US" sz="1200" b="1" dirty="0">
-              <a:solidFill>
-                <a:srgbClr val="FFFFFF"/>
-              </a:solidFill>
-            </a:endParaRPr>
-          </a:p>
-          <a:p>
-            <a:pPr lvl="2">
-              <a:lnSpc>
-                <a:spcPct val="90000"/>
-              </a:lnSpc>
-              <a:spcBef>
-                <a:spcPts val="900"/>
-              </a:spcBef>
-              <a:buFont typeface="Calibri" panose="020F0502020204030204" pitchFamily="34" charset="0"/>
-            </a:pPr>
-            <a:r>
-              <a:rPr lang="en-US" sz="1200" dirty="0">
-                <a:solidFill>
-                  <a:srgbClr val="FFFFFF"/>
-                </a:solidFill>
-                <a:effectLst/>
-              </a:rPr>
-              <a:t>A balance between precision and recall, indicating exceptional performance for this class.</a:t>
+              <a:t>Precision-Recall Curve with XGBoost</a:t>
             </a:r>
           </a:p>
         </p:txBody>
       </p:sp>
       <p:pic>
         <p:nvPicPr>
-          <p:cNvPr id="5" name="Content Placeholder 4" descr="A screenshot of a computer&#10;&#10;Description automatically generated">
+          <p:cNvPr id="12" name="Content Placeholder 11" descr="A graph of a line&#10;&#10;Description automatically generated">
             <a:extLst>
               <a:ext uri="{FF2B5EF4-FFF2-40B4-BE49-F238E27FC236}">
-                <a16:creationId xmlns:a16="http://schemas.microsoft.com/office/drawing/2014/main" id="{F9106BA3-0906-B2B8-9523-290A68034693}"/>
+                <a16:creationId xmlns:a16="http://schemas.microsoft.com/office/drawing/2014/main" id="{8FB58351-5526-BF75-E67D-D4E5D714D14B}"/>
               </a:ext>
             </a:extLst>
           </p:cNvPr>
@@ -5788,25 +6549,142 @@
           </p:nvPr>
         </p:nvPicPr>
         <p:blipFill>
-          <a:blip r:embed="rId2"/>
+          <a:blip r:embed="rId3"/>
           <a:stretch>
             <a:fillRect/>
           </a:stretch>
         </p:blipFill>
         <p:spPr>
           <a:xfrm>
-            <a:off x="4742017" y="1593518"/>
-            <a:ext cx="6798082" cy="3670964"/>
+            <a:off x="881121" y="640081"/>
+            <a:ext cx="6417973" cy="5054156"/>
           </a:xfrm>
           <a:prstGeom prst="rect">
             <a:avLst/>
           </a:prstGeom>
         </p:spPr>
       </p:pic>
+      <p:cxnSp>
+        <p:nvCxnSpPr>
+          <p:cNvPr id="23" name="Straight Connector 22">
+            <a:extLst>
+              <a:ext uri="{FF2B5EF4-FFF2-40B4-BE49-F238E27FC236}">
+                <a16:creationId xmlns:a16="http://schemas.microsoft.com/office/drawing/2014/main" id="{BA22713B-ABB6-4391-97F9-0449A2B9B664}"/>
+              </a:ext>
+              <a:ext uri="{C183D7F6-B498-43B3-948B-1728B52AA6E4}">
+                <adec:decorative xmlns:adec="http://schemas.microsoft.com/office/drawing/2017/decorative" val="1"/>
+              </a:ext>
+            </a:extLst>
+          </p:cNvPr>
+          <p:cNvCxnSpPr>
+            <a:cxnSpLocks noGrp="1" noRot="1" noChangeAspect="1" noMove="1" noResize="1" noEditPoints="1" noAdjustHandles="1" noChangeArrowheads="1" noChangeShapeType="1"/>
+          </p:cNvCxnSpPr>
+          <p:nvPr>
+            <p:extLst>
+              <p:ext uri="{386F3935-93C4-4BCD-93E2-E3B085C9AB24}">
+                <p16:designElem xmlns:p16="http://schemas.microsoft.com/office/powerpoint/2015/main" val="1"/>
+              </p:ext>
+            </p:extLst>
+          </p:nvPr>
+        </p:nvCxnSpPr>
+        <p:spPr>
+          <a:xfrm>
+            <a:off x="8209305" y="4294754"/>
+            <a:ext cx="3200400" cy="0"/>
+          </a:xfrm>
+          <a:prstGeom prst="line">
+            <a:avLst/>
+          </a:prstGeom>
+          <a:ln w="12700">
+            <a:solidFill>
+              <a:schemeClr val="tx1">
+                <a:lumMod val="75000"/>
+                <a:lumOff val="25000"/>
+              </a:schemeClr>
+            </a:solidFill>
+          </a:ln>
+        </p:spPr>
+        <p:style>
+          <a:lnRef idx="1">
+            <a:schemeClr val="accent1"/>
+          </a:lnRef>
+          <a:fillRef idx="0">
+            <a:schemeClr val="accent1"/>
+          </a:fillRef>
+          <a:effectRef idx="0">
+            <a:schemeClr val="accent1"/>
+          </a:effectRef>
+          <a:fontRef idx="minor">
+            <a:schemeClr val="tx1"/>
+          </a:fontRef>
+        </p:style>
+      </p:cxnSp>
+      <p:sp>
+        <p:nvSpPr>
+          <p:cNvPr id="25" name="Rectangle 24">
+            <a:extLst>
+              <a:ext uri="{FF2B5EF4-FFF2-40B4-BE49-F238E27FC236}">
+                <a16:creationId xmlns:a16="http://schemas.microsoft.com/office/drawing/2014/main" id="{8D4480B4-953D-41FA-9052-09AB3A026947}"/>
+              </a:ext>
+              <a:ext uri="{C183D7F6-B498-43B3-948B-1728B52AA6E4}">
+                <adec:decorative xmlns:adec="http://schemas.microsoft.com/office/drawing/2017/decorative" val="1"/>
+              </a:ext>
+            </a:extLst>
+          </p:cNvPr>
+          <p:cNvSpPr>
+            <a:spLocks noGrp="1" noRot="1" noChangeAspect="1" noMove="1" noResize="1" noEditPoints="1" noAdjustHandles="1" noChangeArrowheads="1" noChangeShapeType="1" noTextEdit="1"/>
+          </p:cNvSpPr>
+          <p:nvPr>
+            <p:extLst>
+              <p:ext uri="{386F3935-93C4-4BCD-93E2-E3B085C9AB24}">
+                <p16:designElem xmlns:p16="http://schemas.microsoft.com/office/powerpoint/2015/main" val="1"/>
+              </p:ext>
+            </p:extLst>
+          </p:nvPr>
+        </p:nvSpPr>
+        <p:spPr>
+          <a:xfrm>
+            <a:off x="0" y="6400800"/>
+            <a:ext cx="12192000" cy="457200"/>
+          </a:xfrm>
+          <a:prstGeom prst="rect">
+            <a:avLst/>
+          </a:prstGeom>
+          <a:solidFill>
+            <a:srgbClr val="262626"/>
+          </a:solidFill>
+          <a:ln>
+            <a:noFill/>
+          </a:ln>
+        </p:spPr>
+        <p:style>
+          <a:lnRef idx="2">
+            <a:schemeClr val="accent1">
+              <a:shade val="50000"/>
+            </a:schemeClr>
+          </a:lnRef>
+          <a:fillRef idx="1">
+            <a:schemeClr val="accent1"/>
+          </a:fillRef>
+          <a:effectRef idx="0">
+            <a:schemeClr val="accent1"/>
+          </a:effectRef>
+          <a:fontRef idx="minor">
+            <a:schemeClr val="lt1"/>
+          </a:fontRef>
+        </p:style>
+        <p:txBody>
+          <a:bodyPr/>
+          <a:lstStyle/>
+          <a:p>
+            <a:endParaRPr lang="en-US"/>
+          </a:p>
+        </p:txBody>
+      </p:sp>
     </p:spTree>
     <p:extLst>
       <p:ext uri="{BB962C8B-B14F-4D97-AF65-F5344CB8AC3E}">
-        <p14:creationId xmlns:p14="http://schemas.microsoft.com/office/powerpoint/2010/main" val="1225487577"/>
+        <p14:creationId xmlns:p14="http://schemas.microsoft.com/office/powerpoint/2010/main" val="2343250941"/>
       </p:ext>
     </p:extLst>
   </p:cSld>
@@ -5846,7 +6724,7 @@
           <p:cNvPr id="15" name="Rectangle 14">
             <a:extLst>
               <a:ext uri="{FF2B5EF4-FFF2-40B4-BE49-F238E27FC236}">
-                <a16:creationId xmlns:a16="http://schemas.microsoft.com/office/drawing/2014/main" id="{0AB6E427-3F73-4C06-A5D5-AE52C3883B50}"/>
+                <a16:creationId xmlns:a16="http://schemas.microsoft.com/office/drawing/2014/main" id="{C8DD82D3-D002-45B0-B16A-82B3DA4EFDDB}"/>
               </a:ext>
               <a:ext uri="{C183D7F6-B498-43B3-948B-1728B52AA6E4}">
                 <adec:decorative xmlns:adec="http://schemas.microsoft.com/office/drawing/2017/decorative" val="1"/>
@@ -5866,75 +6744,12 @@
         </p:nvSpPr>
         <p:spPr>
           <a:xfrm>
-            <a:off x="5685" y="0"/>
-            <a:ext cx="12186315" cy="6858000"/>
+            <a:off x="3048" y="0"/>
+            <a:ext cx="12188952" cy="6858000"/>
           </a:xfrm>
           <a:prstGeom prst="rect">
             <a:avLst/>
           </a:prstGeom>
-          <a:ln>
-            <a:noFill/>
-          </a:ln>
-        </p:spPr>
-        <p:style>
-          <a:lnRef idx="2">
-            <a:schemeClr val="accent6">
-              <a:shade val="50000"/>
-            </a:schemeClr>
-          </a:lnRef>
-          <a:fillRef idx="1001">
-            <a:schemeClr val="lt1"/>
-          </a:fillRef>
-          <a:effectRef idx="0">
-            <a:schemeClr val="accent6"/>
-          </a:effectRef>
-          <a:fontRef idx="minor">
-            <a:schemeClr val="lt1"/>
-          </a:fontRef>
-        </p:style>
-        <p:txBody>
-          <a:bodyPr rtlCol="0" anchor="ctr"/>
-          <a:lstStyle/>
-          <a:p>
-            <a:pPr algn="ctr"/>
-            <a:endParaRPr lang="en-US"/>
-          </a:p>
-        </p:txBody>
-      </p:sp>
-      <p:sp>
-        <p:nvSpPr>
-          <p:cNvPr id="16" name="Rectangle 15">
-            <a:extLst>
-              <a:ext uri="{FF2B5EF4-FFF2-40B4-BE49-F238E27FC236}">
-                <a16:creationId xmlns:a16="http://schemas.microsoft.com/office/drawing/2014/main" id="{D8C9BDAA-0390-4B39-9B5C-BC95E5120DA4}"/>
-              </a:ext>
-              <a:ext uri="{C183D7F6-B498-43B3-948B-1728B52AA6E4}">
-                <adec:decorative xmlns:adec="http://schemas.microsoft.com/office/drawing/2017/decorative" val="1"/>
-              </a:ext>
-            </a:extLst>
-          </p:cNvPr>
-          <p:cNvSpPr>
-            <a:spLocks noGrp="1" noRot="1" noChangeAspect="1" noMove="1" noResize="1" noEditPoints="1" noAdjustHandles="1" noChangeArrowheads="1" noChangeShapeType="1" noTextEdit="1"/>
-          </p:cNvSpPr>
-          <p:nvPr>
-            <p:extLst>
-              <p:ext uri="{386F3935-93C4-4BCD-93E2-E3B085C9AB24}">
-                <p16:designElem xmlns:p16="http://schemas.microsoft.com/office/powerpoint/2015/main" val="1"/>
-              </p:ext>
-            </p:extLst>
-          </p:nvPr>
-        </p:nvSpPr>
-        <p:spPr>
-          <a:xfrm>
-            <a:off x="16" y="0"/>
-            <a:ext cx="4059919" cy="6858000"/>
-          </a:xfrm>
-          <a:prstGeom prst="rect">
-            <a:avLst/>
-          </a:prstGeom>
-          <a:solidFill>
-            <a:srgbClr val="32B67D"/>
-          </a:solidFill>
           <a:ln>
             <a:noFill/>
           </a:ln>
@@ -5956,9 +6771,10 @@
           </a:fontRef>
         </p:style>
         <p:txBody>
-          <a:bodyPr/>
-          <a:lstStyle/>
-          <a:p>
+          <a:bodyPr rtlCol="0" anchor="ctr"/>
+          <a:lstStyle/>
+          <a:p>
+            <a:pPr algn="ctr"/>
             <a:endParaRPr lang="en-US"/>
           </a:p>
         </p:txBody>
@@ -5968,7 +6784,7 @@
           <p:cNvPr id="2" name="Title 1">
             <a:extLst>
               <a:ext uri="{FF2B5EF4-FFF2-40B4-BE49-F238E27FC236}">
-                <a16:creationId xmlns:a16="http://schemas.microsoft.com/office/drawing/2014/main" id="{FBB07C2B-2A7B-078C-ED04-00CAC7CD1AB7}"/>
+                <a16:creationId xmlns:a16="http://schemas.microsoft.com/office/drawing/2014/main" id="{AFC15495-DD17-3D20-3FBC-515085231E12}"/>
               </a:ext>
             </a:extLst>
           </p:cNvPr>
@@ -5981,33 +6797,30 @@
         </p:nvSpPr>
         <p:spPr>
           <a:xfrm>
-            <a:off x="487553" y="338851"/>
-            <a:ext cx="3084844" cy="1961086"/>
-          </a:xfrm>
-        </p:spPr>
-        <p:txBody>
-          <a:bodyPr>
+            <a:off x="473533" y="643467"/>
+            <a:ext cx="3243485" cy="5126203"/>
+          </a:xfrm>
+        </p:spPr>
+        <p:txBody>
+          <a:bodyPr anchor="ctr">
             <a:normAutofit/>
           </a:bodyPr>
           <a:lstStyle/>
           <a:p>
-            <a:r>
-              <a:rPr lang="en-US" sz="2500" dirty="0">
-                <a:solidFill>
-                  <a:srgbClr val="FFFFFF"/>
-                </a:solidFill>
-              </a:rPr>
-              <a:t>Precision, Recall, and F1-Score Analysis for Class 1 (Fraudulent Transactions)</a:t>
+            <a:pPr algn="r"/>
+            <a:r>
+              <a:rPr lang="en-US" dirty="0"/>
+              <a:t>Analysis &amp; Conclusion</a:t>
             </a:r>
           </a:p>
         </p:txBody>
       </p:sp>
       <p:cxnSp>
         <p:nvCxnSpPr>
-          <p:cNvPr id="14" name="Straight Connector 13">
+          <p:cNvPr id="17" name="Straight Connector 16">
             <a:extLst>
               <a:ext uri="{FF2B5EF4-FFF2-40B4-BE49-F238E27FC236}">
-                <a16:creationId xmlns:a16="http://schemas.microsoft.com/office/drawing/2014/main" id="{E04A321A-A039-4720-87B4-66A4210E0D57}"/>
+                <a16:creationId xmlns:a16="http://schemas.microsoft.com/office/drawing/2014/main" id="{9F09C252-16FE-4557-AD6D-BB5CA773496C}"/>
               </a:ext>
               <a:ext uri="{C183D7F6-B498-43B3-948B-1728B52AA6E4}">
                 <adec:decorative xmlns:adec="http://schemas.microsoft.com/office/drawing/2017/decorative" val="1"/>
@@ -6027,16 +6840,17 @@
         </p:nvCxnSpPr>
         <p:spPr>
           <a:xfrm>
-            <a:off x="571752" y="2638787"/>
-            <a:ext cx="2743200" cy="0"/>
+            <a:off x="4042052" y="1778497"/>
+            <a:ext cx="0" cy="3200400"/>
           </a:xfrm>
           <a:prstGeom prst="line">
             <a:avLst/>
           </a:prstGeom>
           <a:ln w="19050">
             <a:solidFill>
-              <a:schemeClr val="accent1"/>
+              <a:schemeClr val="tx1"/>
             </a:solidFill>
+            <a:miter lim="800000"/>
           </a:ln>
         </p:spPr>
         <p:style>
@@ -6059,7 +6873,7 @@
           <p:cNvPr id="3" name="Content Placeholder 2">
             <a:extLst>
               <a:ext uri="{FF2B5EF4-FFF2-40B4-BE49-F238E27FC236}">
-                <a16:creationId xmlns:a16="http://schemas.microsoft.com/office/drawing/2014/main" id="{C894F89D-9FB8-9497-467C-030AC7464CC2}"/>
+                <a16:creationId xmlns:a16="http://schemas.microsoft.com/office/drawing/2014/main" id="{FE16B9C9-A7BF-BFA1-DCDC-E0883B18E20C}"/>
               </a:ext>
             </a:extLst>
           </p:cNvPr>
@@ -6072,330 +6886,58 @@
         </p:nvSpPr>
         <p:spPr>
           <a:xfrm>
-            <a:off x="522427" y="2456512"/>
-            <a:ext cx="3049970" cy="4062637"/>
-          </a:xfrm>
-        </p:spPr>
-        <p:txBody>
-          <a:bodyPr>
-            <a:noAutofit/>
+            <a:off x="4187503" y="135467"/>
+            <a:ext cx="7351376" cy="6129866"/>
+          </a:xfrm>
+        </p:spPr>
+        <p:txBody>
+          <a:bodyPr anchor="ctr">
+            <a:normAutofit/>
           </a:bodyPr>
           <a:lstStyle/>
           <a:p>
-            <a:pPr>
-              <a:lnSpc>
-                <a:spcPct val="100000"/>
-              </a:lnSpc>
-            </a:pPr>
-            <a:r>
-              <a:rPr lang="en-US" sz="1200" b="1" dirty="0">
+            <a:r>
+              <a:rPr lang="en-US" dirty="0">
                 <a:solidFill>
-                  <a:srgbClr val="FFFFFF"/>
+                  <a:srgbClr val="0E0E0E"/>
                 </a:solidFill>
                 <a:effectLst/>
+                <a:latin typeface=".AppleSystemUIFont"/>
               </a:rPr>
-              <a:t>Class 1 (Fraudulent Transactions)</a:t>
-            </a:r>
-            <a:endParaRPr lang="en-US" sz="1200" dirty="0">
-              <a:solidFill>
-                <a:srgbClr val="FFFFFF"/>
-              </a:solidFill>
-              <a:effectLst/>
-            </a:endParaRPr>
-          </a:p>
-          <a:p>
-            <a:pPr marL="201168" lvl="1" indent="0">
-              <a:lnSpc>
-                <a:spcPct val="100000"/>
-              </a:lnSpc>
-              <a:spcBef>
-                <a:spcPts val="900"/>
-              </a:spcBef>
-              <a:buNone/>
-            </a:pPr>
-            <a:r>
-              <a:rPr lang="en-US" sz="1200" dirty="0">
+              <a:t>While the model performs well overall (95% accuracy), its ability to detect fraudulent transactions specifically (Class 1 metrics) falls short of the target. The highest F1-Score we were able to achieve for Class 1 using our </a:t>
+            </a:r>
+            <a:r>
+              <a:rPr lang="en-US" dirty="0" err="1">
                 <a:solidFill>
-                  <a:srgbClr val="FFFFFF"/>
+                  <a:srgbClr val="0E0E0E"/>
                 </a:solidFill>
                 <a:effectLst/>
+                <a:latin typeface=".AppleSystemUIFont"/>
               </a:rPr>
-              <a:t>• </a:t>
-            </a:r>
-            <a:r>
-              <a:rPr lang="en-US" sz="1200" b="1" dirty="0">
+              <a:t>XGBoost</a:t>
+            </a:r>
+            <a:r>
+              <a:rPr lang="en-US" dirty="0">
                 <a:solidFill>
-                  <a:srgbClr val="FFFFFF"/>
+                  <a:srgbClr val="0E0E0E"/>
                 </a:solidFill>
                 <a:effectLst/>
+                <a:latin typeface=".AppleSystemUIFont"/>
               </a:rPr>
-              <a:t>Precision</a:t>
-            </a:r>
-            <a:r>
-              <a:rPr lang="en-US" sz="1200" dirty="0">
-                <a:solidFill>
-                  <a:srgbClr val="FFFFFF"/>
-                </a:solidFill>
-                <a:effectLst/>
-              </a:rPr>
-              <a:t>: </a:t>
-            </a:r>
-            <a:r>
-              <a:rPr lang="en-US" sz="1200" b="1" dirty="0">
-                <a:solidFill>
-                  <a:srgbClr val="FFFFFF"/>
-                </a:solidFill>
-                <a:effectLst/>
-              </a:rPr>
-              <a:t>0.11</a:t>
-            </a:r>
-            <a:endParaRPr lang="en-US" sz="1200" dirty="0">
-              <a:solidFill>
-                <a:srgbClr val="FFFFFF"/>
-              </a:solidFill>
-              <a:effectLst/>
-            </a:endParaRPr>
-          </a:p>
-          <a:p>
-            <a:pPr marL="384048" lvl="2" indent="0">
-              <a:lnSpc>
-                <a:spcPct val="100000"/>
-              </a:lnSpc>
-              <a:spcBef>
-                <a:spcPts val="900"/>
-              </a:spcBef>
-              <a:buNone/>
-            </a:pPr>
-            <a:r>
-              <a:rPr lang="en-US" sz="1200" dirty="0">
-                <a:solidFill>
-                  <a:srgbClr val="FFFFFF"/>
-                </a:solidFill>
-                <a:effectLst/>
-              </a:rPr>
-              <a:t>Only 11% of flagged fraudulent transactions are actual frauds. This low precision indicates a high number of false positives, leading to inefficiency in real-world use.</a:t>
-            </a:r>
-          </a:p>
-          <a:p>
-            <a:pPr marL="201168" lvl="1" indent="0">
-              <a:lnSpc>
-                <a:spcPct val="100000"/>
-              </a:lnSpc>
-              <a:spcBef>
-                <a:spcPts val="900"/>
-              </a:spcBef>
-              <a:buNone/>
-            </a:pPr>
-            <a:r>
-              <a:rPr lang="en-US" sz="1200" dirty="0">
-                <a:solidFill>
-                  <a:srgbClr val="FFFFFF"/>
-                </a:solidFill>
-                <a:effectLst/>
-              </a:rPr>
-              <a:t>• </a:t>
-            </a:r>
-            <a:r>
-              <a:rPr lang="en-US" sz="1200" b="1" dirty="0">
-                <a:solidFill>
-                  <a:srgbClr val="FFFFFF"/>
-                </a:solidFill>
-                <a:effectLst/>
-              </a:rPr>
-              <a:t>Recall</a:t>
-            </a:r>
-            <a:r>
-              <a:rPr lang="en-US" sz="1200" dirty="0">
-                <a:solidFill>
-                  <a:srgbClr val="FFFFFF"/>
-                </a:solidFill>
-                <a:effectLst/>
-              </a:rPr>
-              <a:t>: </a:t>
-            </a:r>
-            <a:r>
-              <a:rPr lang="en-US" sz="1200" b="1" dirty="0">
-                <a:solidFill>
-                  <a:srgbClr val="FFFFFF"/>
-                </a:solidFill>
-                <a:effectLst/>
-              </a:rPr>
-              <a:t>0.88</a:t>
-            </a:r>
-            <a:endParaRPr lang="en-US" sz="1200" b="1" dirty="0">
-              <a:solidFill>
-                <a:srgbClr val="FFFFFF"/>
-              </a:solidFill>
-            </a:endParaRPr>
-          </a:p>
-          <a:p>
-            <a:pPr marL="384048" lvl="2" indent="0">
-              <a:lnSpc>
-                <a:spcPct val="100000"/>
-              </a:lnSpc>
-              <a:spcBef>
-                <a:spcPts val="900"/>
-              </a:spcBef>
-              <a:buNone/>
-            </a:pPr>
-            <a:r>
-              <a:rPr lang="en-US" sz="1200" dirty="0">
-                <a:solidFill>
-                  <a:srgbClr val="FFFFFF"/>
-                </a:solidFill>
-                <a:effectLst/>
-              </a:rPr>
-              <a:t>The model detects 88% of actual fraudulent transactions, which is a strong point.</a:t>
-            </a:r>
-          </a:p>
-          <a:p>
-            <a:pPr marL="201168" lvl="1" indent="0">
-              <a:lnSpc>
-                <a:spcPct val="100000"/>
-              </a:lnSpc>
-              <a:spcBef>
-                <a:spcPts val="900"/>
-              </a:spcBef>
-              <a:buNone/>
-            </a:pPr>
-            <a:r>
-              <a:rPr lang="en-US" sz="1200" dirty="0">
-                <a:solidFill>
-                  <a:srgbClr val="FFFFFF"/>
-                </a:solidFill>
-                <a:effectLst/>
-              </a:rPr>
-              <a:t>• </a:t>
-            </a:r>
-            <a:r>
-              <a:rPr lang="en-US" sz="1200" b="1" dirty="0">
-                <a:solidFill>
-                  <a:srgbClr val="FFFFFF"/>
-                </a:solidFill>
-                <a:effectLst/>
-              </a:rPr>
-              <a:t>F1-Score</a:t>
-            </a:r>
-            <a:r>
-              <a:rPr lang="en-US" sz="1200" dirty="0">
-                <a:solidFill>
-                  <a:srgbClr val="FFFFFF"/>
-                </a:solidFill>
-                <a:effectLst/>
-              </a:rPr>
-              <a:t>: </a:t>
-            </a:r>
-            <a:r>
-              <a:rPr lang="en-US" sz="1200" b="1" dirty="0">
-                <a:solidFill>
-                  <a:srgbClr val="FFFFFF"/>
-                </a:solidFill>
-                <a:effectLst/>
-              </a:rPr>
-              <a:t>0.20</a:t>
-            </a:r>
-            <a:endParaRPr lang="en-US" sz="1200" b="1" dirty="0">
-              <a:solidFill>
-                <a:srgbClr val="FFFFFF"/>
-              </a:solidFill>
-            </a:endParaRPr>
-          </a:p>
-          <a:p>
-            <a:pPr marL="384048" lvl="2" indent="0">
-              <a:lnSpc>
-                <a:spcPct val="100000"/>
-              </a:lnSpc>
-              <a:spcBef>
-                <a:spcPts val="900"/>
-              </a:spcBef>
-              <a:buNone/>
-            </a:pPr>
-            <a:r>
-              <a:rPr lang="en-US" sz="1200" dirty="0">
-                <a:solidFill>
-                  <a:srgbClr val="FFFFFF"/>
-                </a:solidFill>
-                <a:effectLst/>
-              </a:rPr>
-              <a:t>The balance between precision and recall is poor, reflecting the low effectiveness of the model in identifying fraudulent transactions.</a:t>
-            </a:r>
-          </a:p>
-        </p:txBody>
-      </p:sp>
-      <p:pic>
-        <p:nvPicPr>
-          <p:cNvPr id="5" name="Content Placeholder 4" descr="A screenshot of a computer&#10;&#10;Description automatically generated">
+              <a:t> model was 52% of the 75% or more goal.</a:t>
+            </a:r>
+          </a:p>
+          <a:p>
+            <a:endParaRPr lang="en-US" dirty="0"/>
+          </a:p>
+        </p:txBody>
+      </p:sp>
+      <p:sp>
+        <p:nvSpPr>
+          <p:cNvPr id="19" name="Rectangle 18">
             <a:extLst>
               <a:ext uri="{FF2B5EF4-FFF2-40B4-BE49-F238E27FC236}">
-                <a16:creationId xmlns:a16="http://schemas.microsoft.com/office/drawing/2014/main" id="{1AE41593-66CC-F8BE-0225-446431FE4AB3}"/>
-              </a:ext>
-            </a:extLst>
-          </p:cNvPr>
-          <p:cNvPicPr>
-            <a:picLocks noChangeAspect="1"/>
-          </p:cNvPicPr>
-          <p:nvPr/>
-        </p:nvPicPr>
-        <p:blipFill>
-          <a:blip r:embed="rId2"/>
-          <a:stretch>
-            <a:fillRect/>
-          </a:stretch>
-        </p:blipFill>
-        <p:spPr>
-          <a:xfrm>
-            <a:off x="4742017" y="1593518"/>
-            <a:ext cx="6798082" cy="3670964"/>
-          </a:xfrm>
-          <a:prstGeom prst="rect">
-            <a:avLst/>
-          </a:prstGeom>
-        </p:spPr>
-      </p:pic>
-    </p:spTree>
-    <p:extLst>
-      <p:ext uri="{BB962C8B-B14F-4D97-AF65-F5344CB8AC3E}">
-        <p14:creationId xmlns:p14="http://schemas.microsoft.com/office/powerpoint/2010/main" val="302357261"/>
-      </p:ext>
-    </p:extLst>
-  </p:cSld>
-  <p:clrMapOvr>
-    <a:masterClrMapping/>
-  </p:clrMapOvr>
-</p:sld>
-</file>
-
-<file path=ppt/slides/slide7.xml><?xml version="1.0" encoding="utf-8"?>
-<p:sld xmlns:a="http://schemas.openxmlformats.org/drawingml/2006/main" xmlns:r="http://schemas.openxmlformats.org/officeDocument/2006/relationships" xmlns:p="http://schemas.openxmlformats.org/presentationml/2006/main">
-  <p:cSld>
-    <p:bg>
-      <p:bgPr>
-        <a:solidFill>
-          <a:schemeClr val="bg1"/>
-        </a:solidFill>
-        <a:effectLst/>
-      </p:bgPr>
-    </p:bg>
-    <p:spTree>
-      <p:nvGrpSpPr>
-        <p:cNvPr id="1" name=""/>
-        <p:cNvGrpSpPr/>
-        <p:nvPr/>
-      </p:nvGrpSpPr>
-      <p:grpSpPr>
-        <a:xfrm>
-          <a:off x="0" y="0"/>
-          <a:ext cx="0" cy="0"/>
-          <a:chOff x="0" y="0"/>
-          <a:chExt cx="0" cy="0"/>
-        </a:xfrm>
-      </p:grpSpPr>
-      <p:sp useBgFill="1">
-        <p:nvSpPr>
-          <p:cNvPr id="15" name="Rectangle 14">
-            <a:extLst>
-              <a:ext uri="{FF2B5EF4-FFF2-40B4-BE49-F238E27FC236}">
-                <a16:creationId xmlns:a16="http://schemas.microsoft.com/office/drawing/2014/main" id="{C8DD82D3-D002-45B0-B16A-82B3DA4EFDDB}"/>
+                <a16:creationId xmlns:a16="http://schemas.microsoft.com/office/drawing/2014/main" id="{14552793-7DFF-4EC7-AC69-D34A75D01880}"/>
               </a:ext>
               <a:ext uri="{C183D7F6-B498-43B3-948B-1728B52AA6E4}">
                 <adec:decorative xmlns:adec="http://schemas.microsoft.com/office/drawing/2017/decorative" val="1"/>
@@ -6415,12 +6957,15 @@
         </p:nvSpPr>
         <p:spPr>
           <a:xfrm>
-            <a:off x="3048" y="0"/>
-            <a:ext cx="12188952" cy="6858000"/>
+            <a:off x="0" y="6400800"/>
+            <a:ext cx="12192000" cy="457200"/>
           </a:xfrm>
           <a:prstGeom prst="rect">
             <a:avLst/>
           </a:prstGeom>
+          <a:solidFill>
+            <a:srgbClr val="262626"/>
+          </a:solidFill>
           <a:ln>
             <a:noFill/>
           </a:ln>
@@ -6442,190 +6987,6 @@
           </a:fontRef>
         </p:style>
         <p:txBody>
-          <a:bodyPr rtlCol="0" anchor="ctr"/>
-          <a:lstStyle/>
-          <a:p>
-            <a:pPr algn="ctr"/>
-            <a:endParaRPr lang="en-US"/>
-          </a:p>
-        </p:txBody>
-      </p:sp>
-      <p:sp>
-        <p:nvSpPr>
-          <p:cNvPr id="2" name="Title 1">
-            <a:extLst>
-              <a:ext uri="{FF2B5EF4-FFF2-40B4-BE49-F238E27FC236}">
-                <a16:creationId xmlns:a16="http://schemas.microsoft.com/office/drawing/2014/main" id="{AFC15495-DD17-3D20-3FBC-515085231E12}"/>
-              </a:ext>
-            </a:extLst>
-          </p:cNvPr>
-          <p:cNvSpPr>
-            <a:spLocks noGrp="1"/>
-          </p:cNvSpPr>
-          <p:nvPr>
-            <p:ph type="title"/>
-          </p:nvPr>
-        </p:nvSpPr>
-        <p:spPr>
-          <a:xfrm>
-            <a:off x="473533" y="643467"/>
-            <a:ext cx="3243485" cy="5126203"/>
-          </a:xfrm>
-        </p:spPr>
-        <p:txBody>
-          <a:bodyPr anchor="ctr">
-            <a:normAutofit/>
-          </a:bodyPr>
-          <a:lstStyle/>
-          <a:p>
-            <a:pPr algn="r"/>
-            <a:r>
-              <a:rPr lang="en-US" dirty="0"/>
-              <a:t>Analysis &amp; Conclusion</a:t>
-            </a:r>
-          </a:p>
-        </p:txBody>
-      </p:sp>
-      <p:cxnSp>
-        <p:nvCxnSpPr>
-          <p:cNvPr id="17" name="Straight Connector 16">
-            <a:extLst>
-              <a:ext uri="{FF2B5EF4-FFF2-40B4-BE49-F238E27FC236}">
-                <a16:creationId xmlns:a16="http://schemas.microsoft.com/office/drawing/2014/main" id="{9F09C252-16FE-4557-AD6D-BB5CA773496C}"/>
-              </a:ext>
-              <a:ext uri="{C183D7F6-B498-43B3-948B-1728B52AA6E4}">
-                <adec:decorative xmlns:adec="http://schemas.microsoft.com/office/drawing/2017/decorative" val="1"/>
-              </a:ext>
-            </a:extLst>
-          </p:cNvPr>
-          <p:cNvCxnSpPr>
-            <a:cxnSpLocks noGrp="1" noRot="1" noChangeAspect="1" noMove="1" noResize="1" noEditPoints="1" noAdjustHandles="1" noChangeArrowheads="1" noChangeShapeType="1"/>
-          </p:cNvCxnSpPr>
-          <p:nvPr>
-            <p:extLst>
-              <p:ext uri="{386F3935-93C4-4BCD-93E2-E3B085C9AB24}">
-                <p16:designElem xmlns:p16="http://schemas.microsoft.com/office/powerpoint/2015/main" val="1"/>
-              </p:ext>
-            </p:extLst>
-          </p:nvPr>
-        </p:nvCxnSpPr>
-        <p:spPr>
-          <a:xfrm>
-            <a:off x="4042052" y="1778497"/>
-            <a:ext cx="0" cy="3200400"/>
-          </a:xfrm>
-          <a:prstGeom prst="line">
-            <a:avLst/>
-          </a:prstGeom>
-          <a:ln w="19050">
-            <a:solidFill>
-              <a:schemeClr val="tx1"/>
-            </a:solidFill>
-            <a:miter lim="800000"/>
-          </a:ln>
-        </p:spPr>
-        <p:style>
-          <a:lnRef idx="1">
-            <a:schemeClr val="accent1"/>
-          </a:lnRef>
-          <a:fillRef idx="0">
-            <a:schemeClr val="accent1"/>
-          </a:fillRef>
-          <a:effectRef idx="0">
-            <a:schemeClr val="accent1"/>
-          </a:effectRef>
-          <a:fontRef idx="minor">
-            <a:schemeClr val="tx1"/>
-          </a:fontRef>
-        </p:style>
-      </p:cxnSp>
-      <p:sp>
-        <p:nvSpPr>
-          <p:cNvPr id="3" name="Content Placeholder 2">
-            <a:extLst>
-              <a:ext uri="{FF2B5EF4-FFF2-40B4-BE49-F238E27FC236}">
-                <a16:creationId xmlns:a16="http://schemas.microsoft.com/office/drawing/2014/main" id="{FE16B9C9-A7BF-BFA1-DCDC-E0883B18E20C}"/>
-              </a:ext>
-            </a:extLst>
-          </p:cNvPr>
-          <p:cNvSpPr>
-            <a:spLocks noGrp="1"/>
-          </p:cNvSpPr>
-          <p:nvPr>
-            <p:ph idx="1"/>
-          </p:nvPr>
-        </p:nvSpPr>
-        <p:spPr>
-          <a:xfrm>
-            <a:off x="4187503" y="135467"/>
-            <a:ext cx="7351376" cy="6129866"/>
-          </a:xfrm>
-        </p:spPr>
-        <p:txBody>
-          <a:bodyPr anchor="ctr">
-            <a:normAutofit/>
-          </a:bodyPr>
-          <a:lstStyle/>
-          <a:p>
-            <a:endParaRPr lang="en-US" dirty="0"/>
-          </a:p>
-        </p:txBody>
-      </p:sp>
-      <p:sp>
-        <p:nvSpPr>
-          <p:cNvPr id="19" name="Rectangle 18">
-            <a:extLst>
-              <a:ext uri="{FF2B5EF4-FFF2-40B4-BE49-F238E27FC236}">
-                <a16:creationId xmlns:a16="http://schemas.microsoft.com/office/drawing/2014/main" id="{14552793-7DFF-4EC7-AC69-D34A75D01880}"/>
-              </a:ext>
-              <a:ext uri="{C183D7F6-B498-43B3-948B-1728B52AA6E4}">
-                <adec:decorative xmlns:adec="http://schemas.microsoft.com/office/drawing/2017/decorative" val="1"/>
-              </a:ext>
-            </a:extLst>
-          </p:cNvPr>
-          <p:cNvSpPr>
-            <a:spLocks noGrp="1" noRot="1" noChangeAspect="1" noMove="1" noResize="1" noEditPoints="1" noAdjustHandles="1" noChangeArrowheads="1" noChangeShapeType="1" noTextEdit="1"/>
-          </p:cNvSpPr>
-          <p:nvPr>
-            <p:extLst>
-              <p:ext uri="{386F3935-93C4-4BCD-93E2-E3B085C9AB24}">
-                <p16:designElem xmlns:p16="http://schemas.microsoft.com/office/powerpoint/2015/main" val="1"/>
-              </p:ext>
-            </p:extLst>
-          </p:nvPr>
-        </p:nvSpPr>
-        <p:spPr>
-          <a:xfrm>
-            <a:off x="0" y="6400800"/>
-            <a:ext cx="12192000" cy="457200"/>
-          </a:xfrm>
-          <a:prstGeom prst="rect">
-            <a:avLst/>
-          </a:prstGeom>
-          <a:solidFill>
-            <a:srgbClr val="262626"/>
-          </a:solidFill>
-          <a:ln>
-            <a:noFill/>
-          </a:ln>
-        </p:spPr>
-        <p:style>
-          <a:lnRef idx="2">
-            <a:schemeClr val="accent1">
-              <a:shade val="50000"/>
-            </a:schemeClr>
-          </a:lnRef>
-          <a:fillRef idx="1">
-            <a:schemeClr val="accent1"/>
-          </a:fillRef>
-          <a:effectRef idx="0">
-            <a:schemeClr val="accent1"/>
-          </a:effectRef>
-          <a:fontRef idx="minor">
-            <a:schemeClr val="lt1"/>
-          </a:fontRef>
-        </p:style>
-        <p:txBody>
           <a:bodyPr/>
           <a:lstStyle/>
           <a:p>
@@ -6646,7 +7007,7 @@
 </p:sld>
 </file>
 
-<file path=ppt/slides/slide8.xml><?xml version="1.0" encoding="utf-8"?>
+<file path=ppt/slides/slide7.xml><?xml version="1.0" encoding="utf-8"?>
 <p:sld xmlns:a="http://schemas.openxmlformats.org/drawingml/2006/main" xmlns:r="http://schemas.openxmlformats.org/officeDocument/2006/relationships" xmlns:p="http://schemas.openxmlformats.org/presentationml/2006/main">
   <p:cSld>
     <p:bg>

--- a/Project 4 Presentation.pptx
+++ b/Project 4 Presentation.pptx
@@ -691,7 +691,16 @@
             </a:r>
             <a:r>
               <a:rPr lang="en-US" dirty="0"/>
-              <a:t>While we were able to achieve higher recall values for Class 1 (fraudulent transactions), there was extremely low precision, meaning it often predicts more false positives, flagging legitimate transactions as fraudulent. This model did not perform well due to the imbalanced dataset.</a:t>
+              <a:t>While we were able to achieve higher recall values for Class 1 (fraudulent transactions), there was extremely low precision, meaning it predicts more false positives, flagging legitimate transactions as fraudulent. We decided to experiment with other models to see if we could get higher precision, while maintaining a 75% or higher on the recall values. </a:t>
+            </a:r>
+          </a:p>
+          <a:p>
+            <a:endParaRPr lang="en-US" dirty="0"/>
+          </a:p>
+          <a:p>
+            <a:r>
+              <a:rPr lang="en-US" dirty="0"/>
+              <a:t>In addition, it took about 30 minutes to run the smaller dataset of 23k records and over 2 hours to run the larger dataset of 1.4mil records. We also wanted to find a model that potentially performed better in processing time.</a:t>
             </a:r>
           </a:p>
           <a:p>
@@ -704,7 +713,7 @@
             </a:r>
             <a:r>
               <a:rPr lang="en-US" b="0" dirty="0"/>
-              <a:t>When originally testing the Random Forest model, we were able to attain perfect precision for fraud detection. However, that came at a cost of very low recall and not detecting enough fraud cases. To account for the imbalanced datasets, where the minority class is underrepresented, we incorporated SMOTE with our random forest model.</a:t>
+              <a:t>To account for the imbalanced datasets, where the minority class is underrepresented, we incorporated SMOTE with our random forest model, which generated synthetic samples of the minority class to balance the data. However, it did not achieve the high recall values we were looking to obtain while improving precision.</a:t>
             </a:r>
           </a:p>
           <a:p>
@@ -743,32 +752,6 @@
                 <a:latin typeface=".AppleSystemUIFont"/>
               </a:rPr>
               <a:t>SMOTE is a data augmentation technique used to address class imbalance in datasets, especially in machine learning problems. It generates synthetic samples for the minority class by interpolating between existing minority class samples, rather than simply duplicating them. (looking at the 5 nearest neighbors by default)</a:t>
-            </a:r>
-          </a:p>
-          <a:p>
-            <a:endParaRPr lang="en-US" b="0" dirty="0"/>
-          </a:p>
-          <a:p>
-            <a:pPr marL="0" marR="0" lvl="0" indent="0" algn="l" defTabSz="914400" rtl="0" eaLnBrk="1" fontAlgn="auto" latinLnBrk="0" hangingPunct="1">
-              <a:lnSpc>
-                <a:spcPct val="100000"/>
-              </a:lnSpc>
-              <a:spcBef>
-                <a:spcPts val="0"/>
-              </a:spcBef>
-              <a:spcAft>
-                <a:spcPts val="0"/>
-              </a:spcAft>
-              <a:buClrTx/>
-              <a:buSzTx/>
-              <a:buFontTx/>
-              <a:buNone/>
-              <a:tabLst/>
-              <a:defRPr/>
-            </a:pPr>
-            <a:r>
-              <a:rPr lang="en-US" dirty="0"/>
-              <a:t>*If the priority is to detect as many frauds as possible, Logistic Regression is a good model due to the higher recall. However, if the priority is to reduce false positives while maintaining good accuracy, Random Forest with SMOTE appears to be the better option.</a:t>
             </a:r>
           </a:p>
           <a:p>
@@ -863,19 +846,6 @@
           <a:lstStyle/>
           <a:p>
             <a:r>
-              <a:rPr lang="en-US" b="1" dirty="0"/>
-              <a:t>Random Forest Model with SMOTE: </a:t>
-            </a:r>
-            <a:r>
-              <a:rPr lang="en-US" b="0" dirty="0"/>
-              <a:t>While Random Forest with SMOTE did a better job with precision than the logistic regression, precision was still on the low end, leading to more false positives.</a:t>
-            </a:r>
-          </a:p>
-          <a:p>
-            <a:endParaRPr lang="en-US" b="0" dirty="0"/>
-          </a:p>
-          <a:p>
-            <a:r>
               <a:rPr lang="en-US" b="1" dirty="0" err="1"/>
               <a:t>XGBoost</a:t>
             </a:r>
@@ -893,15 +863,7 @@
             </a:r>
             <a:r>
               <a:rPr lang="en-US" b="0" dirty="0"/>
-              <a:t> model significantly outperformed the Random Forest model with SMOTE in precision (57% versus 33%), with fewer false positives. While recall remained the same (48%), </a:t>
-            </a:r>
-            <a:r>
-              <a:rPr lang="en-US" b="0" dirty="0" err="1"/>
-              <a:t>XGBoost</a:t>
-            </a:r>
-            <a:r>
-              <a:rPr lang="en-US" b="0" dirty="0"/>
-              <a:t> achieved a better balance between precision and recall, with better performance in overall accuracy and in handling the imbalanced dataset.</a:t>
+              <a:t> model outperformed the Random Forest model with SMOTE in recall (75% versus 48%) for Class 1, fraudulent records. While this model is comparable to the original Logistic Regression model, the optimized performance and speed with which it is able to run our larger datasets made it the winning choice in the selection process.</a:t>
             </a:r>
             <a:endParaRPr lang="en-US" b="1" dirty="0"/>
           </a:p>
@@ -5763,40 +5725,142 @@
         <p:spPr>
           <a:xfrm>
             <a:off x="1097280" y="2108201"/>
-            <a:ext cx="6437367" cy="3760891"/>
+            <a:ext cx="6789420" cy="4134111"/>
           </a:xfrm>
         </p:spPr>
         <p:txBody>
           <a:bodyPr>
-            <a:normAutofit/>
+            <a:normAutofit fontScale="70000" lnSpcReduction="20000"/>
           </a:bodyPr>
           <a:lstStyle/>
           <a:p>
-            <a:pPr>
-              <a:lnSpc>
-                <a:spcPct val="100000"/>
-              </a:lnSpc>
-            </a:pPr>
-            <a:r>
-              <a:rPr lang="en-US">
+            <a:r>
+              <a:rPr lang="en-US" dirty="0">
+                <a:solidFill>
+                  <a:srgbClr val="0E0E0E"/>
+                </a:solidFill>
                 <a:effectLst/>
                 <a:latin typeface=".AppleSystemUIFont"/>
               </a:rPr>
-              <a:t>Our project involved two datasets of e-commerce transactions. The smaller dataset (Version 2), which included a binary indicator of fraudulence, was used to train a machine learning model. This trained model was then applied to the larger dataset (Version 1) to predict fraudulent transactions.</a:t>
+              <a:t>Our project focused on detecting fraudulent e-commerce transactions using machine learning. The analysis utilized two datasets:</a:t>
             </a:r>
           </a:p>
           <a:p>
             <a:pPr>
-              <a:lnSpc>
-                <a:spcPct val="100000"/>
-              </a:lnSpc>
+              <a:spcBef>
+                <a:spcPts val="900"/>
+              </a:spcBef>
             </a:pPr>
             <a:r>
-              <a:rPr lang="en-US">
+              <a:rPr lang="en-US" dirty="0">
+                <a:solidFill>
+                  <a:srgbClr val="0E0E0E"/>
+                </a:solidFill>
                 <a:effectLst/>
                 <a:latin typeface=".AppleSystemUIFont"/>
               </a:rPr>
-              <a:t>The primary goal of this project was to achieve a fraud detection model with a prediction accuracy of 75% or higher. Additionally, the model’s performance was compared to the original dataset’s fraud detection accuracy to evaluate its effectiveness.</a:t>
+              <a:t>• </a:t>
+            </a:r>
+            <a:r>
+              <a:rPr lang="en-US" b="1" dirty="0">
+                <a:solidFill>
+                  <a:srgbClr val="0E0E0E"/>
+                </a:solidFill>
+                <a:effectLst/>
+                <a:latin typeface=".AppleSystemUIFont"/>
+              </a:rPr>
+              <a:t>Version 1:</a:t>
+            </a:r>
+            <a:r>
+              <a:rPr lang="en-US" dirty="0">
+                <a:solidFill>
+                  <a:srgbClr val="0E0E0E"/>
+                </a:solidFill>
+                <a:effectLst/>
+                <a:latin typeface=".AppleSystemUIFont"/>
+              </a:rPr>
+              <a:t> A larger dataset containing 1,472,952 transactions without a binary fraud indicator. This dataset was used for testing the trained model.</a:t>
+            </a:r>
+          </a:p>
+          <a:p>
+            <a:pPr>
+              <a:spcBef>
+                <a:spcPts val="900"/>
+              </a:spcBef>
+            </a:pPr>
+            <a:r>
+              <a:rPr lang="en-US" dirty="0">
+                <a:solidFill>
+                  <a:srgbClr val="0E0E0E"/>
+                </a:solidFill>
+                <a:effectLst/>
+                <a:latin typeface=".AppleSystemUIFont"/>
+              </a:rPr>
+              <a:t>• </a:t>
+            </a:r>
+            <a:r>
+              <a:rPr lang="en-US" b="1" dirty="0">
+                <a:solidFill>
+                  <a:srgbClr val="0E0E0E"/>
+                </a:solidFill>
+                <a:effectLst/>
+                <a:latin typeface=".AppleSystemUIFont"/>
+              </a:rPr>
+              <a:t>Version 2:</a:t>
+            </a:r>
+            <a:r>
+              <a:rPr lang="en-US" dirty="0">
+                <a:solidFill>
+                  <a:srgbClr val="0E0E0E"/>
+                </a:solidFill>
+                <a:effectLst/>
+                <a:latin typeface=".AppleSystemUIFont"/>
+              </a:rPr>
+              <a:t> A smaller dataset containing 23,634 transactions, which included a binary indicator of fraudulence (1 for fraudulent, 0 for legitimate). This dataset was used for training and evaluating machine learning models.</a:t>
+            </a:r>
+          </a:p>
+          <a:p>
+            <a:r>
+              <a:rPr lang="en-US" dirty="0">
+                <a:solidFill>
+                  <a:srgbClr val="0E0E0E"/>
+                </a:solidFill>
+                <a:effectLst/>
+                <a:latin typeface=".AppleSystemUIFont"/>
+              </a:rPr>
+              <a:t>Initially, the goal was to develop a fraud detection model with an overall prediction accuracy of 75% or higher. However, due to the highly imbalanced nature of the dataset, where fraudulent transactions comprised only 5% of the total, we shifted our focus. The revised objective prioritized </a:t>
+            </a:r>
+            <a:r>
+              <a:rPr lang="en-US" b="1" dirty="0">
+                <a:solidFill>
+                  <a:srgbClr val="0E0E0E"/>
+                </a:solidFill>
+                <a:effectLst/>
+                <a:latin typeface=".AppleSystemUIFont"/>
+              </a:rPr>
+              <a:t>recall</a:t>
+            </a:r>
+            <a:r>
+              <a:rPr lang="en-US" dirty="0">
+                <a:solidFill>
+                  <a:srgbClr val="0E0E0E"/>
+                </a:solidFill>
+                <a:effectLst/>
+                <a:latin typeface=".AppleSystemUIFont"/>
+              </a:rPr>
+              <a:t> (the ability to correctly identify fraudulent transactions) and aimed for a recall value of 75% or higher. This approach aligned with the project’s ultimate goal of minimizing missed fraudulent transactions, even if it meant tolerating a slightly higher rate of false positives.</a:t>
+            </a:r>
+          </a:p>
+          <a:p>
+            <a:r>
+              <a:rPr lang="en-US" dirty="0">
+                <a:solidFill>
+                  <a:srgbClr val="0E0E0E"/>
+                </a:solidFill>
+                <a:effectLst/>
+                <a:latin typeface=".AppleSystemUIFont"/>
+              </a:rPr>
+              <a:t>By balancing precision and recall, our project sought to build an effective fraud detection model that could perform well on both the small training dataset and the larger test dataset.</a:t>
             </a:r>
           </a:p>
         </p:txBody>
@@ -6206,12 +6270,51 @@
           </a:p>
         </p:txBody>
       </p:sp>
+      <p:sp>
+        <p:nvSpPr>
+          <p:cNvPr id="12" name="TextBox 11">
+            <a:extLst>
+              <a:ext uri="{FF2B5EF4-FFF2-40B4-BE49-F238E27FC236}">
+                <a16:creationId xmlns:a16="http://schemas.microsoft.com/office/drawing/2014/main" id="{66612E7C-ECAD-1ED2-1015-B75ECD72C6FA}"/>
+              </a:ext>
+            </a:extLst>
+          </p:cNvPr>
+          <p:cNvSpPr txBox="1"/>
+          <p:nvPr/>
+        </p:nvSpPr>
+        <p:spPr>
+          <a:xfrm>
+            <a:off x="6623957" y="2325745"/>
+            <a:ext cx="4272388" cy="369332"/>
+          </a:xfrm>
+          <a:prstGeom prst="rect">
+            <a:avLst/>
+          </a:prstGeom>
+          <a:noFill/>
+        </p:spPr>
+        <p:txBody>
+          <a:bodyPr wrap="square" rtlCol="0">
+            <a:spAutoFit/>
+          </a:bodyPr>
+          <a:lstStyle/>
+          <a:p>
+            <a:r>
+              <a:rPr lang="en-US" dirty="0" err="1"/>
+              <a:t>XGBoost</a:t>
+            </a:r>
+            <a:r>
+              <a:rPr lang="en-US" dirty="0"/>
+              <a:t> Model</a:t>
+            </a:r>
+          </a:p>
+        </p:txBody>
+      </p:sp>
       <p:pic>
         <p:nvPicPr>
-          <p:cNvPr id="11" name="Picture 10" descr="A screenshot of a computer&#10;&#10;Description automatically generated">
+          <p:cNvPr id="4" name="Picture 3" descr="A screenshot of a computer screen&#10;&#10;Description automatically generated">
             <a:extLst>
               <a:ext uri="{FF2B5EF4-FFF2-40B4-BE49-F238E27FC236}">
-                <a16:creationId xmlns:a16="http://schemas.microsoft.com/office/drawing/2014/main" id="{5A9F481A-69AC-F03B-60E2-69F996CE4E9A}"/>
+                <a16:creationId xmlns:a16="http://schemas.microsoft.com/office/drawing/2014/main" id="{72492017-423B-71CF-C00E-ECA04ABB610A}"/>
               </a:ext>
             </a:extLst>
           </p:cNvPr>
@@ -6228,53 +6331,14 @@
         </p:blipFill>
         <p:spPr>
           <a:xfrm>
-            <a:off x="6623957" y="2854054"/>
-            <a:ext cx="5410200" cy="1968500"/>
+            <a:off x="6468367" y="2879539"/>
+            <a:ext cx="5105400" cy="1892300"/>
           </a:xfrm>
           <a:prstGeom prst="rect">
             <a:avLst/>
           </a:prstGeom>
         </p:spPr>
       </p:pic>
-      <p:sp>
-        <p:nvSpPr>
-          <p:cNvPr id="12" name="TextBox 11">
-            <a:extLst>
-              <a:ext uri="{FF2B5EF4-FFF2-40B4-BE49-F238E27FC236}">
-                <a16:creationId xmlns:a16="http://schemas.microsoft.com/office/drawing/2014/main" id="{66612E7C-ECAD-1ED2-1015-B75ECD72C6FA}"/>
-              </a:ext>
-            </a:extLst>
-          </p:cNvPr>
-          <p:cNvSpPr txBox="1"/>
-          <p:nvPr/>
-        </p:nvSpPr>
-        <p:spPr>
-          <a:xfrm>
-            <a:off x="6623957" y="2325745"/>
-            <a:ext cx="4272388" cy="369332"/>
-          </a:xfrm>
-          <a:prstGeom prst="rect">
-            <a:avLst/>
-          </a:prstGeom>
-          <a:noFill/>
-        </p:spPr>
-        <p:txBody>
-          <a:bodyPr wrap="square" rtlCol="0">
-            <a:spAutoFit/>
-          </a:bodyPr>
-          <a:lstStyle/>
-          <a:p>
-            <a:r>
-              <a:rPr lang="en-US" dirty="0" err="1"/>
-              <a:t>XGBoost</a:t>
-            </a:r>
-            <a:r>
-              <a:rPr lang="en-US" dirty="0"/>
-              <a:t> Model</a:t>
-            </a:r>
-          </a:p>
-        </p:txBody>
-      </p:sp>
     </p:spTree>
     <p:extLst>
       <p:ext uri="{BB962C8B-B14F-4D97-AF65-F5344CB8AC3E}">
@@ -6810,7 +6874,7 @@
             <a:pPr algn="r"/>
             <a:r>
               <a:rPr lang="en-US" dirty="0"/>
-              <a:t>Analysis &amp; Conclusion</a:t>
+              <a:t>Conclusion</a:t>
             </a:r>
           </a:p>
         </p:txBody>
@@ -6896,6 +6960,15 @@
           </a:bodyPr>
           <a:lstStyle/>
           <a:p>
+            <a:endParaRPr lang="en-US" dirty="0">
+              <a:solidFill>
+                <a:srgbClr val="0E0E0E"/>
+              </a:solidFill>
+              <a:effectLst/>
+              <a:latin typeface=".AppleSystemUIFont"/>
+            </a:endParaRPr>
+          </a:p>
+          <a:p>
             <a:r>
               <a:rPr lang="en-US" dirty="0">
                 <a:solidFill>
@@ -6904,10 +6977,10 @@
                 <a:effectLst/>
                 <a:latin typeface=".AppleSystemUIFont"/>
               </a:rPr>
-              <a:t>While the model performs well overall (95% accuracy), its ability to detect fraudulent transactions specifically (Class 1 metrics) falls short of the target. The highest F1-Score we were able to achieve for Class 1 using our </a:t>
-            </a:r>
-            <a:r>
-              <a:rPr lang="en-US" dirty="0" err="1">
+              <a:t>The </a:t>
+            </a:r>
+            <a:r>
+              <a:rPr lang="en-US" b="1" dirty="0" err="1">
                 <a:solidFill>
                   <a:srgbClr val="0E0E0E"/>
                 </a:solidFill>
@@ -6917,6 +6990,16 @@
               <a:t>XGBoost</a:t>
             </a:r>
             <a:r>
+              <a:rPr lang="en-US" b="1" dirty="0">
+                <a:solidFill>
+                  <a:srgbClr val="0E0E0E"/>
+                </a:solidFill>
+                <a:effectLst/>
+                <a:latin typeface=".AppleSystemUIFont"/>
+              </a:rPr>
+              <a:t> model</a:t>
+            </a:r>
+            <a:r>
               <a:rPr lang="en-US" dirty="0">
                 <a:solidFill>
                   <a:srgbClr val="0E0E0E"/>
@@ -6924,7 +7007,59 @@
                 <a:effectLst/>
                 <a:latin typeface=".AppleSystemUIFont"/>
               </a:rPr>
-              <a:t> model was 52% of the 75% or more goal.</a:t>
+              <a:t> was decided to be the most effective solution for detecting fraudulent e-commerce transactions based on accuracy and speed. While the original goal of achieving 75% overall prediction accuracy was reconsidered due to the imbalanced dataset, the new focus on </a:t>
+            </a:r>
+            <a:r>
+              <a:rPr lang="en-US" b="1" dirty="0">
+                <a:solidFill>
+                  <a:srgbClr val="0E0E0E"/>
+                </a:solidFill>
+                <a:effectLst/>
+                <a:latin typeface=".AppleSystemUIFont"/>
+              </a:rPr>
+              <a:t>recall</a:t>
+            </a:r>
+            <a:r>
+              <a:rPr lang="en-US" dirty="0">
+                <a:solidFill>
+                  <a:srgbClr val="0E0E0E"/>
+                </a:solidFill>
+                <a:effectLst/>
+                <a:latin typeface=".AppleSystemUIFont"/>
+              </a:rPr>
+              <a:t> ensured the detection of a significant proportion of fraudulent transactions.</a:t>
+            </a:r>
+          </a:p>
+          <a:p>
+            <a:r>
+              <a:rPr lang="en-US" dirty="0">
+                <a:solidFill>
+                  <a:srgbClr val="0E0E0E"/>
+                </a:solidFill>
+                <a:effectLst/>
+                <a:latin typeface=".AppleSystemUIFont"/>
+              </a:rPr>
+              <a:t>The final model provided a </a:t>
+            </a:r>
+            <a:r>
+              <a:rPr lang="en-US" b="1" dirty="0">
+                <a:solidFill>
+                  <a:srgbClr val="0E0E0E"/>
+                </a:solidFill>
+                <a:effectLst/>
+                <a:latin typeface=".AppleSystemUIFont"/>
+              </a:rPr>
+              <a:t>recall of 75%</a:t>
+            </a:r>
+            <a:r>
+              <a:rPr lang="en-US" dirty="0">
+                <a:solidFill>
+                  <a:srgbClr val="0E0E0E"/>
+                </a:solidFill>
+                <a:effectLst/>
+                <a:latin typeface=".AppleSystemUIFont"/>
+              </a:rPr>
+              <a:t>, which means 3 out of 4 fraudulent transactions were correctly identified. This result demonstrates the model’s effectiveness in high-stakes scenarios where missing fraudulent cases is costlier than flagging legitimate ones. The decision threshold can be adjusted to optimize the balance between precision and recall, allowing for quick adaptability to business needs, while maintaining speed and scalability for large-scale datasets.</a:t>
             </a:r>
           </a:p>
           <a:p>

--- a/Project 4 Presentation.pptx
+++ b/Project 4 Presentation.pptx
@@ -10,9 +10,9 @@
   <p:sldIdLst>
     <p:sldId id="256" r:id="rId2"/>
     <p:sldId id="268" r:id="rId3"/>
-    <p:sldId id="273" r:id="rId4"/>
-    <p:sldId id="274" r:id="rId5"/>
-    <p:sldId id="270" r:id="rId6"/>
+    <p:sldId id="270" r:id="rId4"/>
+    <p:sldId id="273" r:id="rId5"/>
+    <p:sldId id="274" r:id="rId6"/>
     <p:sldId id="263" r:id="rId7"/>
     <p:sldId id="264" r:id="rId8"/>
   </p:sldIdLst>
@@ -203,7 +203,7 @@
           <a:p>
             <a:fld id="{BF5AA480-C879-5647-9213-4AB0980B2004}" type="datetimeFigureOut">
               <a:rPr lang="en-US" smtClean="0"/>
-              <a:t>1/9/25</a:t>
+              <a:t>1/13/25</a:t>
             </a:fld>
             <a:endParaRPr lang="en-US"/>
           </a:p>
@@ -601,6 +601,184 @@
           <a:bodyPr/>
           <a:lstStyle/>
           <a:p>
+            <a:r>
+              <a:rPr lang="en-US" b="0" dirty="0"/>
+              <a:t>Our project </a:t>
+            </a:r>
+            <a:r>
+              <a:rPr lang="en-US" b="0" dirty="0">
+                <a:solidFill>
+                  <a:srgbClr val="0E0E0E"/>
+                </a:solidFill>
+                <a:effectLst/>
+                <a:latin typeface=".AppleSystemUIFont"/>
+              </a:rPr>
+              <a:t>focused on Detecting Fraudulent E-Commerce Transactions using machine learning. Fraud detection is a critical issue in today’s digital marketplace, and we set out to create a model that could identify fraudulent transactions accurately and efficiently.</a:t>
+            </a:r>
+          </a:p>
+          <a:p>
+            <a:endParaRPr lang="en-US" b="0" dirty="0">
+              <a:solidFill>
+                <a:srgbClr val="0E0E0E"/>
+              </a:solidFill>
+              <a:effectLst/>
+              <a:latin typeface=".AppleSystemUIFont"/>
+            </a:endParaRPr>
+          </a:p>
+          <a:p>
+            <a:r>
+              <a:rPr lang="en-US" b="0" dirty="0">
+                <a:solidFill>
+                  <a:srgbClr val="0E0E0E"/>
+                </a:solidFill>
+                <a:effectLst/>
+                <a:latin typeface=".AppleSystemUIFont"/>
+              </a:rPr>
+              <a:t>We worked with two datasets:</a:t>
+            </a:r>
+          </a:p>
+          <a:p>
+            <a:pPr>
+              <a:spcBef>
+                <a:spcPts val="900"/>
+              </a:spcBef>
+            </a:pPr>
+            <a:r>
+              <a:rPr lang="en-US" b="0" dirty="0">
+                <a:solidFill>
+                  <a:srgbClr val="0E0E0E"/>
+                </a:solidFill>
+                <a:effectLst/>
+                <a:latin typeface=".AppleSystemUIFont"/>
+              </a:rPr>
+              <a:t>• Version 1, our larger dataset with over 1.4 million transactions, served as the test dataset. This dataset did not include a fraud indicator, which meant it was used solely to evaluate our model’s performance.</a:t>
+            </a:r>
+          </a:p>
+          <a:p>
+            <a:pPr>
+              <a:spcBef>
+                <a:spcPts val="900"/>
+              </a:spcBef>
+            </a:pPr>
+            <a:r>
+              <a:rPr lang="en-US" b="0" dirty="0">
+                <a:solidFill>
+                  <a:srgbClr val="0E0E0E"/>
+                </a:solidFill>
+                <a:effectLst/>
+                <a:latin typeface=".AppleSystemUIFont"/>
+              </a:rPr>
+              <a:t>• Version 2, a smaller dataset with 23,634 transactions, included a binary fraud indicator—1 for fraudulent and 0 for legitimate—and was used for training and evaluation.</a:t>
+            </a:r>
+          </a:p>
+          <a:p>
+            <a:endParaRPr lang="en-US" b="0" dirty="0">
+              <a:solidFill>
+                <a:srgbClr val="0E0E0E"/>
+              </a:solidFill>
+              <a:effectLst/>
+              <a:latin typeface=".AppleSystemUIFont"/>
+            </a:endParaRPr>
+          </a:p>
+          <a:p>
+            <a:r>
+              <a:rPr lang="en-US" b="0" dirty="0">
+                <a:solidFill>
+                  <a:srgbClr val="0E0E0E"/>
+                </a:solidFill>
+                <a:effectLst/>
+                <a:latin typeface=".AppleSystemUIFont"/>
+              </a:rPr>
+              <a:t>Our objective was twofold:</a:t>
+            </a:r>
+          </a:p>
+          <a:p>
+            <a:pPr>
+              <a:spcBef>
+                <a:spcPts val="900"/>
+              </a:spcBef>
+            </a:pPr>
+            <a:r>
+              <a:rPr lang="en-US" b="0" dirty="0">
+                <a:solidFill>
+                  <a:srgbClr val="0E0E0E"/>
+                </a:solidFill>
+                <a:effectLst/>
+                <a:latin typeface=".AppleSystemUIFont"/>
+              </a:rPr>
+              <a:t>1. Develop a fraud detection model capable of achieving 75% or higher accuracy for both fraudulent and legitimate transactions.</a:t>
+            </a:r>
+          </a:p>
+          <a:p>
+            <a:pPr marL="0" marR="0" lvl="0" indent="0" algn="l" defTabSz="914400" rtl="0" eaLnBrk="1" fontAlgn="auto" latinLnBrk="0" hangingPunct="1">
+              <a:lnSpc>
+                <a:spcPct val="100000"/>
+              </a:lnSpc>
+              <a:spcBef>
+                <a:spcPts val="900"/>
+              </a:spcBef>
+              <a:spcAft>
+                <a:spcPts val="0"/>
+              </a:spcAft>
+              <a:buClrTx/>
+              <a:buSzTx/>
+              <a:buFontTx/>
+              <a:buNone/>
+              <a:tabLst/>
+              <a:defRPr/>
+            </a:pPr>
+            <a:r>
+              <a:rPr lang="en-US" b="0" dirty="0">
+                <a:solidFill>
+                  <a:srgbClr val="0E0E0E"/>
+                </a:solidFill>
+                <a:effectLst/>
+                <a:latin typeface=".AppleSystemUIFont"/>
+              </a:rPr>
+              <a:t>2. Address the class imbalance in the dataset, where only 5% of transactions were fraudulent. This imbalance made it challenging to detect fraud effectively without favoring legitimate transactions.</a:t>
+            </a:r>
+          </a:p>
+          <a:p>
+            <a:pPr>
+              <a:spcBef>
+                <a:spcPts val="900"/>
+              </a:spcBef>
+            </a:pPr>
+            <a:endParaRPr lang="en-US" b="0" dirty="0">
+              <a:solidFill>
+                <a:srgbClr val="0E0E0E"/>
+              </a:solidFill>
+              <a:effectLst/>
+              <a:latin typeface=".AppleSystemUIFont"/>
+            </a:endParaRPr>
+          </a:p>
+          <a:p>
+            <a:r>
+              <a:rPr lang="en-US" b="0" dirty="0">
+                <a:solidFill>
+                  <a:srgbClr val="0E0E0E"/>
+                </a:solidFill>
+                <a:effectLst/>
+                <a:latin typeface=".AppleSystemUIFont"/>
+              </a:rPr>
+              <a:t>To meet these goals, we tested three machine learning models, focusing on building a scalable solution that balanced accuracy and fairness across both classes, even with imbalanced data.</a:t>
+            </a:r>
+          </a:p>
+          <a:p>
+            <a:pPr>
+              <a:spcBef>
+                <a:spcPts val="900"/>
+              </a:spcBef>
+            </a:pPr>
+            <a:endParaRPr lang="en-US" dirty="0">
+              <a:solidFill>
+                <a:srgbClr val="0E0E0E"/>
+              </a:solidFill>
+              <a:effectLst/>
+              <a:latin typeface=".AppleSystemUIFont"/>
+            </a:endParaRPr>
+          </a:p>
+          <a:p>
             <a:endParaRPr lang="en-US" dirty="0"/>
           </a:p>
         </p:txBody>
@@ -685,83 +863,7 @@
           <a:bodyPr/>
           <a:lstStyle/>
           <a:p>
-            <a:r>
-              <a:rPr lang="en-US" b="1" dirty="0"/>
-              <a:t>Logistic Regression Model: </a:t>
-            </a:r>
-            <a:r>
-              <a:rPr lang="en-US" dirty="0"/>
-              <a:t>While we were able to achieve higher recall values for Class 1 (fraudulent transactions), there was extremely low precision, meaning it predicts more false positives, flagging legitimate transactions as fraudulent. We decided to experiment with other models to see if we could get higher precision, while maintaining a 75% or higher on the recall values. </a:t>
-            </a:r>
-          </a:p>
-          <a:p>
             <a:endParaRPr lang="en-US" dirty="0"/>
-          </a:p>
-          <a:p>
-            <a:r>
-              <a:rPr lang="en-US" dirty="0"/>
-              <a:t>In addition, it took about 30 minutes to run the smaller dataset of 23k records and over 2 hours to run the larger dataset of 1.4mil records. We also wanted to find a model that potentially performed better in processing time.</a:t>
-            </a:r>
-          </a:p>
-          <a:p>
-            <a:endParaRPr lang="en-US" dirty="0"/>
-          </a:p>
-          <a:p>
-            <a:r>
-              <a:rPr lang="en-US" b="1" dirty="0"/>
-              <a:t>Random Forest Model with SMOTE: </a:t>
-            </a:r>
-            <a:r>
-              <a:rPr lang="en-US" b="0" dirty="0"/>
-              <a:t>To account for the imbalanced datasets, where the minority class is underrepresented, we incorporated SMOTE with our random forest model, which generated synthetic samples of the minority class to balance the data. However, it did not achieve the high recall values we were looking to obtain while improving precision.</a:t>
-            </a:r>
-          </a:p>
-          <a:p>
-            <a:endParaRPr lang="en-US" b="0" dirty="0"/>
-          </a:p>
-          <a:p>
-            <a:r>
-              <a:rPr lang="en-US" b="0" dirty="0"/>
-              <a:t>*SMOTE (Synthetic Minority Oversampling Technique):</a:t>
-            </a:r>
-          </a:p>
-          <a:p>
-            <a:pPr marL="0" marR="0" lvl="0" indent="0" algn="l" defTabSz="914400" rtl="0" eaLnBrk="1" fontAlgn="auto" latinLnBrk="0" hangingPunct="1">
-              <a:lnSpc>
-                <a:spcPct val="100000"/>
-              </a:lnSpc>
-              <a:spcBef>
-                <a:spcPts val="0"/>
-              </a:spcBef>
-              <a:spcAft>
-                <a:spcPts val="0"/>
-              </a:spcAft>
-              <a:buClrTx/>
-              <a:buSzTx/>
-              <a:buFontTx/>
-              <a:buNone/>
-              <a:tabLst/>
-              <a:defRPr/>
-            </a:pPr>
-            <a:r>
-              <a:rPr lang="en-US" dirty="0">
-                <a:solidFill>
-                  <a:srgbClr val="0E0E0E"/>
-                </a:solidFill>
-                <a:effectLst/>
-                <a:latin typeface=".AppleSystemUIFont"/>
-              </a:rPr>
-              <a:t>SMOTE is a data augmentation technique used to address class imbalance in datasets, especially in machine learning problems. It generates synthetic samples for the minority class by interpolating between existing minority class samples, rather than simply duplicating them. (looking at the 5 nearest neighbors by default)</a:t>
-            </a:r>
-          </a:p>
-          <a:p>
-            <a:endParaRPr lang="en-US" b="1" dirty="0"/>
-          </a:p>
-          <a:p>
-            <a:r>
-              <a:rPr lang="en-US" b="0" dirty="0"/>
-              <a:t>*Model selection was based on training and testing on smaller dataset 23k records</a:t>
-            </a:r>
           </a:p>
         </p:txBody>
       </p:sp>
@@ -791,7 +893,7 @@
     </p:spTree>
     <p:extLst>
       <p:ext uri="{BB962C8B-B14F-4D97-AF65-F5344CB8AC3E}">
-        <p14:creationId xmlns:p14="http://schemas.microsoft.com/office/powerpoint/2010/main" val="3246705064"/>
+        <p14:creationId xmlns:p14="http://schemas.microsoft.com/office/powerpoint/2010/main" val="367440768"/>
       </p:ext>
     </p:extLst>
   </p:cSld>
@@ -846,113 +948,43 @@
           <a:lstStyle/>
           <a:p>
             <a:r>
-              <a:rPr lang="en-US" b="1" dirty="0" err="1"/>
-              <a:t>XGBoost</a:t>
-            </a:r>
-            <a:r>
-              <a:rPr lang="en-US" b="1" dirty="0"/>
-              <a:t> Model: </a:t>
-            </a:r>
-            <a:r>
-              <a:rPr lang="en-US" b="0" dirty="0"/>
-              <a:t>The </a:t>
-            </a:r>
-            <a:r>
-              <a:rPr lang="en-US" b="0" dirty="0" err="1"/>
-              <a:t>XGBoost</a:t>
-            </a:r>
-            <a:r>
-              <a:rPr lang="en-US" b="0" dirty="0"/>
-              <a:t> model outperformed the Random Forest model with SMOTE in recall (75% versus 48%) for Class 1, fraudulent records. While this model is comparable to the original Logistic Regression model, the optimized performance and speed with which it is able to run our larger datasets made it the winning choice in the selection process.</a:t>
-            </a:r>
-            <a:endParaRPr lang="en-US" b="1" dirty="0"/>
-          </a:p>
-          <a:p>
-            <a:endParaRPr lang="en-US" b="1" dirty="0"/>
-          </a:p>
-          <a:p>
-            <a:r>
-              <a:rPr lang="en-US" b="0" dirty="0"/>
-              <a:t>*</a:t>
-            </a:r>
-            <a:r>
-              <a:rPr lang="en-US" b="0" dirty="0" err="1"/>
-              <a:t>XGBoost</a:t>
-            </a:r>
-            <a:r>
-              <a:rPr lang="en-US" b="0" dirty="0"/>
-              <a:t> (Extreme Gradient Boosting):</a:t>
-            </a:r>
-          </a:p>
-          <a:p>
-            <a:r>
-              <a:rPr lang="en-US" b="0" i="0" dirty="0" err="1">
-                <a:solidFill>
-                  <a:srgbClr val="D1D2D3"/>
+              <a:rPr lang="en-US" dirty="0">
+                <a:solidFill>
+                  <a:srgbClr val="0E0E0E"/>
                 </a:solidFill>
                 <a:effectLst/>
-                <a:latin typeface="Slack-Lato"/>
+                <a:latin typeface=".AppleSystemUIFont"/>
               </a:rPr>
-              <a:t>XGBoost</a:t>
-            </a:r>
-            <a:r>
-              <a:rPr lang="en-US" b="0" i="0" dirty="0">
-                <a:solidFill>
-                  <a:srgbClr val="D1D2D3"/>
+              <a:t>We initially tested a </a:t>
+            </a:r>
+            <a:r>
+              <a:rPr lang="en-US" b="0" dirty="0">
+                <a:solidFill>
+                  <a:srgbClr val="0E0E0E"/>
                 </a:solidFill>
                 <a:effectLst/>
-                <a:latin typeface="Slack-Lato"/>
+                <a:latin typeface=".AppleSystemUIFont"/>
               </a:rPr>
-              <a:t> is a gradient-boosting algorithm designed for optimized performance and speed. It sequentially builds decision trees, correcting errors made by previous trees. Instead of using SMOTE, </a:t>
-            </a:r>
-            <a:r>
-              <a:rPr lang="en-US" b="0" i="0" dirty="0" err="1">
-                <a:solidFill>
-                  <a:srgbClr val="D1D2D3"/>
+              <a:t>logistic regression model, </a:t>
+            </a:r>
+            <a:r>
+              <a:rPr lang="en-US" dirty="0">
+                <a:solidFill>
+                  <a:srgbClr val="0E0E0E"/>
                 </a:solidFill>
                 <a:effectLst/>
-                <a:latin typeface="Slack-Lato"/>
+                <a:latin typeface=".AppleSystemUIFont"/>
               </a:rPr>
-              <a:t>XGBoost</a:t>
-            </a:r>
-            <a:r>
-              <a:rPr lang="en-US" b="0" i="0" dirty="0">
-                <a:solidFill>
-                  <a:srgbClr val="D1D2D3"/>
-                </a:solidFill>
-                <a:effectLst/>
-                <a:latin typeface="Slack-Lato"/>
-              </a:rPr>
-              <a:t> addresses class imbalance through its </a:t>
-            </a:r>
-            <a:r>
-              <a:rPr lang="en-US" b="0" i="0" dirty="0" err="1">
-                <a:solidFill>
-                  <a:srgbClr val="D1D2D3"/>
-                </a:solidFill>
-                <a:effectLst/>
-                <a:latin typeface="Slack-Lato"/>
-              </a:rPr>
-              <a:t>scale_pos_weight</a:t>
-            </a:r>
-            <a:r>
-              <a:rPr lang="en-US" b="0" i="0" dirty="0">
-                <a:solidFill>
-                  <a:srgbClr val="D1D2D3"/>
-                </a:solidFill>
-                <a:effectLst/>
-                <a:latin typeface="Slack-Lato"/>
-              </a:rPr>
-              <a:t> parameter, which adjusts the importance of the minority class.</a:t>
-            </a:r>
-          </a:p>
-          <a:p>
-            <a:endParaRPr lang="en-US" b="0" i="0" dirty="0">
+              <a:t>which gave us strong results for overall accuracy at 95%. While precision for legitimate transactions (Class 0) was nearly perfect, the model struggled with fraudulent transactions (Class 1), achieving a precision of only 11% but a high recall of 88%. This highlighted a significant imbalance—the model flagged many false positives when predicting fraud, which is not ideal for real-world scenarios.</a:t>
+            </a:r>
+          </a:p>
+          <a:p>
+            <a:endParaRPr lang="en-US" dirty="0">
               <a:solidFill>
-                <a:srgbClr val="D1D2D3"/>
+                <a:srgbClr val="0E0E0E"/>
               </a:solidFill>
               <a:effectLst/>
-              <a:latin typeface="Slack-Lato"/>
+              <a:latin typeface=".AppleSystemUIFont"/>
             </a:endParaRPr>
           </a:p>
           <a:p>
@@ -974,12 +1006,92 @@
               <a:defRPr/>
             </a:pPr>
             <a:r>
-              <a:rPr lang="en-US" b="0" dirty="0"/>
-              <a:t>*Model selection was based on training and testing on smaller dataset 23k records</a:t>
-            </a:r>
-          </a:p>
-          <a:p>
-            <a:endParaRPr lang="en-US" b="0" dirty="0"/>
+              <a:rPr lang="en-US" dirty="0">
+                <a:solidFill>
+                  <a:srgbClr val="0E0E0E"/>
+                </a:solidFill>
+                <a:effectLst/>
+                <a:latin typeface=".AppleSystemUIFont"/>
+              </a:rPr>
+              <a:t>To address these challenges, we tested </a:t>
+            </a:r>
+            <a:r>
+              <a:rPr lang="en-US" b="0" dirty="0" err="1">
+                <a:solidFill>
+                  <a:srgbClr val="0E0E0E"/>
+                </a:solidFill>
+                <a:effectLst/>
+                <a:latin typeface=".AppleSystemUIFont"/>
+              </a:rPr>
+              <a:t>XGBoost</a:t>
+            </a:r>
+            <a:r>
+              <a:rPr lang="en-US" dirty="0">
+                <a:solidFill>
+                  <a:srgbClr val="0E0E0E"/>
+                </a:solidFill>
+                <a:effectLst/>
+                <a:latin typeface=".AppleSystemUIFont"/>
+              </a:rPr>
+              <a:t>, a gradient boosting. This approach builds a sequence of decision trees, where each tree learns from the errors of the previous ones to iteratively improve performance. This approach achieved an overall accuracy of 96% and improved performance for Class 1 with a precision of 69% and an F1-score of 59%. The model provided a better balance between precision and recall, significantly reducing false positives compared to logistic regression. In addition, its scalability allowed it to handle the larger dataset much more efficiently, making it a practical choice for real-world application.</a:t>
+            </a:r>
+            <a:endParaRPr lang="en-US" b="1" dirty="0"/>
+          </a:p>
+          <a:p>
+            <a:endParaRPr lang="en-US" b="1" dirty="0"/>
+          </a:p>
+          <a:p>
+            <a:r>
+              <a:rPr lang="en-US" b="0" dirty="0">
+                <a:solidFill>
+                  <a:srgbClr val="0E0E0E"/>
+                </a:solidFill>
+                <a:effectLst/>
+                <a:latin typeface=".AppleSystemUIFont"/>
+              </a:rPr>
+              <a:t>Analysis:</a:t>
+            </a:r>
+          </a:p>
+          <a:p>
+            <a:endParaRPr lang="en-US" dirty="0">
+              <a:solidFill>
+                <a:srgbClr val="0E0E0E"/>
+              </a:solidFill>
+              <a:effectLst/>
+              <a:latin typeface=".AppleSystemUIFont"/>
+            </a:endParaRPr>
+          </a:p>
+          <a:p>
+            <a:r>
+              <a:rPr lang="en-US" dirty="0">
+                <a:solidFill>
+                  <a:srgbClr val="0E0E0E"/>
+                </a:solidFill>
+                <a:effectLst/>
+                <a:latin typeface=".AppleSystemUIFont"/>
+              </a:rPr>
+              <a:t>With </a:t>
+            </a:r>
+            <a:r>
+              <a:rPr lang="en-US" dirty="0" err="1">
+                <a:solidFill>
+                  <a:srgbClr val="0E0E0E"/>
+                </a:solidFill>
+                <a:effectLst/>
+                <a:latin typeface=".AppleSystemUIFont"/>
+              </a:rPr>
+              <a:t>XGBoost</a:t>
+            </a:r>
+            <a:r>
+              <a:rPr lang="en-US" dirty="0">
+                <a:solidFill>
+                  <a:srgbClr val="0E0E0E"/>
+                </a:solidFill>
+                <a:effectLst/>
+                <a:latin typeface=".AppleSystemUIFont"/>
+              </a:rPr>
+              <a:t>, we effectively addressed the dataset imbalance and achieved robust fraud detection results. The model demonstrated high accuracy for legitimate transactions and a more balanced trade-off for identifying fraudulent ones, technically meeting our goal of 75% accuracy or higher. However, the relatively low precision and recall for fraudulent transactions indicate that the model is not yet suitable for real-world application, as it may result in too many false positives or missed fraudulent cases.</a:t>
+            </a:r>
           </a:p>
         </p:txBody>
       </p:sp>
@@ -1009,7 +1121,7 @@
     </p:spTree>
     <p:extLst>
       <p:ext uri="{BB962C8B-B14F-4D97-AF65-F5344CB8AC3E}">
-        <p14:creationId xmlns:p14="http://schemas.microsoft.com/office/powerpoint/2010/main" val="1390183804"/>
+        <p14:creationId xmlns:p14="http://schemas.microsoft.com/office/powerpoint/2010/main" val="3246705064"/>
       </p:ext>
     </p:extLst>
   </p:cSld>
@@ -1063,11 +1175,6 @@
           <a:bodyPr/>
           <a:lstStyle/>
           <a:p>
-            <a:pPr>
-              <a:spcBef>
-                <a:spcPts val="900"/>
-              </a:spcBef>
-            </a:pPr>
             <a:r>
               <a:rPr lang="en-US" dirty="0">
                 <a:solidFill>
@@ -1076,17 +1183,17 @@
                 <a:effectLst/>
                 <a:latin typeface=".AppleSystemUIFont"/>
               </a:rPr>
-              <a:t>1. </a:t>
-            </a:r>
-            <a:r>
-              <a:rPr lang="en-US" b="1" dirty="0">
+              <a:t>While </a:t>
+            </a:r>
+            <a:r>
+              <a:rPr lang="en-US" dirty="0" err="1">
                 <a:solidFill>
                   <a:srgbClr val="0E0E0E"/>
                 </a:solidFill>
                 <a:effectLst/>
                 <a:latin typeface=".AppleSystemUIFont"/>
               </a:rPr>
-              <a:t>High Precision at Low Recall</a:t>
+              <a:t>XGBoost</a:t>
             </a:r>
             <a:r>
               <a:rPr lang="en-US" dirty="0">
@@ -1096,16 +1203,9 @@
                 <a:effectLst/>
                 <a:latin typeface=".AppleSystemUIFont"/>
               </a:rPr>
-              <a:t>:</a:t>
-            </a:r>
-          </a:p>
-          <a:p>
-            <a:pPr lvl="1">
-              <a:spcBef>
-                <a:spcPts val="900"/>
-              </a:spcBef>
-            </a:pPr>
-            <a:r>
+              <a:t> demonstrated significant improvements in handling the imbalanced dataset and provided a better trade-off between precision and recall compared to logistic regression, we decided to explore Random Forest with SMOTE to evaluate if better results could be achieved.</a:t>
+            </a:r>
+            <a:br>
               <a:rPr lang="en-US" dirty="0">
                 <a:solidFill>
                   <a:srgbClr val="0E0E0E"/>
@@ -1113,15 +1213,7 @@
                 <a:effectLst/>
                 <a:latin typeface=".AppleSystemUIFont"/>
               </a:rPr>
-              <a:t>On the left side of the curve, the precision is close to 1.0 when recall is very low. This indicates that when the model predicts very few transactions as fraudulent, it is mostly correct (fewer false positives). However, it is missing a lot of actual fraudulent transactions.</a:t>
-            </a:r>
-          </a:p>
-          <a:p>
-            <a:pPr>
-              <a:spcBef>
-                <a:spcPts val="900"/>
-              </a:spcBef>
-            </a:pPr>
+            </a:br>
             <a:endParaRPr lang="en-US" dirty="0">
               <a:solidFill>
                 <a:srgbClr val="0E0E0E"/>
@@ -1131,11 +1223,6 @@
             </a:endParaRPr>
           </a:p>
           <a:p>
-            <a:pPr>
-              <a:spcBef>
-                <a:spcPts val="900"/>
-              </a:spcBef>
-            </a:pPr>
             <a:r>
               <a:rPr lang="en-US" dirty="0">
                 <a:solidFill>
@@ -1144,184 +1231,11 @@
                 <a:effectLst/>
                 <a:latin typeface=".AppleSystemUIFont"/>
               </a:rPr>
-              <a:t>2. </a:t>
-            </a:r>
-            <a:r>
-              <a:rPr lang="en-US" b="1" dirty="0">
-                <a:solidFill>
-                  <a:srgbClr val="0E0E0E"/>
-                </a:solidFill>
-                <a:effectLst/>
-                <a:latin typeface=".AppleSystemUIFont"/>
-              </a:rPr>
-              <a:t>Trade-Off</a:t>
-            </a:r>
-            <a:r>
-              <a:rPr lang="en-US" dirty="0">
-                <a:solidFill>
-                  <a:srgbClr val="0E0E0E"/>
-                </a:solidFill>
-                <a:effectLst/>
-                <a:latin typeface=".AppleSystemUIFont"/>
-              </a:rPr>
-              <a:t>:</a:t>
-            </a:r>
-          </a:p>
-          <a:p>
-            <a:pPr lvl="1">
-              <a:spcBef>
-                <a:spcPts val="900"/>
-              </a:spcBef>
-            </a:pPr>
-            <a:r>
-              <a:rPr lang="en-US" dirty="0">
-                <a:solidFill>
-                  <a:srgbClr val="0E0E0E"/>
-                </a:solidFill>
-                <a:effectLst/>
-                <a:latin typeface=".AppleSystemUIFont"/>
-              </a:rPr>
-              <a:t>As recall increases (moving right along the x-axis), the precision decreases. This is because, to catch more fraudulent transactions, the model starts predicting more transactions as fraudulent, which increases false positives.</a:t>
-            </a:r>
-          </a:p>
-          <a:p>
-            <a:pPr>
-              <a:spcBef>
-                <a:spcPts val="900"/>
-              </a:spcBef>
-            </a:pPr>
-            <a:endParaRPr lang="en-US" dirty="0">
-              <a:solidFill>
-                <a:srgbClr val="0E0E0E"/>
-              </a:solidFill>
-              <a:effectLst/>
-              <a:latin typeface=".AppleSystemUIFont"/>
-            </a:endParaRPr>
-          </a:p>
-          <a:p>
-            <a:pPr>
-              <a:spcBef>
-                <a:spcPts val="900"/>
-              </a:spcBef>
-            </a:pPr>
-            <a:r>
-              <a:rPr lang="en-US" dirty="0">
-                <a:solidFill>
-                  <a:srgbClr val="0E0E0E"/>
-                </a:solidFill>
-                <a:effectLst/>
-                <a:latin typeface=".AppleSystemUIFont"/>
-              </a:rPr>
-              <a:t>3. </a:t>
-            </a:r>
-            <a:r>
-              <a:rPr lang="en-US" b="1" dirty="0">
-                <a:solidFill>
-                  <a:srgbClr val="0E0E0E"/>
-                </a:solidFill>
-                <a:effectLst/>
-                <a:latin typeface=".AppleSystemUIFont"/>
-              </a:rPr>
-              <a:t>Model Performance</a:t>
-            </a:r>
-            <a:r>
-              <a:rPr lang="en-US" dirty="0">
-                <a:solidFill>
-                  <a:srgbClr val="0E0E0E"/>
-                </a:solidFill>
-                <a:effectLst/>
-                <a:latin typeface=".AppleSystemUIFont"/>
-              </a:rPr>
-              <a:t>:</a:t>
-            </a:r>
-          </a:p>
-          <a:p>
-            <a:pPr lvl="1">
-              <a:spcBef>
-                <a:spcPts val="900"/>
-              </a:spcBef>
-            </a:pPr>
-            <a:r>
-              <a:rPr lang="en-US" dirty="0">
-                <a:solidFill>
-                  <a:srgbClr val="0E0E0E"/>
-                </a:solidFill>
-                <a:effectLst/>
-                <a:latin typeface=".AppleSystemUIFont"/>
-              </a:rPr>
-              <a:t>The area under the curve gives a sense of how well the model performs. If the curve stays high (closer to 1.0), it indicates that the model maintains a good balance between precision and recall. A steep drop-off in precision as recall increases may indicate a trade-off between identifying true positives and avoiding false positives.</a:t>
-            </a:r>
-          </a:p>
-          <a:p>
-            <a:pPr>
-              <a:spcBef>
-                <a:spcPts val="900"/>
-              </a:spcBef>
-            </a:pPr>
-            <a:endParaRPr lang="en-US" dirty="0">
-              <a:solidFill>
-                <a:srgbClr val="0E0E0E"/>
-              </a:solidFill>
-              <a:effectLst/>
-              <a:latin typeface=".AppleSystemUIFont"/>
-            </a:endParaRPr>
-          </a:p>
-          <a:p>
-            <a:pPr>
-              <a:spcBef>
-                <a:spcPts val="900"/>
-              </a:spcBef>
-            </a:pPr>
-            <a:r>
-              <a:rPr lang="en-US" dirty="0">
-                <a:solidFill>
-                  <a:srgbClr val="0E0E0E"/>
-                </a:solidFill>
-                <a:effectLst/>
-                <a:latin typeface=".AppleSystemUIFont"/>
-              </a:rPr>
-              <a:t>4. </a:t>
-            </a:r>
-            <a:r>
-              <a:rPr lang="en-US" b="1" dirty="0">
-                <a:solidFill>
-                  <a:srgbClr val="0E0E0E"/>
-                </a:solidFill>
-                <a:effectLst/>
-                <a:latin typeface=".AppleSystemUIFont"/>
-              </a:rPr>
-              <a:t>Application-Specific Decision</a:t>
-            </a:r>
-            <a:r>
-              <a:rPr lang="en-US" dirty="0">
-                <a:solidFill>
-                  <a:srgbClr val="0E0E0E"/>
-                </a:solidFill>
-                <a:effectLst/>
-                <a:latin typeface=".AppleSystemUIFont"/>
-              </a:rPr>
-              <a:t>:</a:t>
-            </a:r>
-          </a:p>
-          <a:p>
-            <a:pPr lvl="1">
-              <a:spcBef>
-                <a:spcPts val="900"/>
-              </a:spcBef>
-            </a:pPr>
-            <a:r>
-              <a:rPr lang="en-US" dirty="0">
-                <a:solidFill>
-                  <a:srgbClr val="0E0E0E"/>
-                </a:solidFill>
-                <a:effectLst/>
-                <a:latin typeface=".AppleSystemUIFont"/>
-              </a:rPr>
-              <a:t>Depending on the use case, you might prioritize precision (e.g., to minimize false alarms in fraud detection systems where false positives are costly) or recall (e.g., to ensure all fraudulent transactions are flagged).</a:t>
-            </a:r>
-          </a:p>
-          <a:p>
-            <a:endParaRPr lang="en-US" dirty="0"/>
+              <a:t>Random Forest builds multiple decision trees and aggregates their predictions for robust classification. When combined with SMOTE (Synthetic Minority Oversampling Technique), it addresses class imbalance by generating synthetic examples for the minority class. SMOTE achieves this by identifying the closest neighbors in the dataset and creating similar, yet unique, data points. This balanced dataset allows Random Forest to learn more effectively from the minority class, leading to improved performance across both majority and minority classes.</a:t>
+            </a:r>
+          </a:p>
+          <a:p>
+            <a:endParaRPr lang="en-US" b="0" dirty="0"/>
           </a:p>
         </p:txBody>
       </p:sp>
@@ -1351,7 +1265,7 @@
     </p:spTree>
     <p:extLst>
       <p:ext uri="{BB962C8B-B14F-4D97-AF65-F5344CB8AC3E}">
-        <p14:creationId xmlns:p14="http://schemas.microsoft.com/office/powerpoint/2010/main" val="367440768"/>
+        <p14:creationId xmlns:p14="http://schemas.microsoft.com/office/powerpoint/2010/main" val="1390183804"/>
       </p:ext>
     </p:extLst>
   </p:cSld>
@@ -1404,6 +1318,100 @@
         <p:txBody>
           <a:bodyPr/>
           <a:lstStyle/>
+          <a:p>
+            <a:r>
+              <a:rPr lang="en-US" dirty="0">
+                <a:solidFill>
+                  <a:srgbClr val="0E0E0E"/>
+                </a:solidFill>
+                <a:effectLst/>
+                <a:latin typeface=".AppleSystemUIFont"/>
+              </a:rPr>
+              <a:t>Our project set out to tackle the critical challenge of detecting fraudulent e-commerce transactions using machine learning. From the beginning of this project, we faced two significant hurdles: the highly imbalanced nature of the dataset, where only 5% of transactions were fraudulent, and the need to achieve an overall prediction accuracy of 75% or higher for both legitimate and fraudulent transactions.</a:t>
+            </a:r>
+          </a:p>
+          <a:p>
+            <a:endParaRPr lang="en-US" dirty="0">
+              <a:solidFill>
+                <a:srgbClr val="0E0E0E"/>
+              </a:solidFill>
+              <a:effectLst/>
+              <a:latin typeface=".AppleSystemUIFont"/>
+            </a:endParaRPr>
+          </a:p>
+          <a:p>
+            <a:r>
+              <a:rPr lang="en-US" dirty="0">
+                <a:solidFill>
+                  <a:srgbClr val="0E0E0E"/>
+                </a:solidFill>
+                <a:effectLst/>
+                <a:latin typeface=".AppleSystemUIFont"/>
+              </a:rPr>
+              <a:t>Through testing various models, including logistic regression, </a:t>
+            </a:r>
+            <a:r>
+              <a:rPr lang="en-US" dirty="0" err="1">
+                <a:solidFill>
+                  <a:srgbClr val="0E0E0E"/>
+                </a:solidFill>
+                <a:effectLst/>
+                <a:latin typeface=".AppleSystemUIFont"/>
+              </a:rPr>
+              <a:t>XGBoost</a:t>
+            </a:r>
+            <a:r>
+              <a:rPr lang="en-US" dirty="0">
+                <a:solidFill>
+                  <a:srgbClr val="0E0E0E"/>
+                </a:solidFill>
+                <a:effectLst/>
+                <a:latin typeface=".AppleSystemUIFont"/>
+              </a:rPr>
+              <a:t>, and Random Forest with SMOTE, we evaluated different approaches to balance precision, recall, and scalability. Each model offered unique strengths: logistic regression provided a solid baseline, </a:t>
+            </a:r>
+            <a:r>
+              <a:rPr lang="en-US" dirty="0" err="1">
+                <a:solidFill>
+                  <a:srgbClr val="0E0E0E"/>
+                </a:solidFill>
+                <a:effectLst/>
+                <a:latin typeface=".AppleSystemUIFont"/>
+              </a:rPr>
+              <a:t>XGBoost</a:t>
+            </a:r>
+            <a:r>
+              <a:rPr lang="en-US" dirty="0">
+                <a:solidFill>
+                  <a:srgbClr val="0E0E0E"/>
+                </a:solidFill>
+                <a:effectLst/>
+                <a:latin typeface=".AppleSystemUIFont"/>
+              </a:rPr>
+              <a:t> excelled in handling large datasets efficiently, and Random Forest with SMOTE effectively addressed class imbalance by generating synthetic data for the minority class. Ultimately, the Random Forest with SMOTE model stood out, achieving comparable performance for both classes and surpassing our initial accuracy goals.</a:t>
+            </a:r>
+          </a:p>
+          <a:p>
+            <a:endParaRPr lang="en-US" dirty="0">
+              <a:solidFill>
+                <a:srgbClr val="0E0E0E"/>
+              </a:solidFill>
+              <a:effectLst/>
+              <a:latin typeface=".AppleSystemUIFont"/>
+            </a:endParaRPr>
+          </a:p>
+          <a:p>
+            <a:r>
+              <a:rPr lang="en-US" dirty="0">
+                <a:solidFill>
+                  <a:srgbClr val="0E0E0E"/>
+                </a:solidFill>
+                <a:effectLst/>
+                <a:latin typeface=".AppleSystemUIFont"/>
+              </a:rPr>
+              <a:t>This project not only reinforced the importance of addressing dataset imbalances but also demonstrated how different machine learning techniques can complement one another in solving complex problems. While there’s always room for improvement, especially in enhancing recall and minimizing false positives for fraud detection, we believe this work serves as a solid foundation for real-world applications and further exploration into fraud prevention strategies.</a:t>
+            </a:r>
+          </a:p>
           <a:p>
             <a:endParaRPr lang="en-US" dirty="0"/>
           </a:p>
@@ -1689,7 +1697,7 @@
           <a:p>
             <a:fld id="{9184DA70-C731-4C70-880D-CCD4705E623C}" type="datetime1">
               <a:rPr lang="en-US" smtClean="0"/>
-              <a:t>1/9/25</a:t>
+              <a:t>1/13/25</a:t>
             </a:fld>
             <a:endParaRPr lang="en-US" dirty="0"/>
           </a:p>
@@ -1877,7 +1885,7 @@
           <a:p>
             <a:fld id="{B612A279-0833-481D-8C56-F67FD0AC6C50}" type="datetime1">
               <a:rPr lang="en-US" smtClean="0"/>
-              <a:t>1/9/25</a:t>
+              <a:t>1/13/25</a:t>
             </a:fld>
             <a:endParaRPr lang="en-US" dirty="0"/>
           </a:p>
@@ -2119,7 +2127,7 @@
           <a:p>
             <a:fld id="{6587DA83-5663-4C9C-B9AA-0B40A3DAFF81}" type="datetime1">
               <a:rPr lang="en-US" smtClean="0"/>
-              <a:t>1/9/25</a:t>
+              <a:t>1/13/25</a:t>
             </a:fld>
             <a:endParaRPr lang="en-US" dirty="0"/>
           </a:p>
@@ -2307,7 +2315,7 @@
           <a:p>
             <a:fld id="{4BE1D723-8F53-4F53-90B0-1982A396982E}" type="datetime1">
               <a:rPr lang="en-US" smtClean="0"/>
-              <a:t>1/9/25</a:t>
+              <a:t>1/13/25</a:t>
             </a:fld>
             <a:endParaRPr lang="en-US" dirty="0"/>
           </a:p>
@@ -2680,7 +2688,7 @@
           <a:p>
             <a:fld id="{97669AF7-7BEB-44E4-9852-375E34362B5B}" type="datetime1">
               <a:rPr lang="en-US" smtClean="0"/>
-              <a:t>1/9/25</a:t>
+              <a:t>1/13/25</a:t>
             </a:fld>
             <a:endParaRPr lang="en-US" dirty="0"/>
           </a:p>
@@ -2935,7 +2943,7 @@
           <a:p>
             <a:fld id="{BAAAC38D-0552-4C82-B593-E6124DFADBE2}" type="datetime1">
               <a:rPr lang="en-US" smtClean="0"/>
-              <a:t>1/9/25</a:t>
+              <a:t>1/13/25</a:t>
             </a:fld>
             <a:endParaRPr lang="en-US" dirty="0"/>
           </a:p>
@@ -3332,7 +3340,7 @@
           <a:p>
             <a:fld id="{D9DF0F1C-5577-4ACB-BB62-DF8F3C494C7E}" type="datetime1">
               <a:rPr lang="en-US" smtClean="0"/>
-              <a:t>1/9/25</a:t>
+              <a:t>1/13/25</a:t>
             </a:fld>
             <a:endParaRPr lang="en-US" dirty="0"/>
           </a:p>
@@ -3468,7 +3476,7 @@
           <a:p>
             <a:fld id="{1775B394-D9F9-4F0C-B15D-605F45CB9E9F}" type="datetime1">
               <a:rPr lang="en-US" smtClean="0"/>
-              <a:t>1/9/25</a:t>
+              <a:t>1/13/25</a:t>
             </a:fld>
             <a:endParaRPr lang="en-US" dirty="0"/>
           </a:p>
@@ -3625,7 +3633,7 @@
           <a:p>
             <a:fld id="{39667345-2558-425A-8533-9BFDBCE15005}" type="datetime1">
               <a:rPr lang="en-US" smtClean="0"/>
-              <a:t>1/9/25</a:t>
+              <a:t>1/13/25</a:t>
             </a:fld>
             <a:endParaRPr lang="en-US" dirty="0"/>
           </a:p>
@@ -3954,7 +3962,7 @@
           <a:p>
             <a:fld id="{92BEA474-078D-4E9B-9B14-09A87B19DC46}" type="datetime1">
               <a:rPr lang="en-US" smtClean="0"/>
-              <a:t>1/9/25</a:t>
+              <a:t>1/13/25</a:t>
             </a:fld>
             <a:endParaRPr lang="en-US" dirty="0"/>
           </a:p>
@@ -4304,7 +4312,7 @@
           <a:p>
             <a:fld id="{4907D986-8816-4272-A432-0437A28A9828}" type="datetime1">
               <a:rPr lang="en-US" smtClean="0"/>
-              <a:t>1/9/25</a:t>
+              <a:t>1/13/25</a:t>
             </a:fld>
             <a:endParaRPr lang="en-US" dirty="0"/>
           </a:p>
@@ -4565,7 +4573,7 @@
           <a:p>
             <a:fld id="{62D6E202-B606-4609-B914-27C9371A1F6D}" type="datetime1">
               <a:rPr lang="en-US" smtClean="0"/>
-              <a:t>1/9/25</a:t>
+              <a:t>1/13/25</a:t>
             </a:fld>
             <a:endParaRPr lang="en-US" dirty="0"/>
           </a:p>
@@ -5724,143 +5732,244 @@
         </p:nvSpPr>
         <p:spPr>
           <a:xfrm>
-            <a:off x="1097280" y="2108201"/>
-            <a:ext cx="6789420" cy="4134111"/>
+            <a:off x="1097280" y="2189765"/>
+            <a:ext cx="6789420" cy="4346466"/>
           </a:xfrm>
         </p:spPr>
         <p:txBody>
           <a:bodyPr>
-            <a:normAutofit fontScale="70000" lnSpcReduction="20000"/>
+            <a:noAutofit/>
           </a:bodyPr>
           <a:lstStyle/>
           <a:p>
-            <a:r>
-              <a:rPr lang="en-US" dirty="0">
+            <a:pPr marL="0" indent="0">
+              <a:buNone/>
+            </a:pPr>
+            <a:r>
+              <a:rPr lang="en-US" sz="1600" dirty="0">
                 <a:solidFill>
                   <a:srgbClr val="0E0E0E"/>
                 </a:solidFill>
                 <a:effectLst/>
-                <a:latin typeface=".AppleSystemUIFont"/>
               </a:rPr>
-              <a:t>Our project focused on detecting fraudulent e-commerce transactions using machine learning. The analysis utilized two datasets:</a:t>
-            </a:r>
-          </a:p>
-          <a:p>
-            <a:pPr>
+              <a:t>  Utilized </a:t>
+            </a:r>
+            <a:r>
+              <a:rPr lang="en-US" sz="1600" b="1" dirty="0">
+                <a:solidFill>
+                  <a:srgbClr val="0E0E0E"/>
+                </a:solidFill>
+                <a:effectLst/>
+              </a:rPr>
+              <a:t>two datasets </a:t>
+            </a:r>
+            <a:r>
+              <a:rPr lang="en-US" sz="1600" dirty="0">
+                <a:solidFill>
+                  <a:srgbClr val="0E0E0E"/>
+                </a:solidFill>
+                <a:effectLst/>
+              </a:rPr>
+              <a:t>for analysis:</a:t>
+            </a:r>
+            <a:br>
+              <a:rPr lang="en-US" sz="1600" dirty="0">
+                <a:solidFill>
+                  <a:srgbClr val="0E0E0E"/>
+                </a:solidFill>
+                <a:effectLst/>
+              </a:rPr>
+            </a:br>
+            <a:endParaRPr lang="en-US" sz="1600" dirty="0">
+              <a:solidFill>
+                <a:srgbClr val="0E0E0E"/>
+              </a:solidFill>
+              <a:effectLst/>
+            </a:endParaRPr>
+          </a:p>
+          <a:p>
+            <a:pPr lvl="1"/>
+            <a:r>
+              <a:rPr lang="en-US" sz="1400" b="1" dirty="0">
+                <a:solidFill>
+                  <a:srgbClr val="0E0E0E"/>
+                </a:solidFill>
+                <a:effectLst/>
+              </a:rPr>
+              <a:t>Version 1:</a:t>
+            </a:r>
+            <a:r>
+              <a:rPr lang="en-US" sz="1400" dirty="0">
+                <a:solidFill>
+                  <a:srgbClr val="0E0E0E"/>
+                </a:solidFill>
+                <a:effectLst/>
+              </a:rPr>
+              <a:t> A larger dataset containing </a:t>
+            </a:r>
+            <a:r>
+              <a:rPr lang="en-US" sz="1400" b="1" dirty="0">
+                <a:solidFill>
+                  <a:srgbClr val="0E0E0E"/>
+                </a:solidFill>
+                <a:effectLst/>
+              </a:rPr>
+              <a:t>1,472,952 transactions</a:t>
+            </a:r>
+            <a:r>
+              <a:rPr lang="en-US" sz="1400" dirty="0">
+                <a:solidFill>
+                  <a:srgbClr val="0E0E0E"/>
+                </a:solidFill>
+                <a:effectLst/>
+              </a:rPr>
+              <a:t> without a binary fraud indicator, which served as the test dataset for evaluating the model’s performance.</a:t>
+            </a:r>
+          </a:p>
+          <a:p>
+            <a:pPr lvl="1">
               <a:spcBef>
                 <a:spcPts val="900"/>
               </a:spcBef>
             </a:pPr>
             <a:r>
-              <a:rPr lang="en-US" dirty="0">
+              <a:rPr lang="en-US" sz="1400" b="1" dirty="0">
                 <a:solidFill>
                   <a:srgbClr val="0E0E0E"/>
                 </a:solidFill>
                 <a:effectLst/>
-                <a:latin typeface=".AppleSystemUIFont"/>
               </a:rPr>
-              <a:t>• </a:t>
-            </a:r>
-            <a:r>
-              <a:rPr lang="en-US" b="1" dirty="0">
+              <a:t>Version 2:</a:t>
+            </a:r>
+            <a:r>
+              <a:rPr lang="en-US" sz="1400" dirty="0">
                 <a:solidFill>
                   <a:srgbClr val="0E0E0E"/>
                 </a:solidFill>
                 <a:effectLst/>
-                <a:latin typeface=".AppleSystemUIFont"/>
               </a:rPr>
-              <a:t>Version 1:</a:t>
-            </a:r>
-            <a:r>
-              <a:rPr lang="en-US" dirty="0">
+              <a:t> A smaller dataset containing </a:t>
+            </a:r>
+            <a:r>
+              <a:rPr lang="en-US" sz="1400" b="1" dirty="0">
                 <a:solidFill>
                   <a:srgbClr val="0E0E0E"/>
                 </a:solidFill>
                 <a:effectLst/>
-                <a:latin typeface=".AppleSystemUIFont"/>
               </a:rPr>
-              <a:t> A larger dataset containing 1,472,952 transactions without a binary fraud indicator. This dataset was used for testing the trained model.</a:t>
-            </a:r>
-          </a:p>
-          <a:p>
-            <a:pPr>
+              <a:t>23,634 transactions</a:t>
+            </a:r>
+            <a:r>
+              <a:rPr lang="en-US" sz="1400" dirty="0">
+                <a:solidFill>
+                  <a:srgbClr val="0E0E0E"/>
+                </a:solidFill>
+                <a:effectLst/>
+              </a:rPr>
+              <a:t>, which included a binary indicator of fraudulence (1 for fraudulent, 0 for legitimate). This dataset was used for training and evaluating machine learning models.</a:t>
+            </a:r>
+          </a:p>
+          <a:p>
+            <a:pPr marL="0">
+              <a:spcBef>
+                <a:spcPts val="900"/>
+              </a:spcBef>
+              <a:buNone/>
+            </a:pPr>
+            <a:r>
+              <a:rPr lang="en-US" sz="1600" b="1" dirty="0">
+                <a:solidFill>
+                  <a:srgbClr val="0E0E0E"/>
+                </a:solidFill>
+                <a:effectLst/>
+              </a:rPr>
+              <a:t>  Objective:</a:t>
+            </a:r>
+          </a:p>
+          <a:p>
+            <a:pPr lvl="1">
               <a:spcBef>
                 <a:spcPts val="900"/>
               </a:spcBef>
             </a:pPr>
             <a:r>
-              <a:rPr lang="en-US" dirty="0">
+              <a:rPr lang="en-US" sz="1400" dirty="0">
                 <a:solidFill>
                   <a:srgbClr val="0E0E0E"/>
                 </a:solidFill>
                 <a:effectLst/>
-                <a:latin typeface=".AppleSystemUIFont"/>
               </a:rPr>
-              <a:t>• </a:t>
-            </a:r>
-            <a:r>
-              <a:rPr lang="en-US" b="1" dirty="0">
+              <a:t>Develop a fraud detection model achieving an </a:t>
+            </a:r>
+            <a:r>
+              <a:rPr lang="en-US" sz="1400" b="1" dirty="0">
                 <a:solidFill>
                   <a:srgbClr val="0E0E0E"/>
                 </a:solidFill>
                 <a:effectLst/>
-                <a:latin typeface=".AppleSystemUIFont"/>
               </a:rPr>
-              <a:t>Version 2:</a:t>
-            </a:r>
-            <a:r>
-              <a:rPr lang="en-US" dirty="0">
+              <a:t>accuracy of 75% or higher</a:t>
+            </a:r>
+            <a:r>
+              <a:rPr lang="en-US" sz="1400" dirty="0">
                 <a:solidFill>
                   <a:srgbClr val="0E0E0E"/>
                 </a:solidFill>
                 <a:effectLst/>
-                <a:latin typeface=".AppleSystemUIFont"/>
               </a:rPr>
-              <a:t> A smaller dataset containing 23,634 transactions, which included a binary indicator of fraudulence (1 for fraudulent, 0 for legitimate). This dataset was used for training and evaluating machine learning models.</a:t>
-            </a:r>
-          </a:p>
-          <a:p>
-            <a:r>
-              <a:rPr lang="en-US" dirty="0">
+              <a:t>.</a:t>
+            </a:r>
+          </a:p>
+          <a:p>
+            <a:pPr lvl="1">
+              <a:spcBef>
+                <a:spcPts val="900"/>
+              </a:spcBef>
+            </a:pPr>
+            <a:r>
+              <a:rPr lang="en-US" sz="1400" dirty="0">
                 <a:solidFill>
                   <a:srgbClr val="0E0E0E"/>
                 </a:solidFill>
                 <a:effectLst/>
-                <a:latin typeface=".AppleSystemUIFont"/>
               </a:rPr>
-              <a:t>Initially, the goal was to develop a fraud detection model with an overall prediction accuracy of 75% or higher. However, due to the highly imbalanced nature of the dataset, where fraudulent transactions comprised only 5% of the total, we shifted our focus. The revised objective prioritized </a:t>
-            </a:r>
-            <a:r>
-              <a:rPr lang="en-US" b="1" dirty="0">
+              <a:t>Address the </a:t>
+            </a:r>
+            <a:r>
+              <a:rPr lang="en-US" sz="1400" b="1" dirty="0">
                 <a:solidFill>
                   <a:srgbClr val="0E0E0E"/>
                 </a:solidFill>
                 <a:effectLst/>
-                <a:latin typeface=".AppleSystemUIFont"/>
               </a:rPr>
-              <a:t>recall</a:t>
-            </a:r>
-            <a:r>
-              <a:rPr lang="en-US" dirty="0">
+              <a:t>class imbalance</a:t>
+            </a:r>
+            <a:r>
+              <a:rPr lang="en-US" sz="1400" dirty="0">
                 <a:solidFill>
                   <a:srgbClr val="0E0E0E"/>
                 </a:solidFill>
                 <a:effectLst/>
-                <a:latin typeface=".AppleSystemUIFont"/>
               </a:rPr>
-              <a:t> (the ability to correctly identify fraudulent transactions) and aimed for a recall value of 75% or higher. This approach aligned with the project’s ultimate goal of minimizing missed fraudulent transactions, even if it meant tolerating a slightly higher rate of false positives.</a:t>
-            </a:r>
-          </a:p>
-          <a:p>
-            <a:r>
-              <a:rPr lang="en-US" dirty="0">
+              <a:t>, where only </a:t>
+            </a:r>
+            <a:r>
+              <a:rPr lang="en-US" sz="1400" b="1" dirty="0">
                 <a:solidFill>
                   <a:srgbClr val="0E0E0E"/>
                 </a:solidFill>
                 <a:effectLst/>
-                <a:latin typeface=".AppleSystemUIFont"/>
               </a:rPr>
-              <a:t>By balancing precision and recall, our project sought to build an effective fraud detection model that could perform well on both the small training dataset and the larger test dataset.</a:t>
+              <a:t>5%</a:t>
+            </a:r>
+            <a:r>
+              <a:rPr lang="en-US" sz="1400" dirty="0">
+                <a:solidFill>
+                  <a:srgbClr val="0E0E0E"/>
+                </a:solidFill>
+                <a:effectLst/>
+              </a:rPr>
+              <a:t> of transactions were fraudulent.</a:t>
             </a:r>
           </a:p>
         </p:txBody>
@@ -5970,389 +6079,6 @@
 </file>
 
 <file path=ppt/slides/slide3.xml><?xml version="1.0" encoding="utf-8"?>
-<p:sld xmlns:a="http://schemas.openxmlformats.org/drawingml/2006/main" xmlns:r="http://schemas.openxmlformats.org/officeDocument/2006/relationships" xmlns:p="http://schemas.openxmlformats.org/presentationml/2006/main">
-  <p:cSld>
-    <p:spTree>
-      <p:nvGrpSpPr>
-        <p:cNvPr id="1" name=""/>
-        <p:cNvGrpSpPr/>
-        <p:nvPr/>
-      </p:nvGrpSpPr>
-      <p:grpSpPr>
-        <a:xfrm>
-          <a:off x="0" y="0"/>
-          <a:ext cx="0" cy="0"/>
-          <a:chOff x="0" y="0"/>
-          <a:chExt cx="0" cy="0"/>
-        </a:xfrm>
-      </p:grpSpPr>
-      <p:sp>
-        <p:nvSpPr>
-          <p:cNvPr id="2" name="Title 1">
-            <a:extLst>
-              <a:ext uri="{FF2B5EF4-FFF2-40B4-BE49-F238E27FC236}">
-                <a16:creationId xmlns:a16="http://schemas.microsoft.com/office/drawing/2014/main" id="{81340BC2-E845-0BA8-B46B-6ED98BE6DDF0}"/>
-              </a:ext>
-            </a:extLst>
-          </p:cNvPr>
-          <p:cNvSpPr>
-            <a:spLocks noGrp="1"/>
-          </p:cNvSpPr>
-          <p:nvPr>
-            <p:ph type="title"/>
-          </p:nvPr>
-        </p:nvSpPr>
-        <p:spPr/>
-        <p:txBody>
-          <a:bodyPr/>
-          <a:lstStyle/>
-          <a:p>
-            <a:r>
-              <a:rPr lang="en-US" dirty="0"/>
-              <a:t>Model Selection: Logistic Regression versus Random Forest with SMOTE</a:t>
-            </a:r>
-          </a:p>
-        </p:txBody>
-      </p:sp>
-      <p:pic>
-        <p:nvPicPr>
-          <p:cNvPr id="4" name="Content Placeholder 4" descr="A screenshot of a computer&#10;&#10;Description automatically generated">
-            <a:extLst>
-              <a:ext uri="{FF2B5EF4-FFF2-40B4-BE49-F238E27FC236}">
-                <a16:creationId xmlns:a16="http://schemas.microsoft.com/office/drawing/2014/main" id="{05543EE0-ABE5-291F-D541-C59B6CD45DF4}"/>
-              </a:ext>
-            </a:extLst>
-          </p:cNvPr>
-          <p:cNvPicPr>
-            <a:picLocks noChangeAspect="1"/>
-          </p:cNvPicPr>
-          <p:nvPr/>
-        </p:nvPicPr>
-        <p:blipFill>
-          <a:blip r:embed="rId3"/>
-          <a:stretch>
-            <a:fillRect/>
-          </a:stretch>
-        </p:blipFill>
-        <p:spPr>
-          <a:xfrm>
-            <a:off x="610889" y="2848255"/>
-            <a:ext cx="5140758" cy="2776009"/>
-          </a:xfrm>
-          <a:prstGeom prst="rect">
-            <a:avLst/>
-          </a:prstGeom>
-        </p:spPr>
-      </p:pic>
-      <p:pic>
-        <p:nvPicPr>
-          <p:cNvPr id="6" name="Picture 5" descr="A number of numbers on a white background&#10;&#10;Description automatically generated">
-            <a:extLst>
-              <a:ext uri="{FF2B5EF4-FFF2-40B4-BE49-F238E27FC236}">
-                <a16:creationId xmlns:a16="http://schemas.microsoft.com/office/drawing/2014/main" id="{B7DC6A85-A591-5E43-8D2A-78A4E7107C68}"/>
-              </a:ext>
-            </a:extLst>
-          </p:cNvPr>
-          <p:cNvPicPr>
-            <a:picLocks noChangeAspect="1"/>
-          </p:cNvPicPr>
-          <p:nvPr/>
-        </p:nvPicPr>
-        <p:blipFill>
-          <a:blip r:embed="rId4"/>
-          <a:srcRect t="19526"/>
-          <a:stretch/>
-        </p:blipFill>
-        <p:spPr>
-          <a:xfrm>
-            <a:off x="5751647" y="2905432"/>
-            <a:ext cx="5698664" cy="1943015"/>
-          </a:xfrm>
-          <a:prstGeom prst="rect">
-            <a:avLst/>
-          </a:prstGeom>
-        </p:spPr>
-      </p:pic>
-      <p:sp>
-        <p:nvSpPr>
-          <p:cNvPr id="7" name="TextBox 6">
-            <a:extLst>
-              <a:ext uri="{FF2B5EF4-FFF2-40B4-BE49-F238E27FC236}">
-                <a16:creationId xmlns:a16="http://schemas.microsoft.com/office/drawing/2014/main" id="{29D58331-223F-D3DD-F2DB-50F011BB5DE4}"/>
-              </a:ext>
-            </a:extLst>
-          </p:cNvPr>
-          <p:cNvSpPr txBox="1"/>
-          <p:nvPr/>
-        </p:nvSpPr>
-        <p:spPr>
-          <a:xfrm>
-            <a:off x="610889" y="2276272"/>
-            <a:ext cx="4272388" cy="369332"/>
-          </a:xfrm>
-          <a:prstGeom prst="rect">
-            <a:avLst/>
-          </a:prstGeom>
-          <a:noFill/>
-        </p:spPr>
-        <p:txBody>
-          <a:bodyPr wrap="square" rtlCol="0">
-            <a:spAutoFit/>
-          </a:bodyPr>
-          <a:lstStyle/>
-          <a:p>
-            <a:r>
-              <a:rPr lang="en-US" dirty="0"/>
-              <a:t>Logistic Regression Model</a:t>
-            </a:r>
-          </a:p>
-        </p:txBody>
-      </p:sp>
-      <p:sp>
-        <p:nvSpPr>
-          <p:cNvPr id="8" name="TextBox 7">
-            <a:extLst>
-              <a:ext uri="{FF2B5EF4-FFF2-40B4-BE49-F238E27FC236}">
-                <a16:creationId xmlns:a16="http://schemas.microsoft.com/office/drawing/2014/main" id="{C50156EF-ECC2-4D34-1D8E-2FA1F9395814}"/>
-              </a:ext>
-            </a:extLst>
-          </p:cNvPr>
-          <p:cNvSpPr txBox="1"/>
-          <p:nvPr/>
-        </p:nvSpPr>
-        <p:spPr>
-          <a:xfrm>
-            <a:off x="5751647" y="2276272"/>
-            <a:ext cx="4272388" cy="369332"/>
-          </a:xfrm>
-          <a:prstGeom prst="rect">
-            <a:avLst/>
-          </a:prstGeom>
-          <a:noFill/>
-        </p:spPr>
-        <p:txBody>
-          <a:bodyPr wrap="square" rtlCol="0">
-            <a:spAutoFit/>
-          </a:bodyPr>
-          <a:lstStyle/>
-          <a:p>
-            <a:r>
-              <a:rPr lang="en-US" dirty="0"/>
-              <a:t>Random Forest with SMOTE Model</a:t>
-            </a:r>
-          </a:p>
-        </p:txBody>
-      </p:sp>
-    </p:spTree>
-    <p:extLst>
-      <p:ext uri="{BB962C8B-B14F-4D97-AF65-F5344CB8AC3E}">
-        <p14:creationId xmlns:p14="http://schemas.microsoft.com/office/powerpoint/2010/main" val="2059288058"/>
-      </p:ext>
-    </p:extLst>
-  </p:cSld>
-  <p:clrMapOvr>
-    <a:masterClrMapping/>
-  </p:clrMapOvr>
-</p:sld>
-</file>
-
-<file path=ppt/slides/slide4.xml><?xml version="1.0" encoding="utf-8"?>
-<p:sld xmlns:a="http://schemas.openxmlformats.org/drawingml/2006/main" xmlns:r="http://schemas.openxmlformats.org/officeDocument/2006/relationships" xmlns:p="http://schemas.openxmlformats.org/presentationml/2006/main">
-  <p:cSld>
-    <p:spTree>
-      <p:nvGrpSpPr>
-        <p:cNvPr id="1" name=""/>
-        <p:cNvGrpSpPr/>
-        <p:nvPr/>
-      </p:nvGrpSpPr>
-      <p:grpSpPr>
-        <a:xfrm>
-          <a:off x="0" y="0"/>
-          <a:ext cx="0" cy="0"/>
-          <a:chOff x="0" y="0"/>
-          <a:chExt cx="0" cy="0"/>
-        </a:xfrm>
-      </p:grpSpPr>
-      <p:sp>
-        <p:nvSpPr>
-          <p:cNvPr id="2" name="Title 1">
-            <a:extLst>
-              <a:ext uri="{FF2B5EF4-FFF2-40B4-BE49-F238E27FC236}">
-                <a16:creationId xmlns:a16="http://schemas.microsoft.com/office/drawing/2014/main" id="{05DA0662-B792-A8C9-A330-F5B983810CCD}"/>
-              </a:ext>
-            </a:extLst>
-          </p:cNvPr>
-          <p:cNvSpPr>
-            <a:spLocks noGrp="1"/>
-          </p:cNvSpPr>
-          <p:nvPr>
-            <p:ph type="title"/>
-          </p:nvPr>
-        </p:nvSpPr>
-        <p:spPr/>
-        <p:txBody>
-          <a:bodyPr/>
-          <a:lstStyle/>
-          <a:p>
-            <a:r>
-              <a:rPr lang="en-US" dirty="0"/>
-              <a:t>Model Selection: Random Forest with SMOTE versus </a:t>
-            </a:r>
-            <a:r>
-              <a:rPr lang="en-US" dirty="0" err="1"/>
-              <a:t>XGBoost</a:t>
-            </a:r>
-            <a:endParaRPr lang="en-US" dirty="0"/>
-          </a:p>
-        </p:txBody>
-      </p:sp>
-      <p:pic>
-        <p:nvPicPr>
-          <p:cNvPr id="6" name="Picture 5" descr="A number of numbers on a white background&#10;&#10;Description automatically generated">
-            <a:extLst>
-              <a:ext uri="{FF2B5EF4-FFF2-40B4-BE49-F238E27FC236}">
-                <a16:creationId xmlns:a16="http://schemas.microsoft.com/office/drawing/2014/main" id="{979FEDD6-86CE-61DB-5F53-BB3850E13670}"/>
-              </a:ext>
-            </a:extLst>
-          </p:cNvPr>
-          <p:cNvPicPr>
-            <a:picLocks noChangeAspect="1"/>
-          </p:cNvPicPr>
-          <p:nvPr/>
-        </p:nvPicPr>
-        <p:blipFill>
-          <a:blip r:embed="rId3"/>
-          <a:srcRect t="19526"/>
-          <a:stretch/>
-        </p:blipFill>
-        <p:spPr>
-          <a:xfrm>
-            <a:off x="769703" y="2928526"/>
-            <a:ext cx="5698664" cy="1943015"/>
-          </a:xfrm>
-          <a:prstGeom prst="rect">
-            <a:avLst/>
-          </a:prstGeom>
-        </p:spPr>
-      </p:pic>
-      <p:sp>
-        <p:nvSpPr>
-          <p:cNvPr id="7" name="TextBox 6">
-            <a:extLst>
-              <a:ext uri="{FF2B5EF4-FFF2-40B4-BE49-F238E27FC236}">
-                <a16:creationId xmlns:a16="http://schemas.microsoft.com/office/drawing/2014/main" id="{8975531A-1045-057C-7132-3F9A9DFCE2FA}"/>
-              </a:ext>
-            </a:extLst>
-          </p:cNvPr>
-          <p:cNvSpPr txBox="1"/>
-          <p:nvPr/>
-        </p:nvSpPr>
-        <p:spPr>
-          <a:xfrm>
-            <a:off x="769703" y="2325745"/>
-            <a:ext cx="4272388" cy="369332"/>
-          </a:xfrm>
-          <a:prstGeom prst="rect">
-            <a:avLst/>
-          </a:prstGeom>
-          <a:noFill/>
-        </p:spPr>
-        <p:txBody>
-          <a:bodyPr wrap="square" rtlCol="0">
-            <a:spAutoFit/>
-          </a:bodyPr>
-          <a:lstStyle/>
-          <a:p>
-            <a:r>
-              <a:rPr lang="en-US" dirty="0"/>
-              <a:t>Random Forest with SMOTE Model</a:t>
-            </a:r>
-          </a:p>
-        </p:txBody>
-      </p:sp>
-      <p:sp>
-        <p:nvSpPr>
-          <p:cNvPr id="12" name="TextBox 11">
-            <a:extLst>
-              <a:ext uri="{FF2B5EF4-FFF2-40B4-BE49-F238E27FC236}">
-                <a16:creationId xmlns:a16="http://schemas.microsoft.com/office/drawing/2014/main" id="{66612E7C-ECAD-1ED2-1015-B75ECD72C6FA}"/>
-              </a:ext>
-            </a:extLst>
-          </p:cNvPr>
-          <p:cNvSpPr txBox="1"/>
-          <p:nvPr/>
-        </p:nvSpPr>
-        <p:spPr>
-          <a:xfrm>
-            <a:off x="6623957" y="2325745"/>
-            <a:ext cx="4272388" cy="369332"/>
-          </a:xfrm>
-          <a:prstGeom prst="rect">
-            <a:avLst/>
-          </a:prstGeom>
-          <a:noFill/>
-        </p:spPr>
-        <p:txBody>
-          <a:bodyPr wrap="square" rtlCol="0">
-            <a:spAutoFit/>
-          </a:bodyPr>
-          <a:lstStyle/>
-          <a:p>
-            <a:r>
-              <a:rPr lang="en-US" dirty="0" err="1"/>
-              <a:t>XGBoost</a:t>
-            </a:r>
-            <a:r>
-              <a:rPr lang="en-US" dirty="0"/>
-              <a:t> Model</a:t>
-            </a:r>
-          </a:p>
-        </p:txBody>
-      </p:sp>
-      <p:pic>
-        <p:nvPicPr>
-          <p:cNvPr id="4" name="Picture 3" descr="A screenshot of a computer screen&#10;&#10;Description automatically generated">
-            <a:extLst>
-              <a:ext uri="{FF2B5EF4-FFF2-40B4-BE49-F238E27FC236}">
-                <a16:creationId xmlns:a16="http://schemas.microsoft.com/office/drawing/2014/main" id="{72492017-423B-71CF-C00E-ECA04ABB610A}"/>
-              </a:ext>
-            </a:extLst>
-          </p:cNvPr>
-          <p:cNvPicPr>
-            <a:picLocks noChangeAspect="1"/>
-          </p:cNvPicPr>
-          <p:nvPr/>
-        </p:nvPicPr>
-        <p:blipFill>
-          <a:blip r:embed="rId4"/>
-          <a:stretch>
-            <a:fillRect/>
-          </a:stretch>
-        </p:blipFill>
-        <p:spPr>
-          <a:xfrm>
-            <a:off x="6468367" y="2879539"/>
-            <a:ext cx="5105400" cy="1892300"/>
-          </a:xfrm>
-          <a:prstGeom prst="rect">
-            <a:avLst/>
-          </a:prstGeom>
-        </p:spPr>
-      </p:pic>
-    </p:spTree>
-    <p:extLst>
-      <p:ext uri="{BB962C8B-B14F-4D97-AF65-F5344CB8AC3E}">
-        <p14:creationId xmlns:p14="http://schemas.microsoft.com/office/powerpoint/2010/main" val="188649"/>
-      </p:ext>
-    </p:extLst>
-  </p:cSld>
-  <p:clrMapOvr>
-    <a:masterClrMapping/>
-  </p:clrMapOvr>
-</p:sld>
-</file>
-
-<file path=ppt/slides/slide5.xml><?xml version="1.0" encoding="utf-8"?>
 <p:sld xmlns:a="http://schemas.openxmlformats.org/drawingml/2006/main" xmlns:r="http://schemas.openxmlformats.org/officeDocument/2006/relationships" xmlns:p="http://schemas.openxmlformats.org/presentationml/2006/main">
   <p:cSld>
     <p:bg>
@@ -6572,8 +6298,8 @@
         </p:nvSpPr>
         <p:spPr>
           <a:xfrm>
-            <a:off x="8141110" y="639098"/>
-            <a:ext cx="3401961" cy="3494790"/>
+            <a:off x="7603068" y="639098"/>
+            <a:ext cx="3940004" cy="3494790"/>
           </a:xfrm>
         </p:spPr>
         <p:txBody>
@@ -6583,7 +6309,7 @@
           <a:lstStyle/>
           <a:p>
             <a:r>
-              <a:rPr lang="en-US" sz="5000">
+              <a:rPr lang="en-US" sz="5000" dirty="0">
                 <a:solidFill>
                   <a:schemeClr val="tx1">
                     <a:lumMod val="85000"/>
@@ -6591,43 +6317,11 @@
                   </a:schemeClr>
                 </a:solidFill>
               </a:rPr>
-              <a:t>Precision-Recall Curve with XGBoost</a:t>
-            </a:r>
-          </a:p>
-        </p:txBody>
-      </p:sp>
-      <p:pic>
-        <p:nvPicPr>
-          <p:cNvPr id="12" name="Content Placeholder 11" descr="A graph of a line&#10;&#10;Description automatically generated">
-            <a:extLst>
-              <a:ext uri="{FF2B5EF4-FFF2-40B4-BE49-F238E27FC236}">
-                <a16:creationId xmlns:a16="http://schemas.microsoft.com/office/drawing/2014/main" id="{8FB58351-5526-BF75-E67D-D4E5D714D14B}"/>
-              </a:ext>
-            </a:extLst>
-          </p:cNvPr>
-          <p:cNvPicPr>
-            <a:picLocks noGrp="1" noChangeAspect="1"/>
-          </p:cNvPicPr>
-          <p:nvPr>
-            <p:ph idx="1"/>
-          </p:nvPr>
-        </p:nvPicPr>
-        <p:blipFill>
-          <a:blip r:embed="rId3"/>
-          <a:stretch>
-            <a:fillRect/>
-          </a:stretch>
-        </p:blipFill>
-        <p:spPr>
-          <a:xfrm>
-            <a:off x="881121" y="640081"/>
-            <a:ext cx="6417973" cy="5054156"/>
-          </a:xfrm>
-          <a:prstGeom prst="rect">
-            <a:avLst/>
-          </a:prstGeom>
-        </p:spPr>
-      </p:pic>
+              <a:t>Fraudulent Transactions Visualizations</a:t>
+            </a:r>
+          </a:p>
+        </p:txBody>
+      </p:sp>
       <p:cxnSp>
         <p:nvCxnSpPr>
           <p:cNvPr id="23" name="Straight Connector 22">
@@ -6745,10 +6439,437 @@
           </a:p>
         </p:txBody>
       </p:sp>
+      <p:sp>
+        <p:nvSpPr>
+          <p:cNvPr id="4" name="Content Placeholder 3">
+            <a:extLst>
+              <a:ext uri="{FF2B5EF4-FFF2-40B4-BE49-F238E27FC236}">
+                <a16:creationId xmlns:a16="http://schemas.microsoft.com/office/drawing/2014/main" id="{52A6CEEE-73F9-ACA6-1033-3D9A0B19C0C5}"/>
+              </a:ext>
+            </a:extLst>
+          </p:cNvPr>
+          <p:cNvSpPr>
+            <a:spLocks noGrp="1"/>
+          </p:cNvSpPr>
+          <p:nvPr>
+            <p:ph idx="1"/>
+          </p:nvPr>
+        </p:nvSpPr>
+        <p:spPr>
+          <a:xfrm>
+            <a:off x="1097280" y="778951"/>
+            <a:ext cx="6329729" cy="5090142"/>
+          </a:xfrm>
+        </p:spPr>
+        <p:txBody>
+          <a:bodyPr/>
+          <a:lstStyle/>
+          <a:p>
+            <a:endParaRPr lang="en-US" dirty="0"/>
+          </a:p>
+        </p:txBody>
+      </p:sp>
     </p:spTree>
     <p:extLst>
       <p:ext uri="{BB962C8B-B14F-4D97-AF65-F5344CB8AC3E}">
         <p14:creationId xmlns:p14="http://schemas.microsoft.com/office/powerpoint/2010/main" val="2343250941"/>
+      </p:ext>
+    </p:extLst>
+  </p:cSld>
+  <p:clrMapOvr>
+    <a:masterClrMapping/>
+  </p:clrMapOvr>
+</p:sld>
+</file>
+
+<file path=ppt/slides/slide4.xml><?xml version="1.0" encoding="utf-8"?>
+<p:sld xmlns:a="http://schemas.openxmlformats.org/drawingml/2006/main" xmlns:r="http://schemas.openxmlformats.org/officeDocument/2006/relationships" xmlns:p="http://schemas.openxmlformats.org/presentationml/2006/main">
+  <p:cSld>
+    <p:spTree>
+      <p:nvGrpSpPr>
+        <p:cNvPr id="1" name=""/>
+        <p:cNvGrpSpPr/>
+        <p:nvPr/>
+      </p:nvGrpSpPr>
+      <p:grpSpPr>
+        <a:xfrm>
+          <a:off x="0" y="0"/>
+          <a:ext cx="0" cy="0"/>
+          <a:chOff x="0" y="0"/>
+          <a:chExt cx="0" cy="0"/>
+        </a:xfrm>
+      </p:grpSpPr>
+      <p:sp>
+        <p:nvSpPr>
+          <p:cNvPr id="2" name="Title 1">
+            <a:extLst>
+              <a:ext uri="{FF2B5EF4-FFF2-40B4-BE49-F238E27FC236}">
+                <a16:creationId xmlns:a16="http://schemas.microsoft.com/office/drawing/2014/main" id="{81340BC2-E845-0BA8-B46B-6ED98BE6DDF0}"/>
+              </a:ext>
+            </a:extLst>
+          </p:cNvPr>
+          <p:cNvSpPr>
+            <a:spLocks noGrp="1"/>
+          </p:cNvSpPr>
+          <p:nvPr>
+            <p:ph type="title"/>
+          </p:nvPr>
+        </p:nvSpPr>
+        <p:spPr/>
+        <p:txBody>
+          <a:bodyPr/>
+          <a:lstStyle/>
+          <a:p>
+            <a:r>
+              <a:rPr lang="en-US" dirty="0"/>
+              <a:t>Model Selection: Logistic Regression versus </a:t>
+            </a:r>
+            <a:r>
+              <a:rPr lang="en-US" dirty="0" err="1"/>
+              <a:t>XGBoost</a:t>
+            </a:r>
+            <a:endParaRPr lang="en-US" dirty="0"/>
+          </a:p>
+        </p:txBody>
+      </p:sp>
+      <p:pic>
+        <p:nvPicPr>
+          <p:cNvPr id="4" name="Content Placeholder 4" descr="A screenshot of a computer&#10;&#10;Description automatically generated">
+            <a:extLst>
+              <a:ext uri="{FF2B5EF4-FFF2-40B4-BE49-F238E27FC236}">
+                <a16:creationId xmlns:a16="http://schemas.microsoft.com/office/drawing/2014/main" id="{05543EE0-ABE5-291F-D541-C59B6CD45DF4}"/>
+              </a:ext>
+            </a:extLst>
+          </p:cNvPr>
+          <p:cNvPicPr>
+            <a:picLocks noChangeAspect="1"/>
+          </p:cNvPicPr>
+          <p:nvPr/>
+        </p:nvPicPr>
+        <p:blipFill>
+          <a:blip r:embed="rId3"/>
+          <a:stretch>
+            <a:fillRect/>
+          </a:stretch>
+        </p:blipFill>
+        <p:spPr>
+          <a:xfrm>
+            <a:off x="959230" y="2848255"/>
+            <a:ext cx="5140758" cy="2776009"/>
+          </a:xfrm>
+          <a:prstGeom prst="rect">
+            <a:avLst/>
+          </a:prstGeom>
+        </p:spPr>
+      </p:pic>
+      <p:sp>
+        <p:nvSpPr>
+          <p:cNvPr id="7" name="TextBox 6">
+            <a:extLst>
+              <a:ext uri="{FF2B5EF4-FFF2-40B4-BE49-F238E27FC236}">
+                <a16:creationId xmlns:a16="http://schemas.microsoft.com/office/drawing/2014/main" id="{29D58331-223F-D3DD-F2DB-50F011BB5DE4}"/>
+              </a:ext>
+            </a:extLst>
+          </p:cNvPr>
+          <p:cNvSpPr txBox="1"/>
+          <p:nvPr/>
+        </p:nvSpPr>
+        <p:spPr>
+          <a:xfrm>
+            <a:off x="872144" y="2276272"/>
+            <a:ext cx="4272388" cy="369332"/>
+          </a:xfrm>
+          <a:prstGeom prst="rect">
+            <a:avLst/>
+          </a:prstGeom>
+          <a:noFill/>
+        </p:spPr>
+        <p:txBody>
+          <a:bodyPr wrap="square" rtlCol="0">
+            <a:spAutoFit/>
+          </a:bodyPr>
+          <a:lstStyle/>
+          <a:p>
+            <a:r>
+              <a:rPr lang="en-US" dirty="0"/>
+              <a:t>Logistic Regression Model</a:t>
+            </a:r>
+          </a:p>
+        </p:txBody>
+      </p:sp>
+      <p:sp>
+        <p:nvSpPr>
+          <p:cNvPr id="8" name="TextBox 7">
+            <a:extLst>
+              <a:ext uri="{FF2B5EF4-FFF2-40B4-BE49-F238E27FC236}">
+                <a16:creationId xmlns:a16="http://schemas.microsoft.com/office/drawing/2014/main" id="{C50156EF-ECC2-4D34-1D8E-2FA1F9395814}"/>
+              </a:ext>
+            </a:extLst>
+          </p:cNvPr>
+          <p:cNvSpPr txBox="1"/>
+          <p:nvPr/>
+        </p:nvSpPr>
+        <p:spPr>
+          <a:xfrm>
+            <a:off x="6252383" y="2276272"/>
+            <a:ext cx="4272388" cy="369332"/>
+          </a:xfrm>
+          <a:prstGeom prst="rect">
+            <a:avLst/>
+          </a:prstGeom>
+          <a:noFill/>
+        </p:spPr>
+        <p:txBody>
+          <a:bodyPr wrap="square" rtlCol="0">
+            <a:spAutoFit/>
+          </a:bodyPr>
+          <a:lstStyle/>
+          <a:p>
+            <a:r>
+              <a:rPr lang="en-US" dirty="0" err="1"/>
+              <a:t>XGBoost</a:t>
+            </a:r>
+            <a:r>
+              <a:rPr lang="en-US" dirty="0"/>
+              <a:t> Model</a:t>
+            </a:r>
+          </a:p>
+        </p:txBody>
+      </p:sp>
+      <p:pic>
+        <p:nvPicPr>
+          <p:cNvPr id="12" name="Picture 11" descr="A number of numbers in a row&#10;&#10;Description automatically generated with medium confidence">
+            <a:extLst>
+              <a:ext uri="{FF2B5EF4-FFF2-40B4-BE49-F238E27FC236}">
+                <a16:creationId xmlns:a16="http://schemas.microsoft.com/office/drawing/2014/main" id="{B72EDD55-CBC4-78BC-762F-CAE77E2CF3B4}"/>
+              </a:ext>
+            </a:extLst>
+          </p:cNvPr>
+          <p:cNvPicPr>
+            <a:picLocks noChangeAspect="1"/>
+          </p:cNvPicPr>
+          <p:nvPr/>
+        </p:nvPicPr>
+        <p:blipFill>
+          <a:blip r:embed="rId4"/>
+          <a:stretch>
+            <a:fillRect/>
+          </a:stretch>
+        </p:blipFill>
+        <p:spPr>
+          <a:xfrm>
+            <a:off x="6088378" y="2978885"/>
+            <a:ext cx="5233601" cy="1707416"/>
+          </a:xfrm>
+          <a:prstGeom prst="rect">
+            <a:avLst/>
+          </a:prstGeom>
+        </p:spPr>
+      </p:pic>
+    </p:spTree>
+    <p:extLst>
+      <p:ext uri="{BB962C8B-B14F-4D97-AF65-F5344CB8AC3E}">
+        <p14:creationId xmlns:p14="http://schemas.microsoft.com/office/powerpoint/2010/main" val="2059288058"/>
+      </p:ext>
+    </p:extLst>
+  </p:cSld>
+  <p:clrMapOvr>
+    <a:masterClrMapping/>
+  </p:clrMapOvr>
+</p:sld>
+</file>
+
+<file path=ppt/slides/slide5.xml><?xml version="1.0" encoding="utf-8"?>
+<p:sld xmlns:a="http://schemas.openxmlformats.org/drawingml/2006/main" xmlns:r="http://schemas.openxmlformats.org/officeDocument/2006/relationships" xmlns:p="http://schemas.openxmlformats.org/presentationml/2006/main">
+  <p:cSld>
+    <p:spTree>
+      <p:nvGrpSpPr>
+        <p:cNvPr id="1" name=""/>
+        <p:cNvGrpSpPr/>
+        <p:nvPr/>
+      </p:nvGrpSpPr>
+      <p:grpSpPr>
+        <a:xfrm>
+          <a:off x="0" y="0"/>
+          <a:ext cx="0" cy="0"/>
+          <a:chOff x="0" y="0"/>
+          <a:chExt cx="0" cy="0"/>
+        </a:xfrm>
+      </p:grpSpPr>
+      <p:sp>
+        <p:nvSpPr>
+          <p:cNvPr id="2" name="Title 1">
+            <a:extLst>
+              <a:ext uri="{FF2B5EF4-FFF2-40B4-BE49-F238E27FC236}">
+                <a16:creationId xmlns:a16="http://schemas.microsoft.com/office/drawing/2014/main" id="{05DA0662-B792-A8C9-A330-F5B983810CCD}"/>
+              </a:ext>
+            </a:extLst>
+          </p:cNvPr>
+          <p:cNvSpPr>
+            <a:spLocks noGrp="1"/>
+          </p:cNvSpPr>
+          <p:nvPr>
+            <p:ph type="title"/>
+          </p:nvPr>
+        </p:nvSpPr>
+        <p:spPr/>
+        <p:txBody>
+          <a:bodyPr/>
+          <a:lstStyle/>
+          <a:p>
+            <a:r>
+              <a:rPr lang="en-US" dirty="0"/>
+              <a:t>Model Selection: </a:t>
+            </a:r>
+            <a:r>
+              <a:rPr lang="en-US" dirty="0" err="1"/>
+              <a:t>XGBoost</a:t>
+            </a:r>
+            <a:r>
+              <a:rPr lang="en-US" dirty="0"/>
+              <a:t> versus Random Forest with SMOTE</a:t>
+            </a:r>
+          </a:p>
+        </p:txBody>
+      </p:sp>
+      <p:sp>
+        <p:nvSpPr>
+          <p:cNvPr id="7" name="TextBox 6">
+            <a:extLst>
+              <a:ext uri="{FF2B5EF4-FFF2-40B4-BE49-F238E27FC236}">
+                <a16:creationId xmlns:a16="http://schemas.microsoft.com/office/drawing/2014/main" id="{8975531A-1045-057C-7132-3F9A9DFCE2FA}"/>
+              </a:ext>
+            </a:extLst>
+          </p:cNvPr>
+          <p:cNvSpPr txBox="1"/>
+          <p:nvPr/>
+        </p:nvSpPr>
+        <p:spPr>
+          <a:xfrm>
+            <a:off x="1009186" y="2325745"/>
+            <a:ext cx="4272388" cy="369332"/>
+          </a:xfrm>
+          <a:prstGeom prst="rect">
+            <a:avLst/>
+          </a:prstGeom>
+          <a:noFill/>
+        </p:spPr>
+        <p:txBody>
+          <a:bodyPr wrap="square" rtlCol="0">
+            <a:spAutoFit/>
+          </a:bodyPr>
+          <a:lstStyle/>
+          <a:p>
+            <a:r>
+              <a:rPr lang="en-US" dirty="0" err="1"/>
+              <a:t>XGBoost</a:t>
+            </a:r>
+            <a:r>
+              <a:rPr lang="en-US" dirty="0"/>
+              <a:t> Model</a:t>
+            </a:r>
+          </a:p>
+        </p:txBody>
+      </p:sp>
+      <p:sp>
+        <p:nvSpPr>
+          <p:cNvPr id="12" name="TextBox 11">
+            <a:extLst>
+              <a:ext uri="{FF2B5EF4-FFF2-40B4-BE49-F238E27FC236}">
+                <a16:creationId xmlns:a16="http://schemas.microsoft.com/office/drawing/2014/main" id="{66612E7C-ECAD-1ED2-1015-B75ECD72C6FA}"/>
+              </a:ext>
+            </a:extLst>
+          </p:cNvPr>
+          <p:cNvSpPr txBox="1"/>
+          <p:nvPr/>
+        </p:nvSpPr>
+        <p:spPr>
+          <a:xfrm>
+            <a:off x="6275616" y="2325745"/>
+            <a:ext cx="4272388" cy="369332"/>
+          </a:xfrm>
+          <a:prstGeom prst="rect">
+            <a:avLst/>
+          </a:prstGeom>
+          <a:noFill/>
+        </p:spPr>
+        <p:txBody>
+          <a:bodyPr wrap="square" rtlCol="0">
+            <a:spAutoFit/>
+          </a:bodyPr>
+          <a:lstStyle/>
+          <a:p>
+            <a:r>
+              <a:rPr lang="en-US" dirty="0"/>
+              <a:t>Random Forest with SMOTE Model</a:t>
+            </a:r>
+          </a:p>
+        </p:txBody>
+      </p:sp>
+      <p:pic>
+        <p:nvPicPr>
+          <p:cNvPr id="3" name="Picture 2" descr="A number of numbers in a row&#10;&#10;Description automatically generated with medium confidence">
+            <a:extLst>
+              <a:ext uri="{FF2B5EF4-FFF2-40B4-BE49-F238E27FC236}">
+                <a16:creationId xmlns:a16="http://schemas.microsoft.com/office/drawing/2014/main" id="{054EA35D-F9EB-4497-1B5A-D8ECF8AAF53B}"/>
+              </a:ext>
+            </a:extLst>
+          </p:cNvPr>
+          <p:cNvPicPr>
+            <a:picLocks noChangeAspect="1"/>
+          </p:cNvPicPr>
+          <p:nvPr/>
+        </p:nvPicPr>
+        <p:blipFill>
+          <a:blip r:embed="rId3"/>
+          <a:stretch>
+            <a:fillRect/>
+          </a:stretch>
+        </p:blipFill>
+        <p:spPr>
+          <a:xfrm>
+            <a:off x="972091" y="3109514"/>
+            <a:ext cx="5233601" cy="1707416"/>
+          </a:xfrm>
+          <a:prstGeom prst="rect">
+            <a:avLst/>
+          </a:prstGeom>
+        </p:spPr>
+      </p:pic>
+      <p:pic>
+        <p:nvPicPr>
+          <p:cNvPr id="8" name="Picture 7" descr="A screenshot of a black screen&#10;&#10;Description automatically generated">
+            <a:extLst>
+              <a:ext uri="{FF2B5EF4-FFF2-40B4-BE49-F238E27FC236}">
+                <a16:creationId xmlns:a16="http://schemas.microsoft.com/office/drawing/2014/main" id="{A24BBB45-E412-DF14-73AB-56AE2FA6B5D2}"/>
+              </a:ext>
+            </a:extLst>
+          </p:cNvPr>
+          <p:cNvPicPr>
+            <a:picLocks noChangeAspect="1"/>
+          </p:cNvPicPr>
+          <p:nvPr/>
+        </p:nvPicPr>
+        <p:blipFill>
+          <a:blip r:embed="rId4"/>
+          <a:stretch>
+            <a:fillRect/>
+          </a:stretch>
+        </p:blipFill>
+        <p:spPr>
+          <a:xfrm>
+            <a:off x="6333410" y="2999014"/>
+            <a:ext cx="4770013" cy="1802272"/>
+          </a:xfrm>
+          <a:prstGeom prst="rect">
+            <a:avLst/>
+          </a:prstGeom>
+        </p:spPr>
+      </p:pic>
+    </p:spTree>
+    <p:extLst>
+      <p:ext uri="{BB962C8B-B14F-4D97-AF65-F5344CB8AC3E}">
+        <p14:creationId xmlns:p14="http://schemas.microsoft.com/office/powerpoint/2010/main" val="188649"/>
       </p:ext>
     </p:extLst>
   </p:cSld>
@@ -6950,7 +7071,7 @@
         </p:nvSpPr>
         <p:spPr>
           <a:xfrm>
-            <a:off x="4187503" y="135467"/>
+            <a:off x="4367087" y="499534"/>
             <a:ext cx="7351376" cy="6129866"/>
           </a:xfrm>
         </p:spPr>
@@ -6960,6 +7081,196 @@
           </a:bodyPr>
           <a:lstStyle/>
           <a:p>
+            <a:pPr>
+              <a:spcBef>
+                <a:spcPts val="900"/>
+              </a:spcBef>
+            </a:pPr>
+            <a:r>
+              <a:rPr lang="en-US" sz="1800" dirty="0">
+                <a:solidFill>
+                  <a:srgbClr val="0E0E0E"/>
+                </a:solidFill>
+                <a:effectLst/>
+                <a:latin typeface=".AppleSystemUIFont"/>
+              </a:rPr>
+              <a:t>• </a:t>
+            </a:r>
+            <a:r>
+              <a:rPr lang="en-US" sz="1800" b="1" dirty="0">
+                <a:solidFill>
+                  <a:srgbClr val="0E0E0E"/>
+                </a:solidFill>
+                <a:effectLst/>
+                <a:latin typeface=".AppleSystemUIFont"/>
+              </a:rPr>
+              <a:t>Objective Achieved</a:t>
+            </a:r>
+            <a:r>
+              <a:rPr lang="en-US" sz="1800" dirty="0">
+                <a:solidFill>
+                  <a:srgbClr val="0E0E0E"/>
+                </a:solidFill>
+                <a:effectLst/>
+                <a:latin typeface=".AppleSystemUIFont"/>
+              </a:rPr>
+              <a:t>: Surpassed the 75% accuracy goal for both legitimate and fraudulent transactions.</a:t>
+            </a:r>
+          </a:p>
+          <a:p>
+            <a:pPr>
+              <a:spcBef>
+                <a:spcPts val="900"/>
+              </a:spcBef>
+            </a:pPr>
+            <a:r>
+              <a:rPr lang="en-US" sz="1800" dirty="0">
+                <a:solidFill>
+                  <a:srgbClr val="0E0E0E"/>
+                </a:solidFill>
+                <a:effectLst/>
+                <a:latin typeface=".AppleSystemUIFont"/>
+              </a:rPr>
+              <a:t>• </a:t>
+            </a:r>
+            <a:r>
+              <a:rPr lang="en-US" sz="1800" b="1" dirty="0">
+                <a:solidFill>
+                  <a:srgbClr val="0E0E0E"/>
+                </a:solidFill>
+                <a:effectLst/>
+                <a:latin typeface=".AppleSystemUIFont"/>
+              </a:rPr>
+              <a:t>Class Imbalance Addressed</a:t>
+            </a:r>
+            <a:r>
+              <a:rPr lang="en-US" sz="1800" dirty="0">
+                <a:solidFill>
+                  <a:srgbClr val="0E0E0E"/>
+                </a:solidFill>
+                <a:effectLst/>
+                <a:latin typeface=".AppleSystemUIFont"/>
+              </a:rPr>
+              <a:t>: SMOTE effectively balanced the minority fraud class for improved model training.</a:t>
+            </a:r>
+          </a:p>
+          <a:p>
+            <a:pPr>
+              <a:spcBef>
+                <a:spcPts val="900"/>
+              </a:spcBef>
+            </a:pPr>
+            <a:r>
+              <a:rPr lang="en-US" sz="1800" dirty="0">
+                <a:solidFill>
+                  <a:srgbClr val="0E0E0E"/>
+                </a:solidFill>
+                <a:effectLst/>
+                <a:latin typeface=".AppleSystemUIFont"/>
+              </a:rPr>
+              <a:t>• </a:t>
+            </a:r>
+            <a:r>
+              <a:rPr lang="en-US" sz="1800" b="1" dirty="0">
+                <a:solidFill>
+                  <a:srgbClr val="0E0E0E"/>
+                </a:solidFill>
+                <a:effectLst/>
+                <a:latin typeface=".AppleSystemUIFont"/>
+              </a:rPr>
+              <a:t>Best Model</a:t>
+            </a:r>
+            <a:r>
+              <a:rPr lang="en-US" sz="1800" dirty="0">
+                <a:solidFill>
+                  <a:srgbClr val="0E0E0E"/>
+                </a:solidFill>
+                <a:effectLst/>
+                <a:latin typeface=".AppleSystemUIFont"/>
+              </a:rPr>
+              <a:t>: Random Forest with SMOTE outperformed others, achieving comparable precision, recall, and F1-scores for both classes.</a:t>
+            </a:r>
+          </a:p>
+          <a:p>
+            <a:pPr>
+              <a:spcBef>
+                <a:spcPts val="900"/>
+              </a:spcBef>
+            </a:pPr>
+            <a:r>
+              <a:rPr lang="en-US" sz="1800" dirty="0">
+                <a:solidFill>
+                  <a:srgbClr val="0E0E0E"/>
+                </a:solidFill>
+                <a:effectLst/>
+                <a:latin typeface=".AppleSystemUIFont"/>
+              </a:rPr>
+              <a:t>• </a:t>
+            </a:r>
+            <a:r>
+              <a:rPr lang="en-US" sz="1800" b="1" dirty="0">
+                <a:solidFill>
+                  <a:srgbClr val="0E0E0E"/>
+                </a:solidFill>
+                <a:effectLst/>
+                <a:latin typeface=".AppleSystemUIFont"/>
+              </a:rPr>
+              <a:t>Scalability</a:t>
+            </a:r>
+            <a:r>
+              <a:rPr lang="en-US" sz="1800" dirty="0">
+                <a:solidFill>
+                  <a:srgbClr val="0E0E0E"/>
+                </a:solidFill>
+                <a:effectLst/>
+                <a:latin typeface=".AppleSystemUIFont"/>
+              </a:rPr>
+              <a:t>: Models demonstrated strong performance on both smaller and larger datasets (23k and 1.4M+ transactions).</a:t>
+            </a:r>
+          </a:p>
+          <a:p>
+            <a:pPr>
+              <a:spcBef>
+                <a:spcPts val="900"/>
+              </a:spcBef>
+            </a:pPr>
+            <a:r>
+              <a:rPr lang="en-US" sz="1800" dirty="0">
+                <a:solidFill>
+                  <a:srgbClr val="0E0E0E"/>
+                </a:solidFill>
+                <a:effectLst/>
+                <a:latin typeface=".AppleSystemUIFont"/>
+              </a:rPr>
+              <a:t>• </a:t>
+            </a:r>
+            <a:r>
+              <a:rPr lang="en-US" sz="1800" b="1" dirty="0">
+                <a:solidFill>
+                  <a:srgbClr val="0E0E0E"/>
+                </a:solidFill>
+                <a:effectLst/>
+                <a:latin typeface=".AppleSystemUIFont"/>
+              </a:rPr>
+              <a:t>Real-World Applicability</a:t>
+            </a:r>
+            <a:r>
+              <a:rPr lang="en-US" sz="1800" dirty="0">
+                <a:solidFill>
+                  <a:srgbClr val="0E0E0E"/>
+                </a:solidFill>
+                <a:effectLst/>
+                <a:latin typeface=".AppleSystemUIFont"/>
+              </a:rPr>
+              <a:t>: Established a solid foundation for fraud detection strategies while highlighting areas for continued improvement.</a:t>
+            </a:r>
+          </a:p>
+          <a:p>
+            <a:pPr>
+              <a:spcBef>
+                <a:spcPts val="900"/>
+              </a:spcBef>
+            </a:pPr>
             <a:endParaRPr lang="en-US" dirty="0">
               <a:solidFill>
                 <a:srgbClr val="0E0E0E"/>
@@ -6967,103 +7278,6 @@
               <a:effectLst/>
               <a:latin typeface=".AppleSystemUIFont"/>
             </a:endParaRPr>
-          </a:p>
-          <a:p>
-            <a:r>
-              <a:rPr lang="en-US" dirty="0">
-                <a:solidFill>
-                  <a:srgbClr val="0E0E0E"/>
-                </a:solidFill>
-                <a:effectLst/>
-                <a:latin typeface=".AppleSystemUIFont"/>
-              </a:rPr>
-              <a:t>The </a:t>
-            </a:r>
-            <a:r>
-              <a:rPr lang="en-US" b="1" dirty="0" err="1">
-                <a:solidFill>
-                  <a:srgbClr val="0E0E0E"/>
-                </a:solidFill>
-                <a:effectLst/>
-                <a:latin typeface=".AppleSystemUIFont"/>
-              </a:rPr>
-              <a:t>XGBoost</a:t>
-            </a:r>
-            <a:r>
-              <a:rPr lang="en-US" b="1" dirty="0">
-                <a:solidFill>
-                  <a:srgbClr val="0E0E0E"/>
-                </a:solidFill>
-                <a:effectLst/>
-                <a:latin typeface=".AppleSystemUIFont"/>
-              </a:rPr>
-              <a:t> model</a:t>
-            </a:r>
-            <a:r>
-              <a:rPr lang="en-US" dirty="0">
-                <a:solidFill>
-                  <a:srgbClr val="0E0E0E"/>
-                </a:solidFill>
-                <a:effectLst/>
-                <a:latin typeface=".AppleSystemUIFont"/>
-              </a:rPr>
-              <a:t> was decided to be the most effective solution for detecting fraudulent e-commerce transactions based on accuracy and speed. While the original goal of achieving 75% overall prediction accuracy was reconsidered due to the imbalanced dataset, the new focus on </a:t>
-            </a:r>
-            <a:r>
-              <a:rPr lang="en-US" b="1" dirty="0">
-                <a:solidFill>
-                  <a:srgbClr val="0E0E0E"/>
-                </a:solidFill>
-                <a:effectLst/>
-                <a:latin typeface=".AppleSystemUIFont"/>
-              </a:rPr>
-              <a:t>recall</a:t>
-            </a:r>
-            <a:r>
-              <a:rPr lang="en-US" dirty="0">
-                <a:solidFill>
-                  <a:srgbClr val="0E0E0E"/>
-                </a:solidFill>
-                <a:effectLst/>
-                <a:latin typeface=".AppleSystemUIFont"/>
-              </a:rPr>
-              <a:t> ensured the detection of a significant proportion of fraudulent transactions.</a:t>
-            </a:r>
-          </a:p>
-          <a:p>
-            <a:r>
-              <a:rPr lang="en-US" dirty="0">
-                <a:solidFill>
-                  <a:srgbClr val="0E0E0E"/>
-                </a:solidFill>
-                <a:effectLst/>
-                <a:latin typeface=".AppleSystemUIFont"/>
-              </a:rPr>
-              <a:t>The final model provided a </a:t>
-            </a:r>
-            <a:r>
-              <a:rPr lang="en-US" b="1" dirty="0">
-                <a:solidFill>
-                  <a:srgbClr val="0E0E0E"/>
-                </a:solidFill>
-                <a:effectLst/>
-                <a:latin typeface=".AppleSystemUIFont"/>
-              </a:rPr>
-              <a:t>recall of 75%</a:t>
-            </a:r>
-            <a:r>
-              <a:rPr lang="en-US" dirty="0">
-                <a:solidFill>
-                  <a:srgbClr val="0E0E0E"/>
-                </a:solidFill>
-                <a:effectLst/>
-                <a:latin typeface=".AppleSystemUIFont"/>
-              </a:rPr>
-              <a:t>, which means 3 out of 4 fraudulent transactions were correctly identified. This result demonstrates the model’s effectiveness in high-stakes scenarios where missing fraudulent cases is costlier than flagging legitimate ones. The decision threshold can be adjusted to optimize the balance between precision and recall, allowing for quick adaptability to business needs, while maintaining speed and scalability for large-scale datasets.</a:t>
-            </a:r>
-          </a:p>
-          <a:p>
-            <a:endParaRPr lang="en-US" dirty="0"/>
           </a:p>
         </p:txBody>
       </p:sp>

--- a/Project 4 Presentation.pptx
+++ b/Project 4 Presentation.pptx
@@ -203,7 +203,7 @@
           <a:p>
             <a:fld id="{BF5AA480-C879-5647-9213-4AB0980B2004}" type="datetimeFigureOut">
               <a:rPr lang="en-US" smtClean="0"/>
-              <a:t>1/13/25</a:t>
+              <a:t>1/14/2025</a:t>
             </a:fld>
             <a:endParaRPr lang="en-US"/>
           </a:p>
@@ -863,6 +863,65 @@
           <a:bodyPr/>
           <a:lstStyle/>
           <a:p>
+            <a:r>
+              <a:rPr lang="en-US" dirty="0"/>
+              <a:t>The visuals in this dashboard were generated from the smaller dataset with 23 thousand transactions. </a:t>
+            </a:r>
+          </a:p>
+          <a:p>
+            <a:r>
+              <a:rPr lang="en-US" dirty="0"/>
+              <a:t>As you can see from the charts, the number of fraudulent charges directly correlates with how much is being spent. </a:t>
+            </a:r>
+          </a:p>
+          <a:p>
+            <a:r>
+              <a:rPr lang="en-US" dirty="0"/>
+              <a:t>We also saw that bank transfers had the highest percentage of fraudulent charges, while debit cards had the lowest percentage of fraudulent charges. </a:t>
+            </a:r>
+          </a:p>
+          <a:p>
+            <a:endParaRPr lang="en-US" dirty="0"/>
+          </a:p>
+          <a:p>
+            <a:endParaRPr lang="en-US" dirty="0"/>
+          </a:p>
+          <a:p>
+            <a:endParaRPr lang="en-US" dirty="0"/>
+          </a:p>
+          <a:p>
+            <a:r>
+              <a:rPr lang="en-US" b="0" i="0" dirty="0">
+                <a:solidFill>
+                  <a:srgbClr val="333333"/>
+                </a:solidFill>
+                <a:effectLst/>
+                <a:latin typeface="Roboto" panose="02000000000000000000" pitchFamily="2" charset="0"/>
+              </a:rPr>
+              <a:t>According to Experian.com, Credit cards are safer than debit cards because under federal law, they provide greater liability protection if you're a victim of fraud.</a:t>
+            </a:r>
+          </a:p>
+          <a:p>
+            <a:r>
+              <a:rPr lang="en-US" b="0" i="0" dirty="0">
+                <a:solidFill>
+                  <a:srgbClr val="333333"/>
+                </a:solidFill>
+                <a:effectLst/>
+                <a:latin typeface="Roboto" panose="02000000000000000000" pitchFamily="2" charset="0"/>
+              </a:rPr>
+              <a:t>Online payments are most susceptible to fraudulent activities because you don’t have to show </a:t>
+            </a:r>
+            <a:r>
+              <a:rPr lang="en-US" b="0" i="0">
+                <a:solidFill>
+                  <a:srgbClr val="333333"/>
+                </a:solidFill>
+                <a:effectLst/>
+                <a:latin typeface="Roboto" panose="02000000000000000000" pitchFamily="2" charset="0"/>
+              </a:rPr>
+              <a:t>a physical card. </a:t>
+            </a:r>
             <a:endParaRPr lang="en-US" dirty="0"/>
           </a:p>
         </p:txBody>
@@ -1697,7 +1756,7 @@
           <a:p>
             <a:fld id="{9184DA70-C731-4C70-880D-CCD4705E623C}" type="datetime1">
               <a:rPr lang="en-US" smtClean="0"/>
-              <a:t>1/13/25</a:t>
+              <a:t>1/14/2025</a:t>
             </a:fld>
             <a:endParaRPr lang="en-US" dirty="0"/>
           </a:p>
@@ -1885,7 +1944,7 @@
           <a:p>
             <a:fld id="{B612A279-0833-481D-8C56-F67FD0AC6C50}" type="datetime1">
               <a:rPr lang="en-US" smtClean="0"/>
-              <a:t>1/13/25</a:t>
+              <a:t>1/14/2025</a:t>
             </a:fld>
             <a:endParaRPr lang="en-US" dirty="0"/>
           </a:p>
@@ -2127,7 +2186,7 @@
           <a:p>
             <a:fld id="{6587DA83-5663-4C9C-B9AA-0B40A3DAFF81}" type="datetime1">
               <a:rPr lang="en-US" smtClean="0"/>
-              <a:t>1/13/25</a:t>
+              <a:t>1/14/2025</a:t>
             </a:fld>
             <a:endParaRPr lang="en-US" dirty="0"/>
           </a:p>
@@ -2315,7 +2374,7 @@
           <a:p>
             <a:fld id="{4BE1D723-8F53-4F53-90B0-1982A396982E}" type="datetime1">
               <a:rPr lang="en-US" smtClean="0"/>
-              <a:t>1/13/25</a:t>
+              <a:t>1/14/2025</a:t>
             </a:fld>
             <a:endParaRPr lang="en-US" dirty="0"/>
           </a:p>
@@ -2688,7 +2747,7 @@
           <a:p>
             <a:fld id="{97669AF7-7BEB-44E4-9852-375E34362B5B}" type="datetime1">
               <a:rPr lang="en-US" smtClean="0"/>
-              <a:t>1/13/25</a:t>
+              <a:t>1/14/2025</a:t>
             </a:fld>
             <a:endParaRPr lang="en-US" dirty="0"/>
           </a:p>
@@ -2943,7 +3002,7 @@
           <a:p>
             <a:fld id="{BAAAC38D-0552-4C82-B593-E6124DFADBE2}" type="datetime1">
               <a:rPr lang="en-US" smtClean="0"/>
-              <a:t>1/13/25</a:t>
+              <a:t>1/14/2025</a:t>
             </a:fld>
             <a:endParaRPr lang="en-US" dirty="0"/>
           </a:p>
@@ -3340,7 +3399,7 @@
           <a:p>
             <a:fld id="{D9DF0F1C-5577-4ACB-BB62-DF8F3C494C7E}" type="datetime1">
               <a:rPr lang="en-US" smtClean="0"/>
-              <a:t>1/13/25</a:t>
+              <a:t>1/14/2025</a:t>
             </a:fld>
             <a:endParaRPr lang="en-US" dirty="0"/>
           </a:p>
@@ -3476,7 +3535,7 @@
           <a:p>
             <a:fld id="{1775B394-D9F9-4F0C-B15D-605F45CB9E9F}" type="datetime1">
               <a:rPr lang="en-US" smtClean="0"/>
-              <a:t>1/13/25</a:t>
+              <a:t>1/14/2025</a:t>
             </a:fld>
             <a:endParaRPr lang="en-US" dirty="0"/>
           </a:p>
@@ -3633,7 +3692,7 @@
           <a:p>
             <a:fld id="{39667345-2558-425A-8533-9BFDBCE15005}" type="datetime1">
               <a:rPr lang="en-US" smtClean="0"/>
-              <a:t>1/13/25</a:t>
+              <a:t>1/14/2025</a:t>
             </a:fld>
             <a:endParaRPr lang="en-US" dirty="0"/>
           </a:p>
@@ -3962,7 +4021,7 @@
           <a:p>
             <a:fld id="{92BEA474-078D-4E9B-9B14-09A87B19DC46}" type="datetime1">
               <a:rPr lang="en-US" smtClean="0"/>
-              <a:t>1/13/25</a:t>
+              <a:t>1/14/2025</a:t>
             </a:fld>
             <a:endParaRPr lang="en-US" dirty="0"/>
           </a:p>
@@ -4312,7 +4371,7 @@
           <a:p>
             <a:fld id="{4907D986-8816-4272-A432-0437A28A9828}" type="datetime1">
               <a:rPr lang="en-US" smtClean="0"/>
-              <a:t>1/13/25</a:t>
+              <a:t>1/14/2025</a:t>
             </a:fld>
             <a:endParaRPr lang="en-US" dirty="0"/>
           </a:p>
@@ -4573,7 +4632,7 @@
           <a:p>
             <a:fld id="{62D6E202-B606-4609-B914-27C9371A1F6D}" type="datetime1">
               <a:rPr lang="en-US" smtClean="0"/>
-              <a:t>1/13/25</a:t>
+              <a:t>1/14/2025</a:t>
             </a:fld>
             <a:endParaRPr lang="en-US" dirty="0"/>
           </a:p>
@@ -6298,8 +6357,8 @@
         </p:nvSpPr>
         <p:spPr>
           <a:xfrm>
-            <a:off x="7603068" y="639098"/>
-            <a:ext cx="3940004" cy="3494790"/>
+            <a:off x="7968828" y="639098"/>
+            <a:ext cx="3735492" cy="3494790"/>
           </a:xfrm>
         </p:spPr>
         <p:txBody>
@@ -6439,36 +6498,35 @@
           </a:p>
         </p:txBody>
       </p:sp>
-      <p:sp>
-        <p:nvSpPr>
-          <p:cNvPr id="4" name="Content Placeholder 3">
+      <p:pic>
+        <p:nvPicPr>
+          <p:cNvPr id="11" name="Picture 10">
             <a:extLst>
               <a:ext uri="{FF2B5EF4-FFF2-40B4-BE49-F238E27FC236}">
-                <a16:creationId xmlns:a16="http://schemas.microsoft.com/office/drawing/2014/main" id="{52A6CEEE-73F9-ACA6-1033-3D9A0B19C0C5}"/>
+                <a16:creationId xmlns:a16="http://schemas.microsoft.com/office/drawing/2014/main" id="{14BEAEED-C14F-FA14-0FF6-FBBDF375EDD3}"/>
               </a:ext>
             </a:extLst>
           </p:cNvPr>
-          <p:cNvSpPr>
-            <a:spLocks noGrp="1"/>
-          </p:cNvSpPr>
-          <p:nvPr>
-            <p:ph idx="1"/>
-          </p:nvPr>
-        </p:nvSpPr>
+          <p:cNvPicPr>
+            <a:picLocks noChangeAspect="1"/>
+          </p:cNvPicPr>
+          <p:nvPr/>
+        </p:nvPicPr>
+        <p:blipFill>
+          <a:blip r:embed="rId3"/>
+          <a:srcRect l="17870" t="11111" r="17999" b="59778"/>
+          <a:stretch/>
+        </p:blipFill>
         <p:spPr>
           <a:xfrm>
-            <a:off x="1097280" y="778951"/>
-            <a:ext cx="6329729" cy="5090142"/>
+            <a:off x="899160" y="1445827"/>
+            <a:ext cx="6871548" cy="3509146"/>
           </a:xfrm>
+          <a:prstGeom prst="rect">
+            <a:avLst/>
+          </a:prstGeom>
         </p:spPr>
-        <p:txBody>
-          <a:bodyPr/>
-          <a:lstStyle/>
-          <a:p>
-            <a:endParaRPr lang="en-US" dirty="0"/>
-          </a:p>
-        </p:txBody>
-      </p:sp>
+      </p:pic>
     </p:spTree>
     <p:extLst>
       <p:ext uri="{BB962C8B-B14F-4D97-AF65-F5344CB8AC3E}">

--- a/Project 4 Presentation.pptx
+++ b/Project 4 Presentation.pptx
@@ -203,7 +203,7 @@
           <a:p>
             <a:fld id="{BF5AA480-C879-5647-9213-4AB0980B2004}" type="datetimeFigureOut">
               <a:rPr lang="en-US" smtClean="0"/>
-              <a:t>1/13/25</a:t>
+              <a:t>1/14/25</a:t>
             </a:fld>
             <a:endParaRPr lang="en-US"/>
           </a:p>
@@ -863,6 +863,65 @@
           <a:bodyPr/>
           <a:lstStyle/>
           <a:p>
+            <a:r>
+              <a:rPr lang="en-US" dirty="0"/>
+              <a:t>The visuals in this dashboard were generated from the smaller dataset with 23 thousand transactions. </a:t>
+            </a:r>
+          </a:p>
+          <a:p>
+            <a:r>
+              <a:rPr lang="en-US" dirty="0"/>
+              <a:t>As you can see from the charts, the number of fraudulent charges directly correlates with how much is being spent. </a:t>
+            </a:r>
+          </a:p>
+          <a:p>
+            <a:r>
+              <a:rPr lang="en-US" dirty="0"/>
+              <a:t>We also saw that bank transfers had the highest percentage of fraudulent charges, while debit cards had the lowest percentage of fraudulent charges. </a:t>
+            </a:r>
+          </a:p>
+          <a:p>
+            <a:endParaRPr lang="en-US" dirty="0"/>
+          </a:p>
+          <a:p>
+            <a:endParaRPr lang="en-US" dirty="0"/>
+          </a:p>
+          <a:p>
+            <a:endParaRPr lang="en-US" dirty="0"/>
+          </a:p>
+          <a:p>
+            <a:r>
+              <a:rPr lang="en-US" b="0" i="0" dirty="0">
+                <a:solidFill>
+                  <a:srgbClr val="333333"/>
+                </a:solidFill>
+                <a:effectLst/>
+                <a:latin typeface="Roboto" panose="02000000000000000000" pitchFamily="2" charset="0"/>
+              </a:rPr>
+              <a:t>According to Experian.com, Credit cards are safer than debit cards because under federal law, they provide greater liability protection if you're a victim of fraud.</a:t>
+            </a:r>
+          </a:p>
+          <a:p>
+            <a:r>
+              <a:rPr lang="en-US" b="0" i="0" dirty="0">
+                <a:solidFill>
+                  <a:srgbClr val="333333"/>
+                </a:solidFill>
+                <a:effectLst/>
+                <a:latin typeface="Roboto" panose="02000000000000000000" pitchFamily="2" charset="0"/>
+              </a:rPr>
+              <a:t>Online payments are most susceptible to fraudulent activities because you don’t have to show </a:t>
+            </a:r>
+            <a:r>
+              <a:rPr lang="en-US" b="0" i="0">
+                <a:solidFill>
+                  <a:srgbClr val="333333"/>
+                </a:solidFill>
+                <a:effectLst/>
+                <a:latin typeface="Roboto" panose="02000000000000000000" pitchFamily="2" charset="0"/>
+              </a:rPr>
+              <a:t>a physical card. </a:t>
+            </a:r>
             <a:endParaRPr lang="en-US" dirty="0"/>
           </a:p>
         </p:txBody>
@@ -1235,6 +1294,64 @@
             </a:r>
           </a:p>
           <a:p>
+            <a:endParaRPr lang="en-US" b="0" dirty="0">
+              <a:solidFill>
+                <a:srgbClr val="0E0E0E"/>
+              </a:solidFill>
+              <a:effectLst/>
+              <a:latin typeface=".AppleSystemUIFont"/>
+            </a:endParaRPr>
+          </a:p>
+          <a:p>
+            <a:pPr marL="0" marR="0" lvl="0" indent="0" algn="l" defTabSz="914400" rtl="0" eaLnBrk="1" fontAlgn="auto" latinLnBrk="0" hangingPunct="1">
+              <a:lnSpc>
+                <a:spcPct val="100000"/>
+              </a:lnSpc>
+              <a:spcBef>
+                <a:spcPts val="0"/>
+              </a:spcBef>
+              <a:spcAft>
+                <a:spcPts val="0"/>
+              </a:spcAft>
+              <a:buClrTx/>
+              <a:buSzTx/>
+              <a:buFontTx/>
+              <a:buNone/>
+              <a:tabLst/>
+              <a:defRPr/>
+            </a:pPr>
+            <a:r>
+              <a:rPr lang="en-US" dirty="0">
+                <a:solidFill>
+                  <a:srgbClr val="0E0E0E"/>
+                </a:solidFill>
+                <a:effectLst/>
+                <a:latin typeface=".AppleSystemUIFont"/>
+              </a:rPr>
+              <a:t>Our analysis showed that Random Forest with SMOTE achieved comparable performance to </a:t>
+            </a:r>
+            <a:r>
+              <a:rPr lang="en-US" dirty="0" err="1">
+                <a:solidFill>
+                  <a:srgbClr val="0E0E0E"/>
+                </a:solidFill>
+                <a:effectLst/>
+                <a:latin typeface=".AppleSystemUIFont"/>
+              </a:rPr>
+              <a:t>XGBoost</a:t>
+            </a:r>
+            <a:r>
+              <a:rPr lang="en-US" dirty="0">
+                <a:solidFill>
+                  <a:srgbClr val="0E0E0E"/>
+                </a:solidFill>
+                <a:effectLst/>
+                <a:latin typeface=".AppleSystemUIFont"/>
+              </a:rPr>
+              <a:t> while improving the model’s recall and precision for detecting fraudulent transactions. By addressing the dataset imbalance directly, this approach provided a scalable and practical solution for real-world fraud detection scenarios.</a:t>
+            </a:r>
+          </a:p>
+          <a:p>
             <a:endParaRPr lang="en-US" b="0" dirty="0"/>
           </a:p>
         </p:txBody>
@@ -1327,7 +1444,7 @@
                 <a:effectLst/>
                 <a:latin typeface=".AppleSystemUIFont"/>
               </a:rPr>
-              <a:t>Our project set out to tackle the critical challenge of detecting fraudulent e-commerce transactions using machine learning. From the beginning of this project, we faced two significant hurdles: the highly imbalanced nature of the dataset, where only 5% of transactions were fraudulent, and the need to achieve an overall prediction accuracy of 75% or higher for both legitimate and fraudulent transactions.</a:t>
+              <a:t>In conclusion, our project set out to tackle the critical challenge of detecting fraudulent e-commerce transactions using machine learning. From the beginning of this project, we faced two significant hurdles: the highly imbalanced nature of the dataset, where only 5% of transactions were fraudulent, and the need to achieve an overall prediction accuracy of 75% or higher for both legitimate and fraudulent transactions.</a:t>
             </a:r>
           </a:p>
           <a:p>
@@ -1697,7 +1814,7 @@
           <a:p>
             <a:fld id="{9184DA70-C731-4C70-880D-CCD4705E623C}" type="datetime1">
               <a:rPr lang="en-US" smtClean="0"/>
-              <a:t>1/13/25</a:t>
+              <a:t>1/14/25</a:t>
             </a:fld>
             <a:endParaRPr lang="en-US" dirty="0"/>
           </a:p>
@@ -1885,7 +2002,7 @@
           <a:p>
             <a:fld id="{B612A279-0833-481D-8C56-F67FD0AC6C50}" type="datetime1">
               <a:rPr lang="en-US" smtClean="0"/>
-              <a:t>1/13/25</a:t>
+              <a:t>1/14/25</a:t>
             </a:fld>
             <a:endParaRPr lang="en-US" dirty="0"/>
           </a:p>
@@ -2127,7 +2244,7 @@
           <a:p>
             <a:fld id="{6587DA83-5663-4C9C-B9AA-0B40A3DAFF81}" type="datetime1">
               <a:rPr lang="en-US" smtClean="0"/>
-              <a:t>1/13/25</a:t>
+              <a:t>1/14/25</a:t>
             </a:fld>
             <a:endParaRPr lang="en-US" dirty="0"/>
           </a:p>
@@ -2315,7 +2432,7 @@
           <a:p>
             <a:fld id="{4BE1D723-8F53-4F53-90B0-1982A396982E}" type="datetime1">
               <a:rPr lang="en-US" smtClean="0"/>
-              <a:t>1/13/25</a:t>
+              <a:t>1/14/25</a:t>
             </a:fld>
             <a:endParaRPr lang="en-US" dirty="0"/>
           </a:p>
@@ -2688,7 +2805,7 @@
           <a:p>
             <a:fld id="{97669AF7-7BEB-44E4-9852-375E34362B5B}" type="datetime1">
               <a:rPr lang="en-US" smtClean="0"/>
-              <a:t>1/13/25</a:t>
+              <a:t>1/14/25</a:t>
             </a:fld>
             <a:endParaRPr lang="en-US" dirty="0"/>
           </a:p>
@@ -2943,7 +3060,7 @@
           <a:p>
             <a:fld id="{BAAAC38D-0552-4C82-B593-E6124DFADBE2}" type="datetime1">
               <a:rPr lang="en-US" smtClean="0"/>
-              <a:t>1/13/25</a:t>
+              <a:t>1/14/25</a:t>
             </a:fld>
             <a:endParaRPr lang="en-US" dirty="0"/>
           </a:p>
@@ -3340,7 +3457,7 @@
           <a:p>
             <a:fld id="{D9DF0F1C-5577-4ACB-BB62-DF8F3C494C7E}" type="datetime1">
               <a:rPr lang="en-US" smtClean="0"/>
-              <a:t>1/13/25</a:t>
+              <a:t>1/14/25</a:t>
             </a:fld>
             <a:endParaRPr lang="en-US" dirty="0"/>
           </a:p>
@@ -3476,7 +3593,7 @@
           <a:p>
             <a:fld id="{1775B394-D9F9-4F0C-B15D-605F45CB9E9F}" type="datetime1">
               <a:rPr lang="en-US" smtClean="0"/>
-              <a:t>1/13/25</a:t>
+              <a:t>1/14/25</a:t>
             </a:fld>
             <a:endParaRPr lang="en-US" dirty="0"/>
           </a:p>
@@ -3633,7 +3750,7 @@
           <a:p>
             <a:fld id="{39667345-2558-425A-8533-9BFDBCE15005}" type="datetime1">
               <a:rPr lang="en-US" smtClean="0"/>
-              <a:t>1/13/25</a:t>
+              <a:t>1/14/25</a:t>
             </a:fld>
             <a:endParaRPr lang="en-US" dirty="0"/>
           </a:p>
@@ -3962,7 +4079,7 @@
           <a:p>
             <a:fld id="{92BEA474-078D-4E9B-9B14-09A87B19DC46}" type="datetime1">
               <a:rPr lang="en-US" smtClean="0"/>
-              <a:t>1/13/25</a:t>
+              <a:t>1/14/25</a:t>
             </a:fld>
             <a:endParaRPr lang="en-US" dirty="0"/>
           </a:p>
@@ -4312,7 +4429,7 @@
           <a:p>
             <a:fld id="{4907D986-8816-4272-A432-0437A28A9828}" type="datetime1">
               <a:rPr lang="en-US" smtClean="0"/>
-              <a:t>1/13/25</a:t>
+              <a:t>1/14/25</a:t>
             </a:fld>
             <a:endParaRPr lang="en-US" dirty="0"/>
           </a:p>
@@ -4573,7 +4690,7 @@
           <a:p>
             <a:fld id="{62D6E202-B606-4609-B914-27C9371A1F6D}" type="datetime1">
               <a:rPr lang="en-US" smtClean="0"/>
-              <a:t>1/13/25</a:t>
+              <a:t>1/14/25</a:t>
             </a:fld>
             <a:endParaRPr lang="en-US" dirty="0"/>
           </a:p>
@@ -6298,8 +6415,8 @@
         </p:nvSpPr>
         <p:spPr>
           <a:xfrm>
-            <a:off x="7603068" y="639098"/>
-            <a:ext cx="3940004" cy="3494790"/>
+            <a:off x="7968828" y="639098"/>
+            <a:ext cx="3735492" cy="3494790"/>
           </a:xfrm>
         </p:spPr>
         <p:txBody>
@@ -6439,36 +6556,35 @@
           </a:p>
         </p:txBody>
       </p:sp>
-      <p:sp>
-        <p:nvSpPr>
-          <p:cNvPr id="4" name="Content Placeholder 3">
+      <p:pic>
+        <p:nvPicPr>
+          <p:cNvPr id="11" name="Picture 10">
             <a:extLst>
               <a:ext uri="{FF2B5EF4-FFF2-40B4-BE49-F238E27FC236}">
-                <a16:creationId xmlns:a16="http://schemas.microsoft.com/office/drawing/2014/main" id="{52A6CEEE-73F9-ACA6-1033-3D9A0B19C0C5}"/>
+                <a16:creationId xmlns:a16="http://schemas.microsoft.com/office/drawing/2014/main" id="{14BEAEED-C14F-FA14-0FF6-FBBDF375EDD3}"/>
               </a:ext>
             </a:extLst>
           </p:cNvPr>
-          <p:cNvSpPr>
-            <a:spLocks noGrp="1"/>
-          </p:cNvSpPr>
-          <p:nvPr>
-            <p:ph idx="1"/>
-          </p:nvPr>
-        </p:nvSpPr>
+          <p:cNvPicPr>
+            <a:picLocks noChangeAspect="1"/>
+          </p:cNvPicPr>
+          <p:nvPr/>
+        </p:nvPicPr>
+        <p:blipFill>
+          <a:blip r:embed="rId3"/>
+          <a:srcRect l="17870" t="11111" r="17999" b="59778"/>
+          <a:stretch/>
+        </p:blipFill>
         <p:spPr>
           <a:xfrm>
-            <a:off x="1097280" y="778951"/>
-            <a:ext cx="6329729" cy="5090142"/>
+            <a:off x="899160" y="1445827"/>
+            <a:ext cx="6871548" cy="3509146"/>
           </a:xfrm>
+          <a:prstGeom prst="rect">
+            <a:avLst/>
+          </a:prstGeom>
         </p:spPr>
-        <p:txBody>
-          <a:bodyPr/>
-          <a:lstStyle/>
-          <a:p>
-            <a:endParaRPr lang="en-US" dirty="0"/>
-          </a:p>
-        </p:txBody>
-      </p:sp>
+      </p:pic>
     </p:spTree>
     <p:extLst>
       <p:ext uri="{BB962C8B-B14F-4D97-AF65-F5344CB8AC3E}">
